--- a/CPSC-24500/Week07/2017SpringW07Slides.pptx
+++ b/CPSC-24500/Week07/2017SpringW07Slides.pptx
@@ -5,38 +5,30 @@
     <p:sldMasterId id="2147483648" r:id="rId4"/>
   </p:sldMasterIdLst>
   <p:notesMasterIdLst>
-    <p:notesMasterId r:id="rId34"/>
+    <p:notesMasterId r:id="rId26"/>
   </p:notesMasterIdLst>
   <p:sldIdLst>
     <p:sldId id="381" r:id="rId5"/>
     <p:sldId id="466" r:id="rId6"/>
-    <p:sldId id="289" r:id="rId7"/>
-    <p:sldId id="506" r:id="rId8"/>
-    <p:sldId id="502" r:id="rId9"/>
-    <p:sldId id="457" r:id="rId10"/>
-    <p:sldId id="501" r:id="rId11"/>
-    <p:sldId id="503" r:id="rId12"/>
-    <p:sldId id="504" r:id="rId13"/>
-    <p:sldId id="505" r:id="rId14"/>
-    <p:sldId id="507" r:id="rId15"/>
-    <p:sldId id="467" r:id="rId16"/>
-    <p:sldId id="509" r:id="rId17"/>
-    <p:sldId id="470" r:id="rId18"/>
-    <p:sldId id="481" r:id="rId19"/>
-    <p:sldId id="510" r:id="rId20"/>
-    <p:sldId id="511" r:id="rId21"/>
-    <p:sldId id="512" r:id="rId22"/>
-    <p:sldId id="513" r:id="rId23"/>
-    <p:sldId id="515" r:id="rId24"/>
-    <p:sldId id="516" r:id="rId25"/>
-    <p:sldId id="517" r:id="rId26"/>
-    <p:sldId id="475" r:id="rId27"/>
-    <p:sldId id="514" r:id="rId28"/>
-    <p:sldId id="518" r:id="rId29"/>
-    <p:sldId id="520" r:id="rId30"/>
-    <p:sldId id="521" r:id="rId31"/>
-    <p:sldId id="497" r:id="rId32"/>
-    <p:sldId id="490" r:id="rId33"/>
+    <p:sldId id="522" r:id="rId7"/>
+    <p:sldId id="289" r:id="rId8"/>
+    <p:sldId id="506" r:id="rId9"/>
+    <p:sldId id="523" r:id="rId10"/>
+    <p:sldId id="524" r:id="rId11"/>
+    <p:sldId id="525" r:id="rId12"/>
+    <p:sldId id="526" r:id="rId13"/>
+    <p:sldId id="527" r:id="rId14"/>
+    <p:sldId id="528" r:id="rId15"/>
+    <p:sldId id="529" r:id="rId16"/>
+    <p:sldId id="530" r:id="rId17"/>
+    <p:sldId id="531" r:id="rId18"/>
+    <p:sldId id="532" r:id="rId19"/>
+    <p:sldId id="533" r:id="rId20"/>
+    <p:sldId id="534" r:id="rId21"/>
+    <p:sldId id="467" r:id="rId22"/>
+    <p:sldId id="475" r:id="rId23"/>
+    <p:sldId id="497" r:id="rId24"/>
+    <p:sldId id="490" r:id="rId25"/>
   </p:sldIdLst>
   <p:sldSz cx="12192000" cy="6858000"/>
   <p:notesSz cx="7315200" cy="9601200"/>
@@ -228,7 +220,7 @@
           <a:p>
             <a:fld id="{91ED72D7-FE6F-4B82-8D31-76BC00B06094}" type="datetimeFigureOut">
               <a:rPr lang="en-US" smtClean="0"/>
-              <a:t>4/27/2017</a:t>
+              <a:t>4/28/2017</a:t>
             </a:fld>
             <a:endParaRPr lang="en-US" dirty="0"/>
           </a:p>
@@ -653,7 +645,7 @@
     </p:spTree>
     <p:extLst>
       <p:ext uri="{BB962C8B-B14F-4D97-AF65-F5344CB8AC3E}">
-        <p14:creationId xmlns:p14="http://schemas.microsoft.com/office/powerpoint/2010/main" val="231244300"/>
+        <p14:creationId xmlns:p14="http://schemas.microsoft.com/office/powerpoint/2010/main" val="3894753507"/>
       </p:ext>
     </p:extLst>
   </p:cSld>
@@ -707,7 +699,10 @@
           <a:bodyPr/>
           <a:lstStyle/>
           <a:p>
-            <a:endParaRPr lang="en-US" sz="1000" dirty="0"/>
+            <a:r>
+              <a:rPr lang="en-US" sz="1000" dirty="0"/>
+              <a:t>There are a multitude of network and Internet protocols. It is beyond the scope of this class to cover them in detail. </a:t>
+            </a:r>
           </a:p>
         </p:txBody>
       </p:sp>
@@ -737,7 +732,7 @@
     </p:spTree>
     <p:extLst>
       <p:ext uri="{BB962C8B-B14F-4D97-AF65-F5344CB8AC3E}">
-        <p14:creationId xmlns:p14="http://schemas.microsoft.com/office/powerpoint/2010/main" val="2803347777"/>
+        <p14:creationId xmlns:p14="http://schemas.microsoft.com/office/powerpoint/2010/main" val="2274865983"/>
       </p:ext>
     </p:extLst>
   </p:cSld>
@@ -791,7 +786,7 @@
           <a:bodyPr/>
           <a:lstStyle/>
           <a:p>
-            <a:endParaRPr lang="en-US" dirty="0"/>
+            <a:endParaRPr lang="en-US" sz="1000" dirty="0"/>
           </a:p>
         </p:txBody>
       </p:sp>
@@ -821,7 +816,7 @@
     </p:spTree>
     <p:extLst>
       <p:ext uri="{BB962C8B-B14F-4D97-AF65-F5344CB8AC3E}">
-        <p14:creationId xmlns:p14="http://schemas.microsoft.com/office/powerpoint/2010/main" val="4141110217"/>
+        <p14:creationId xmlns:p14="http://schemas.microsoft.com/office/powerpoint/2010/main" val="3500338554"/>
       </p:ext>
     </p:extLst>
   </p:cSld>
@@ -875,7 +870,10 @@
           <a:bodyPr/>
           <a:lstStyle/>
           <a:p>
-            <a:endParaRPr lang="en-US" sz="1000" dirty="0"/>
+            <a:r>
+              <a:rPr lang="en-US" sz="1000" dirty="0"/>
+              <a:t>JSON is an open-standard format that uses human-readable text to transmit data objects consisting of attribute–value pairs. It is a very common data format used for asynchronous browser/server communication, including as a replacement for XML in some web service style systems.</a:t>
+            </a:r>
           </a:p>
         </p:txBody>
       </p:sp>
@@ -905,7 +903,7 @@
     </p:spTree>
     <p:extLst>
       <p:ext uri="{BB962C8B-B14F-4D97-AF65-F5344CB8AC3E}">
-        <p14:creationId xmlns:p14="http://schemas.microsoft.com/office/powerpoint/2010/main" val="4152035260"/>
+        <p14:creationId xmlns:p14="http://schemas.microsoft.com/office/powerpoint/2010/main" val="3725862862"/>
       </p:ext>
     </p:extLst>
   </p:cSld>
@@ -959,25 +957,10 @@
           <a:bodyPr/>
           <a:lstStyle/>
           <a:p>
-            <a:pPr marL="0" indent="0">
-              <a:buNone/>
-            </a:pPr>
             <a:r>
               <a:rPr lang="en-US" sz="1000" dirty="0"/>
-              <a:t>This time we are primarily focused on using a familiar topic (performance, threading, and prime numbers) to learn a new environment and language. </a:t>
-            </a:r>
-          </a:p>
-          <a:p>
-            <a:pPr marL="0" indent="0">
-              <a:buNone/>
-            </a:pPr>
-            <a:endParaRPr lang="en-US" sz="1000" dirty="0"/>
-          </a:p>
-          <a:p>
-            <a:pPr marL="0" indent="0">
-              <a:buNone/>
-            </a:pPr>
-            <a:endParaRPr lang="en-US" sz="1000" dirty="0"/>
+              <a:t>Some people would say that binary files include all files, and that text files are just binary files that are being interpreted in a specific way. </a:t>
+            </a:r>
           </a:p>
         </p:txBody>
       </p:sp>
@@ -1007,7 +990,7 @@
     </p:spTree>
     <p:extLst>
       <p:ext uri="{BB962C8B-B14F-4D97-AF65-F5344CB8AC3E}">
-        <p14:creationId xmlns:p14="http://schemas.microsoft.com/office/powerpoint/2010/main" val="3660043807"/>
+        <p14:creationId xmlns:p14="http://schemas.microsoft.com/office/powerpoint/2010/main" val="679003133"/>
       </p:ext>
     </p:extLst>
   </p:cSld>
@@ -1061,22 +1044,6 @@
           <a:bodyPr/>
           <a:lstStyle/>
           <a:p>
-            <a:pPr marL="0" indent="0">
-              <a:buNone/>
-            </a:pPr>
-            <a:r>
-              <a:rPr lang="en-US" sz="1000" dirty="0"/>
-              <a:t>Once again, this time we are primarily focused on using a familiar topic (performance, threading, and prime numbers) to learn the Visual Studio environment and C# language. </a:t>
-            </a:r>
-          </a:p>
-          <a:p>
-            <a:pPr marL="0" indent="0">
-              <a:spcBef>
-                <a:spcPts val="1800"/>
-              </a:spcBef>
-              <a:buFont typeface="Wingdings" panose="05000000000000000000" pitchFamily="2" charset="2"/>
-              <a:buNone/>
-            </a:pPr>
             <a:endParaRPr lang="en-US" sz="1000" dirty="0"/>
           </a:p>
         </p:txBody>
@@ -1100,14 +1067,14 @@
               <a:rPr lang="en-US" smtClean="0"/>
               <a:t>15</a:t>
             </a:fld>
-            <a:endParaRPr lang="en-US" dirty="0"/>
+            <a:endParaRPr lang="en-US"/>
           </a:p>
         </p:txBody>
       </p:sp>
     </p:spTree>
     <p:extLst>
       <p:ext uri="{BB962C8B-B14F-4D97-AF65-F5344CB8AC3E}">
-        <p14:creationId xmlns:p14="http://schemas.microsoft.com/office/powerpoint/2010/main" val="2153697557"/>
+        <p14:creationId xmlns:p14="http://schemas.microsoft.com/office/powerpoint/2010/main" val="3587230456"/>
       </p:ext>
     </p:extLst>
   </p:cSld>
@@ -1162,181 +1129,6 @@
           <a:lstStyle/>
           <a:p>
             <a:pPr marL="0" indent="0">
-              <a:spcBef>
-                <a:spcPts val="1800"/>
-              </a:spcBef>
-              <a:buFont typeface="Wingdings" panose="05000000000000000000" pitchFamily="2" charset="2"/>
-              <a:buNone/>
-            </a:pPr>
-            <a:r>
-              <a:rPr lang="en-US" sz="1000" dirty="0"/>
-              <a:t>If you are going to adopt an IDE, </a:t>
-            </a:r>
-            <a:r>
-              <a:rPr lang="en-US" sz="1000" u="sng" dirty="0"/>
-              <a:t>understand how it works </a:t>
-            </a:r>
-            <a:r>
-              <a:rPr lang="en-US" sz="1000" dirty="0"/>
-              <a:t>and embrace it’s preferences whenever possible. </a:t>
-            </a:r>
-          </a:p>
-          <a:p>
-            <a:pPr marL="0" indent="0">
-              <a:spcBef>
-                <a:spcPts val="1800"/>
-              </a:spcBef>
-              <a:buFont typeface="Wingdings" panose="05000000000000000000" pitchFamily="2" charset="2"/>
-              <a:buNone/>
-            </a:pPr>
-            <a:endParaRPr lang="en-US" sz="1000" dirty="0"/>
-          </a:p>
-          <a:p>
-            <a:pPr marL="0" indent="0">
-              <a:spcBef>
-                <a:spcPts val="1800"/>
-              </a:spcBef>
-              <a:buFont typeface="Wingdings" panose="05000000000000000000" pitchFamily="2" charset="2"/>
-              <a:buNone/>
-            </a:pPr>
-            <a:r>
-              <a:rPr lang="en-US" sz="1000" dirty="0"/>
-              <a:t>New Application Wizard’s are great, but not nearly as great as they first appear. You must invest the time to understand their “magic” so that when there is a problem you know where to look. </a:t>
-            </a:r>
-          </a:p>
-          <a:p>
-            <a:pPr marL="0" indent="0">
-              <a:spcBef>
-                <a:spcPts val="1800"/>
-              </a:spcBef>
-              <a:buFont typeface="Wingdings" panose="05000000000000000000" pitchFamily="2" charset="2"/>
-              <a:buNone/>
-            </a:pPr>
-            <a:endParaRPr lang="en-US" sz="1000" dirty="0"/>
-          </a:p>
-          <a:p>
-            <a:pPr marL="0" indent="0">
-              <a:spcBef>
-                <a:spcPts val="1800"/>
-              </a:spcBef>
-              <a:buFont typeface="Wingdings" panose="05000000000000000000" pitchFamily="2" charset="2"/>
-              <a:buNone/>
-            </a:pPr>
-            <a:r>
-              <a:rPr lang="en-US" sz="1000" u="sng" dirty="0"/>
-              <a:t>*Important</a:t>
-            </a:r>
-            <a:r>
-              <a:rPr lang="en-US" sz="1000" dirty="0"/>
-              <a:t>: For this week’s assignment you will want to start with File-&gt;New-&gt;Project-&gt;Visual C#-&gt;Console App (.NET Framework)… And name your project “</a:t>
-            </a:r>
-            <a:r>
-              <a:rPr lang="en-US" sz="1000" dirty="0" err="1"/>
-              <a:t>FastPrimeCS</a:t>
-            </a:r>
-            <a:r>
-              <a:rPr lang="en-US" sz="1000" dirty="0"/>
-              <a:t>”</a:t>
-            </a:r>
-          </a:p>
-          <a:p>
-            <a:pPr marL="0" indent="0">
-              <a:spcBef>
-                <a:spcPts val="1800"/>
-              </a:spcBef>
-              <a:buFont typeface="Wingdings" panose="05000000000000000000" pitchFamily="2" charset="2"/>
-              <a:buNone/>
-            </a:pPr>
-            <a:endParaRPr lang="en-US" sz="1000" dirty="0"/>
-          </a:p>
-          <a:p>
-            <a:pPr marL="0" indent="0">
-              <a:spcBef>
-                <a:spcPts val="1800"/>
-              </a:spcBef>
-              <a:buFont typeface="Wingdings" panose="05000000000000000000" pitchFamily="2" charset="2"/>
-              <a:buNone/>
-            </a:pPr>
-            <a:r>
-              <a:rPr lang="en-US" sz="1000" dirty="0"/>
-              <a:t>Command Line Arguments: Right click “ConsoleApp1”and select Properties-&gt;Debug-&gt;Command line arguments.</a:t>
-            </a:r>
-          </a:p>
-          <a:p>
-            <a:pPr marL="0" indent="0">
-              <a:spcBef>
-                <a:spcPts val="1800"/>
-              </a:spcBef>
-              <a:buFont typeface="Wingdings" panose="05000000000000000000" pitchFamily="2" charset="2"/>
-              <a:buNone/>
-            </a:pPr>
-            <a:endParaRPr lang="en-US" sz="1000" dirty="0"/>
-          </a:p>
-          <a:p>
-            <a:pPr marL="0" indent="0">
-              <a:spcBef>
-                <a:spcPts val="1800"/>
-              </a:spcBef>
-              <a:buFont typeface="Wingdings" panose="05000000000000000000" pitchFamily="2" charset="2"/>
-              <a:buNone/>
-            </a:pPr>
-            <a:r>
-              <a:rPr lang="en-US" sz="1000" dirty="0"/>
-              <a:t>Bracket Formatting: Tools-&gt;Options-&gt;Text Editor-&gt;C#-&gt;Code Style-&gt;Formatting-&gt;New Lines-&gt;Place open brace on new line for types (unmark all)</a:t>
-            </a:r>
-          </a:p>
-          <a:p>
-            <a:pPr marL="0" indent="0">
-              <a:spcBef>
-                <a:spcPts val="1800"/>
-              </a:spcBef>
-              <a:buFont typeface="Wingdings" panose="05000000000000000000" pitchFamily="2" charset="2"/>
-              <a:buNone/>
-            </a:pPr>
-            <a:endParaRPr lang="en-US" sz="1000" dirty="0"/>
-          </a:p>
-          <a:p>
-            <a:pPr marL="0" indent="0">
-              <a:spcBef>
-                <a:spcPts val="1800"/>
-              </a:spcBef>
-              <a:buFont typeface="Wingdings" panose="05000000000000000000" pitchFamily="2" charset="2"/>
-              <a:buNone/>
-            </a:pPr>
-            <a:r>
-              <a:rPr lang="en-US" sz="1000" dirty="0"/>
-              <a:t>Hello World C#:</a:t>
-            </a:r>
-          </a:p>
-          <a:p>
-            <a:pPr marL="0" indent="0">
-              <a:spcBef>
-                <a:spcPts val="1800"/>
-              </a:spcBef>
-              <a:buFont typeface="Wingdings" panose="05000000000000000000" pitchFamily="2" charset="2"/>
-              <a:buNone/>
-            </a:pPr>
-            <a:r>
-              <a:rPr lang="en-US" sz="1000" dirty="0"/>
-              <a:t>https://msdn.microsoft.com/en-us/library/aa288463(v=vs.71).aspx</a:t>
-            </a:r>
-          </a:p>
-          <a:p>
-            <a:pPr marL="0" indent="0">
-              <a:spcBef>
-                <a:spcPts val="1800"/>
-              </a:spcBef>
-              <a:buFont typeface="Wingdings" panose="05000000000000000000" pitchFamily="2" charset="2"/>
-              <a:buNone/>
-            </a:pPr>
-            <a:endParaRPr lang="en-US" sz="1000" dirty="0"/>
-          </a:p>
-          <a:p>
-            <a:pPr marL="0" indent="0">
-              <a:spcBef>
-                <a:spcPts val="1800"/>
-              </a:spcBef>
-              <a:buFont typeface="Wingdings" panose="05000000000000000000" pitchFamily="2" charset="2"/>
               <a:buNone/>
             </a:pPr>
             <a:endParaRPr lang="en-US" sz="1000" dirty="0"/>
@@ -1369,7 +1161,7 @@
     </p:spTree>
     <p:extLst>
       <p:ext uri="{BB962C8B-B14F-4D97-AF65-F5344CB8AC3E}">
-        <p14:creationId xmlns:p14="http://schemas.microsoft.com/office/powerpoint/2010/main" val="1623798163"/>
+        <p14:creationId xmlns:p14="http://schemas.microsoft.com/office/powerpoint/2010/main" val="4052975307"/>
       </p:ext>
     </p:extLst>
   </p:cSld>
@@ -1423,40 +1215,7 @@
           <a:bodyPr/>
           <a:lstStyle/>
           <a:p>
-            <a:pPr marL="0" indent="0">
-              <a:spcBef>
-                <a:spcPts val="1800"/>
-              </a:spcBef>
-              <a:buFont typeface="Wingdings" panose="05000000000000000000" pitchFamily="2" charset="2"/>
-              <a:buNone/>
-            </a:pPr>
-            <a:r>
-              <a:rPr lang="en-US" sz="1000" dirty="0"/>
-              <a:t>Many Visual Studio languages other that C# (which grew up with .NET) have access to multiple (often competing) class libraries. This can be a substantial challenge as the implementations of similar classes are often not compatible with each other or other elements of their respective libraries. For example, there is at least four competing implementations of  “string” that exists in C++ (C, C++, Windows API, MFC, .NET, etc.).  </a:t>
-            </a:r>
-          </a:p>
-          <a:p>
-            <a:pPr marL="0" indent="0">
-              <a:spcBef>
-                <a:spcPts val="1800"/>
-              </a:spcBef>
-              <a:buFont typeface="Wingdings" panose="05000000000000000000" pitchFamily="2" charset="2"/>
-              <a:buNone/>
-            </a:pPr>
             <a:endParaRPr lang="en-US" sz="1000" dirty="0"/>
-          </a:p>
-          <a:p>
-            <a:pPr marL="0" indent="0">
-              <a:spcBef>
-                <a:spcPts val="1800"/>
-              </a:spcBef>
-              <a:buFont typeface="Wingdings" panose="05000000000000000000" pitchFamily="2" charset="2"/>
-              <a:buNone/>
-            </a:pPr>
-            <a:r>
-              <a:rPr lang="en-US" sz="1000" dirty="0"/>
-              <a:t>In many cases knowing a library or set of APIs has become more important than a given language.  </a:t>
-            </a:r>
           </a:p>
         </p:txBody>
       </p:sp>
@@ -1486,7 +1245,7 @@
     </p:spTree>
     <p:extLst>
       <p:ext uri="{BB962C8B-B14F-4D97-AF65-F5344CB8AC3E}">
-        <p14:creationId xmlns:p14="http://schemas.microsoft.com/office/powerpoint/2010/main" val="3827889259"/>
+        <p14:creationId xmlns:p14="http://schemas.microsoft.com/office/powerpoint/2010/main" val="1719502353"/>
       </p:ext>
     </p:extLst>
   </p:cSld>
@@ -1540,17 +1299,7 @@
           <a:bodyPr/>
           <a:lstStyle/>
           <a:p>
-            <a:pPr marL="0" indent="0">
-              <a:spcBef>
-                <a:spcPts val="1800"/>
-              </a:spcBef>
-              <a:buFont typeface="Wingdings" panose="05000000000000000000" pitchFamily="2" charset="2"/>
-              <a:buNone/>
-            </a:pPr>
-            <a:r>
-              <a:rPr lang="en-US" sz="1000" dirty="0"/>
-              <a:t>Shockingly similar code.</a:t>
-            </a:r>
+            <a:endParaRPr lang="en-US" dirty="0"/>
           </a:p>
         </p:txBody>
       </p:sp>
@@ -1580,7 +1329,7 @@
     </p:spTree>
     <p:extLst>
       <p:ext uri="{BB962C8B-B14F-4D97-AF65-F5344CB8AC3E}">
-        <p14:creationId xmlns:p14="http://schemas.microsoft.com/office/powerpoint/2010/main" val="3811047272"/>
+        <p14:creationId xmlns:p14="http://schemas.microsoft.com/office/powerpoint/2010/main" val="4141110217"/>
       </p:ext>
     </p:extLst>
   </p:cSld>
@@ -1634,7 +1383,7 @@
           <a:bodyPr/>
           <a:lstStyle/>
           <a:p>
-            <a:endParaRPr lang="en-US" sz="1000" dirty="0"/>
+            <a:endParaRPr lang="en-US" dirty="0"/>
           </a:p>
         </p:txBody>
       </p:sp>
@@ -1664,7 +1413,7 @@
     </p:spTree>
     <p:extLst>
       <p:ext uri="{BB962C8B-B14F-4D97-AF65-F5344CB8AC3E}">
-        <p14:creationId xmlns:p14="http://schemas.microsoft.com/office/powerpoint/2010/main" val="3643638587"/>
+        <p14:creationId xmlns:p14="http://schemas.microsoft.com/office/powerpoint/2010/main" val="4053031286"/>
       </p:ext>
     </p:extLst>
   </p:cSld>
@@ -1805,40 +1554,7 @@
           <a:bodyPr/>
           <a:lstStyle/>
           <a:p>
-            <a:r>
-              <a:rPr lang="en-US" sz="1000" dirty="0"/>
-              <a:t>A buffered writer or buffered stream efficiently organization reads and writes for optimal disk performance. The danger is that if there is a power failure (or someone accidentally kicks your power strip) you could lose data. It is good to “flush the buffer” at critical times when using a buffered writer on mission critical projects. There is little or no danger in using a buffered reader. </a:t>
-            </a:r>
-          </a:p>
-          <a:p>
-            <a:endParaRPr lang="en-US" sz="1000" dirty="0"/>
-          </a:p>
-          <a:p>
-            <a:r>
-              <a:rPr lang="en-US" sz="1000" dirty="0"/>
-              <a:t>Binary files versus text files. </a:t>
-            </a:r>
-          </a:p>
-          <a:p>
-            <a:endParaRPr lang="en-US" sz="1000" dirty="0"/>
-          </a:p>
-          <a:p>
-            <a:r>
-              <a:rPr lang="en-US" sz="1000" dirty="0"/>
-              <a:t>XML – Text file format for structured data… HTML for data.</a:t>
-            </a:r>
-          </a:p>
-          <a:p>
-            <a:r>
-              <a:rPr lang="en-US" sz="1000" dirty="0"/>
-              <a:t>JSON – “Simplified” text file format for structured data.</a:t>
-            </a:r>
-          </a:p>
-          <a:p>
-            <a:r>
-              <a:rPr lang="en-US" sz="1000" dirty="0"/>
-              <a:t>Binary</a:t>
-            </a:r>
+            <a:endParaRPr lang="en-US" dirty="0"/>
           </a:p>
         </p:txBody>
       </p:sp>
@@ -1868,7 +1584,7 @@
     </p:spTree>
     <p:extLst>
       <p:ext uri="{BB962C8B-B14F-4D97-AF65-F5344CB8AC3E}">
-        <p14:creationId xmlns:p14="http://schemas.microsoft.com/office/powerpoint/2010/main" val="7852105"/>
+        <p14:creationId xmlns:p14="http://schemas.microsoft.com/office/powerpoint/2010/main" val="4010604235"/>
       </p:ext>
     </p:extLst>
   </p:cSld>
@@ -1922,13 +1638,6 @@
           <a:bodyPr/>
           <a:lstStyle/>
           <a:p>
-            <a:pPr marL="0" indent="0">
-              <a:spcBef>
-                <a:spcPts val="1800"/>
-              </a:spcBef>
-              <a:buFont typeface="Wingdings" panose="05000000000000000000" pitchFamily="2" charset="2"/>
-              <a:buNone/>
-            </a:pPr>
             <a:endParaRPr lang="en-US" sz="1000" dirty="0"/>
           </a:p>
         </p:txBody>
@@ -1951,866 +1660,6 @@
             <a:fld id="{5394DE12-7B9B-46AA-AC19-C30A49928B9B}" type="slidenum">
               <a:rPr lang="en-US" smtClean="0"/>
               <a:t>21</a:t>
-            </a:fld>
-            <a:endParaRPr lang="en-US" dirty="0"/>
-          </a:p>
-        </p:txBody>
-      </p:sp>
-    </p:spTree>
-    <p:extLst>
-      <p:ext uri="{BB962C8B-B14F-4D97-AF65-F5344CB8AC3E}">
-        <p14:creationId xmlns:p14="http://schemas.microsoft.com/office/powerpoint/2010/main" val="946640198"/>
-      </p:ext>
-    </p:extLst>
-  </p:cSld>
-  <p:clrMapOvr>
-    <a:masterClrMapping/>
-  </p:clrMapOvr>
-</p:notes>
-</file>
-
-<file path=ppt/notesSlides/notesSlide22.xml><?xml version="1.0" encoding="utf-8"?>
-<p:notes xmlns:a="http://schemas.openxmlformats.org/drawingml/2006/main" xmlns:r="http://schemas.openxmlformats.org/officeDocument/2006/relationships" xmlns:p="http://schemas.openxmlformats.org/presentationml/2006/main">
-  <p:cSld>
-    <p:spTree>
-      <p:nvGrpSpPr>
-        <p:cNvPr id="1" name=""/>
-        <p:cNvGrpSpPr/>
-        <p:nvPr/>
-      </p:nvGrpSpPr>
-      <p:grpSpPr>
-        <a:xfrm>
-          <a:off x="0" y="0"/>
-          <a:ext cx="0" cy="0"/>
-          <a:chOff x="0" y="0"/>
-          <a:chExt cx="0" cy="0"/>
-        </a:xfrm>
-      </p:grpSpPr>
-      <p:sp>
-        <p:nvSpPr>
-          <p:cNvPr id="2" name="Slide Image Placeholder 1"/>
-          <p:cNvSpPr>
-            <a:spLocks noGrp="1" noRot="1" noChangeAspect="1"/>
-          </p:cNvSpPr>
-          <p:nvPr>
-            <p:ph type="sldImg"/>
-          </p:nvPr>
-        </p:nvSpPr>
-        <p:spPr/>
-      </p:sp>
-      <p:sp>
-        <p:nvSpPr>
-          <p:cNvPr id="3" name="Notes Placeholder 2"/>
-          <p:cNvSpPr>
-            <a:spLocks noGrp="1"/>
-          </p:cNvSpPr>
-          <p:nvPr>
-            <p:ph type="body" idx="1"/>
-          </p:nvPr>
-        </p:nvSpPr>
-        <p:spPr/>
-        <p:txBody>
-          <a:bodyPr/>
-          <a:lstStyle/>
-          <a:p>
-            <a:pPr marL="0" indent="0">
-              <a:spcBef>
-                <a:spcPts val="1800"/>
-              </a:spcBef>
-              <a:buFont typeface="Wingdings" panose="05000000000000000000" pitchFamily="2" charset="2"/>
-              <a:buNone/>
-            </a:pPr>
-            <a:r>
-              <a:rPr lang="en-US" sz="1000" dirty="0"/>
-              <a:t>Become comfortable in looking at the online documentation and examples… be aware of “reputable” sources and conflicting documentation.</a:t>
-            </a:r>
-          </a:p>
-          <a:p>
-            <a:pPr marL="0" indent="0">
-              <a:spcBef>
-                <a:spcPts val="1800"/>
-              </a:spcBef>
-              <a:buFont typeface="Wingdings" panose="05000000000000000000" pitchFamily="2" charset="2"/>
-              <a:buNone/>
-            </a:pPr>
-            <a:endParaRPr lang="en-US" sz="1000" dirty="0"/>
-          </a:p>
-          <a:p>
-            <a:pPr marL="0" indent="0">
-              <a:spcBef>
-                <a:spcPts val="1800"/>
-              </a:spcBef>
-              <a:buFont typeface="Wingdings" panose="05000000000000000000" pitchFamily="2" charset="2"/>
-              <a:buNone/>
-            </a:pPr>
-            <a:r>
-              <a:rPr lang="en-US" sz="1000" dirty="0"/>
-              <a:t>.NET </a:t>
-            </a:r>
-            <a:r>
-              <a:rPr lang="en-US" sz="1000" dirty="0" err="1"/>
-              <a:t>ArrayList</a:t>
-            </a:r>
-            <a:r>
-              <a:rPr lang="en-US" sz="1000" dirty="0"/>
-              <a:t> Thread Safety: Any public static (Shared in Visual Basic) members of this type are thread safe. Any instance members are not guaranteed to be thread safe.</a:t>
-            </a:r>
-          </a:p>
-          <a:p>
-            <a:pPr marL="0" indent="0">
-              <a:spcBef>
-                <a:spcPts val="1800"/>
-              </a:spcBef>
-              <a:buFont typeface="Wingdings" panose="05000000000000000000" pitchFamily="2" charset="2"/>
-              <a:buNone/>
-            </a:pPr>
-            <a:endParaRPr lang="en-US" sz="1000" dirty="0"/>
-          </a:p>
-          <a:p>
-            <a:pPr marL="0" indent="0">
-              <a:spcBef>
-                <a:spcPts val="1800"/>
-              </a:spcBef>
-              <a:buFont typeface="Wingdings" panose="05000000000000000000" pitchFamily="2" charset="2"/>
-              <a:buNone/>
-            </a:pPr>
-            <a:r>
-              <a:rPr lang="en-US" sz="1000" dirty="0"/>
-              <a:t>If you run into threading issues with </a:t>
-            </a:r>
-            <a:r>
-              <a:rPr lang="en-US" sz="1000" dirty="0" err="1"/>
-              <a:t>ArrayaList</a:t>
-            </a:r>
-            <a:r>
-              <a:rPr lang="en-US" sz="1000" dirty="0"/>
-              <a:t> in your assignment, you will need to switch over to a “</a:t>
-            </a:r>
-            <a:r>
-              <a:rPr lang="en-US" sz="1000" dirty="0" err="1"/>
-              <a:t>Concerrent</a:t>
-            </a:r>
-            <a:r>
-              <a:rPr lang="en-US" sz="1000" dirty="0"/>
-              <a:t>” collection list “</a:t>
-            </a:r>
-            <a:r>
-              <a:rPr lang="en-US" sz="1000" dirty="0" err="1"/>
-              <a:t>ConcurrentQueue</a:t>
-            </a:r>
-            <a:r>
-              <a:rPr lang="en-US" sz="1000" dirty="0"/>
-              <a:t>”. </a:t>
-            </a:r>
-          </a:p>
-        </p:txBody>
-      </p:sp>
-      <p:sp>
-        <p:nvSpPr>
-          <p:cNvPr id="4" name="Slide Number Placeholder 3"/>
-          <p:cNvSpPr>
-            <a:spLocks noGrp="1"/>
-          </p:cNvSpPr>
-          <p:nvPr>
-            <p:ph type="sldNum" sz="quarter" idx="10"/>
-          </p:nvPr>
-        </p:nvSpPr>
-        <p:spPr/>
-        <p:txBody>
-          <a:bodyPr/>
-          <a:lstStyle/>
-          <a:p>
-            <a:fld id="{5394DE12-7B9B-46AA-AC19-C30A49928B9B}" type="slidenum">
-              <a:rPr lang="en-US" smtClean="0"/>
-              <a:t>22</a:t>
-            </a:fld>
-            <a:endParaRPr lang="en-US" dirty="0"/>
-          </a:p>
-        </p:txBody>
-      </p:sp>
-    </p:spTree>
-    <p:extLst>
-      <p:ext uri="{BB962C8B-B14F-4D97-AF65-F5344CB8AC3E}">
-        <p14:creationId xmlns:p14="http://schemas.microsoft.com/office/powerpoint/2010/main" val="2548672894"/>
-      </p:ext>
-    </p:extLst>
-  </p:cSld>
-  <p:clrMapOvr>
-    <a:masterClrMapping/>
-  </p:clrMapOvr>
-</p:notes>
-</file>
-
-<file path=ppt/notesSlides/notesSlide23.xml><?xml version="1.0" encoding="utf-8"?>
-<p:notes xmlns:a="http://schemas.openxmlformats.org/drawingml/2006/main" xmlns:r="http://schemas.openxmlformats.org/officeDocument/2006/relationships" xmlns:p="http://schemas.openxmlformats.org/presentationml/2006/main">
-  <p:cSld>
-    <p:spTree>
-      <p:nvGrpSpPr>
-        <p:cNvPr id="1" name=""/>
-        <p:cNvGrpSpPr/>
-        <p:nvPr/>
-      </p:nvGrpSpPr>
-      <p:grpSpPr>
-        <a:xfrm>
-          <a:off x="0" y="0"/>
-          <a:ext cx="0" cy="0"/>
-          <a:chOff x="0" y="0"/>
-          <a:chExt cx="0" cy="0"/>
-        </a:xfrm>
-      </p:grpSpPr>
-      <p:sp>
-        <p:nvSpPr>
-          <p:cNvPr id="2" name="Slide Image Placeholder 1"/>
-          <p:cNvSpPr>
-            <a:spLocks noGrp="1" noRot="1" noChangeAspect="1"/>
-          </p:cNvSpPr>
-          <p:nvPr>
-            <p:ph type="sldImg"/>
-          </p:nvPr>
-        </p:nvSpPr>
-        <p:spPr/>
-      </p:sp>
-      <p:sp>
-        <p:nvSpPr>
-          <p:cNvPr id="3" name="Notes Placeholder 2"/>
-          <p:cNvSpPr>
-            <a:spLocks noGrp="1"/>
-          </p:cNvSpPr>
-          <p:nvPr>
-            <p:ph type="body" idx="1"/>
-          </p:nvPr>
-        </p:nvSpPr>
-        <p:spPr/>
-        <p:txBody>
-          <a:bodyPr/>
-          <a:lstStyle/>
-          <a:p>
-            <a:endParaRPr lang="en-US" dirty="0"/>
-          </a:p>
-        </p:txBody>
-      </p:sp>
-      <p:sp>
-        <p:nvSpPr>
-          <p:cNvPr id="4" name="Slide Number Placeholder 3"/>
-          <p:cNvSpPr>
-            <a:spLocks noGrp="1"/>
-          </p:cNvSpPr>
-          <p:nvPr>
-            <p:ph type="sldNum" sz="quarter" idx="10"/>
-          </p:nvPr>
-        </p:nvSpPr>
-        <p:spPr/>
-        <p:txBody>
-          <a:bodyPr/>
-          <a:lstStyle/>
-          <a:p>
-            <a:fld id="{5394DE12-7B9B-46AA-AC19-C30A49928B9B}" type="slidenum">
-              <a:rPr lang="en-US" smtClean="0"/>
-              <a:t>23</a:t>
-            </a:fld>
-            <a:endParaRPr lang="en-US" dirty="0"/>
-          </a:p>
-        </p:txBody>
-      </p:sp>
-    </p:spTree>
-    <p:extLst>
-      <p:ext uri="{BB962C8B-B14F-4D97-AF65-F5344CB8AC3E}">
-        <p14:creationId xmlns:p14="http://schemas.microsoft.com/office/powerpoint/2010/main" val="4053031286"/>
-      </p:ext>
-    </p:extLst>
-  </p:cSld>
-  <p:clrMapOvr>
-    <a:masterClrMapping/>
-  </p:clrMapOvr>
-</p:notes>
-</file>
-
-<file path=ppt/notesSlides/notesSlide24.xml><?xml version="1.0" encoding="utf-8"?>
-<p:notes xmlns:a="http://schemas.openxmlformats.org/drawingml/2006/main" xmlns:r="http://schemas.openxmlformats.org/officeDocument/2006/relationships" xmlns:p="http://schemas.openxmlformats.org/presentationml/2006/main">
-  <p:cSld>
-    <p:spTree>
-      <p:nvGrpSpPr>
-        <p:cNvPr id="1" name=""/>
-        <p:cNvGrpSpPr/>
-        <p:nvPr/>
-      </p:nvGrpSpPr>
-      <p:grpSpPr>
-        <a:xfrm>
-          <a:off x="0" y="0"/>
-          <a:ext cx="0" cy="0"/>
-          <a:chOff x="0" y="0"/>
-          <a:chExt cx="0" cy="0"/>
-        </a:xfrm>
-      </p:grpSpPr>
-      <p:sp>
-        <p:nvSpPr>
-          <p:cNvPr id="2" name="Slide Image Placeholder 1"/>
-          <p:cNvSpPr>
-            <a:spLocks noGrp="1" noRot="1" noChangeAspect="1"/>
-          </p:cNvSpPr>
-          <p:nvPr>
-            <p:ph type="sldImg"/>
-          </p:nvPr>
-        </p:nvSpPr>
-        <p:spPr/>
-      </p:sp>
-      <p:sp>
-        <p:nvSpPr>
-          <p:cNvPr id="3" name="Notes Placeholder 2"/>
-          <p:cNvSpPr>
-            <a:spLocks noGrp="1"/>
-          </p:cNvSpPr>
-          <p:nvPr>
-            <p:ph type="body" idx="1"/>
-          </p:nvPr>
-        </p:nvSpPr>
-        <p:spPr/>
-        <p:txBody>
-          <a:bodyPr/>
-          <a:lstStyle/>
-          <a:p>
-            <a:r>
-              <a:rPr lang="en-US" sz="1000" dirty="0" err="1"/>
-              <a:t>FastPrimeLite</a:t>
-            </a:r>
-            <a:r>
-              <a:rPr lang="en-US" sz="1000" dirty="0"/>
-              <a:t>: I don’t want this week’s assignment to be difficult because of finding prime numbers and threading! This is intended to be an exercise in taking some things that we know like finding prime numbers and threading and becoming comfortable with implementing them in Visual Studio and C#. As such, my </a:t>
-            </a:r>
-            <a:r>
-              <a:rPr lang="en-US" sz="1000" dirty="0" err="1"/>
-              <a:t>FastPrimeLite</a:t>
-            </a:r>
-            <a:r>
-              <a:rPr lang="en-US" sz="1000" dirty="0"/>
-              <a:t> application that I am going to show today is going to be very much like what you will need to do from a logic perspective for this week’s assignment. You should feel free to copy (well type it in yourself, update the variable, and get the syntax correct) the code for you to become familiar with Visual Studio and C# editing, debugging, and updating. </a:t>
-            </a:r>
-          </a:p>
-          <a:p>
-            <a:endParaRPr lang="en-US" sz="1000" dirty="0"/>
-          </a:p>
-        </p:txBody>
-      </p:sp>
-      <p:sp>
-        <p:nvSpPr>
-          <p:cNvPr id="4" name="Slide Number Placeholder 3"/>
-          <p:cNvSpPr>
-            <a:spLocks noGrp="1"/>
-          </p:cNvSpPr>
-          <p:nvPr>
-            <p:ph type="sldNum" sz="quarter" idx="10"/>
-          </p:nvPr>
-        </p:nvSpPr>
-        <p:spPr/>
-        <p:txBody>
-          <a:bodyPr/>
-          <a:lstStyle/>
-          <a:p>
-            <a:fld id="{5394DE12-7B9B-46AA-AC19-C30A49928B9B}" type="slidenum">
-              <a:rPr lang="en-US" smtClean="0"/>
-              <a:t>24</a:t>
-            </a:fld>
-            <a:endParaRPr lang="en-US" dirty="0"/>
-          </a:p>
-        </p:txBody>
-      </p:sp>
-    </p:spTree>
-    <p:extLst>
-      <p:ext uri="{BB962C8B-B14F-4D97-AF65-F5344CB8AC3E}">
-        <p14:creationId xmlns:p14="http://schemas.microsoft.com/office/powerpoint/2010/main" val="531770322"/>
-      </p:ext>
-    </p:extLst>
-  </p:cSld>
-  <p:clrMapOvr>
-    <a:masterClrMapping/>
-  </p:clrMapOvr>
-</p:notes>
-</file>
-
-<file path=ppt/notesSlides/notesSlide25.xml><?xml version="1.0" encoding="utf-8"?>
-<p:notes xmlns:a="http://schemas.openxmlformats.org/drawingml/2006/main" xmlns:r="http://schemas.openxmlformats.org/officeDocument/2006/relationships" xmlns:p="http://schemas.openxmlformats.org/presentationml/2006/main">
-  <p:cSld>
-    <p:spTree>
-      <p:nvGrpSpPr>
-        <p:cNvPr id="1" name=""/>
-        <p:cNvGrpSpPr/>
-        <p:nvPr/>
-      </p:nvGrpSpPr>
-      <p:grpSpPr>
-        <a:xfrm>
-          <a:off x="0" y="0"/>
-          <a:ext cx="0" cy="0"/>
-          <a:chOff x="0" y="0"/>
-          <a:chExt cx="0" cy="0"/>
-        </a:xfrm>
-      </p:grpSpPr>
-      <p:sp>
-        <p:nvSpPr>
-          <p:cNvPr id="2" name="Slide Image Placeholder 1"/>
-          <p:cNvSpPr>
-            <a:spLocks noGrp="1" noRot="1" noChangeAspect="1"/>
-          </p:cNvSpPr>
-          <p:nvPr>
-            <p:ph type="sldImg"/>
-          </p:nvPr>
-        </p:nvSpPr>
-        <p:spPr/>
-      </p:sp>
-      <p:sp>
-        <p:nvSpPr>
-          <p:cNvPr id="3" name="Notes Placeholder 2"/>
-          <p:cNvSpPr>
-            <a:spLocks noGrp="1"/>
-          </p:cNvSpPr>
-          <p:nvPr>
-            <p:ph type="body" idx="1"/>
-          </p:nvPr>
-        </p:nvSpPr>
-        <p:spPr/>
-        <p:txBody>
-          <a:bodyPr/>
-          <a:lstStyle/>
-          <a:p>
-            <a:pPr marL="0" indent="0">
-              <a:buNone/>
-            </a:pPr>
-            <a:endParaRPr lang="en-US" sz="1000" dirty="0"/>
-          </a:p>
-        </p:txBody>
-      </p:sp>
-      <p:sp>
-        <p:nvSpPr>
-          <p:cNvPr id="4" name="Slide Number Placeholder 3"/>
-          <p:cNvSpPr>
-            <a:spLocks noGrp="1"/>
-          </p:cNvSpPr>
-          <p:nvPr>
-            <p:ph type="sldNum" sz="quarter" idx="10"/>
-          </p:nvPr>
-        </p:nvSpPr>
-        <p:spPr/>
-        <p:txBody>
-          <a:bodyPr/>
-          <a:lstStyle/>
-          <a:p>
-            <a:fld id="{5394DE12-7B9B-46AA-AC19-C30A49928B9B}" type="slidenum">
-              <a:rPr lang="en-US" smtClean="0"/>
-              <a:t>25</a:t>
-            </a:fld>
-            <a:endParaRPr lang="en-US" dirty="0"/>
-          </a:p>
-        </p:txBody>
-      </p:sp>
-    </p:spTree>
-    <p:extLst>
-      <p:ext uri="{BB962C8B-B14F-4D97-AF65-F5344CB8AC3E}">
-        <p14:creationId xmlns:p14="http://schemas.microsoft.com/office/powerpoint/2010/main" val="472950922"/>
-      </p:ext>
-    </p:extLst>
-  </p:cSld>
-  <p:clrMapOvr>
-    <a:masterClrMapping/>
-  </p:clrMapOvr>
-</p:notes>
-</file>
-
-<file path=ppt/notesSlides/notesSlide26.xml><?xml version="1.0" encoding="utf-8"?>
-<p:notes xmlns:a="http://schemas.openxmlformats.org/drawingml/2006/main" xmlns:r="http://schemas.openxmlformats.org/officeDocument/2006/relationships" xmlns:p="http://schemas.openxmlformats.org/presentationml/2006/main">
-  <p:cSld>
-    <p:spTree>
-      <p:nvGrpSpPr>
-        <p:cNvPr id="1" name=""/>
-        <p:cNvGrpSpPr/>
-        <p:nvPr/>
-      </p:nvGrpSpPr>
-      <p:grpSpPr>
-        <a:xfrm>
-          <a:off x="0" y="0"/>
-          <a:ext cx="0" cy="0"/>
-          <a:chOff x="0" y="0"/>
-          <a:chExt cx="0" cy="0"/>
-        </a:xfrm>
-      </p:grpSpPr>
-      <p:sp>
-        <p:nvSpPr>
-          <p:cNvPr id="2" name="Slide Image Placeholder 1"/>
-          <p:cNvSpPr>
-            <a:spLocks noGrp="1" noRot="1" noChangeAspect="1"/>
-          </p:cNvSpPr>
-          <p:nvPr>
-            <p:ph type="sldImg"/>
-          </p:nvPr>
-        </p:nvSpPr>
-        <p:spPr/>
-      </p:sp>
-      <p:sp>
-        <p:nvSpPr>
-          <p:cNvPr id="3" name="Notes Placeholder 2"/>
-          <p:cNvSpPr>
-            <a:spLocks noGrp="1"/>
-          </p:cNvSpPr>
-          <p:nvPr>
-            <p:ph type="body" idx="1"/>
-          </p:nvPr>
-        </p:nvSpPr>
-        <p:spPr/>
-        <p:txBody>
-          <a:bodyPr/>
-          <a:lstStyle/>
-          <a:p>
-            <a:pPr marL="0" indent="0">
-              <a:buNone/>
-            </a:pPr>
-            <a:endParaRPr lang="en-US" sz="1000" dirty="0"/>
-          </a:p>
-        </p:txBody>
-      </p:sp>
-      <p:sp>
-        <p:nvSpPr>
-          <p:cNvPr id="4" name="Slide Number Placeholder 3"/>
-          <p:cNvSpPr>
-            <a:spLocks noGrp="1"/>
-          </p:cNvSpPr>
-          <p:nvPr>
-            <p:ph type="sldNum" sz="quarter" idx="10"/>
-          </p:nvPr>
-        </p:nvSpPr>
-        <p:spPr/>
-        <p:txBody>
-          <a:bodyPr/>
-          <a:lstStyle/>
-          <a:p>
-            <a:fld id="{5394DE12-7B9B-46AA-AC19-C30A49928B9B}" type="slidenum">
-              <a:rPr lang="en-US" smtClean="0"/>
-              <a:t>26</a:t>
-            </a:fld>
-            <a:endParaRPr lang="en-US" dirty="0"/>
-          </a:p>
-        </p:txBody>
-      </p:sp>
-    </p:spTree>
-    <p:extLst>
-      <p:ext uri="{BB962C8B-B14F-4D97-AF65-F5344CB8AC3E}">
-        <p14:creationId xmlns:p14="http://schemas.microsoft.com/office/powerpoint/2010/main" val="106941514"/>
-      </p:ext>
-    </p:extLst>
-  </p:cSld>
-  <p:clrMapOvr>
-    <a:masterClrMapping/>
-  </p:clrMapOvr>
-</p:notes>
-</file>
-
-<file path=ppt/notesSlides/notesSlide27.xml><?xml version="1.0" encoding="utf-8"?>
-<p:notes xmlns:a="http://schemas.openxmlformats.org/drawingml/2006/main" xmlns:r="http://schemas.openxmlformats.org/officeDocument/2006/relationships" xmlns:p="http://schemas.openxmlformats.org/presentationml/2006/main">
-  <p:cSld>
-    <p:spTree>
-      <p:nvGrpSpPr>
-        <p:cNvPr id="1" name=""/>
-        <p:cNvGrpSpPr/>
-        <p:nvPr/>
-      </p:nvGrpSpPr>
-      <p:grpSpPr>
-        <a:xfrm>
-          <a:off x="0" y="0"/>
-          <a:ext cx="0" cy="0"/>
-          <a:chOff x="0" y="0"/>
-          <a:chExt cx="0" cy="0"/>
-        </a:xfrm>
-      </p:grpSpPr>
-      <p:sp>
-        <p:nvSpPr>
-          <p:cNvPr id="2" name="Slide Image Placeholder 1"/>
-          <p:cNvSpPr>
-            <a:spLocks noGrp="1" noRot="1" noChangeAspect="1"/>
-          </p:cNvSpPr>
-          <p:nvPr>
-            <p:ph type="sldImg"/>
-          </p:nvPr>
-        </p:nvSpPr>
-        <p:spPr/>
-      </p:sp>
-      <p:sp>
-        <p:nvSpPr>
-          <p:cNvPr id="3" name="Notes Placeholder 2"/>
-          <p:cNvSpPr>
-            <a:spLocks noGrp="1"/>
-          </p:cNvSpPr>
-          <p:nvPr>
-            <p:ph type="body" idx="1"/>
-          </p:nvPr>
-        </p:nvSpPr>
-        <p:spPr/>
-        <p:txBody>
-          <a:bodyPr/>
-          <a:lstStyle/>
-          <a:p>
-            <a:pPr marL="0" indent="0">
-              <a:buNone/>
-            </a:pPr>
-            <a:r>
-              <a:rPr lang="en-US" sz="1000" dirty="0"/>
-              <a:t>I want you to be focused on learning the C# environment and syntax and not on </a:t>
-            </a:r>
-            <a:r>
-              <a:rPr lang="en-US" sz="1000" dirty="0" err="1"/>
-              <a:t>reimplenting</a:t>
-            </a:r>
-            <a:r>
-              <a:rPr lang="en-US" sz="1000" dirty="0"/>
-              <a:t> </a:t>
-            </a:r>
-            <a:r>
-              <a:rPr lang="en-US" sz="1000" dirty="0" err="1"/>
-              <a:t>FastPrime</a:t>
-            </a:r>
-            <a:r>
-              <a:rPr lang="en-US" sz="1000" dirty="0"/>
-              <a:t> to be better. </a:t>
-            </a:r>
-          </a:p>
-          <a:p>
-            <a:pPr marL="0" indent="0">
-              <a:buNone/>
-            </a:pPr>
-            <a:r>
-              <a:rPr lang="en-US" sz="1000" dirty="0"/>
-              <a:t>Your application should be your own; however, you’re welcome and encouraged to copy significant elements of </a:t>
-            </a:r>
-            <a:r>
-              <a:rPr lang="en-US" sz="1000" dirty="0" err="1"/>
-              <a:t>FastPrimeLite</a:t>
-            </a:r>
-            <a:r>
-              <a:rPr lang="en-US" sz="1000" dirty="0"/>
-              <a:t> in your assignment. You should type it in yourself, change the names of the classes and variables at a minimum, implement the missing features, use at least four threads, and generally enhance the implementation.</a:t>
-            </a:r>
-          </a:p>
-          <a:p>
-            <a:pPr marL="0" indent="0">
-              <a:buNone/>
-            </a:pPr>
-            <a:r>
-              <a:rPr lang="en-US" sz="1000" dirty="0"/>
-              <a:t>The crossed out items are items that will not be implemented if </a:t>
-            </a:r>
-            <a:r>
-              <a:rPr lang="en-US" sz="1000" dirty="0" err="1"/>
-              <a:t>FastPrimeLite</a:t>
-            </a:r>
-            <a:r>
-              <a:rPr lang="en-US" sz="1000" dirty="0"/>
-              <a:t> but that you will need to implement separately.</a:t>
-            </a:r>
-          </a:p>
-          <a:p>
-            <a:pPr marL="0" indent="0">
-              <a:buNone/>
-            </a:pPr>
-            <a:endParaRPr lang="en-US" sz="1000" dirty="0"/>
-          </a:p>
-          <a:p>
-            <a:pPr marL="0" indent="0">
-              <a:buNone/>
-            </a:pPr>
-            <a:r>
-              <a:rPr lang="en-US" sz="1000" dirty="0"/>
-              <a:t>Please don’t forget the easy things like your name at the top and start/end times, </a:t>
-            </a:r>
-            <a:r>
-              <a:rPr lang="en-US" sz="1000" dirty="0" err="1"/>
-              <a:t>etc</a:t>
-            </a:r>
-            <a:endParaRPr lang="en-US" sz="1000" dirty="0"/>
-          </a:p>
-        </p:txBody>
-      </p:sp>
-      <p:sp>
-        <p:nvSpPr>
-          <p:cNvPr id="4" name="Slide Number Placeholder 3"/>
-          <p:cNvSpPr>
-            <a:spLocks noGrp="1"/>
-          </p:cNvSpPr>
-          <p:nvPr>
-            <p:ph type="sldNum" sz="quarter" idx="10"/>
-          </p:nvPr>
-        </p:nvSpPr>
-        <p:spPr/>
-        <p:txBody>
-          <a:bodyPr/>
-          <a:lstStyle/>
-          <a:p>
-            <a:fld id="{5394DE12-7B9B-46AA-AC19-C30A49928B9B}" type="slidenum">
-              <a:rPr lang="en-US" smtClean="0"/>
-              <a:t>27</a:t>
-            </a:fld>
-            <a:endParaRPr lang="en-US" dirty="0"/>
-          </a:p>
-        </p:txBody>
-      </p:sp>
-    </p:spTree>
-    <p:extLst>
-      <p:ext uri="{BB962C8B-B14F-4D97-AF65-F5344CB8AC3E}">
-        <p14:creationId xmlns:p14="http://schemas.microsoft.com/office/powerpoint/2010/main" val="394118486"/>
-      </p:ext>
-    </p:extLst>
-  </p:cSld>
-  <p:clrMapOvr>
-    <a:masterClrMapping/>
-  </p:clrMapOvr>
-</p:notes>
-</file>
-
-<file path=ppt/notesSlides/notesSlide28.xml><?xml version="1.0" encoding="utf-8"?>
-<p:notes xmlns:a="http://schemas.openxmlformats.org/drawingml/2006/main" xmlns:r="http://schemas.openxmlformats.org/officeDocument/2006/relationships" xmlns:p="http://schemas.openxmlformats.org/presentationml/2006/main">
-  <p:cSld>
-    <p:spTree>
-      <p:nvGrpSpPr>
-        <p:cNvPr id="1" name=""/>
-        <p:cNvGrpSpPr/>
-        <p:nvPr/>
-      </p:nvGrpSpPr>
-      <p:grpSpPr>
-        <a:xfrm>
-          <a:off x="0" y="0"/>
-          <a:ext cx="0" cy="0"/>
-          <a:chOff x="0" y="0"/>
-          <a:chExt cx="0" cy="0"/>
-        </a:xfrm>
-      </p:grpSpPr>
-      <p:sp>
-        <p:nvSpPr>
-          <p:cNvPr id="2" name="Slide Image Placeholder 1"/>
-          <p:cNvSpPr>
-            <a:spLocks noGrp="1" noRot="1" noChangeAspect="1"/>
-          </p:cNvSpPr>
-          <p:nvPr>
-            <p:ph type="sldImg"/>
-          </p:nvPr>
-        </p:nvSpPr>
-        <p:spPr/>
-      </p:sp>
-      <p:sp>
-        <p:nvSpPr>
-          <p:cNvPr id="3" name="Notes Placeholder 2"/>
-          <p:cNvSpPr>
-            <a:spLocks noGrp="1"/>
-          </p:cNvSpPr>
-          <p:nvPr>
-            <p:ph type="body" idx="1"/>
-          </p:nvPr>
-        </p:nvSpPr>
-        <p:spPr/>
-        <p:txBody>
-          <a:bodyPr/>
-          <a:lstStyle/>
-          <a:p>
-            <a:endParaRPr lang="en-US" dirty="0"/>
-          </a:p>
-        </p:txBody>
-      </p:sp>
-      <p:sp>
-        <p:nvSpPr>
-          <p:cNvPr id="4" name="Slide Number Placeholder 3"/>
-          <p:cNvSpPr>
-            <a:spLocks noGrp="1"/>
-          </p:cNvSpPr>
-          <p:nvPr>
-            <p:ph type="sldNum" sz="quarter" idx="10"/>
-          </p:nvPr>
-        </p:nvSpPr>
-        <p:spPr/>
-        <p:txBody>
-          <a:bodyPr/>
-          <a:lstStyle/>
-          <a:p>
-            <a:fld id="{5394DE12-7B9B-46AA-AC19-C30A49928B9B}" type="slidenum">
-              <a:rPr lang="en-US" smtClean="0"/>
-              <a:t>28</a:t>
-            </a:fld>
-            <a:endParaRPr lang="en-US" dirty="0"/>
-          </a:p>
-        </p:txBody>
-      </p:sp>
-    </p:spTree>
-    <p:extLst>
-      <p:ext uri="{BB962C8B-B14F-4D97-AF65-F5344CB8AC3E}">
-        <p14:creationId xmlns:p14="http://schemas.microsoft.com/office/powerpoint/2010/main" val="4010604235"/>
-      </p:ext>
-    </p:extLst>
-  </p:cSld>
-  <p:clrMapOvr>
-    <a:masterClrMapping/>
-  </p:clrMapOvr>
-</p:notes>
-</file>
-
-<file path=ppt/notesSlides/notesSlide29.xml><?xml version="1.0" encoding="utf-8"?>
-<p:notes xmlns:a="http://schemas.openxmlformats.org/drawingml/2006/main" xmlns:r="http://schemas.openxmlformats.org/officeDocument/2006/relationships" xmlns:p="http://schemas.openxmlformats.org/presentationml/2006/main">
-  <p:cSld>
-    <p:spTree>
-      <p:nvGrpSpPr>
-        <p:cNvPr id="1" name=""/>
-        <p:cNvGrpSpPr/>
-        <p:nvPr/>
-      </p:nvGrpSpPr>
-      <p:grpSpPr>
-        <a:xfrm>
-          <a:off x="0" y="0"/>
-          <a:ext cx="0" cy="0"/>
-          <a:chOff x="0" y="0"/>
-          <a:chExt cx="0" cy="0"/>
-        </a:xfrm>
-      </p:grpSpPr>
-      <p:sp>
-        <p:nvSpPr>
-          <p:cNvPr id="2" name="Slide Image Placeholder 1"/>
-          <p:cNvSpPr>
-            <a:spLocks noGrp="1" noRot="1" noChangeAspect="1"/>
-          </p:cNvSpPr>
-          <p:nvPr>
-            <p:ph type="sldImg"/>
-          </p:nvPr>
-        </p:nvSpPr>
-        <p:spPr/>
-      </p:sp>
-      <p:sp>
-        <p:nvSpPr>
-          <p:cNvPr id="3" name="Notes Placeholder 2"/>
-          <p:cNvSpPr>
-            <a:spLocks noGrp="1"/>
-          </p:cNvSpPr>
-          <p:nvPr>
-            <p:ph type="body" idx="1"/>
-          </p:nvPr>
-        </p:nvSpPr>
-        <p:spPr/>
-        <p:txBody>
-          <a:bodyPr/>
-          <a:lstStyle/>
-          <a:p>
-            <a:endParaRPr lang="en-US" sz="1000" dirty="0"/>
-          </a:p>
-        </p:txBody>
-      </p:sp>
-      <p:sp>
-        <p:nvSpPr>
-          <p:cNvPr id="4" name="Slide Number Placeholder 3"/>
-          <p:cNvSpPr>
-            <a:spLocks noGrp="1"/>
-          </p:cNvSpPr>
-          <p:nvPr>
-            <p:ph type="sldNum" sz="quarter" idx="10"/>
-          </p:nvPr>
-        </p:nvSpPr>
-        <p:spPr/>
-        <p:txBody>
-          <a:bodyPr/>
-          <a:lstStyle/>
-          <a:p>
-            <a:fld id="{5394DE12-7B9B-46AA-AC19-C30A49928B9B}" type="slidenum">
-              <a:rPr lang="en-US" smtClean="0"/>
-              <a:t>29</a:t>
             </a:fld>
             <a:endParaRPr lang="en-US" dirty="0"/>
           </a:p>
@@ -2873,9 +1722,9 @@
           <a:bodyPr/>
           <a:lstStyle/>
           <a:p>
-            <a:endParaRPr lang="en-US" sz="1000" dirty="0"/>
-          </a:p>
-          <a:p>
+            <a:pPr marL="0" indent="0">
+              <a:buNone/>
+            </a:pPr>
             <a:endParaRPr lang="en-US" sz="1000" dirty="0"/>
           </a:p>
         </p:txBody>
@@ -2906,7 +1755,7 @@
     </p:spTree>
     <p:extLst>
       <p:ext uri="{BB962C8B-B14F-4D97-AF65-F5344CB8AC3E}">
-        <p14:creationId xmlns:p14="http://schemas.microsoft.com/office/powerpoint/2010/main" val="4262655271"/>
+        <p14:creationId xmlns:p14="http://schemas.microsoft.com/office/powerpoint/2010/main" val="3495558585"/>
       </p:ext>
     </p:extLst>
   </p:cSld>
@@ -2962,6 +1811,9 @@
           <a:p>
             <a:endParaRPr lang="en-US" sz="1000" dirty="0"/>
           </a:p>
+          <a:p>
+            <a:endParaRPr lang="en-US" sz="1000" dirty="0"/>
+          </a:p>
         </p:txBody>
       </p:sp>
       <p:sp>
@@ -2990,7 +1842,7 @@
     </p:spTree>
     <p:extLst>
       <p:ext uri="{BB962C8B-B14F-4D97-AF65-F5344CB8AC3E}">
-        <p14:creationId xmlns:p14="http://schemas.microsoft.com/office/powerpoint/2010/main" val="3482009716"/>
+        <p14:creationId xmlns:p14="http://schemas.microsoft.com/office/powerpoint/2010/main" val="4262655271"/>
       </p:ext>
     </p:extLst>
   </p:cSld>
@@ -3045,24 +1897,21 @@
           <a:lstStyle/>
           <a:p>
             <a:r>
+              <a:rPr lang="en-US" sz="1000" u="sng" dirty="0"/>
+              <a:t>Additional C# modifiers include: </a:t>
+            </a:r>
+          </a:p>
+          <a:p>
+            <a:r>
               <a:rPr lang="en-US" sz="1000" dirty="0"/>
-              <a:t>We will utilize mostly Java and C# for our object-oriented programming examples. We may (or may not) do any Python work. Since it is often ‘unnatural’ to show procedural programming examples in Java, C#, or Python, we will implement programs in C to demonstrate procedure programming examples. Let me know if you have a desire to do some Python work… or work in another OOP language. If so, we can likely work something out. </a:t>
-            </a:r>
-          </a:p>
-          <a:p>
-            <a:endParaRPr lang="en-US" sz="1000" dirty="0"/>
+              <a:t>Internal: only code in the same assembly has access</a:t>
+            </a:r>
           </a:p>
           <a:p>
             <a:r>
               <a:rPr lang="en-US" sz="1000" dirty="0"/>
-              <a:t>Note that our reluctance to utilize C++ as a OOP learning tool is does not diminish the value of the C++ toolset. However, C++ is generally considered a very powerful set of tools with a  steep learning curve. It’s a very sharp knife… use it carefully. </a:t>
-            </a:r>
-          </a:p>
-          <a:p>
-            <a:endParaRPr lang="en-US" sz="1000" dirty="0"/>
-          </a:p>
-          <a:p>
-            <a:endParaRPr lang="en-US" sz="1000" dirty="0"/>
+              <a:t>Protected Internal: Either code  from the derived type or code in the same assembly has access</a:t>
+            </a:r>
           </a:p>
         </p:txBody>
       </p:sp>
@@ -3092,7 +1941,7 @@
     </p:spTree>
     <p:extLst>
       <p:ext uri="{BB962C8B-B14F-4D97-AF65-F5344CB8AC3E}">
-        <p14:creationId xmlns:p14="http://schemas.microsoft.com/office/powerpoint/2010/main" val="1749078815"/>
+        <p14:creationId xmlns:p14="http://schemas.microsoft.com/office/powerpoint/2010/main" val="3482009716"/>
       </p:ext>
     </p:extLst>
   </p:cSld>
@@ -3148,22 +1997,7 @@
           <a:p>
             <a:r>
               <a:rPr lang="en-US" sz="1000" dirty="0"/>
-              <a:t>*The history of Google’s Android and Java is nothing short of a soap opera:</a:t>
-            </a:r>
-          </a:p>
-          <a:p>
-            <a:r>
-              <a:rPr lang="en-US" sz="1000" dirty="0"/>
-              <a:t>http://www.zdnet.com/article/the-real-history-of-java-and-android-as-told-by-google/</a:t>
-            </a:r>
-          </a:p>
-          <a:p>
-            <a:endParaRPr lang="en-US" sz="1000" dirty="0"/>
-          </a:p>
-          <a:p>
-            <a:r>
-              <a:rPr lang="en-US" sz="1000" dirty="0"/>
-              <a:t>Android uses mostly the Java API but does not have the right to use the Java name. Be aware that Software and Legal Protections can be VERY complicated.</a:t>
+              <a:t>Why use Setters &amp; Getters? Because 2 weeks (months, years) from now when you realize that your setter needs to do more than just set the value, you'll also realize that the property has been used directly in 238 other classes. (Internet quote)</a:t>
             </a:r>
           </a:p>
         </p:txBody>
@@ -3187,14 +2021,14 @@
               <a:rPr lang="en-US" smtClean="0"/>
               <a:t>6</a:t>
             </a:fld>
-            <a:endParaRPr lang="en-US" dirty="0"/>
+            <a:endParaRPr lang="en-US"/>
           </a:p>
         </p:txBody>
       </p:sp>
     </p:spTree>
     <p:extLst>
       <p:ext uri="{BB962C8B-B14F-4D97-AF65-F5344CB8AC3E}">
-        <p14:creationId xmlns:p14="http://schemas.microsoft.com/office/powerpoint/2010/main" val="428957594"/>
+        <p14:creationId xmlns:p14="http://schemas.microsoft.com/office/powerpoint/2010/main" val="2643609376"/>
       </p:ext>
     </p:extLst>
   </p:cSld>
@@ -3271,14 +2105,14 @@
               <a:rPr lang="en-US" smtClean="0"/>
               <a:t>7</a:t>
             </a:fld>
-            <a:endParaRPr lang="en-US" dirty="0"/>
+            <a:endParaRPr lang="en-US"/>
           </a:p>
         </p:txBody>
       </p:sp>
     </p:spTree>
     <p:extLst>
       <p:ext uri="{BB962C8B-B14F-4D97-AF65-F5344CB8AC3E}">
-        <p14:creationId xmlns:p14="http://schemas.microsoft.com/office/powerpoint/2010/main" val="2687333354"/>
+        <p14:creationId xmlns:p14="http://schemas.microsoft.com/office/powerpoint/2010/main" val="174482233"/>
       </p:ext>
     </p:extLst>
   </p:cSld>
@@ -3332,7 +2166,129 @@
           <a:bodyPr/>
           <a:lstStyle/>
           <a:p>
+            <a:pPr marL="0" marR="0" lvl="0" indent="0" algn="l" defTabSz="914400" rtl="0" eaLnBrk="1" fontAlgn="auto" latinLnBrk="0" hangingPunct="1">
+              <a:lnSpc>
+                <a:spcPct val="100000"/>
+              </a:lnSpc>
+              <a:spcBef>
+                <a:spcPts val="0"/>
+              </a:spcBef>
+              <a:spcAft>
+                <a:spcPts val="0"/>
+              </a:spcAft>
+              <a:buClrTx/>
+              <a:buSzTx/>
+              <a:buFontTx/>
+              <a:buNone/>
+              <a:tabLst/>
+              <a:defRPr/>
+            </a:pPr>
+            <a:r>
+              <a:rPr lang="en-US" sz="1000" dirty="0"/>
+              <a:t>Very concise, but really doesn’t protect us from the most challenging parts of hiding data.</a:t>
+            </a:r>
+          </a:p>
+          <a:p>
             <a:endParaRPr lang="en-US" sz="1000" dirty="0"/>
+          </a:p>
+          <a:p>
+            <a:r>
+              <a:rPr lang="en-US" sz="1200" kern="1200" dirty="0">
+                <a:solidFill>
+                  <a:schemeClr val="tx1"/>
+                </a:solidFill>
+                <a:effectLst/>
+                <a:latin typeface="+mn-lt"/>
+                <a:ea typeface="+mn-ea"/>
+                <a:cs typeface="+mn-cs"/>
+              </a:rPr>
+              <a:t>public</a:t>
+            </a:r>
+            <a:r>
+              <a:rPr lang="en-US" sz="1000" dirty="0"/>
+              <a:t> </a:t>
+            </a:r>
+            <a:r>
+              <a:rPr lang="en-US" sz="1200" kern="1200" dirty="0">
+                <a:solidFill>
+                  <a:schemeClr val="tx1"/>
+                </a:solidFill>
+                <a:effectLst/>
+                <a:latin typeface="+mn-lt"/>
+                <a:ea typeface="+mn-ea"/>
+                <a:cs typeface="+mn-cs"/>
+              </a:rPr>
+              <a:t>string</a:t>
+            </a:r>
+            <a:r>
+              <a:rPr lang="en-US" sz="1000" dirty="0"/>
+              <a:t> </a:t>
+            </a:r>
+            <a:r>
+              <a:rPr lang="en-US" sz="1000" dirty="0" err="1"/>
+              <a:t>FirstName</a:t>
+            </a:r>
+            <a:r>
+              <a:rPr lang="en-US" sz="1000" dirty="0"/>
+              <a:t> { </a:t>
+            </a:r>
+            <a:r>
+              <a:rPr lang="en-US" sz="1200" kern="1200" dirty="0">
+                <a:solidFill>
+                  <a:schemeClr val="tx1"/>
+                </a:solidFill>
+                <a:effectLst/>
+                <a:latin typeface="+mn-lt"/>
+                <a:ea typeface="+mn-ea"/>
+                <a:cs typeface="+mn-cs"/>
+              </a:rPr>
+              <a:t>get</a:t>
+            </a:r>
+            <a:r>
+              <a:rPr lang="en-US" sz="1000" dirty="0"/>
+              <a:t>; </a:t>
+            </a:r>
+            <a:r>
+              <a:rPr lang="en-US" sz="1200" kern="1200" dirty="0">
+                <a:solidFill>
+                  <a:schemeClr val="tx1"/>
+                </a:solidFill>
+                <a:effectLst/>
+                <a:latin typeface="+mn-lt"/>
+                <a:ea typeface="+mn-ea"/>
+                <a:cs typeface="+mn-cs"/>
+              </a:rPr>
+              <a:t>set</a:t>
+            </a:r>
+            <a:r>
+              <a:rPr lang="en-US" sz="1000" dirty="0"/>
+              <a:t>; } = </a:t>
+            </a:r>
+            <a:r>
+              <a:rPr lang="en-US" sz="1200" kern="1200" dirty="0">
+                <a:solidFill>
+                  <a:schemeClr val="tx1"/>
+                </a:solidFill>
+                <a:effectLst/>
+                <a:latin typeface="+mn-lt"/>
+                <a:ea typeface="+mn-ea"/>
+                <a:cs typeface="+mn-cs"/>
+              </a:rPr>
+              <a:t>"Jane"</a:t>
+            </a:r>
+            <a:r>
+              <a:rPr lang="en-US" sz="1000" dirty="0"/>
+              <a:t>; </a:t>
+            </a:r>
+          </a:p>
+          <a:p>
+            <a:endParaRPr lang="en-US" sz="1000" dirty="0"/>
+          </a:p>
+          <a:p>
+            <a:r>
+              <a:rPr lang="en-US" sz="1000" dirty="0"/>
+              <a:t>Why use Setters &amp; Getters? Because 2 weeks (months, years) from now when you realize that your setter needs to do more than just set the value, you'll also realize that the property has been used directly in 238 other classes. (Internet quote)</a:t>
+            </a:r>
           </a:p>
         </p:txBody>
       </p:sp>
@@ -3355,14 +2311,14 @@
               <a:rPr lang="en-US" smtClean="0"/>
               <a:t>8</a:t>
             </a:fld>
-            <a:endParaRPr lang="en-US" dirty="0"/>
+            <a:endParaRPr lang="en-US"/>
           </a:p>
         </p:txBody>
       </p:sp>
     </p:spTree>
     <p:extLst>
       <p:ext uri="{BB962C8B-B14F-4D97-AF65-F5344CB8AC3E}">
-        <p14:creationId xmlns:p14="http://schemas.microsoft.com/office/powerpoint/2010/main" val="602259963"/>
+        <p14:creationId xmlns:p14="http://schemas.microsoft.com/office/powerpoint/2010/main" val="2389746449"/>
       </p:ext>
     </p:extLst>
   </p:cSld>
@@ -3446,7 +2402,7 @@
     </p:spTree>
     <p:extLst>
       <p:ext uri="{BB962C8B-B14F-4D97-AF65-F5344CB8AC3E}">
-        <p14:creationId xmlns:p14="http://schemas.microsoft.com/office/powerpoint/2010/main" val="2756845847"/>
+        <p14:creationId xmlns:p14="http://schemas.microsoft.com/office/powerpoint/2010/main" val="411072818"/>
       </p:ext>
     </p:extLst>
   </p:cSld>
@@ -3585,7 +2541,7 @@
           <a:p>
             <a:fld id="{969F32F5-AB1C-41B2-AE79-C9DE1D1745A4}" type="datetimeFigureOut">
               <a:rPr lang="en-US" smtClean="0"/>
-              <a:t>4/27/2017</a:t>
+              <a:t>4/28/2017</a:t>
             </a:fld>
             <a:endParaRPr lang="en-US" dirty="0"/>
           </a:p>
@@ -3753,7 +2709,7 @@
           <a:p>
             <a:fld id="{969F32F5-AB1C-41B2-AE79-C9DE1D1745A4}" type="datetimeFigureOut">
               <a:rPr lang="en-US" smtClean="0"/>
-              <a:t>4/27/2017</a:t>
+              <a:t>4/28/2017</a:t>
             </a:fld>
             <a:endParaRPr lang="en-US" dirty="0"/>
           </a:p>
@@ -3931,7 +2887,7 @@
           <a:p>
             <a:fld id="{969F32F5-AB1C-41B2-AE79-C9DE1D1745A4}" type="datetimeFigureOut">
               <a:rPr lang="en-US" smtClean="0"/>
-              <a:t>4/27/2017</a:t>
+              <a:t>4/28/2017</a:t>
             </a:fld>
             <a:endParaRPr lang="en-US" dirty="0"/>
           </a:p>
@@ -4099,7 +3055,7 @@
           <a:p>
             <a:fld id="{969F32F5-AB1C-41B2-AE79-C9DE1D1745A4}" type="datetimeFigureOut">
               <a:rPr lang="en-US" smtClean="0"/>
-              <a:t>4/27/2017</a:t>
+              <a:t>4/28/2017</a:t>
             </a:fld>
             <a:endParaRPr lang="en-US" dirty="0"/>
           </a:p>
@@ -4344,7 +3300,7 @@
           <a:p>
             <a:fld id="{969F32F5-AB1C-41B2-AE79-C9DE1D1745A4}" type="datetimeFigureOut">
               <a:rPr lang="en-US" smtClean="0"/>
-              <a:t>4/27/2017</a:t>
+              <a:t>4/28/2017</a:t>
             </a:fld>
             <a:endParaRPr lang="en-US" dirty="0"/>
           </a:p>
@@ -4573,7 +3529,7 @@
           <a:p>
             <a:fld id="{969F32F5-AB1C-41B2-AE79-C9DE1D1745A4}" type="datetimeFigureOut">
               <a:rPr lang="en-US" smtClean="0"/>
-              <a:t>4/27/2017</a:t>
+              <a:t>4/28/2017</a:t>
             </a:fld>
             <a:endParaRPr lang="en-US" dirty="0"/>
           </a:p>
@@ -4937,7 +3893,7 @@
           <a:p>
             <a:fld id="{969F32F5-AB1C-41B2-AE79-C9DE1D1745A4}" type="datetimeFigureOut">
               <a:rPr lang="en-US" smtClean="0"/>
-              <a:t>4/27/2017</a:t>
+              <a:t>4/28/2017</a:t>
             </a:fld>
             <a:endParaRPr lang="en-US" dirty="0"/>
           </a:p>
@@ -5054,7 +4010,7 @@
           <a:p>
             <a:fld id="{969F32F5-AB1C-41B2-AE79-C9DE1D1745A4}" type="datetimeFigureOut">
               <a:rPr lang="en-US" smtClean="0"/>
-              <a:t>4/27/2017</a:t>
+              <a:t>4/28/2017</a:t>
             </a:fld>
             <a:endParaRPr lang="en-US" dirty="0"/>
           </a:p>
@@ -5149,7 +4105,7 @@
           <a:p>
             <a:fld id="{969F32F5-AB1C-41B2-AE79-C9DE1D1745A4}" type="datetimeFigureOut">
               <a:rPr lang="en-US" smtClean="0"/>
-              <a:t>4/27/2017</a:t>
+              <a:t>4/28/2017</a:t>
             </a:fld>
             <a:endParaRPr lang="en-US" dirty="0"/>
           </a:p>
@@ -5424,7 +4380,7 @@
           <a:p>
             <a:fld id="{969F32F5-AB1C-41B2-AE79-C9DE1D1745A4}" type="datetimeFigureOut">
               <a:rPr lang="en-US" smtClean="0"/>
-              <a:t>4/27/2017</a:t>
+              <a:t>4/28/2017</a:t>
             </a:fld>
             <a:endParaRPr lang="en-US" dirty="0"/>
           </a:p>
@@ -5676,7 +4632,7 @@
           <a:p>
             <a:fld id="{969F32F5-AB1C-41B2-AE79-C9DE1D1745A4}" type="datetimeFigureOut">
               <a:rPr lang="en-US" smtClean="0"/>
-              <a:t>4/27/2017</a:t>
+              <a:t>4/28/2017</a:t>
             </a:fld>
             <a:endParaRPr lang="en-US" dirty="0"/>
           </a:p>
@@ -5887,7 +4843,7 @@
           <a:p>
             <a:fld id="{969F32F5-AB1C-41B2-AE79-C9DE1D1745A4}" type="datetimeFigureOut">
               <a:rPr lang="en-US" smtClean="0"/>
-              <a:t>4/27/2017</a:t>
+              <a:t>4/28/2017</a:t>
             </a:fld>
             <a:endParaRPr lang="en-US" dirty="0"/>
           </a:p>
@@ -6397,7 +5353,7 @@
             </a:pPr>
             <a:r>
               <a:rPr lang="en-US" sz="2000" dirty="0"/>
-              <a:t>Review this week’s programming Assignment</a:t>
+              <a:t>Review this week’s Assignments</a:t>
             </a:r>
           </a:p>
           <a:p>
@@ -6418,6 +5374,16 @@
             <a:r>
               <a:rPr lang="en-US" sz="2000" dirty="0"/>
               <a:t>Topics</a:t>
+            </a:r>
+          </a:p>
+          <a:p>
+            <a:pPr marL="457200" indent="-457200">
+              <a:buFont typeface="+mj-lt"/>
+              <a:buAutoNum type="arabicPeriod"/>
+            </a:pPr>
+            <a:r>
+              <a:rPr lang="en-US" sz="2000" dirty="0"/>
+              <a:t>Leaving time for you to start working on “Create a Picture Viewer” tutorial</a:t>
             </a:r>
           </a:p>
         </p:txBody>
@@ -6471,7 +5437,7 @@
           <a:p>
             <a:r>
               <a:rPr lang="en-US" sz="3600" dirty="0"/>
-              <a:t>C#... And .NET (continued)</a:t>
+              <a:t>Encapsulation &amp; Information Hiding Suggestions</a:t>
             </a:r>
           </a:p>
         </p:txBody>
@@ -6498,53 +5464,56 @@
           </a:bodyPr>
           <a:lstStyle/>
           <a:p>
+            <a:pPr marL="457200" indent="-457200">
+              <a:buFont typeface="+mj-lt"/>
+              <a:buAutoNum type="arabicPeriod"/>
+            </a:pPr>
+            <a:r>
+              <a:rPr lang="en-US" sz="2000" dirty="0"/>
+              <a:t>Make everything local to a Method</a:t>
+            </a:r>
+          </a:p>
+          <a:p>
+            <a:pPr marL="457200" indent="-457200">
+              <a:buFont typeface="+mj-lt"/>
+              <a:buAutoNum type="arabicPeriod"/>
+            </a:pPr>
+            <a:r>
+              <a:rPr lang="en-US" sz="2000" dirty="0"/>
+              <a:t>Make everything a Method Parameter</a:t>
+            </a:r>
+          </a:p>
+          <a:p>
+            <a:pPr marL="457200" indent="-457200">
+              <a:buFont typeface="+mj-lt"/>
+              <a:buAutoNum type="arabicPeriod"/>
+            </a:pPr>
+            <a:r>
+              <a:rPr lang="en-US" sz="2000" dirty="0"/>
+              <a:t>Make everything Private…</a:t>
+            </a:r>
+          </a:p>
+          <a:p>
+            <a:pPr marL="457200" indent="-457200">
+              <a:buFont typeface="+mj-lt"/>
+              <a:buAutoNum type="arabicPeriod"/>
+            </a:pPr>
+            <a:r>
+              <a:rPr lang="en-US" sz="2000" dirty="0"/>
+              <a:t>If you must make it Protected or Public, provide “real” setters and getters</a:t>
+            </a:r>
+          </a:p>
+          <a:p>
+            <a:pPr marL="457200" indent="-457200">
+              <a:buFont typeface="+mj-lt"/>
+              <a:buAutoNum type="arabicPeriod"/>
+            </a:pPr>
+            <a:endParaRPr lang="en-US" sz="2000" dirty="0"/>
+          </a:p>
+          <a:p>
             <a:pPr marL="0" indent="0">
               <a:buNone/>
             </a:pPr>
-            <a:r>
-              <a:rPr lang="en-US" sz="2000" dirty="0"/>
-              <a:t>.NET Framework (pronounced dot net) is a software framework developed by Microsoft that runs primarily on Microsoft Windows. It includes a large class library and provides language interoperability (each language can use code written in other languages). Programs written for .NET execute in a software “managed code” environment named Common Language Runtime (CLR). </a:t>
-            </a:r>
-            <a:r>
-              <a:rPr lang="en-US" sz="2000" dirty="0">
-                <a:hlinkClick r:id="rId3"/>
-              </a:rPr>
-              <a:t>[link]</a:t>
-            </a:r>
-            <a:endParaRPr lang="en-US" sz="2000" dirty="0"/>
-          </a:p>
-          <a:p>
-            <a:r>
-              <a:rPr lang="en-US" sz="2000" dirty="0"/>
-              <a:t>Implementations for many languages are available for .NET and CLI including Python… but not “real” Java </a:t>
-            </a:r>
-            <a:r>
-              <a:rPr lang="en-US" sz="2000" dirty="0">
-                <a:hlinkClick r:id="rId4"/>
-              </a:rPr>
-              <a:t>[link]</a:t>
-            </a:r>
-            <a:endParaRPr lang="en-US" sz="2000" dirty="0"/>
-          </a:p>
-          <a:p>
-            <a:r>
-              <a:rPr lang="en-US" sz="2000" dirty="0"/>
-              <a:t>Provides and object-oriented platform that is language agnostic</a:t>
-            </a:r>
-          </a:p>
-          <a:p>
-            <a:r>
-              <a:rPr lang="en-US" sz="2000" dirty="0"/>
-              <a:t>ASP.NET is the “standard” .NET Web development environment</a:t>
-            </a:r>
-          </a:p>
-          <a:p>
-            <a:r>
-              <a:rPr lang="en-US" sz="2000" dirty="0"/>
-              <a:t>Achieving dominance on Windows desktop, competitive place in cloud (Azure), and XBOX</a:t>
-            </a:r>
-          </a:p>
-          <a:p>
             <a:endParaRPr lang="en-US" sz="2000" dirty="0"/>
           </a:p>
         </p:txBody>
@@ -6552,7 +5521,7 @@
     </p:spTree>
     <p:extLst>
       <p:ext uri="{BB962C8B-B14F-4D97-AF65-F5344CB8AC3E}">
-        <p14:creationId xmlns:p14="http://schemas.microsoft.com/office/powerpoint/2010/main" val="2479117134"/>
+        <p14:creationId xmlns:p14="http://schemas.microsoft.com/office/powerpoint/2010/main" val="3182192165"/>
       </p:ext>
     </p:extLst>
   </p:cSld>
@@ -6598,7 +5567,7 @@
           <a:p>
             <a:r>
               <a:rPr lang="en-US" sz="3600" dirty="0"/>
-              <a:t>Professional Positioning</a:t>
+              <a:t>Download documents from remote Web (HTTP) servers</a:t>
             </a:r>
           </a:p>
         </p:txBody>
@@ -6630,53 +5599,47 @@
             </a:pPr>
             <a:r>
               <a:rPr lang="en-US" sz="2000" dirty="0"/>
-              <a:t>Become a professional software developer with depth in on or two areas (i.e. an expert in web application development in Java) and an understanding of several more (i.e. know a little system admin / </a:t>
+              <a:t>Multiple .NET (C#) classes and methods are provided that wrap various network protocols. For Web (HTTP) the .NET environment provides the </a:t>
             </a:r>
             <a:r>
               <a:rPr lang="en-US" sz="2000" dirty="0" err="1"/>
-              <a:t>devops</a:t>
+              <a:t>WebClient</a:t>
             </a:r>
             <a:r>
               <a:rPr lang="en-US" sz="2000" dirty="0"/>
-              <a:t> and something about the healthcare industry).</a:t>
+              <a:t> class which:</a:t>
             </a:r>
           </a:p>
           <a:p>
             <a:r>
               <a:rPr lang="en-US" sz="2000" dirty="0"/>
-              <a:t>Do NOT become the Java expert (only)</a:t>
+              <a:t>Is most often used to retrieve files</a:t>
             </a:r>
           </a:p>
           <a:p>
             <a:r>
               <a:rPr lang="en-US" sz="2000" dirty="0"/>
-              <a:t>Languages and environments are tools, you will need to know several and be able to learn more</a:t>
+              <a:t>Can access multiple Internet file types including HTML, XML, JSON, etc.</a:t>
             </a:r>
           </a:p>
           <a:p>
             <a:r>
               <a:rPr lang="en-US" sz="2000" dirty="0"/>
-              <a:t>Branch out and play other related roles like business analyst, project manager, team leader, database analyst, product manager, architect, etc. </a:t>
-            </a:r>
-          </a:p>
-          <a:p>
-            <a:r>
-              <a:rPr lang="en-US" sz="2000" dirty="0"/>
-              <a:t>Know something about the domain</a:t>
-            </a:r>
-          </a:p>
-          <a:p>
-            <a:r>
-              <a:rPr lang="en-US" sz="2000" dirty="0"/>
-              <a:t>Get out and see your customers and business partners</a:t>
-            </a:r>
+              <a:t>Utilized HTTP or HTTPs for communication</a:t>
+            </a:r>
+          </a:p>
+          <a:p>
+            <a:pPr marL="0" indent="0">
+              <a:buNone/>
+            </a:pPr>
+            <a:endParaRPr lang="en-US" sz="2000" dirty="0"/>
           </a:p>
         </p:txBody>
       </p:sp>
     </p:spTree>
     <p:extLst>
       <p:ext uri="{BB962C8B-B14F-4D97-AF65-F5344CB8AC3E}">
-        <p14:creationId xmlns:p14="http://schemas.microsoft.com/office/powerpoint/2010/main" val="2169927105"/>
+        <p14:creationId xmlns:p14="http://schemas.microsoft.com/office/powerpoint/2010/main" val="1853768632"/>
       </p:ext>
     </p:extLst>
   </p:cSld>
@@ -6687,6 +5650,855 @@
 </file>
 
 <file path=ppt/slides/slide12.xml><?xml version="1.0" encoding="utf-8"?>
+<p:sld xmlns:a="http://schemas.openxmlformats.org/drawingml/2006/main" xmlns:r="http://schemas.openxmlformats.org/officeDocument/2006/relationships" xmlns:p="http://schemas.openxmlformats.org/presentationml/2006/main">
+  <p:cSld>
+    <p:spTree>
+      <p:nvGrpSpPr>
+        <p:cNvPr id="1" name=""/>
+        <p:cNvGrpSpPr/>
+        <p:nvPr/>
+      </p:nvGrpSpPr>
+      <p:grpSpPr>
+        <a:xfrm>
+          <a:off x="0" y="0"/>
+          <a:ext cx="0" cy="0"/>
+          <a:chOff x="0" y="0"/>
+          <a:chExt cx="0" cy="0"/>
+        </a:xfrm>
+      </p:grpSpPr>
+      <p:pic>
+        <p:nvPicPr>
+          <p:cNvPr id="8" name="Picture 7"/>
+          <p:cNvPicPr>
+            <a:picLocks noChangeAspect="1"/>
+          </p:cNvPicPr>
+          <p:nvPr/>
+        </p:nvPicPr>
+        <p:blipFill>
+          <a:blip r:embed="rId3"/>
+          <a:stretch>
+            <a:fillRect/>
+          </a:stretch>
+        </p:blipFill>
+        <p:spPr>
+          <a:xfrm>
+            <a:off x="7484656" y="1525772"/>
+            <a:ext cx="4114800" cy="4443803"/>
+          </a:xfrm>
+          <a:prstGeom prst="rect">
+            <a:avLst/>
+          </a:prstGeom>
+        </p:spPr>
+      </p:pic>
+      <p:sp>
+        <p:nvSpPr>
+          <p:cNvPr id="2" name="Title 1"/>
+          <p:cNvSpPr>
+            <a:spLocks noGrp="1"/>
+          </p:cNvSpPr>
+          <p:nvPr>
+            <p:ph type="title"/>
+          </p:nvPr>
+        </p:nvSpPr>
+        <p:spPr/>
+        <p:txBody>
+          <a:bodyPr>
+            <a:normAutofit/>
+          </a:bodyPr>
+          <a:lstStyle/>
+          <a:p>
+            <a:r>
+              <a:rPr lang="en-US" sz="3600" dirty="0"/>
+              <a:t>XML</a:t>
+            </a:r>
+          </a:p>
+        </p:txBody>
+      </p:sp>
+      <p:sp>
+        <p:nvSpPr>
+          <p:cNvPr id="6" name="Content Placeholder 2"/>
+          <p:cNvSpPr>
+            <a:spLocks noGrp="1"/>
+          </p:cNvSpPr>
+          <p:nvPr>
+            <p:ph idx="1"/>
+          </p:nvPr>
+        </p:nvSpPr>
+        <p:spPr>
+          <a:xfrm>
+            <a:off x="838198" y="1525772"/>
+            <a:ext cx="6349411" cy="4651191"/>
+          </a:xfrm>
+        </p:spPr>
+        <p:txBody>
+          <a:bodyPr>
+            <a:normAutofit/>
+          </a:bodyPr>
+          <a:lstStyle/>
+          <a:p>
+            <a:pPr marL="0" indent="0">
+              <a:buNone/>
+            </a:pPr>
+            <a:r>
+              <a:rPr lang="en-US" sz="2000" dirty="0"/>
+              <a:t>In computing, XML (Extensible Markup Language) is a markup language that defines a set of rules for encoding documents in a format that is both human-readable and machine-readable. It is an open standard that:</a:t>
+            </a:r>
+            <a:endParaRPr lang="en-US" sz="2000" b="1" dirty="0"/>
+          </a:p>
+          <a:p>
+            <a:r>
+              <a:rPr lang="en-US" sz="2000" dirty="0"/>
+              <a:t>Supports nearly all development languages and platforms</a:t>
+            </a:r>
+          </a:p>
+          <a:p>
+            <a:r>
+              <a:rPr lang="en-US" sz="2000" dirty="0"/>
+              <a:t>Allows us to cross between many applications</a:t>
+            </a:r>
+          </a:p>
+          <a:p>
+            <a:r>
+              <a:rPr lang="en-US" sz="2000" dirty="0"/>
+              <a:t>Can result in large files</a:t>
+            </a:r>
+          </a:p>
+          <a:p>
+            <a:r>
+              <a:rPr lang="en-US" sz="2000" dirty="0"/>
+              <a:t>Supports schema to validate data</a:t>
+            </a:r>
+          </a:p>
+        </p:txBody>
+      </p:sp>
+    </p:spTree>
+    <p:extLst>
+      <p:ext uri="{BB962C8B-B14F-4D97-AF65-F5344CB8AC3E}">
+        <p14:creationId xmlns:p14="http://schemas.microsoft.com/office/powerpoint/2010/main" val="1737448509"/>
+      </p:ext>
+    </p:extLst>
+  </p:cSld>
+  <p:clrMapOvr>
+    <a:masterClrMapping/>
+  </p:clrMapOvr>
+</p:sld>
+</file>
+
+<file path=ppt/slides/slide13.xml><?xml version="1.0" encoding="utf-8"?>
+<p:sld xmlns:a="http://schemas.openxmlformats.org/drawingml/2006/main" xmlns:r="http://schemas.openxmlformats.org/officeDocument/2006/relationships" xmlns:p="http://schemas.openxmlformats.org/presentationml/2006/main">
+  <p:cSld>
+    <p:spTree>
+      <p:nvGrpSpPr>
+        <p:cNvPr id="1" name=""/>
+        <p:cNvGrpSpPr/>
+        <p:nvPr/>
+      </p:nvGrpSpPr>
+      <p:grpSpPr>
+        <a:xfrm>
+          <a:off x="0" y="0"/>
+          <a:ext cx="0" cy="0"/>
+          <a:chOff x="0" y="0"/>
+          <a:chExt cx="0" cy="0"/>
+        </a:xfrm>
+      </p:grpSpPr>
+      <p:pic>
+        <p:nvPicPr>
+          <p:cNvPr id="4" name="Picture 3"/>
+          <p:cNvPicPr>
+            <a:picLocks noChangeAspect="1"/>
+          </p:cNvPicPr>
+          <p:nvPr/>
+        </p:nvPicPr>
+        <p:blipFill>
+          <a:blip r:embed="rId3"/>
+          <a:stretch>
+            <a:fillRect/>
+          </a:stretch>
+        </p:blipFill>
+        <p:spPr>
+          <a:xfrm>
+            <a:off x="7484656" y="1525772"/>
+            <a:ext cx="4114800" cy="5361709"/>
+          </a:xfrm>
+          <a:prstGeom prst="rect">
+            <a:avLst/>
+          </a:prstGeom>
+        </p:spPr>
+      </p:pic>
+      <p:sp>
+        <p:nvSpPr>
+          <p:cNvPr id="2" name="Title 1"/>
+          <p:cNvSpPr>
+            <a:spLocks noGrp="1"/>
+          </p:cNvSpPr>
+          <p:nvPr>
+            <p:ph type="title"/>
+          </p:nvPr>
+        </p:nvSpPr>
+        <p:spPr/>
+        <p:txBody>
+          <a:bodyPr>
+            <a:normAutofit/>
+          </a:bodyPr>
+          <a:lstStyle/>
+          <a:p>
+            <a:r>
+              <a:rPr lang="en-US" sz="3600" dirty="0"/>
+              <a:t>JSON</a:t>
+            </a:r>
+          </a:p>
+        </p:txBody>
+      </p:sp>
+      <p:sp>
+        <p:nvSpPr>
+          <p:cNvPr id="6" name="Content Placeholder 2"/>
+          <p:cNvSpPr>
+            <a:spLocks noGrp="1"/>
+          </p:cNvSpPr>
+          <p:nvPr>
+            <p:ph idx="1"/>
+          </p:nvPr>
+        </p:nvSpPr>
+        <p:spPr>
+          <a:xfrm>
+            <a:off x="838198" y="1525772"/>
+            <a:ext cx="6349411" cy="4651191"/>
+          </a:xfrm>
+        </p:spPr>
+        <p:txBody>
+          <a:bodyPr>
+            <a:normAutofit/>
+          </a:bodyPr>
+          <a:lstStyle/>
+          <a:p>
+            <a:pPr marL="0" indent="0">
+              <a:buNone/>
+            </a:pPr>
+            <a:r>
+              <a:rPr lang="en-US" sz="2000" dirty="0"/>
+              <a:t>JSON (JavaScript Object Notation) is a lightweight data-interchange format. It is easy for humans to read and write. It is easy for machines to parse and generate. It is an open standard that:</a:t>
+            </a:r>
+            <a:endParaRPr lang="en-US" sz="2000" b="1" dirty="0"/>
+          </a:p>
+          <a:p>
+            <a:r>
+              <a:rPr lang="en-US" sz="2000" dirty="0"/>
+              <a:t>Supports nearly all development languages and platforms</a:t>
+            </a:r>
+          </a:p>
+          <a:p>
+            <a:r>
+              <a:rPr lang="en-US" sz="2000" dirty="0"/>
+              <a:t>Allows us to cross between many applications</a:t>
+            </a:r>
+          </a:p>
+          <a:p>
+            <a:r>
+              <a:rPr lang="en-US" sz="2000" dirty="0"/>
+              <a:t>Can result in large files</a:t>
+            </a:r>
+          </a:p>
+          <a:p>
+            <a:endParaRPr lang="en-US" sz="2000" dirty="0"/>
+          </a:p>
+        </p:txBody>
+      </p:sp>
+    </p:spTree>
+    <p:extLst>
+      <p:ext uri="{BB962C8B-B14F-4D97-AF65-F5344CB8AC3E}">
+        <p14:creationId xmlns:p14="http://schemas.microsoft.com/office/powerpoint/2010/main" val="737875020"/>
+      </p:ext>
+    </p:extLst>
+  </p:cSld>
+  <p:clrMapOvr>
+    <a:masterClrMapping/>
+  </p:clrMapOvr>
+</p:sld>
+</file>
+
+<file path=ppt/slides/slide14.xml><?xml version="1.0" encoding="utf-8"?>
+<p:sld xmlns:a="http://schemas.openxmlformats.org/drawingml/2006/main" xmlns:r="http://schemas.openxmlformats.org/officeDocument/2006/relationships" xmlns:p="http://schemas.openxmlformats.org/presentationml/2006/main">
+  <p:cSld>
+    <p:spTree>
+      <p:nvGrpSpPr>
+        <p:cNvPr id="1" name=""/>
+        <p:cNvGrpSpPr/>
+        <p:nvPr/>
+      </p:nvGrpSpPr>
+      <p:grpSpPr>
+        <a:xfrm>
+          <a:off x="0" y="0"/>
+          <a:ext cx="0" cy="0"/>
+          <a:chOff x="0" y="0"/>
+          <a:chExt cx="0" cy="0"/>
+        </a:xfrm>
+      </p:grpSpPr>
+      <p:sp>
+        <p:nvSpPr>
+          <p:cNvPr id="2" name="Title 1"/>
+          <p:cNvSpPr>
+            <a:spLocks noGrp="1"/>
+          </p:cNvSpPr>
+          <p:nvPr>
+            <p:ph type="title"/>
+          </p:nvPr>
+        </p:nvSpPr>
+        <p:spPr/>
+        <p:txBody>
+          <a:bodyPr>
+            <a:normAutofit/>
+          </a:bodyPr>
+          <a:lstStyle/>
+          <a:p>
+            <a:r>
+              <a:rPr lang="en-US" sz="3600" dirty="0"/>
+              <a:t>Binary Files</a:t>
+            </a:r>
+          </a:p>
+        </p:txBody>
+      </p:sp>
+      <p:sp>
+        <p:nvSpPr>
+          <p:cNvPr id="6" name="Content Placeholder 2"/>
+          <p:cNvSpPr>
+            <a:spLocks noGrp="1"/>
+          </p:cNvSpPr>
+          <p:nvPr>
+            <p:ph idx="1"/>
+          </p:nvPr>
+        </p:nvSpPr>
+        <p:spPr>
+          <a:xfrm>
+            <a:off x="838198" y="1525772"/>
+            <a:ext cx="6349411" cy="4651191"/>
+          </a:xfrm>
+        </p:spPr>
+        <p:txBody>
+          <a:bodyPr>
+            <a:normAutofit/>
+          </a:bodyPr>
+          <a:lstStyle/>
+          <a:p>
+            <a:pPr marL="0" indent="0">
+              <a:buNone/>
+            </a:pPr>
+            <a:r>
+              <a:rPr lang="en-US" sz="2000" dirty="0"/>
+              <a:t>A binary file is a computer file that is not a text file. The term "binary file" is often used as a term meaning "non-text file". The can be open or closed formats that are generally:</a:t>
+            </a:r>
+          </a:p>
+          <a:p>
+            <a:r>
+              <a:rPr lang="en-US" sz="2000" dirty="0"/>
+              <a:t>Fast, small, and efficient*</a:t>
+            </a:r>
+          </a:p>
+          <a:p>
+            <a:r>
+              <a:rPr lang="en-US" sz="2000" dirty="0"/>
+              <a:t>Often not very portable across applications and platforms</a:t>
+            </a:r>
+          </a:p>
+          <a:p>
+            <a:r>
+              <a:rPr lang="en-US" sz="2000" dirty="0"/>
+              <a:t>Difficult to maintain backward compatibility</a:t>
+            </a:r>
+          </a:p>
+          <a:p>
+            <a:endParaRPr lang="en-US" sz="2000" dirty="0"/>
+          </a:p>
+          <a:p>
+            <a:endParaRPr lang="en-US" sz="2000" dirty="0"/>
+          </a:p>
+        </p:txBody>
+      </p:sp>
+      <p:pic>
+        <p:nvPicPr>
+          <p:cNvPr id="3" name="Picture 2"/>
+          <p:cNvPicPr>
+            <a:picLocks noChangeAspect="1"/>
+          </p:cNvPicPr>
+          <p:nvPr/>
+        </p:nvPicPr>
+        <p:blipFill>
+          <a:blip r:embed="rId3"/>
+          <a:stretch>
+            <a:fillRect/>
+          </a:stretch>
+        </p:blipFill>
+        <p:spPr>
+          <a:xfrm>
+            <a:off x="7484656" y="1525772"/>
+            <a:ext cx="4114800" cy="3462108"/>
+          </a:xfrm>
+          <a:prstGeom prst="rect">
+            <a:avLst/>
+          </a:prstGeom>
+        </p:spPr>
+      </p:pic>
+    </p:spTree>
+    <p:extLst>
+      <p:ext uri="{BB962C8B-B14F-4D97-AF65-F5344CB8AC3E}">
+        <p14:creationId xmlns:p14="http://schemas.microsoft.com/office/powerpoint/2010/main" val="2088691756"/>
+      </p:ext>
+    </p:extLst>
+  </p:cSld>
+  <p:clrMapOvr>
+    <a:masterClrMapping/>
+  </p:clrMapOvr>
+</p:sld>
+</file>
+
+<file path=ppt/slides/slide15.xml><?xml version="1.0" encoding="utf-8"?>
+<p:sld xmlns:a="http://schemas.openxmlformats.org/drawingml/2006/main" xmlns:r="http://schemas.openxmlformats.org/officeDocument/2006/relationships" xmlns:p="http://schemas.openxmlformats.org/presentationml/2006/main">
+  <p:cSld>
+    <p:spTree>
+      <p:nvGrpSpPr>
+        <p:cNvPr id="1" name=""/>
+        <p:cNvGrpSpPr/>
+        <p:nvPr/>
+      </p:nvGrpSpPr>
+      <p:grpSpPr>
+        <a:xfrm>
+          <a:off x="0" y="0"/>
+          <a:ext cx="0" cy="0"/>
+          <a:chOff x="0" y="0"/>
+          <a:chExt cx="0" cy="0"/>
+        </a:xfrm>
+      </p:grpSpPr>
+      <p:sp>
+        <p:nvSpPr>
+          <p:cNvPr id="2" name="Title 1"/>
+          <p:cNvSpPr>
+            <a:spLocks noGrp="1"/>
+          </p:cNvSpPr>
+          <p:nvPr>
+            <p:ph type="title"/>
+          </p:nvPr>
+        </p:nvSpPr>
+        <p:spPr>
+          <a:xfrm>
+            <a:off x="811620" y="365126"/>
+            <a:ext cx="10515600" cy="757272"/>
+          </a:xfrm>
+        </p:spPr>
+        <p:txBody>
+          <a:bodyPr>
+            <a:normAutofit/>
+          </a:bodyPr>
+          <a:lstStyle/>
+          <a:p>
+            <a:r>
+              <a:rPr lang="it-IT" sz="3600" dirty="0"/>
+              <a:t>Parse data expressed in XML format</a:t>
+            </a:r>
+          </a:p>
+        </p:txBody>
+      </p:sp>
+      <p:sp>
+        <p:nvSpPr>
+          <p:cNvPr id="8" name="Content Placeholder 2"/>
+          <p:cNvSpPr>
+            <a:spLocks noGrp="1"/>
+          </p:cNvSpPr>
+          <p:nvPr>
+            <p:ph idx="1"/>
+          </p:nvPr>
+        </p:nvSpPr>
+        <p:spPr>
+          <a:xfrm>
+            <a:off x="811620" y="1065009"/>
+            <a:ext cx="10456854" cy="4783519"/>
+          </a:xfrm>
+        </p:spPr>
+        <p:txBody>
+          <a:bodyPr>
+            <a:normAutofit/>
+          </a:bodyPr>
+          <a:lstStyle/>
+          <a:p>
+            <a:pPr marL="0" indent="0">
+              <a:buNone/>
+            </a:pPr>
+            <a:r>
+              <a:rPr lang="en-US" sz="2000" dirty="0"/>
+              <a:t>Simple XML files can be parsed “by hand” without much difficulty. In addition, the .NET (C#) environment offers multiple classes that can assist in parsing XML including:  </a:t>
+            </a:r>
+          </a:p>
+          <a:p>
+            <a:r>
+              <a:rPr lang="en-US" sz="2000" dirty="0" err="1"/>
+              <a:t>XmlReader</a:t>
+            </a:r>
+            <a:endParaRPr lang="en-US" sz="2000" dirty="0"/>
+          </a:p>
+          <a:p>
+            <a:r>
+              <a:rPr lang="en-US" sz="2000" dirty="0"/>
+              <a:t>LINQ to XML </a:t>
+            </a:r>
+            <a:r>
+              <a:rPr lang="en-US" sz="2000" dirty="0">
+                <a:hlinkClick r:id="rId3"/>
+              </a:rPr>
+              <a:t>[link]</a:t>
+            </a:r>
+            <a:endParaRPr lang="en-US" sz="2000" dirty="0"/>
+          </a:p>
+        </p:txBody>
+      </p:sp>
+    </p:spTree>
+    <p:extLst>
+      <p:ext uri="{BB962C8B-B14F-4D97-AF65-F5344CB8AC3E}">
+        <p14:creationId xmlns:p14="http://schemas.microsoft.com/office/powerpoint/2010/main" val="851372643"/>
+      </p:ext>
+    </p:extLst>
+  </p:cSld>
+  <p:clrMapOvr>
+    <a:masterClrMapping/>
+  </p:clrMapOvr>
+</p:sld>
+</file>
+
+<file path=ppt/slides/slide16.xml><?xml version="1.0" encoding="utf-8"?>
+<p:sld xmlns:a="http://schemas.openxmlformats.org/drawingml/2006/main" xmlns:r="http://schemas.openxmlformats.org/officeDocument/2006/relationships" xmlns:p="http://schemas.openxmlformats.org/presentationml/2006/main">
+  <p:cSld>
+    <p:spTree>
+      <p:nvGrpSpPr>
+        <p:cNvPr id="1" name=""/>
+        <p:cNvGrpSpPr/>
+        <p:nvPr/>
+      </p:nvGrpSpPr>
+      <p:grpSpPr>
+        <a:xfrm>
+          <a:off x="0" y="0"/>
+          <a:ext cx="0" cy="0"/>
+          <a:chOff x="0" y="0"/>
+          <a:chExt cx="0" cy="0"/>
+        </a:xfrm>
+      </p:grpSpPr>
+      <p:sp>
+        <p:nvSpPr>
+          <p:cNvPr id="2" name="Title 1"/>
+          <p:cNvSpPr>
+            <a:spLocks noGrp="1"/>
+          </p:cNvSpPr>
+          <p:nvPr>
+            <p:ph type="title"/>
+          </p:nvPr>
+        </p:nvSpPr>
+        <p:spPr>
+          <a:xfrm>
+            <a:off x="838200" y="365125"/>
+            <a:ext cx="10411047" cy="1325563"/>
+          </a:xfrm>
+        </p:spPr>
+        <p:txBody>
+          <a:bodyPr>
+            <a:normAutofit/>
+          </a:bodyPr>
+          <a:lstStyle/>
+          <a:p>
+            <a:r>
+              <a:rPr lang="en-US" sz="3600" dirty="0"/>
+              <a:t>Preview </a:t>
+            </a:r>
+            <a:r>
+              <a:rPr lang="en-US" sz="3600" dirty="0" err="1"/>
+              <a:t>HideDataDownloadXML</a:t>
+            </a:r>
+            <a:r>
+              <a:rPr lang="en-US" sz="3600" dirty="0"/>
+              <a:t> Example</a:t>
+            </a:r>
+          </a:p>
+        </p:txBody>
+      </p:sp>
+      <p:sp>
+        <p:nvSpPr>
+          <p:cNvPr id="4" name="Content Placeholder 2"/>
+          <p:cNvSpPr>
+            <a:spLocks noGrp="1"/>
+          </p:cNvSpPr>
+          <p:nvPr>
+            <p:ph idx="1"/>
+          </p:nvPr>
+        </p:nvSpPr>
+        <p:spPr>
+          <a:xfrm>
+            <a:off x="838200" y="1481640"/>
+            <a:ext cx="10718950" cy="5062699"/>
+          </a:xfrm>
+        </p:spPr>
+        <p:txBody>
+          <a:bodyPr>
+            <a:noAutofit/>
+          </a:bodyPr>
+          <a:lstStyle/>
+          <a:p>
+            <a:pPr marL="0" indent="0">
+              <a:buNone/>
+            </a:pPr>
+            <a:r>
+              <a:rPr lang="en-US" sz="2000" u="sng" dirty="0"/>
+              <a:t>Features:</a:t>
+            </a:r>
+          </a:p>
+          <a:p>
+            <a:pPr marL="457200" indent="-457200">
+              <a:buFont typeface="+mj-lt"/>
+              <a:buAutoNum type="arabicPeriod"/>
+            </a:pPr>
+            <a:r>
+              <a:rPr lang="en-US" sz="2000" dirty="0"/>
+              <a:t>Develop  application entirely in Visual Studio 2017 and C#</a:t>
+            </a:r>
+          </a:p>
+          <a:p>
+            <a:pPr marL="457200" indent="-457200">
+              <a:buFont typeface="+mj-lt"/>
+              <a:buAutoNum type="arabicPeriod"/>
+            </a:pPr>
+            <a:r>
+              <a:rPr lang="en-US" sz="2000" dirty="0"/>
+              <a:t>Take in one command line argument that is the URL to download</a:t>
+            </a:r>
+          </a:p>
+          <a:p>
+            <a:pPr marL="457200" indent="-457200">
+              <a:buFont typeface="+mj-lt"/>
+              <a:buAutoNum type="arabicPeriod"/>
+            </a:pPr>
+            <a:r>
+              <a:rPr lang="en-US" sz="2000" dirty="0"/>
+              <a:t>Implement multiple C# classes that appropriately hide data</a:t>
+            </a:r>
+          </a:p>
+          <a:p>
+            <a:pPr marL="457200" indent="-457200">
+              <a:buFont typeface="+mj-lt"/>
+              <a:buAutoNum type="arabicPeriod"/>
+            </a:pPr>
+            <a:r>
+              <a:rPr lang="en-US" sz="2000" dirty="0"/>
+              <a:t>Download HTML and XML files from various URLs</a:t>
+            </a:r>
+          </a:p>
+          <a:p>
+            <a:pPr marL="457200" indent="-457200">
+              <a:buFont typeface="+mj-lt"/>
+              <a:buAutoNum type="arabicPeriod"/>
+            </a:pPr>
+            <a:r>
+              <a:rPr lang="en-US" sz="2000" dirty="0"/>
+              <a:t>Get ready for parsing XML</a:t>
+            </a:r>
+          </a:p>
+        </p:txBody>
+      </p:sp>
+    </p:spTree>
+    <p:extLst>
+      <p:ext uri="{BB962C8B-B14F-4D97-AF65-F5344CB8AC3E}">
+        <p14:creationId xmlns:p14="http://schemas.microsoft.com/office/powerpoint/2010/main" val="1699693233"/>
+      </p:ext>
+    </p:extLst>
+  </p:cSld>
+  <p:clrMapOvr>
+    <a:masterClrMapping/>
+  </p:clrMapOvr>
+</p:sld>
+</file>
+
+<file path=ppt/slides/slide17.xml><?xml version="1.0" encoding="utf-8"?>
+<p:sld xmlns:a="http://schemas.openxmlformats.org/drawingml/2006/main" xmlns:r="http://schemas.openxmlformats.org/officeDocument/2006/relationships" xmlns:p="http://schemas.openxmlformats.org/presentationml/2006/main">
+  <p:cSld>
+    <p:spTree>
+      <p:nvGrpSpPr>
+        <p:cNvPr id="1" name=""/>
+        <p:cNvGrpSpPr/>
+        <p:nvPr/>
+      </p:nvGrpSpPr>
+      <p:grpSpPr>
+        <a:xfrm>
+          <a:off x="0" y="0"/>
+          <a:ext cx="0" cy="0"/>
+          <a:chOff x="0" y="0"/>
+          <a:chExt cx="0" cy="0"/>
+        </a:xfrm>
+      </p:grpSpPr>
+      <p:sp>
+        <p:nvSpPr>
+          <p:cNvPr id="2" name="Title 1"/>
+          <p:cNvSpPr>
+            <a:spLocks noGrp="1"/>
+          </p:cNvSpPr>
+          <p:nvPr>
+            <p:ph type="title"/>
+          </p:nvPr>
+        </p:nvSpPr>
+        <p:spPr>
+          <a:xfrm>
+            <a:off x="838200" y="365126"/>
+            <a:ext cx="6113662" cy="1409174"/>
+          </a:xfrm>
+        </p:spPr>
+        <p:txBody>
+          <a:bodyPr>
+            <a:normAutofit/>
+          </a:bodyPr>
+          <a:lstStyle/>
+          <a:p>
+            <a:r>
+              <a:rPr lang="en-US" sz="3600" dirty="0"/>
+              <a:t>Object-Oriented Programming</a:t>
+            </a:r>
+            <a:br>
+              <a:rPr lang="en-US" sz="3600" dirty="0"/>
+            </a:br>
+            <a:r>
+              <a:rPr lang="en-US" sz="1800" dirty="0"/>
+              <a:t>Session: Week 7 Session 1 </a:t>
+            </a:r>
+            <a:br>
+              <a:rPr lang="en-US" sz="1800" dirty="0"/>
+            </a:br>
+            <a:r>
+              <a:rPr lang="en-US" sz="1800" dirty="0"/>
+              <a:t>Instructor: Eric Pogue</a:t>
+            </a:r>
+            <a:endParaRPr lang="en-US" sz="1800" b="1" i="1" u="sng" dirty="0"/>
+          </a:p>
+        </p:txBody>
+      </p:sp>
+      <p:pic>
+        <p:nvPicPr>
+          <p:cNvPr id="4" name="Content Placeholder 4"/>
+          <p:cNvPicPr>
+            <a:picLocks noChangeAspect="1"/>
+          </p:cNvPicPr>
+          <p:nvPr/>
+        </p:nvPicPr>
+        <p:blipFill>
+          <a:blip r:embed="rId3"/>
+          <a:stretch>
+            <a:fillRect/>
+          </a:stretch>
+        </p:blipFill>
+        <p:spPr>
+          <a:xfrm>
+            <a:off x="9072894" y="182925"/>
+            <a:ext cx="2656367" cy="1366321"/>
+          </a:xfrm>
+          <a:prstGeom prst="rect">
+            <a:avLst/>
+          </a:prstGeom>
+        </p:spPr>
+      </p:pic>
+      <p:sp>
+        <p:nvSpPr>
+          <p:cNvPr id="10" name="Content Placeholder 2"/>
+          <p:cNvSpPr>
+            <a:spLocks noGrp="1"/>
+          </p:cNvSpPr>
+          <p:nvPr>
+            <p:ph idx="1"/>
+          </p:nvPr>
+        </p:nvSpPr>
+        <p:spPr>
+          <a:xfrm>
+            <a:off x="838200" y="1795301"/>
+            <a:ext cx="10718950" cy="4571242"/>
+          </a:xfrm>
+        </p:spPr>
+        <p:txBody>
+          <a:bodyPr>
+            <a:noAutofit/>
+          </a:bodyPr>
+          <a:lstStyle/>
+          <a:p>
+            <a:pPr marL="0" indent="0">
+              <a:buNone/>
+            </a:pPr>
+            <a:r>
+              <a:rPr lang="en-US" sz="2000" u="sng" dirty="0"/>
+              <a:t>Agenda:</a:t>
+            </a:r>
+          </a:p>
+          <a:p>
+            <a:pPr marL="457200" indent="-457200">
+              <a:buFont typeface="+mj-lt"/>
+              <a:buAutoNum type="arabicPeriod"/>
+            </a:pPr>
+            <a:r>
+              <a:rPr lang="en-US" sz="2000" dirty="0">
+                <a:solidFill>
+                  <a:schemeClr val="bg1">
+                    <a:lumMod val="65000"/>
+                  </a:schemeClr>
+                </a:solidFill>
+              </a:rPr>
+              <a:t>Review this week’s Assignments</a:t>
+            </a:r>
+          </a:p>
+          <a:p>
+            <a:pPr marL="457200" indent="-457200">
+              <a:buFont typeface="+mj-lt"/>
+              <a:buAutoNum type="arabicPeriod"/>
+            </a:pPr>
+            <a:r>
+              <a:rPr lang="en-US" sz="2000" dirty="0">
+                <a:solidFill>
+                  <a:schemeClr val="bg1">
+                    <a:lumMod val="65000"/>
+                  </a:schemeClr>
+                </a:solidFill>
+              </a:rPr>
+              <a:t>Introduce the week’s Learning Objectives</a:t>
+            </a:r>
+          </a:p>
+          <a:p>
+            <a:pPr marL="457200" indent="-457200">
+              <a:buFont typeface="+mj-lt"/>
+              <a:buAutoNum type="arabicPeriod"/>
+            </a:pPr>
+            <a:r>
+              <a:rPr lang="en-US" sz="2000" dirty="0">
+                <a:solidFill>
+                  <a:schemeClr val="bg1">
+                    <a:lumMod val="65000"/>
+                  </a:schemeClr>
+                </a:solidFill>
+              </a:rPr>
+              <a:t>Topics</a:t>
+            </a:r>
+          </a:p>
+          <a:p>
+            <a:pPr marL="457200" indent="-457200">
+              <a:buFont typeface="+mj-lt"/>
+              <a:buAutoNum type="arabicPeriod"/>
+            </a:pPr>
+            <a:r>
+              <a:rPr lang="en-US" sz="2000" dirty="0"/>
+              <a:t>Leaving time for you to start working on “Create a Picture Viewer” tutorial</a:t>
+            </a:r>
+          </a:p>
+        </p:txBody>
+      </p:sp>
+    </p:spTree>
+    <p:extLst>
+      <p:ext uri="{BB962C8B-B14F-4D97-AF65-F5344CB8AC3E}">
+        <p14:creationId xmlns:p14="http://schemas.microsoft.com/office/powerpoint/2010/main" val="3280031027"/>
+      </p:ext>
+    </p:extLst>
+  </p:cSld>
+  <p:clrMapOvr>
+    <a:masterClrMapping/>
+  </p:clrMapOvr>
+</p:sld>
+</file>
+
+<file path=ppt/slides/slide18.xml><?xml version="1.0" encoding="utf-8"?>
 <p:sld xmlns:a="http://schemas.openxmlformats.org/drawingml/2006/main" xmlns:r="http://schemas.openxmlformats.org/officeDocument/2006/relationships" xmlns:p="http://schemas.openxmlformats.org/presentationml/2006/main">
   <p:cSld>
     <p:bg>
@@ -6774,7 +6586,7 @@
             <a:pPr algn="l"/>
             <a:r>
               <a:rPr lang="en-US" dirty="0"/>
-              <a:t>Week: 6</a:t>
+              <a:t>Week: 7</a:t>
             </a:r>
           </a:p>
           <a:p>
@@ -6806,7 +6618,127 @@
 </p:sld>
 </file>
 
-<file path=ppt/slides/slide13.xml><?xml version="1.0" encoding="utf-8"?>
+<file path=ppt/slides/slide19.xml><?xml version="1.0" encoding="utf-8"?>
+<p:sld xmlns:a="http://schemas.openxmlformats.org/drawingml/2006/main" xmlns:r="http://schemas.openxmlformats.org/officeDocument/2006/relationships" xmlns:p="http://schemas.openxmlformats.org/presentationml/2006/main">
+  <p:cSld>
+    <p:bg>
+      <p:bgPr>
+        <a:solidFill>
+          <a:schemeClr val="bg1">
+            <a:lumMod val="75000"/>
+          </a:schemeClr>
+        </a:solidFill>
+        <a:effectLst/>
+      </p:bgPr>
+    </p:bg>
+    <p:spTree>
+      <p:nvGrpSpPr>
+        <p:cNvPr id="1" name=""/>
+        <p:cNvGrpSpPr/>
+        <p:nvPr/>
+      </p:nvGrpSpPr>
+      <p:grpSpPr>
+        <a:xfrm>
+          <a:off x="0" y="0"/>
+          <a:ext cx="0" cy="0"/>
+          <a:chOff x="0" y="0"/>
+          <a:chExt cx="0" cy="0"/>
+        </a:xfrm>
+      </p:grpSpPr>
+      <p:sp>
+        <p:nvSpPr>
+          <p:cNvPr id="2" name="Title 1"/>
+          <p:cNvSpPr>
+            <a:spLocks noGrp="1"/>
+          </p:cNvSpPr>
+          <p:nvPr>
+            <p:ph type="ctrTitle"/>
+          </p:nvPr>
+        </p:nvSpPr>
+        <p:spPr>
+          <a:xfrm>
+            <a:off x="1524000" y="1122363"/>
+            <a:ext cx="9144000" cy="2387600"/>
+          </a:xfrm>
+        </p:spPr>
+        <p:txBody>
+          <a:bodyPr>
+            <a:normAutofit/>
+          </a:bodyPr>
+          <a:lstStyle/>
+          <a:p>
+            <a:r>
+              <a:rPr lang="en-US" sz="4800" dirty="0"/>
+              <a:t>End of Session</a:t>
+            </a:r>
+          </a:p>
+        </p:txBody>
+      </p:sp>
+      <p:sp>
+        <p:nvSpPr>
+          <p:cNvPr id="3" name="Subtitle 2"/>
+          <p:cNvSpPr>
+            <a:spLocks noGrp="1"/>
+          </p:cNvSpPr>
+          <p:nvPr>
+            <p:ph type="subTitle" idx="1"/>
+          </p:nvPr>
+        </p:nvSpPr>
+        <p:spPr>
+          <a:xfrm>
+            <a:off x="1524000" y="3602038"/>
+            <a:ext cx="9144000" cy="2198022"/>
+          </a:xfrm>
+        </p:spPr>
+        <p:txBody>
+          <a:bodyPr>
+            <a:normAutofit/>
+          </a:bodyPr>
+          <a:lstStyle/>
+          <a:p>
+            <a:pPr algn="l"/>
+            <a:r>
+              <a:rPr lang="en-US" dirty="0"/>
+              <a:t>Course Number: CPSC-24500</a:t>
+            </a:r>
+          </a:p>
+          <a:p>
+            <a:pPr algn="l"/>
+            <a:r>
+              <a:rPr lang="en-US" dirty="0"/>
+              <a:t>Week: 6</a:t>
+            </a:r>
+          </a:p>
+          <a:p>
+            <a:pPr algn="l"/>
+            <a:r>
+              <a:rPr lang="en-US" dirty="0"/>
+              <a:t>Session: 2</a:t>
+            </a:r>
+          </a:p>
+          <a:p>
+            <a:pPr algn="l"/>
+            <a:r>
+              <a:rPr lang="en-US" dirty="0"/>
+              <a:t>Instructor: Eric Pogue</a:t>
+            </a:r>
+          </a:p>
+        </p:txBody>
+      </p:sp>
+    </p:spTree>
+    <p:extLst>
+      <p:ext uri="{BB962C8B-B14F-4D97-AF65-F5344CB8AC3E}">
+        <p14:creationId xmlns:p14="http://schemas.microsoft.com/office/powerpoint/2010/main" val="2274666725"/>
+      </p:ext>
+    </p:extLst>
+  </p:cSld>
+  <p:clrMapOvr>
+    <a:masterClrMapping/>
+  </p:clrMapOvr>
+</p:sld>
+</file>
+
+<file path=ppt/slides/slide2.xml><?xml version="1.0" encoding="utf-8"?>
 <p:sld xmlns:a="http://schemas.openxmlformats.org/drawingml/2006/main" xmlns:r="http://schemas.openxmlformats.org/officeDocument/2006/relationships" xmlns:p="http://schemas.openxmlformats.org/presentationml/2006/main">
   <p:cSld>
     <p:spTree>
@@ -6835,8 +6767,8 @@
         </p:nvSpPr>
         <p:spPr>
           <a:xfrm>
-            <a:off x="838200" y="365126"/>
-            <a:ext cx="6113662" cy="1409174"/>
+            <a:off x="838200" y="365125"/>
+            <a:ext cx="10411047" cy="1325563"/>
           </a:xfrm>
         </p:spPr>
         <p:txBody>
@@ -6847,207 +6779,36 @@
           <a:p>
             <a:r>
               <a:rPr lang="en-US" sz="3600" dirty="0"/>
-              <a:t>Object-Oriented Programming</a:t>
-            </a:r>
-            <a:br>
-              <a:rPr lang="en-US" sz="3600" dirty="0"/>
-            </a:br>
-            <a:r>
-              <a:rPr lang="en-US" sz="1800" dirty="0"/>
-              <a:t>Session: Week 6 Session 2 </a:t>
-            </a:r>
-            <a:br>
-              <a:rPr lang="en-US" sz="1800" dirty="0"/>
-            </a:br>
-            <a:r>
-              <a:rPr lang="en-US" sz="1800" dirty="0"/>
-              <a:t>Instructor: Eric Pogue</a:t>
-            </a:r>
-            <a:endParaRPr lang="en-US" sz="1800" b="1" i="1" u="sng" dirty="0"/>
-          </a:p>
-        </p:txBody>
-      </p:sp>
-      <p:pic>
-        <p:nvPicPr>
-          <p:cNvPr id="4" name="Content Placeholder 4"/>
-          <p:cNvPicPr>
-            <a:picLocks noChangeAspect="1"/>
-          </p:cNvPicPr>
-          <p:nvPr/>
-        </p:nvPicPr>
-        <p:blipFill>
-          <a:blip r:embed="rId3"/>
-          <a:stretch>
-            <a:fillRect/>
-          </a:stretch>
-        </p:blipFill>
+              <a:t>Review Questions Assignment</a:t>
+            </a:r>
+          </a:p>
+        </p:txBody>
+      </p:sp>
+      <p:sp>
+        <p:nvSpPr>
+          <p:cNvPr id="3" name="Content Placeholder 2"/>
+          <p:cNvSpPr>
+            <a:spLocks noGrp="1"/>
+          </p:cNvSpPr>
+          <p:nvPr>
+            <p:ph idx="1"/>
+          </p:nvPr>
+        </p:nvSpPr>
         <p:spPr>
           <a:xfrm>
-            <a:off x="9072894" y="182925"/>
-            <a:ext cx="2656367" cy="1366321"/>
+            <a:off x="838199" y="1549178"/>
+            <a:ext cx="10453578" cy="4783519"/>
           </a:xfrm>
-          <a:prstGeom prst="rect">
-            <a:avLst/>
-          </a:prstGeom>
         </p:spPr>
-      </p:pic>
-      <p:sp>
-        <p:nvSpPr>
-          <p:cNvPr id="6" name="Content Placeholder 5"/>
-          <p:cNvSpPr>
-            <a:spLocks noGrp="1"/>
-          </p:cNvSpPr>
-          <p:nvPr>
-            <p:ph idx="1"/>
-          </p:nvPr>
-        </p:nvSpPr>
-        <p:spPr/>
         <p:txBody>
           <a:bodyPr>
             <a:normAutofit/>
           </a:bodyPr>
           <a:lstStyle/>
           <a:p>
-            <a:pPr marL="457200" indent="-457200">
-              <a:buFont typeface="+mj-lt"/>
-              <a:buAutoNum type="arabicPeriod"/>
+            <a:pPr marL="0" indent="0">
+              <a:buNone/>
             </a:pPr>
-            <a:r>
-              <a:rPr lang="en-US" sz="2000" dirty="0">
-                <a:solidFill>
-                  <a:schemeClr val="bg1">
-                    <a:lumMod val="65000"/>
-                  </a:schemeClr>
-                </a:solidFill>
-              </a:rPr>
-              <a:t>Download and install Visual Studio... And implement Hello World in C#</a:t>
-            </a:r>
-          </a:p>
-          <a:p>
-            <a:pPr marL="457200" indent="-457200">
-              <a:buFont typeface="+mj-lt"/>
-              <a:buAutoNum type="arabicPeriod"/>
-            </a:pPr>
-            <a:r>
-              <a:rPr lang="en-US" sz="2000" dirty="0">
-                <a:solidFill>
-                  <a:schemeClr val="bg1">
-                    <a:lumMod val="65000"/>
-                  </a:schemeClr>
-                </a:solidFill>
-              </a:rPr>
-              <a:t>Identify characteristics of Java, Python, and C#</a:t>
-            </a:r>
-          </a:p>
-          <a:p>
-            <a:pPr marL="457200" indent="-457200">
-              <a:buFont typeface="+mj-lt"/>
-              <a:buAutoNum type="arabicPeriod"/>
-            </a:pPr>
-            <a:r>
-              <a:rPr lang="en-US" sz="2000" dirty="0">
-                <a:solidFill>
-                  <a:schemeClr val="bg1">
-                    <a:lumMod val="65000"/>
-                  </a:schemeClr>
-                </a:solidFill>
-              </a:rPr>
-              <a:t>Professional positioning </a:t>
-            </a:r>
-          </a:p>
-          <a:p>
-            <a:pPr marL="457200" indent="-457200">
-              <a:buFont typeface="+mj-lt"/>
-              <a:buAutoNum type="arabicPeriod"/>
-            </a:pPr>
-            <a:r>
-              <a:rPr lang="en-US" sz="2000" strike="sngStrike" dirty="0">
-                <a:solidFill>
-                  <a:schemeClr val="bg1">
-                    <a:lumMod val="65000"/>
-                  </a:schemeClr>
-                </a:solidFill>
-              </a:rPr>
-              <a:t>Write non-object-oriented programs that use sequence, selection, and repetition </a:t>
-            </a:r>
-          </a:p>
-          <a:p>
-            <a:pPr marL="457200" indent="-457200">
-              <a:buFont typeface="+mj-lt"/>
-              <a:buAutoNum type="arabicPeriod"/>
-            </a:pPr>
-            <a:r>
-              <a:rPr lang="en-US" sz="2000" dirty="0"/>
-              <a:t>Use Visual Studio 2017 to define C# classes, complete with properties, methods, and constructors… and much more</a:t>
-            </a:r>
-          </a:p>
-          <a:p>
-            <a:pPr marL="457200" indent="-457200">
-              <a:buFont typeface="+mj-lt"/>
-              <a:buAutoNum type="arabicPeriod"/>
-            </a:pPr>
-            <a:r>
-              <a:rPr lang="en-US" sz="2000" dirty="0"/>
-              <a:t>Create classes and objects to carry out the work of your program</a:t>
-            </a:r>
-          </a:p>
-          <a:p>
-            <a:pPr marL="457200" indent="-457200">
-              <a:buFont typeface="+mj-lt"/>
-              <a:buAutoNum type="arabicPeriod"/>
-            </a:pPr>
-            <a:r>
-              <a:rPr lang="en-US" sz="2000" dirty="0"/>
-              <a:t>Use inheritance to create a hierarchy of classes that are related to each other</a:t>
-            </a:r>
-          </a:p>
-          <a:p>
-            <a:pPr marL="457200" indent="-457200">
-              <a:buFont typeface="+mj-lt"/>
-              <a:buAutoNum type="arabicPeriod"/>
-            </a:pPr>
-            <a:r>
-              <a:rPr lang="en-US" sz="2000" dirty="0"/>
-              <a:t>Use </a:t>
-            </a:r>
-            <a:r>
-              <a:rPr lang="en-US" sz="2000" dirty="0" err="1"/>
-              <a:t>.Net</a:t>
-            </a:r>
-            <a:r>
-              <a:rPr lang="en-US" sz="2000" dirty="0"/>
-              <a:t> (C#) built-in text file objects to create and read text files</a:t>
-            </a:r>
-          </a:p>
-          <a:p>
-            <a:pPr marL="457200" indent="-457200">
-              <a:buFont typeface="+mj-lt"/>
-              <a:buAutoNum type="arabicPeriod"/>
-            </a:pPr>
-            <a:r>
-              <a:rPr lang="en-US" sz="2000" dirty="0"/>
-              <a:t>Work with </a:t>
-            </a:r>
-            <a:r>
-              <a:rPr lang="en-US" sz="2000" dirty="0" err="1"/>
-              <a:t>.Net</a:t>
-            </a:r>
-            <a:r>
-              <a:rPr lang="en-US" sz="2000" dirty="0"/>
-              <a:t> (C#) lists</a:t>
-            </a:r>
-          </a:p>
-          <a:p>
-            <a:pPr marL="457200" indent="-457200">
-              <a:buFont typeface="+mj-lt"/>
-              <a:buAutoNum type="arabicPeriod"/>
-            </a:pPr>
-            <a:r>
-              <a:rPr lang="en-US" sz="2000" dirty="0"/>
-              <a:t>Deal with a list of related objects polymorphically</a:t>
-            </a:r>
-          </a:p>
-          <a:p>
             <a:endParaRPr lang="en-US" sz="2000" dirty="0"/>
           </a:p>
         </p:txBody>
@@ -7055,7 +6816,7 @@
     </p:spTree>
     <p:extLst>
       <p:ext uri="{BB962C8B-B14F-4D97-AF65-F5344CB8AC3E}">
-        <p14:creationId xmlns:p14="http://schemas.microsoft.com/office/powerpoint/2010/main" val="284483664"/>
+        <p14:creationId xmlns:p14="http://schemas.microsoft.com/office/powerpoint/2010/main" val="3932962852"/>
       </p:ext>
     </p:extLst>
   </p:cSld>
@@ -7065,7 +6826,247 @@
 </p:sld>
 </file>
 
-<file path=ppt/slides/slide14.xml><?xml version="1.0" encoding="utf-8"?>
+<file path=ppt/slides/slide20.xml><?xml version="1.0" encoding="utf-8"?>
+<p:sld xmlns:a="http://schemas.openxmlformats.org/drawingml/2006/main" xmlns:r="http://schemas.openxmlformats.org/officeDocument/2006/relationships" xmlns:p="http://schemas.openxmlformats.org/presentationml/2006/main">
+  <p:cSld>
+    <p:bg>
+      <p:bgPr>
+        <a:solidFill>
+          <a:schemeClr val="bg1">
+            <a:lumMod val="75000"/>
+          </a:schemeClr>
+        </a:solidFill>
+        <a:effectLst/>
+      </p:bgPr>
+    </p:bg>
+    <p:spTree>
+      <p:nvGrpSpPr>
+        <p:cNvPr id="1" name=""/>
+        <p:cNvGrpSpPr/>
+        <p:nvPr/>
+      </p:nvGrpSpPr>
+      <p:grpSpPr>
+        <a:xfrm>
+          <a:off x="0" y="0"/>
+          <a:ext cx="0" cy="0"/>
+          <a:chOff x="0" y="0"/>
+          <a:chExt cx="0" cy="0"/>
+        </a:xfrm>
+      </p:grpSpPr>
+      <p:sp>
+        <p:nvSpPr>
+          <p:cNvPr id="2" name="Title 1"/>
+          <p:cNvSpPr>
+            <a:spLocks noGrp="1"/>
+          </p:cNvSpPr>
+          <p:nvPr>
+            <p:ph type="ctrTitle"/>
+          </p:nvPr>
+        </p:nvSpPr>
+        <p:spPr>
+          <a:xfrm>
+            <a:off x="1524000" y="1122363"/>
+            <a:ext cx="9144000" cy="2387600"/>
+          </a:xfrm>
+        </p:spPr>
+        <p:txBody>
+          <a:bodyPr>
+            <a:normAutofit/>
+          </a:bodyPr>
+          <a:lstStyle/>
+          <a:p>
+            <a:r>
+              <a:rPr lang="en-US" sz="4800" dirty="0"/>
+              <a:t>End of Session</a:t>
+            </a:r>
+          </a:p>
+        </p:txBody>
+      </p:sp>
+      <p:sp>
+        <p:nvSpPr>
+          <p:cNvPr id="3" name="Subtitle 2"/>
+          <p:cNvSpPr>
+            <a:spLocks noGrp="1"/>
+          </p:cNvSpPr>
+          <p:nvPr>
+            <p:ph type="subTitle" idx="1"/>
+          </p:nvPr>
+        </p:nvSpPr>
+        <p:spPr>
+          <a:xfrm>
+            <a:off x="1524000" y="3602038"/>
+            <a:ext cx="9144000" cy="2198022"/>
+          </a:xfrm>
+        </p:spPr>
+        <p:txBody>
+          <a:bodyPr>
+            <a:normAutofit/>
+          </a:bodyPr>
+          <a:lstStyle/>
+          <a:p>
+            <a:pPr algn="l"/>
+            <a:r>
+              <a:rPr lang="en-US" dirty="0"/>
+              <a:t>Course Number: CPSC-24500</a:t>
+            </a:r>
+          </a:p>
+          <a:p>
+            <a:pPr algn="l"/>
+            <a:r>
+              <a:rPr lang="en-US" dirty="0"/>
+              <a:t>Week: 5</a:t>
+            </a:r>
+          </a:p>
+          <a:p>
+            <a:pPr algn="l"/>
+            <a:r>
+              <a:rPr lang="en-US" dirty="0"/>
+              <a:t>Session: 3</a:t>
+            </a:r>
+          </a:p>
+          <a:p>
+            <a:pPr algn="l"/>
+            <a:r>
+              <a:rPr lang="en-US" dirty="0"/>
+              <a:t>Instructor: Eric Pogue</a:t>
+            </a:r>
+          </a:p>
+        </p:txBody>
+      </p:sp>
+    </p:spTree>
+    <p:extLst>
+      <p:ext uri="{BB962C8B-B14F-4D97-AF65-F5344CB8AC3E}">
+        <p14:creationId xmlns:p14="http://schemas.microsoft.com/office/powerpoint/2010/main" val="3303290033"/>
+      </p:ext>
+    </p:extLst>
+  </p:cSld>
+  <p:clrMapOvr>
+    <a:masterClrMapping/>
+  </p:clrMapOvr>
+</p:sld>
+</file>
+
+<file path=ppt/slides/slide21.xml><?xml version="1.0" encoding="utf-8"?>
+<p:sld xmlns:a="http://schemas.openxmlformats.org/drawingml/2006/main" xmlns:r="http://schemas.openxmlformats.org/officeDocument/2006/relationships" xmlns:p="http://schemas.openxmlformats.org/presentationml/2006/main">
+  <p:cSld>
+    <p:bg>
+      <p:bgPr>
+        <a:solidFill>
+          <a:schemeClr val="bg1">
+            <a:lumMod val="75000"/>
+          </a:schemeClr>
+        </a:solidFill>
+        <a:effectLst/>
+      </p:bgPr>
+    </p:bg>
+    <p:spTree>
+      <p:nvGrpSpPr>
+        <p:cNvPr id="1" name=""/>
+        <p:cNvGrpSpPr/>
+        <p:nvPr/>
+      </p:nvGrpSpPr>
+      <p:grpSpPr>
+        <a:xfrm>
+          <a:off x="0" y="0"/>
+          <a:ext cx="0" cy="0"/>
+          <a:chOff x="0" y="0"/>
+          <a:chExt cx="0" cy="0"/>
+        </a:xfrm>
+      </p:grpSpPr>
+      <p:sp>
+        <p:nvSpPr>
+          <p:cNvPr id="2" name="Title 1"/>
+          <p:cNvSpPr>
+            <a:spLocks noGrp="1"/>
+          </p:cNvSpPr>
+          <p:nvPr>
+            <p:ph type="ctrTitle"/>
+          </p:nvPr>
+        </p:nvSpPr>
+        <p:spPr>
+          <a:xfrm>
+            <a:off x="1524000" y="1122363"/>
+            <a:ext cx="9144000" cy="2387600"/>
+          </a:xfrm>
+        </p:spPr>
+        <p:txBody>
+          <a:bodyPr>
+            <a:normAutofit/>
+          </a:bodyPr>
+          <a:lstStyle/>
+          <a:p>
+            <a:r>
+              <a:rPr lang="en-US" sz="4800" dirty="0"/>
+              <a:t>End of Session</a:t>
+            </a:r>
+          </a:p>
+        </p:txBody>
+      </p:sp>
+      <p:sp>
+        <p:nvSpPr>
+          <p:cNvPr id="3" name="Subtitle 2"/>
+          <p:cNvSpPr>
+            <a:spLocks noGrp="1"/>
+          </p:cNvSpPr>
+          <p:nvPr>
+            <p:ph type="subTitle" idx="1"/>
+          </p:nvPr>
+        </p:nvSpPr>
+        <p:spPr>
+          <a:xfrm>
+            <a:off x="1524000" y="3602038"/>
+            <a:ext cx="9144000" cy="2198022"/>
+          </a:xfrm>
+        </p:spPr>
+        <p:txBody>
+          <a:bodyPr>
+            <a:normAutofit/>
+          </a:bodyPr>
+          <a:lstStyle/>
+          <a:p>
+            <a:pPr algn="l"/>
+            <a:r>
+              <a:rPr lang="en-US" dirty="0"/>
+              <a:t>Course Number: CPSC-24500</a:t>
+            </a:r>
+          </a:p>
+          <a:p>
+            <a:pPr algn="l"/>
+            <a:r>
+              <a:rPr lang="en-US" dirty="0"/>
+              <a:t>Week: 5</a:t>
+            </a:r>
+          </a:p>
+          <a:p>
+            <a:pPr algn="l"/>
+            <a:r>
+              <a:rPr lang="en-US" dirty="0"/>
+              <a:t>Session: 4</a:t>
+            </a:r>
+          </a:p>
+          <a:p>
+            <a:pPr algn="l"/>
+            <a:r>
+              <a:rPr lang="en-US" dirty="0"/>
+              <a:t>Instructor: Eric Pogue</a:t>
+            </a:r>
+          </a:p>
+        </p:txBody>
+      </p:sp>
+    </p:spTree>
+    <p:extLst>
+      <p:ext uri="{BB962C8B-B14F-4D97-AF65-F5344CB8AC3E}">
+        <p14:creationId xmlns:p14="http://schemas.microsoft.com/office/powerpoint/2010/main" val="735112491"/>
+      </p:ext>
+    </p:extLst>
+  </p:cSld>
+  <p:clrMapOvr>
+    <a:masterClrMapping/>
+  </p:clrMapOvr>
+</p:sld>
+</file>
+
+<file path=ppt/slides/slide3.xml><?xml version="1.0" encoding="utf-8"?>
 <p:sld xmlns:a="http://schemas.openxmlformats.org/drawingml/2006/main" xmlns:r="http://schemas.openxmlformats.org/officeDocument/2006/relationships" xmlns:p="http://schemas.openxmlformats.org/presentationml/2006/main">
   <p:cSld>
     <p:spTree>
@@ -7106,15 +7107,7 @@
           <a:p>
             <a:r>
               <a:rPr lang="en-US" sz="3600" dirty="0"/>
-              <a:t>But First… </a:t>
-            </a:r>
-            <a:r>
-              <a:rPr lang="en-US" sz="3600" dirty="0" err="1"/>
-              <a:t>FastPrime</a:t>
-            </a:r>
-            <a:r>
-              <a:rPr lang="en-US" sz="3600" dirty="0"/>
-              <a:t> C#</a:t>
+              <a:t>Review Programming Assignment</a:t>
             </a:r>
           </a:p>
         </p:txBody>
@@ -7137,128 +7130,21 @@
         </p:spPr>
         <p:txBody>
           <a:bodyPr>
-            <a:normAutofit fontScale="92500" lnSpcReduction="10000"/>
+            <a:normAutofit/>
           </a:bodyPr>
           <a:lstStyle/>
-          <a:p>
-            <a:pPr marL="0" indent="0">
-              <a:buNone/>
-            </a:pPr>
-            <a:r>
-              <a:rPr lang="en-US" sz="2000" dirty="0"/>
-              <a:t>Write a command line C# application in Visual Studio 2017 that will programmatically find prime numbers and store the numbers sorted in an output file. </a:t>
-            </a:r>
-          </a:p>
-          <a:p>
-            <a:pPr marL="0" indent="0">
-              <a:buNone/>
-            </a:pPr>
-            <a:r>
-              <a:rPr lang="en-US" sz="2000" dirty="0"/>
-              <a:t>In </a:t>
-            </a:r>
-            <a:r>
-              <a:rPr lang="en-US" sz="2000" dirty="0" err="1"/>
-              <a:t>FastPrime</a:t>
-            </a:r>
-            <a:r>
-              <a:rPr lang="en-US" sz="2000" dirty="0"/>
-              <a:t> we will create a command line C# application that will:</a:t>
-            </a:r>
-          </a:p>
-          <a:p>
-            <a:pPr marL="457200" indent="-457200">
-              <a:buFont typeface="+mj-lt"/>
-              <a:buAutoNum type="arabicPeriod"/>
-            </a:pPr>
-            <a:r>
-              <a:rPr lang="en-US" sz="2000" dirty="0"/>
-              <a:t>Utilize C#</a:t>
-            </a:r>
-          </a:p>
-          <a:p>
-            <a:pPr marL="457200" indent="-457200">
-              <a:buFont typeface="+mj-lt"/>
-              <a:buAutoNum type="arabicPeriod"/>
-            </a:pPr>
-            <a:r>
-              <a:rPr lang="en-US" sz="2000" dirty="0"/>
-              <a:t>Utilize Visual Studio and the integrated environment &amp; debugger</a:t>
-            </a:r>
-          </a:p>
-          <a:p>
-            <a:pPr marL="457200" indent="-457200">
-              <a:buFont typeface="+mj-lt"/>
-              <a:buAutoNum type="arabicPeriod"/>
-            </a:pPr>
-            <a:r>
-              <a:rPr lang="en-US" sz="2000" dirty="0"/>
-              <a:t>Use multiple threads to find the prime numbers between two numbers</a:t>
-            </a:r>
-          </a:p>
-          <a:p>
-            <a:pPr marL="457200" indent="-457200">
-              <a:buFont typeface="+mj-lt"/>
-              <a:buAutoNum type="arabicPeriod"/>
-            </a:pPr>
-            <a:r>
-              <a:rPr lang="en-US" sz="2000" dirty="0"/>
-              <a:t>Sort those results and store them to a file</a:t>
-            </a:r>
-          </a:p>
-          <a:p>
-            <a:pPr marL="457200" indent="-457200">
-              <a:buFont typeface="+mj-lt"/>
-              <a:buAutoNum type="arabicPeriod"/>
-            </a:pPr>
-            <a:r>
-              <a:rPr lang="en-US" sz="2000" dirty="0"/>
-              <a:t>Perform some timings</a:t>
-            </a:r>
-          </a:p>
-          <a:p>
-            <a:pPr marL="457200" indent="-457200">
-              <a:buFont typeface="+mj-lt"/>
-              <a:buAutoNum type="arabicPeriod"/>
-            </a:pPr>
-            <a:r>
-              <a:rPr lang="en-US" sz="2000" dirty="0"/>
-              <a:t>Come to our Thursday lunch session with any questions… or email your questions head of time </a:t>
-            </a:r>
-          </a:p>
           <a:p>
             <a:pPr marL="0" indent="0">
               <a:buNone/>
             </a:pPr>
             <a:endParaRPr lang="en-US" sz="2000" dirty="0"/>
-          </a:p>
-          <a:p>
-            <a:pPr marL="0" indent="0">
-              <a:buNone/>
-            </a:pPr>
-            <a:endParaRPr lang="en-US" sz="2000" dirty="0"/>
-          </a:p>
-          <a:p>
-            <a:pPr marL="0" indent="0">
-              <a:buNone/>
-            </a:pPr>
-            <a:endParaRPr lang="en-US" sz="2000" dirty="0"/>
-          </a:p>
-          <a:p>
-            <a:pPr marL="0" indent="0">
-              <a:buNone/>
-            </a:pPr>
-            <a:r>
-              <a:rPr lang="en-US" sz="2000" dirty="0"/>
-              <a:t>See the details in this week’s assignment. </a:t>
-            </a:r>
           </a:p>
         </p:txBody>
       </p:sp>
     </p:spTree>
     <p:extLst>
       <p:ext uri="{BB962C8B-B14F-4D97-AF65-F5344CB8AC3E}">
-        <p14:creationId xmlns:p14="http://schemas.microsoft.com/office/powerpoint/2010/main" val="275512006"/>
+        <p14:creationId xmlns:p14="http://schemas.microsoft.com/office/powerpoint/2010/main" val="686912340"/>
       </p:ext>
     </p:extLst>
   </p:cSld>
@@ -7268,7 +7154,7 @@
 </p:sld>
 </file>
 
-<file path=ppt/slides/slide15.xml><?xml version="1.0" encoding="utf-8"?>
+<file path=ppt/slides/slide4.xml><?xml version="1.0" encoding="utf-8"?>
 <p:sld xmlns:a="http://schemas.openxmlformats.org/drawingml/2006/main" xmlns:r="http://schemas.openxmlformats.org/officeDocument/2006/relationships" xmlns:p="http://schemas.openxmlformats.org/presentationml/2006/main">
   <p:cSld>
     <p:spTree>
@@ -7297,8 +7183,8 @@
         </p:nvSpPr>
         <p:spPr>
           <a:xfrm>
-            <a:off x="838200" y="365125"/>
-            <a:ext cx="10682177" cy="1325563"/>
+            <a:off x="838200" y="474626"/>
+            <a:ext cx="10515600" cy="757272"/>
           </a:xfrm>
         </p:spPr>
         <p:txBody>
@@ -7309,294 +7195,110 @@
           <a:p>
             <a:r>
               <a:rPr lang="en-US" sz="3600" dirty="0"/>
-              <a:t>Example: Visual Studio, C#, and Random Numbers</a:t>
-            </a:r>
-          </a:p>
-        </p:txBody>
-      </p:sp>
-      <p:sp>
-        <p:nvSpPr>
-          <p:cNvPr id="5" name="Content Placeholder 2"/>
-          <p:cNvSpPr txBox="1">
-            <a:spLocks/>
-          </p:cNvSpPr>
-          <p:nvPr/>
+              <a:t>Learning Objectives – Week 7</a:t>
+            </a:r>
+            <a:endParaRPr lang="en-US" sz="3600" b="1" i="1" u="sng" dirty="0"/>
+          </a:p>
+        </p:txBody>
+      </p:sp>
+      <p:sp>
+        <p:nvSpPr>
+          <p:cNvPr id="3" name="Content Placeholder 2"/>
+          <p:cNvSpPr>
+            <a:spLocks noGrp="1"/>
+          </p:cNvSpPr>
+          <p:nvPr>
+            <p:ph idx="1"/>
+          </p:nvPr>
         </p:nvSpPr>
         <p:spPr>
           <a:xfrm>
-            <a:off x="838200" y="1382233"/>
-            <a:ext cx="10515600" cy="5050465"/>
+            <a:off x="838200" y="1231898"/>
+            <a:ext cx="10718950" cy="5463343"/>
           </a:xfrm>
-          <a:prstGeom prst="rect">
-            <a:avLst/>
-          </a:prstGeom>
         </p:spPr>
         <p:txBody>
-          <a:bodyPr vert="horz" lIns="91440" tIns="45720" rIns="91440" bIns="45720" rtlCol="0">
-            <a:normAutofit lnSpcReduction="10000"/>
+          <a:bodyPr>
+            <a:normAutofit/>
           </a:bodyPr>
-          <a:lstStyle>
-            <a:lvl1pPr marL="228600" indent="-228600" algn="l" defTabSz="914400" rtl="0" eaLnBrk="1" latinLnBrk="0" hangingPunct="1">
-              <a:lnSpc>
-                <a:spcPct val="90000"/>
-              </a:lnSpc>
-              <a:spcBef>
-                <a:spcPts val="1000"/>
-              </a:spcBef>
-              <a:buFont typeface="Arial" panose="020B0604020202020204" pitchFamily="34" charset="0"/>
-              <a:buChar char="•"/>
-              <a:defRPr sz="2800" kern="1200">
-                <a:solidFill>
-                  <a:schemeClr val="tx1"/>
-                </a:solidFill>
-                <a:latin typeface="+mn-lt"/>
-                <a:ea typeface="+mn-ea"/>
-                <a:cs typeface="+mn-cs"/>
-              </a:defRPr>
-            </a:lvl1pPr>
-            <a:lvl2pPr marL="685800" indent="-228600" algn="l" defTabSz="914400" rtl="0" eaLnBrk="1" latinLnBrk="0" hangingPunct="1">
-              <a:lnSpc>
-                <a:spcPct val="90000"/>
-              </a:lnSpc>
-              <a:spcBef>
-                <a:spcPts val="500"/>
-              </a:spcBef>
-              <a:buFont typeface="Arial" panose="020B0604020202020204" pitchFamily="34" charset="0"/>
-              <a:buChar char="•"/>
-              <a:defRPr sz="2400" kern="1200">
-                <a:solidFill>
-                  <a:schemeClr val="tx1"/>
-                </a:solidFill>
-                <a:latin typeface="+mn-lt"/>
-                <a:ea typeface="+mn-ea"/>
-                <a:cs typeface="+mn-cs"/>
-              </a:defRPr>
-            </a:lvl2pPr>
-            <a:lvl3pPr marL="1143000" indent="-228600" algn="l" defTabSz="914400" rtl="0" eaLnBrk="1" latinLnBrk="0" hangingPunct="1">
-              <a:lnSpc>
-                <a:spcPct val="90000"/>
-              </a:lnSpc>
-              <a:spcBef>
-                <a:spcPts val="500"/>
-              </a:spcBef>
-              <a:buFont typeface="Arial" panose="020B0604020202020204" pitchFamily="34" charset="0"/>
-              <a:buChar char="•"/>
-              <a:defRPr sz="2000" kern="1200">
-                <a:solidFill>
-                  <a:schemeClr val="tx1"/>
-                </a:solidFill>
-                <a:latin typeface="+mn-lt"/>
-                <a:ea typeface="+mn-ea"/>
-                <a:cs typeface="+mn-cs"/>
-              </a:defRPr>
-            </a:lvl3pPr>
-            <a:lvl4pPr marL="1600200" indent="-228600" algn="l" defTabSz="914400" rtl="0" eaLnBrk="1" latinLnBrk="0" hangingPunct="1">
-              <a:lnSpc>
-                <a:spcPct val="90000"/>
-              </a:lnSpc>
-              <a:spcBef>
-                <a:spcPts val="500"/>
-              </a:spcBef>
-              <a:buFont typeface="Arial" panose="020B0604020202020204" pitchFamily="34" charset="0"/>
-              <a:buChar char="•"/>
-              <a:defRPr sz="1800" kern="1200">
-                <a:solidFill>
-                  <a:schemeClr val="tx1"/>
-                </a:solidFill>
-                <a:latin typeface="+mn-lt"/>
-                <a:ea typeface="+mn-ea"/>
-                <a:cs typeface="+mn-cs"/>
-              </a:defRPr>
-            </a:lvl4pPr>
-            <a:lvl5pPr marL="2057400" indent="-228600" algn="l" defTabSz="914400" rtl="0" eaLnBrk="1" latinLnBrk="0" hangingPunct="1">
-              <a:lnSpc>
-                <a:spcPct val="90000"/>
-              </a:lnSpc>
-              <a:spcBef>
-                <a:spcPts val="500"/>
-              </a:spcBef>
-              <a:buFont typeface="Arial" panose="020B0604020202020204" pitchFamily="34" charset="0"/>
-              <a:buChar char="•"/>
-              <a:defRPr sz="1800" kern="1200">
-                <a:solidFill>
-                  <a:schemeClr val="tx1"/>
-                </a:solidFill>
-                <a:latin typeface="+mn-lt"/>
-                <a:ea typeface="+mn-ea"/>
-                <a:cs typeface="+mn-cs"/>
-              </a:defRPr>
-            </a:lvl5pPr>
-            <a:lvl6pPr marL="2514600" indent="-228600" algn="l" defTabSz="914400" rtl="0" eaLnBrk="1" latinLnBrk="0" hangingPunct="1">
-              <a:lnSpc>
-                <a:spcPct val="90000"/>
-              </a:lnSpc>
-              <a:spcBef>
-                <a:spcPts val="500"/>
-              </a:spcBef>
-              <a:buFont typeface="Arial" panose="020B0604020202020204" pitchFamily="34" charset="0"/>
-              <a:buChar char="•"/>
-              <a:defRPr sz="1800" kern="1200">
-                <a:solidFill>
-                  <a:schemeClr val="tx1"/>
-                </a:solidFill>
-                <a:latin typeface="+mn-lt"/>
-                <a:ea typeface="+mn-ea"/>
-                <a:cs typeface="+mn-cs"/>
-              </a:defRPr>
-            </a:lvl6pPr>
-            <a:lvl7pPr marL="2971800" indent="-228600" algn="l" defTabSz="914400" rtl="0" eaLnBrk="1" latinLnBrk="0" hangingPunct="1">
-              <a:lnSpc>
-                <a:spcPct val="90000"/>
-              </a:lnSpc>
-              <a:spcBef>
-                <a:spcPts val="500"/>
-              </a:spcBef>
-              <a:buFont typeface="Arial" panose="020B0604020202020204" pitchFamily="34" charset="0"/>
-              <a:buChar char="•"/>
-              <a:defRPr sz="1800" kern="1200">
-                <a:solidFill>
-                  <a:schemeClr val="tx1"/>
-                </a:solidFill>
-                <a:latin typeface="+mn-lt"/>
-                <a:ea typeface="+mn-ea"/>
-                <a:cs typeface="+mn-cs"/>
-              </a:defRPr>
-            </a:lvl7pPr>
-            <a:lvl8pPr marL="3429000" indent="-228600" algn="l" defTabSz="914400" rtl="0" eaLnBrk="1" latinLnBrk="0" hangingPunct="1">
-              <a:lnSpc>
-                <a:spcPct val="90000"/>
-              </a:lnSpc>
-              <a:spcBef>
-                <a:spcPts val="500"/>
-              </a:spcBef>
-              <a:buFont typeface="Arial" panose="020B0604020202020204" pitchFamily="34" charset="0"/>
-              <a:buChar char="•"/>
-              <a:defRPr sz="1800" kern="1200">
-                <a:solidFill>
-                  <a:schemeClr val="tx1"/>
-                </a:solidFill>
-                <a:latin typeface="+mn-lt"/>
-                <a:ea typeface="+mn-ea"/>
-                <a:cs typeface="+mn-cs"/>
-              </a:defRPr>
-            </a:lvl8pPr>
-            <a:lvl9pPr marL="3886200" indent="-228600" algn="l" defTabSz="914400" rtl="0" eaLnBrk="1" latinLnBrk="0" hangingPunct="1">
-              <a:lnSpc>
-                <a:spcPct val="90000"/>
-              </a:lnSpc>
-              <a:spcBef>
-                <a:spcPts val="500"/>
-              </a:spcBef>
-              <a:buFont typeface="Arial" panose="020B0604020202020204" pitchFamily="34" charset="0"/>
-              <a:buChar char="•"/>
-              <a:defRPr sz="1800" kern="1200">
-                <a:solidFill>
-                  <a:schemeClr val="tx1"/>
-                </a:solidFill>
-                <a:latin typeface="+mn-lt"/>
-                <a:ea typeface="+mn-ea"/>
-                <a:cs typeface="+mn-cs"/>
-              </a:defRPr>
-            </a:lvl9pPr>
-          </a:lstStyle>
+          <a:lstStyle/>
           <a:p>
             <a:pPr marL="0" indent="0">
-              <a:buFont typeface="Arial" panose="020B0604020202020204" pitchFamily="34" charset="0"/>
               <a:buNone/>
             </a:pPr>
             <a:r>
-              <a:rPr lang="en-US" sz="2000" dirty="0" err="1"/>
-              <a:t>ThreadedRandomNumbers</a:t>
-            </a:r>
-            <a:r>
               <a:rPr lang="en-US" sz="2000" dirty="0"/>
-              <a:t>: Calculate 1,000,000,000 random numbers between 1 and 2,000,000. Print “We found number 1024!” to the console each time 1024 is generated. We would expect it to come up approximately 500 times. </a:t>
-            </a:r>
-          </a:p>
-          <a:p>
+              <a:t>Using Visual Studio 2017, C#, and .NET we will:</a:t>
+            </a:r>
+          </a:p>
+          <a:p>
+            <a:pPr marL="457200" indent="-457200">
+              <a:buFont typeface="+mj-lt"/>
+              <a:buAutoNum type="arabicPeriod"/>
+            </a:pPr>
             <a:r>
               <a:rPr lang="en-US" sz="2000" dirty="0"/>
-              <a:t>Write a single threaded application</a:t>
-            </a:r>
-          </a:p>
-          <a:p>
+              <a:t>Review and implement information hiding</a:t>
+            </a:r>
+          </a:p>
+          <a:p>
+            <a:pPr marL="457200" indent="-457200">
+              <a:buFont typeface="+mj-lt"/>
+              <a:buAutoNum type="arabicPeriod"/>
+            </a:pPr>
             <a:r>
               <a:rPr lang="en-US" sz="2000" dirty="0"/>
-              <a:t>Divide the application into multiple threads and repeat</a:t>
-            </a:r>
-          </a:p>
-          <a:p>
+              <a:t>Download documents from remote Web (HTTP) servers</a:t>
+            </a:r>
+          </a:p>
+          <a:p>
+            <a:pPr marL="457200" indent="-457200">
+              <a:buFont typeface="+mj-lt"/>
+              <a:buAutoNum type="arabicPeriod"/>
+            </a:pPr>
             <a:r>
               <a:rPr lang="en-US" sz="2000" dirty="0"/>
-              <a:t>Consider the diminishing returns of adding additional threads</a:t>
-            </a:r>
-          </a:p>
-          <a:p>
-            <a:endParaRPr lang="en-US" sz="2000" dirty="0"/>
-          </a:p>
-          <a:p>
-            <a:pPr marL="0" indent="0">
-              <a:buNone/>
+              <a:t>Parse data expressed in XML format</a:t>
+            </a:r>
+          </a:p>
+          <a:p>
+            <a:pPr marL="457200" indent="-457200">
+              <a:buFont typeface="+mj-lt"/>
+              <a:buAutoNum type="arabicPeriod"/>
             </a:pPr>
-            <a:endParaRPr lang="en-US" sz="2000" dirty="0"/>
-          </a:p>
-          <a:p>
-            <a:pPr marL="0" indent="0">
-              <a:buNone/>
+            <a:r>
+              <a:rPr lang="en-US" sz="2000" dirty="0"/>
+              <a:t>Perform basic drawing operations</a:t>
+            </a:r>
+          </a:p>
+          <a:p>
+            <a:pPr marL="457200" indent="-457200">
+              <a:buFont typeface="+mj-lt"/>
+              <a:buAutoNum type="arabicPeriod"/>
             </a:pPr>
             <a:r>
-              <a:rPr lang="en-US" sz="2000" u="sng" dirty="0"/>
-              <a:t>Progressing through</a:t>
-            </a:r>
-            <a:r>
               <a:rPr lang="en-US" sz="2000" dirty="0"/>
-              <a:t>:</a:t>
-            </a:r>
-          </a:p>
-          <a:p>
-            <a:pPr marL="0" indent="0">
-              <a:buNone/>
+              <a:t>Separate an application’s functionality among classes</a:t>
+            </a:r>
+          </a:p>
+          <a:p>
+            <a:pPr marL="457200" indent="-457200">
+              <a:buFont typeface="+mj-lt"/>
+              <a:buAutoNum type="arabicPeriod"/>
             </a:pPr>
             <a:r>
-              <a:rPr lang="en-US" sz="2000" dirty="0" err="1"/>
-              <a:t>HelloWorldCS</a:t>
-            </a:r>
-            <a:endParaRPr lang="en-US" sz="2000" dirty="0"/>
-          </a:p>
-          <a:p>
-            <a:pPr marL="0" indent="0">
-              <a:buNone/>
+              <a:rPr lang="en-US" sz="2000" dirty="0"/>
+              <a:t>Separate code among files and libraries that you can reuse in other applications</a:t>
+            </a:r>
+          </a:p>
+          <a:p>
+            <a:pPr marL="457200" indent="-457200">
+              <a:buFont typeface="+mj-lt"/>
+              <a:buAutoNum type="arabicPeriod"/>
             </a:pPr>
             <a:r>
-              <a:rPr lang="en-US" sz="2000" dirty="0" err="1"/>
-              <a:t>RandomNumbersCS</a:t>
-            </a:r>
-            <a:endParaRPr lang="en-US" sz="2000" dirty="0"/>
-          </a:p>
-          <a:p>
-            <a:pPr marL="0" indent="0">
-              <a:buNone/>
-            </a:pPr>
-            <a:r>
-              <a:rPr lang="en-US" sz="2000" dirty="0" err="1"/>
-              <a:t>RandomNumbersThreadedCS</a:t>
-            </a:r>
-            <a:endParaRPr lang="en-US" sz="2000" dirty="0"/>
-          </a:p>
-          <a:p>
-            <a:pPr marL="0" indent="0">
-              <a:buNone/>
-            </a:pPr>
-            <a:endParaRPr lang="en-US" sz="2000" dirty="0"/>
-          </a:p>
-          <a:p>
-            <a:pPr marL="0" indent="0">
-              <a:buFont typeface="Arial" panose="020B0604020202020204" pitchFamily="34" charset="0"/>
-              <a:buNone/>
-            </a:pPr>
-            <a:r>
               <a:rPr lang="en-US" sz="2000" dirty="0"/>
-              <a:t> </a:t>
+              <a:t>Review a Model-View-Controller application</a:t>
             </a:r>
           </a:p>
         </p:txBody>
@@ -7604,7 +7306,7 @@
     </p:spTree>
     <p:extLst>
       <p:ext uri="{BB962C8B-B14F-4D97-AF65-F5344CB8AC3E}">
-        <p14:creationId xmlns:p14="http://schemas.microsoft.com/office/powerpoint/2010/main" val="1717965204"/>
+        <p14:creationId xmlns:p14="http://schemas.microsoft.com/office/powerpoint/2010/main" val="1072399538"/>
       </p:ext>
     </p:extLst>
   </p:cSld>
@@ -7614,7 +7316,7 @@
 </p:sld>
 </file>
 
-<file path=ppt/slides/slide16.xml><?xml version="1.0" encoding="utf-8"?>
+<file path=ppt/slides/slide5.xml><?xml version="1.0" encoding="utf-8"?>
 <p:sld xmlns:a="http://schemas.openxmlformats.org/drawingml/2006/main" xmlns:r="http://schemas.openxmlformats.org/officeDocument/2006/relationships" xmlns:p="http://schemas.openxmlformats.org/presentationml/2006/main">
   <p:cSld>
     <p:spTree>
@@ -7650,14 +7352,165 @@
           <a:p>
             <a:r>
               <a:rPr lang="en-US" sz="3600" dirty="0"/>
-              <a:t>Visual Studio &amp; C#</a:t>
-            </a:r>
-          </a:p>
-        </p:txBody>
-      </p:sp>
-      <p:sp>
-        <p:nvSpPr>
-          <p:cNvPr id="5" name="Content Placeholder 2"/>
+              <a:t>Encapsulation &amp; Information Hiding</a:t>
+            </a:r>
+          </a:p>
+        </p:txBody>
+      </p:sp>
+      <p:sp>
+        <p:nvSpPr>
+          <p:cNvPr id="3" name="Content Placeholder 2"/>
+          <p:cNvSpPr>
+            <a:spLocks noGrp="1"/>
+          </p:cNvSpPr>
+          <p:nvPr>
+            <p:ph idx="1"/>
+          </p:nvPr>
+        </p:nvSpPr>
+        <p:spPr>
+          <a:xfrm>
+            <a:off x="838198" y="1525772"/>
+            <a:ext cx="10515601" cy="4651191"/>
+          </a:xfrm>
+        </p:spPr>
+        <p:txBody>
+          <a:bodyPr>
+            <a:noAutofit/>
+          </a:bodyPr>
+          <a:lstStyle/>
+          <a:p>
+            <a:pPr marL="0" indent="0">
+              <a:buNone/>
+            </a:pPr>
+            <a:r>
+              <a:rPr lang="en-US" sz="2000" dirty="0"/>
+              <a:t>Encapsulation is used to hide data from outside classes. C# has three primary (five total) types of access modifiers to encapsulate data. In order to better encapsulate our code and implement data hiding prioritize our access modifiers: </a:t>
+            </a:r>
+          </a:p>
+          <a:p>
+            <a:pPr marL="457200" indent="-457200">
+              <a:buFont typeface="+mj-lt"/>
+              <a:buAutoNum type="arabicPeriod"/>
+            </a:pPr>
+            <a:r>
+              <a:rPr lang="en-US" sz="2000" dirty="0"/>
+              <a:t>Private: only elements of the same class has access</a:t>
+            </a:r>
+          </a:p>
+          <a:p>
+            <a:pPr marL="457200" indent="-457200">
+              <a:buFont typeface="+mj-lt"/>
+              <a:buAutoNum type="arabicPeriod"/>
+            </a:pPr>
+            <a:r>
+              <a:rPr lang="en-US" sz="2000" dirty="0"/>
+              <a:t>Protected: only elements off the same class and descendent classes have access</a:t>
+            </a:r>
+          </a:p>
+          <a:p>
+            <a:pPr marL="457200" indent="-457200">
+              <a:buFont typeface="+mj-lt"/>
+              <a:buAutoNum type="arabicPeriod"/>
+            </a:pPr>
+            <a:r>
+              <a:rPr lang="en-US" sz="2000" dirty="0"/>
+              <a:t>Public: any code has access</a:t>
+            </a:r>
+          </a:p>
+          <a:p>
+            <a:pPr marL="0" indent="0">
+              <a:buNone/>
+            </a:pPr>
+            <a:endParaRPr lang="en-US" sz="2000" dirty="0"/>
+          </a:p>
+        </p:txBody>
+      </p:sp>
+    </p:spTree>
+    <p:extLst>
+      <p:ext uri="{BB962C8B-B14F-4D97-AF65-F5344CB8AC3E}">
+        <p14:creationId xmlns:p14="http://schemas.microsoft.com/office/powerpoint/2010/main" val="2501705272"/>
+      </p:ext>
+    </p:extLst>
+  </p:cSld>
+  <p:clrMapOvr>
+    <a:masterClrMapping/>
+  </p:clrMapOvr>
+</p:sld>
+</file>
+
+<file path=ppt/slides/slide6.xml><?xml version="1.0" encoding="utf-8"?>
+<p:sld xmlns:a="http://schemas.openxmlformats.org/drawingml/2006/main" xmlns:r="http://schemas.openxmlformats.org/officeDocument/2006/relationships" xmlns:p="http://schemas.openxmlformats.org/presentationml/2006/main">
+  <p:cSld>
+    <p:spTree>
+      <p:nvGrpSpPr>
+        <p:cNvPr id="1" name=""/>
+        <p:cNvGrpSpPr/>
+        <p:nvPr/>
+      </p:nvGrpSpPr>
+      <p:grpSpPr>
+        <a:xfrm>
+          <a:off x="0" y="0"/>
+          <a:ext cx="0" cy="0"/>
+          <a:chOff x="0" y="0"/>
+          <a:chExt cx="0" cy="0"/>
+        </a:xfrm>
+      </p:grpSpPr>
+      <p:pic>
+        <p:nvPicPr>
+          <p:cNvPr id="7" name="Picture 6"/>
+          <p:cNvPicPr>
+            <a:picLocks noChangeAspect="1"/>
+          </p:cNvPicPr>
+          <p:nvPr/>
+        </p:nvPicPr>
+        <p:blipFill>
+          <a:blip r:embed="rId3"/>
+          <a:stretch>
+            <a:fillRect/>
+          </a:stretch>
+        </p:blipFill>
+        <p:spPr>
+          <a:xfrm>
+            <a:off x="5943833" y="1355240"/>
+            <a:ext cx="4114800" cy="4604823"/>
+          </a:xfrm>
+          <a:prstGeom prst="rect">
+            <a:avLst/>
+          </a:prstGeom>
+        </p:spPr>
+      </p:pic>
+      <p:sp>
+        <p:nvSpPr>
+          <p:cNvPr id="2" name="Title 1"/>
+          <p:cNvSpPr>
+            <a:spLocks noGrp="1"/>
+          </p:cNvSpPr>
+          <p:nvPr>
+            <p:ph type="title"/>
+          </p:nvPr>
+        </p:nvSpPr>
+        <p:spPr>
+          <a:xfrm>
+            <a:off x="811620" y="365126"/>
+            <a:ext cx="10515600" cy="757272"/>
+          </a:xfrm>
+        </p:spPr>
+        <p:txBody>
+          <a:bodyPr>
+            <a:normAutofit/>
+          </a:bodyPr>
+          <a:lstStyle/>
+          <a:p>
+            <a:r>
+              <a:rPr lang="en-US" sz="3600" dirty="0"/>
+              <a:t>Review Java Setters &amp; Getters</a:t>
+            </a:r>
+          </a:p>
+        </p:txBody>
+      </p:sp>
+      <p:sp>
+        <p:nvSpPr>
+          <p:cNvPr id="10" name="Content Placeholder 2"/>
           <p:cNvSpPr txBox="1">
             <a:spLocks/>
           </p:cNvSpPr>
@@ -7665,8 +7518,8 @@
         </p:nvSpPr>
         <p:spPr>
           <a:xfrm>
-            <a:off x="838200" y="1382233"/>
-            <a:ext cx="10515600" cy="5050465"/>
+            <a:off x="5836494" y="1065009"/>
+            <a:ext cx="4141944" cy="472243"/>
           </a:xfrm>
           <a:prstGeom prst="rect">
             <a:avLst/>
@@ -7846,3662 +7699,94 @@
               <a:buNone/>
             </a:pPr>
             <a:r>
+              <a:rPr lang="en-US" sz="1600" u="sng" dirty="0"/>
+              <a:t>Shapes with Setters and Getters:</a:t>
+            </a:r>
+          </a:p>
+          <a:p>
+            <a:pPr marL="0" indent="0">
+              <a:buFont typeface="Arial" panose="020B0604020202020204" pitchFamily="34" charset="0"/>
+              <a:buNone/>
+            </a:pPr>
+            <a:endParaRPr lang="en-US" sz="2400" dirty="0"/>
+          </a:p>
+        </p:txBody>
+      </p:sp>
+      <p:sp>
+        <p:nvSpPr>
+          <p:cNvPr id="8" name="Content Placeholder 2"/>
+          <p:cNvSpPr>
+            <a:spLocks noGrp="1"/>
+          </p:cNvSpPr>
+          <p:nvPr>
+            <p:ph idx="1"/>
+          </p:nvPr>
+        </p:nvSpPr>
+        <p:spPr>
+          <a:xfrm>
+            <a:off x="811620" y="1065009"/>
+            <a:ext cx="4860897" cy="4783519"/>
+          </a:xfrm>
+        </p:spPr>
+        <p:txBody>
+          <a:bodyPr>
+            <a:normAutofit/>
+          </a:bodyPr>
+          <a:lstStyle/>
+          <a:p>
+            <a:pPr marL="0" indent="0">
+              <a:buNone/>
+            </a:pPr>
+            <a:r>
               <a:rPr lang="en-US" sz="2000" dirty="0"/>
-              <a:t>Let’s make sure that we understand:</a:t>
-            </a:r>
-          </a:p>
-          <a:p>
+              <a:t>Setters and Getters are a practice where public Methods are put in place to control how private Attributes are updated.</a:t>
+            </a:r>
+          </a:p>
+          <a:p>
+            <a:pPr marL="0" indent="0">
+              <a:buNone/>
+            </a:pPr>
             <a:r>
               <a:rPr lang="en-US" sz="2000" dirty="0"/>
-              <a:t>Visual Studio 2017… embrace your IDE</a:t>
+              <a:t>They can be beneficial in: </a:t>
             </a:r>
           </a:p>
           <a:p>
             <a:r>
               <a:rPr lang="en-US" sz="2000" dirty="0"/>
-              <a:t>Visual Studio New Application Wizard*… mixed blessings</a:t>
+              <a:t>Validation</a:t>
             </a:r>
           </a:p>
           <a:p>
             <a:r>
               <a:rPr lang="en-US" sz="2000" dirty="0"/>
-              <a:t>Visual Studio Text Editor</a:t>
+              <a:t>Optimization</a:t>
             </a:r>
           </a:p>
           <a:p>
             <a:r>
               <a:rPr lang="en-US" sz="2000" dirty="0"/>
-              <a:t>Debugger!</a:t>
+              <a:t>Converting types (English to metric)</a:t>
             </a:r>
           </a:p>
           <a:p>
             <a:r>
               <a:rPr lang="en-US" sz="2000" dirty="0"/>
-              <a:t>Debug vs. Release builds</a:t>
+              <a:t>Debugging breakpoints</a:t>
             </a:r>
           </a:p>
           <a:p>
             <a:r>
               <a:rPr lang="en-US" sz="2000" dirty="0"/>
-              <a:t>Project and source code files</a:t>
-            </a:r>
-          </a:p>
-          <a:p>
-            <a:r>
-              <a:rPr lang="en-US" sz="2000" dirty="0"/>
-              <a:t>C# Hello World</a:t>
-            </a:r>
-          </a:p>
-          <a:p>
-            <a:r>
-              <a:rPr lang="en-US" sz="2000" dirty="0"/>
-              <a:t>Command line arguments in debugger</a:t>
-            </a:r>
-          </a:p>
-          <a:p>
-            <a:r>
-              <a:rPr lang="en-US" sz="2000" dirty="0"/>
-              <a:t>Debug and Release configurations</a:t>
-            </a:r>
-          </a:p>
-          <a:p>
-            <a:r>
-              <a:rPr lang="en-US" sz="2000" dirty="0"/>
-              <a:t>Text formatting options ({)</a:t>
-            </a:r>
-          </a:p>
-          <a:p>
-            <a:r>
-              <a:rPr lang="en-US" sz="2000" dirty="0"/>
-              <a:t>Full screen text editing (</a:t>
-            </a:r>
-            <a:r>
-              <a:rPr lang="en-US" sz="2000" dirty="0" err="1"/>
-              <a:t>shift+alt+enter</a:t>
-            </a:r>
-            <a:r>
-              <a:rPr lang="en-US" sz="2000" dirty="0"/>
-              <a:t>)</a:t>
-            </a:r>
-          </a:p>
-          <a:p>
-            <a:pPr marL="0" indent="0">
-              <a:buNone/>
-            </a:pPr>
-            <a:endParaRPr lang="en-US" sz="2000" dirty="0"/>
-          </a:p>
-          <a:p>
-            <a:endParaRPr lang="en-US" sz="2000" dirty="0"/>
-          </a:p>
-          <a:p>
-            <a:endParaRPr lang="en-US" sz="2000" dirty="0"/>
+              <a:t>Some libraries expect setters and getters</a:t>
+            </a:r>
           </a:p>
         </p:txBody>
       </p:sp>
     </p:spTree>
     <p:extLst>
       <p:ext uri="{BB962C8B-B14F-4D97-AF65-F5344CB8AC3E}">
-        <p14:creationId xmlns:p14="http://schemas.microsoft.com/office/powerpoint/2010/main" val="960536022"/>
-      </p:ext>
-    </p:extLst>
-  </p:cSld>
-  <p:clrMapOvr>
-    <a:masterClrMapping/>
-  </p:clrMapOvr>
-</p:sld>
-</file>
-
-<file path=ppt/slides/slide17.xml><?xml version="1.0" encoding="utf-8"?>
-<p:sld xmlns:a="http://schemas.openxmlformats.org/drawingml/2006/main" xmlns:r="http://schemas.openxmlformats.org/officeDocument/2006/relationships" xmlns:p="http://schemas.openxmlformats.org/presentationml/2006/main">
-  <p:cSld>
-    <p:spTree>
-      <p:nvGrpSpPr>
-        <p:cNvPr id="1" name=""/>
-        <p:cNvGrpSpPr/>
-        <p:nvPr/>
-      </p:nvGrpSpPr>
-      <p:grpSpPr>
-        <a:xfrm>
-          <a:off x="0" y="0"/>
-          <a:ext cx="0" cy="0"/>
-          <a:chOff x="0" y="0"/>
-          <a:chExt cx="0" cy="0"/>
-        </a:xfrm>
-      </p:grpSpPr>
-      <p:sp>
-        <p:nvSpPr>
-          <p:cNvPr id="2" name="Title 1"/>
-          <p:cNvSpPr>
-            <a:spLocks noGrp="1"/>
-          </p:cNvSpPr>
-          <p:nvPr>
-            <p:ph type="title"/>
-          </p:nvPr>
-        </p:nvSpPr>
-        <p:spPr/>
-        <p:txBody>
-          <a:bodyPr>
-            <a:normAutofit/>
-          </a:bodyPr>
-          <a:lstStyle/>
-          <a:p>
-            <a:r>
-              <a:rPr lang="en-US" sz="3600" dirty="0"/>
-              <a:t>Visual Studio &amp; C# (continued)</a:t>
-            </a:r>
-          </a:p>
-        </p:txBody>
-      </p:sp>
-      <p:sp>
-        <p:nvSpPr>
-          <p:cNvPr id="5" name="Content Placeholder 2"/>
-          <p:cNvSpPr txBox="1">
-            <a:spLocks/>
-          </p:cNvSpPr>
-          <p:nvPr/>
-        </p:nvSpPr>
-        <p:spPr>
-          <a:xfrm>
-            <a:off x="838200" y="1382233"/>
-            <a:ext cx="10515600" cy="5050465"/>
-          </a:xfrm>
-          <a:prstGeom prst="rect">
-            <a:avLst/>
-          </a:prstGeom>
-        </p:spPr>
-        <p:txBody>
-          <a:bodyPr vert="horz" lIns="91440" tIns="45720" rIns="91440" bIns="45720" rtlCol="0">
-            <a:normAutofit/>
-          </a:bodyPr>
-          <a:lstStyle>
-            <a:lvl1pPr marL="228600" indent="-228600" algn="l" defTabSz="914400" rtl="0" eaLnBrk="1" latinLnBrk="0" hangingPunct="1">
-              <a:lnSpc>
-                <a:spcPct val="90000"/>
-              </a:lnSpc>
-              <a:spcBef>
-                <a:spcPts val="1000"/>
-              </a:spcBef>
-              <a:buFont typeface="Arial" panose="020B0604020202020204" pitchFamily="34" charset="0"/>
-              <a:buChar char="•"/>
-              <a:defRPr sz="2800" kern="1200">
-                <a:solidFill>
-                  <a:schemeClr val="tx1"/>
-                </a:solidFill>
-                <a:latin typeface="+mn-lt"/>
-                <a:ea typeface="+mn-ea"/>
-                <a:cs typeface="+mn-cs"/>
-              </a:defRPr>
-            </a:lvl1pPr>
-            <a:lvl2pPr marL="685800" indent="-228600" algn="l" defTabSz="914400" rtl="0" eaLnBrk="1" latinLnBrk="0" hangingPunct="1">
-              <a:lnSpc>
-                <a:spcPct val="90000"/>
-              </a:lnSpc>
-              <a:spcBef>
-                <a:spcPts val="500"/>
-              </a:spcBef>
-              <a:buFont typeface="Arial" panose="020B0604020202020204" pitchFamily="34" charset="0"/>
-              <a:buChar char="•"/>
-              <a:defRPr sz="2400" kern="1200">
-                <a:solidFill>
-                  <a:schemeClr val="tx1"/>
-                </a:solidFill>
-                <a:latin typeface="+mn-lt"/>
-                <a:ea typeface="+mn-ea"/>
-                <a:cs typeface="+mn-cs"/>
-              </a:defRPr>
-            </a:lvl2pPr>
-            <a:lvl3pPr marL="1143000" indent="-228600" algn="l" defTabSz="914400" rtl="0" eaLnBrk="1" latinLnBrk="0" hangingPunct="1">
-              <a:lnSpc>
-                <a:spcPct val="90000"/>
-              </a:lnSpc>
-              <a:spcBef>
-                <a:spcPts val="500"/>
-              </a:spcBef>
-              <a:buFont typeface="Arial" panose="020B0604020202020204" pitchFamily="34" charset="0"/>
-              <a:buChar char="•"/>
-              <a:defRPr sz="2000" kern="1200">
-                <a:solidFill>
-                  <a:schemeClr val="tx1"/>
-                </a:solidFill>
-                <a:latin typeface="+mn-lt"/>
-                <a:ea typeface="+mn-ea"/>
-                <a:cs typeface="+mn-cs"/>
-              </a:defRPr>
-            </a:lvl3pPr>
-            <a:lvl4pPr marL="1600200" indent="-228600" algn="l" defTabSz="914400" rtl="0" eaLnBrk="1" latinLnBrk="0" hangingPunct="1">
-              <a:lnSpc>
-                <a:spcPct val="90000"/>
-              </a:lnSpc>
-              <a:spcBef>
-                <a:spcPts val="500"/>
-              </a:spcBef>
-              <a:buFont typeface="Arial" panose="020B0604020202020204" pitchFamily="34" charset="0"/>
-              <a:buChar char="•"/>
-              <a:defRPr sz="1800" kern="1200">
-                <a:solidFill>
-                  <a:schemeClr val="tx1"/>
-                </a:solidFill>
-                <a:latin typeface="+mn-lt"/>
-                <a:ea typeface="+mn-ea"/>
-                <a:cs typeface="+mn-cs"/>
-              </a:defRPr>
-            </a:lvl4pPr>
-            <a:lvl5pPr marL="2057400" indent="-228600" algn="l" defTabSz="914400" rtl="0" eaLnBrk="1" latinLnBrk="0" hangingPunct="1">
-              <a:lnSpc>
-                <a:spcPct val="90000"/>
-              </a:lnSpc>
-              <a:spcBef>
-                <a:spcPts val="500"/>
-              </a:spcBef>
-              <a:buFont typeface="Arial" panose="020B0604020202020204" pitchFamily="34" charset="0"/>
-              <a:buChar char="•"/>
-              <a:defRPr sz="1800" kern="1200">
-                <a:solidFill>
-                  <a:schemeClr val="tx1"/>
-                </a:solidFill>
-                <a:latin typeface="+mn-lt"/>
-                <a:ea typeface="+mn-ea"/>
-                <a:cs typeface="+mn-cs"/>
-              </a:defRPr>
-            </a:lvl5pPr>
-            <a:lvl6pPr marL="2514600" indent="-228600" algn="l" defTabSz="914400" rtl="0" eaLnBrk="1" latinLnBrk="0" hangingPunct="1">
-              <a:lnSpc>
-                <a:spcPct val="90000"/>
-              </a:lnSpc>
-              <a:spcBef>
-                <a:spcPts val="500"/>
-              </a:spcBef>
-              <a:buFont typeface="Arial" panose="020B0604020202020204" pitchFamily="34" charset="0"/>
-              <a:buChar char="•"/>
-              <a:defRPr sz="1800" kern="1200">
-                <a:solidFill>
-                  <a:schemeClr val="tx1"/>
-                </a:solidFill>
-                <a:latin typeface="+mn-lt"/>
-                <a:ea typeface="+mn-ea"/>
-                <a:cs typeface="+mn-cs"/>
-              </a:defRPr>
-            </a:lvl6pPr>
-            <a:lvl7pPr marL="2971800" indent="-228600" algn="l" defTabSz="914400" rtl="0" eaLnBrk="1" latinLnBrk="0" hangingPunct="1">
-              <a:lnSpc>
-                <a:spcPct val="90000"/>
-              </a:lnSpc>
-              <a:spcBef>
-                <a:spcPts val="500"/>
-              </a:spcBef>
-              <a:buFont typeface="Arial" panose="020B0604020202020204" pitchFamily="34" charset="0"/>
-              <a:buChar char="•"/>
-              <a:defRPr sz="1800" kern="1200">
-                <a:solidFill>
-                  <a:schemeClr val="tx1"/>
-                </a:solidFill>
-                <a:latin typeface="+mn-lt"/>
-                <a:ea typeface="+mn-ea"/>
-                <a:cs typeface="+mn-cs"/>
-              </a:defRPr>
-            </a:lvl7pPr>
-            <a:lvl8pPr marL="3429000" indent="-228600" algn="l" defTabSz="914400" rtl="0" eaLnBrk="1" latinLnBrk="0" hangingPunct="1">
-              <a:lnSpc>
-                <a:spcPct val="90000"/>
-              </a:lnSpc>
-              <a:spcBef>
-                <a:spcPts val="500"/>
-              </a:spcBef>
-              <a:buFont typeface="Arial" panose="020B0604020202020204" pitchFamily="34" charset="0"/>
-              <a:buChar char="•"/>
-              <a:defRPr sz="1800" kern="1200">
-                <a:solidFill>
-                  <a:schemeClr val="tx1"/>
-                </a:solidFill>
-                <a:latin typeface="+mn-lt"/>
-                <a:ea typeface="+mn-ea"/>
-                <a:cs typeface="+mn-cs"/>
-              </a:defRPr>
-            </a:lvl8pPr>
-            <a:lvl9pPr marL="3886200" indent="-228600" algn="l" defTabSz="914400" rtl="0" eaLnBrk="1" latinLnBrk="0" hangingPunct="1">
-              <a:lnSpc>
-                <a:spcPct val="90000"/>
-              </a:lnSpc>
-              <a:spcBef>
-                <a:spcPts val="500"/>
-              </a:spcBef>
-              <a:buFont typeface="Arial" panose="020B0604020202020204" pitchFamily="34" charset="0"/>
-              <a:buChar char="•"/>
-              <a:defRPr sz="1800" kern="1200">
-                <a:solidFill>
-                  <a:schemeClr val="tx1"/>
-                </a:solidFill>
-                <a:latin typeface="+mn-lt"/>
-                <a:ea typeface="+mn-ea"/>
-                <a:cs typeface="+mn-cs"/>
-              </a:defRPr>
-            </a:lvl9pPr>
-          </a:lstStyle>
-          <a:p>
-            <a:r>
-              <a:rPr lang="en-US" sz="2000" dirty="0" err="1"/>
-              <a:t>System.Console.WriteLine</a:t>
-            </a:r>
-            <a:endParaRPr lang="en-US" sz="2000" dirty="0"/>
-          </a:p>
-          <a:p>
-            <a:r>
-              <a:rPr lang="en-US" sz="2000" dirty="0"/>
-              <a:t>Classes</a:t>
-            </a:r>
-          </a:p>
-          <a:p>
-            <a:r>
-              <a:rPr lang="en-US" sz="2000" dirty="0"/>
-              <a:t>Methods</a:t>
-            </a:r>
-          </a:p>
-          <a:p>
-            <a:r>
-              <a:rPr lang="en-US" sz="2000" dirty="0"/>
-              <a:t>Properties, Setters, and Getters</a:t>
-            </a:r>
-          </a:p>
-          <a:p>
-            <a:r>
-              <a:rPr lang="en-US" sz="2000" dirty="0"/>
-              <a:t>Framework classes.. .NET classes and not C# classes*</a:t>
-            </a:r>
-          </a:p>
-          <a:p>
-            <a:r>
-              <a:rPr lang="en-US" sz="2000" dirty="0"/>
-              <a:t>Time &amp; Duration</a:t>
-            </a:r>
-          </a:p>
-          <a:p>
-            <a:r>
-              <a:rPr lang="en-US" sz="2000" dirty="0"/>
-              <a:t>Threads</a:t>
-            </a:r>
-          </a:p>
-          <a:p>
-            <a:endParaRPr lang="en-US" sz="2000" dirty="0"/>
-          </a:p>
-          <a:p>
-            <a:pPr marL="0" indent="0">
-              <a:buNone/>
-            </a:pPr>
-            <a:endParaRPr lang="en-US" sz="2000" dirty="0"/>
-          </a:p>
-          <a:p>
-            <a:endParaRPr lang="en-US" sz="2000" dirty="0"/>
-          </a:p>
-          <a:p>
-            <a:endParaRPr lang="en-US" sz="2000" dirty="0"/>
-          </a:p>
-        </p:txBody>
-      </p:sp>
-    </p:spTree>
-    <p:extLst>
-      <p:ext uri="{BB962C8B-B14F-4D97-AF65-F5344CB8AC3E}">
-        <p14:creationId xmlns:p14="http://schemas.microsoft.com/office/powerpoint/2010/main" val="1494112956"/>
-      </p:ext>
-    </p:extLst>
-  </p:cSld>
-  <p:clrMapOvr>
-    <a:masterClrMapping/>
-  </p:clrMapOvr>
-</p:sld>
-</file>
-
-<file path=ppt/slides/slide18.xml><?xml version="1.0" encoding="utf-8"?>
-<p:sld xmlns:a="http://schemas.openxmlformats.org/drawingml/2006/main" xmlns:r="http://schemas.openxmlformats.org/officeDocument/2006/relationships" xmlns:p="http://schemas.openxmlformats.org/presentationml/2006/main">
-  <p:cSld>
-    <p:spTree>
-      <p:nvGrpSpPr>
-        <p:cNvPr id="1" name=""/>
-        <p:cNvGrpSpPr/>
-        <p:nvPr/>
-      </p:nvGrpSpPr>
-      <p:grpSpPr>
-        <a:xfrm>
-          <a:off x="0" y="0"/>
-          <a:ext cx="0" cy="0"/>
-          <a:chOff x="0" y="0"/>
-          <a:chExt cx="0" cy="0"/>
-        </a:xfrm>
-      </p:grpSpPr>
-      <p:sp>
-        <p:nvSpPr>
-          <p:cNvPr id="2" name="Title 1"/>
-          <p:cNvSpPr>
-            <a:spLocks noGrp="1"/>
-          </p:cNvSpPr>
-          <p:nvPr>
-            <p:ph type="title"/>
-          </p:nvPr>
-        </p:nvSpPr>
-        <p:spPr/>
-        <p:txBody>
-          <a:bodyPr>
-            <a:normAutofit/>
-          </a:bodyPr>
-          <a:lstStyle/>
-          <a:p>
-            <a:r>
-              <a:rPr lang="en-US" sz="3600" dirty="0"/>
-              <a:t>C# vs. Java </a:t>
-            </a:r>
-            <a:r>
-              <a:rPr lang="en-US" sz="3600" dirty="0" err="1"/>
-              <a:t>GetRandomNumbers</a:t>
-            </a:r>
-            <a:r>
-              <a:rPr lang="en-US" sz="3600" dirty="0"/>
-              <a:t> Class</a:t>
-            </a:r>
-          </a:p>
-        </p:txBody>
-      </p:sp>
-      <p:pic>
-        <p:nvPicPr>
-          <p:cNvPr id="3" name="Picture 2"/>
-          <p:cNvPicPr>
-            <a:picLocks noChangeAspect="1"/>
-          </p:cNvPicPr>
-          <p:nvPr/>
-        </p:nvPicPr>
-        <p:blipFill>
-          <a:blip r:embed="rId3"/>
-          <a:stretch>
-            <a:fillRect/>
-          </a:stretch>
-        </p:blipFill>
-        <p:spPr>
-          <a:xfrm>
-            <a:off x="381000" y="1690688"/>
-            <a:ext cx="5486400" cy="3981025"/>
-          </a:xfrm>
-          <a:prstGeom prst="rect">
-            <a:avLst/>
-          </a:prstGeom>
-        </p:spPr>
-      </p:pic>
-      <p:pic>
-        <p:nvPicPr>
-          <p:cNvPr id="4" name="Picture 3"/>
-          <p:cNvPicPr>
-            <a:picLocks noChangeAspect="1"/>
-          </p:cNvPicPr>
-          <p:nvPr/>
-        </p:nvPicPr>
-        <p:blipFill>
-          <a:blip r:embed="rId4"/>
-          <a:stretch>
-            <a:fillRect/>
-          </a:stretch>
-        </p:blipFill>
-        <p:spPr>
-          <a:xfrm>
-            <a:off x="6280056" y="1687465"/>
-            <a:ext cx="5486400" cy="3987472"/>
-          </a:xfrm>
-          <a:prstGeom prst="rect">
-            <a:avLst/>
-          </a:prstGeom>
-        </p:spPr>
-      </p:pic>
-    </p:spTree>
-    <p:extLst>
-      <p:ext uri="{BB962C8B-B14F-4D97-AF65-F5344CB8AC3E}">
-        <p14:creationId xmlns:p14="http://schemas.microsoft.com/office/powerpoint/2010/main" val="1813290187"/>
-      </p:ext>
-    </p:extLst>
-  </p:cSld>
-  <p:clrMapOvr>
-    <a:masterClrMapping/>
-  </p:clrMapOvr>
-</p:sld>
-</file>
-
-<file path=ppt/slides/slide19.xml><?xml version="1.0" encoding="utf-8"?>
-<p:sld xmlns:a="http://schemas.openxmlformats.org/drawingml/2006/main" xmlns:r="http://schemas.openxmlformats.org/officeDocument/2006/relationships" xmlns:p="http://schemas.openxmlformats.org/presentationml/2006/main">
-  <p:cSld>
-    <p:spTree>
-      <p:nvGrpSpPr>
-        <p:cNvPr id="1" name=""/>
-        <p:cNvGrpSpPr/>
-        <p:nvPr/>
-      </p:nvGrpSpPr>
-      <p:grpSpPr>
-        <a:xfrm>
-          <a:off x="0" y="0"/>
-          <a:ext cx="0" cy="0"/>
-          <a:chOff x="0" y="0"/>
-          <a:chExt cx="0" cy="0"/>
-        </a:xfrm>
-      </p:grpSpPr>
-      <p:sp>
-        <p:nvSpPr>
-          <p:cNvPr id="2" name="Title 1"/>
-          <p:cNvSpPr>
-            <a:spLocks noGrp="1"/>
-          </p:cNvSpPr>
-          <p:nvPr>
-            <p:ph type="title"/>
-          </p:nvPr>
-        </p:nvSpPr>
-        <p:spPr>
-          <a:xfrm>
-            <a:off x="838200" y="365126"/>
-            <a:ext cx="6113662" cy="1409174"/>
-          </a:xfrm>
-        </p:spPr>
-        <p:txBody>
-          <a:bodyPr>
-            <a:normAutofit/>
-          </a:bodyPr>
-          <a:lstStyle/>
-          <a:p>
-            <a:r>
-              <a:rPr lang="en-US" sz="3600" dirty="0"/>
-              <a:t>Object-Oriented Programming</a:t>
-            </a:r>
-            <a:br>
-              <a:rPr lang="en-US" sz="3600" dirty="0"/>
-            </a:br>
-            <a:r>
-              <a:rPr lang="en-US" sz="1800" dirty="0"/>
-              <a:t>Session: Week 6 Session 2 Plus</a:t>
-            </a:r>
-            <a:br>
-              <a:rPr lang="en-US" sz="1800" dirty="0"/>
-            </a:br>
-            <a:r>
-              <a:rPr lang="en-US" sz="1800" dirty="0"/>
-              <a:t>Instructor: Eric Pogue</a:t>
-            </a:r>
-            <a:endParaRPr lang="en-US" sz="1800" b="1" i="1" u="sng" dirty="0"/>
-          </a:p>
-        </p:txBody>
-      </p:sp>
-      <p:pic>
-        <p:nvPicPr>
-          <p:cNvPr id="4" name="Content Placeholder 4"/>
-          <p:cNvPicPr>
-            <a:picLocks noChangeAspect="1"/>
-          </p:cNvPicPr>
-          <p:nvPr/>
-        </p:nvPicPr>
-        <p:blipFill>
-          <a:blip r:embed="rId3"/>
-          <a:stretch>
-            <a:fillRect/>
-          </a:stretch>
-        </p:blipFill>
-        <p:spPr>
-          <a:xfrm>
-            <a:off x="9072894" y="182925"/>
-            <a:ext cx="2656367" cy="1366321"/>
-          </a:xfrm>
-          <a:prstGeom prst="rect">
-            <a:avLst/>
-          </a:prstGeom>
-        </p:spPr>
-      </p:pic>
-      <p:sp>
-        <p:nvSpPr>
-          <p:cNvPr id="6" name="Content Placeholder 5"/>
-          <p:cNvSpPr>
-            <a:spLocks noGrp="1"/>
-          </p:cNvSpPr>
-          <p:nvPr>
-            <p:ph idx="1"/>
-          </p:nvPr>
-        </p:nvSpPr>
-        <p:spPr/>
-        <p:txBody>
-          <a:bodyPr>
-            <a:normAutofit/>
-          </a:bodyPr>
-          <a:lstStyle/>
-          <a:p>
-            <a:pPr marL="457200" indent="-457200">
-              <a:buFont typeface="+mj-lt"/>
-              <a:buAutoNum type="arabicPeriod"/>
-            </a:pPr>
-            <a:r>
-              <a:rPr lang="en-US" sz="2000" dirty="0">
-                <a:solidFill>
-                  <a:schemeClr val="bg1">
-                    <a:lumMod val="65000"/>
-                  </a:schemeClr>
-                </a:solidFill>
-              </a:rPr>
-              <a:t>Download and install Visual Studio... And implement Hello World in C#</a:t>
-            </a:r>
-          </a:p>
-          <a:p>
-            <a:pPr marL="457200" indent="-457200">
-              <a:buFont typeface="+mj-lt"/>
-              <a:buAutoNum type="arabicPeriod"/>
-            </a:pPr>
-            <a:r>
-              <a:rPr lang="en-US" sz="2000" dirty="0">
-                <a:solidFill>
-                  <a:schemeClr val="bg1">
-                    <a:lumMod val="65000"/>
-                  </a:schemeClr>
-                </a:solidFill>
-              </a:rPr>
-              <a:t>Identify characteristics of Java, Python, and C#</a:t>
-            </a:r>
-          </a:p>
-          <a:p>
-            <a:pPr marL="457200" indent="-457200">
-              <a:buFont typeface="+mj-lt"/>
-              <a:buAutoNum type="arabicPeriod"/>
-            </a:pPr>
-            <a:r>
-              <a:rPr lang="en-US" sz="2000" dirty="0">
-                <a:solidFill>
-                  <a:schemeClr val="bg1">
-                    <a:lumMod val="65000"/>
-                  </a:schemeClr>
-                </a:solidFill>
-              </a:rPr>
-              <a:t>Professional positioning </a:t>
-            </a:r>
-          </a:p>
-          <a:p>
-            <a:pPr marL="457200" indent="-457200">
-              <a:buFont typeface="+mj-lt"/>
-              <a:buAutoNum type="arabicPeriod"/>
-            </a:pPr>
-            <a:r>
-              <a:rPr lang="en-US" sz="2000" strike="sngStrike" dirty="0">
-                <a:solidFill>
-                  <a:schemeClr val="bg1">
-                    <a:lumMod val="65000"/>
-                  </a:schemeClr>
-                </a:solidFill>
-              </a:rPr>
-              <a:t>Write non-object-oriented programs that use sequence, selection, and repetition </a:t>
-            </a:r>
-          </a:p>
-          <a:p>
-            <a:pPr marL="457200" indent="-457200">
-              <a:buFont typeface="+mj-lt"/>
-              <a:buAutoNum type="arabicPeriod"/>
-            </a:pPr>
-            <a:r>
-              <a:rPr lang="en-US" sz="2000" dirty="0">
-                <a:solidFill>
-                  <a:schemeClr val="bg1">
-                    <a:lumMod val="65000"/>
-                  </a:schemeClr>
-                </a:solidFill>
-              </a:rPr>
-              <a:t>Use Visual Studio 2017 to define C# classes, complete with properties, methods, and constructors… and much more</a:t>
-            </a:r>
-          </a:p>
-          <a:p>
-            <a:pPr marL="457200" indent="-457200">
-              <a:buFont typeface="+mj-lt"/>
-              <a:buAutoNum type="arabicPeriod"/>
-            </a:pPr>
-            <a:r>
-              <a:rPr lang="en-US" sz="2000" dirty="0">
-                <a:solidFill>
-                  <a:schemeClr val="bg1">
-                    <a:lumMod val="65000"/>
-                  </a:schemeClr>
-                </a:solidFill>
-              </a:rPr>
-              <a:t>Create classes and objects to carry out the work of your program</a:t>
-            </a:r>
-          </a:p>
-          <a:p>
-            <a:pPr marL="457200" indent="-457200">
-              <a:buFont typeface="+mj-lt"/>
-              <a:buAutoNum type="arabicPeriod"/>
-            </a:pPr>
-            <a:r>
-              <a:rPr lang="en-US" sz="2000" dirty="0">
-                <a:solidFill>
-                  <a:schemeClr val="bg1">
-                    <a:lumMod val="65000"/>
-                  </a:schemeClr>
-                </a:solidFill>
-              </a:rPr>
-              <a:t>Use inheritance to create a hierarchy of classes that are related to each other</a:t>
-            </a:r>
-          </a:p>
-          <a:p>
-            <a:pPr marL="457200" indent="-457200">
-              <a:buFont typeface="+mj-lt"/>
-              <a:buAutoNum type="arabicPeriod"/>
-            </a:pPr>
-            <a:r>
-              <a:rPr lang="en-US" sz="2000" dirty="0"/>
-              <a:t>Use C# built-in text file objects to create and read text files</a:t>
-            </a:r>
-          </a:p>
-          <a:p>
-            <a:pPr marL="457200" indent="-457200">
-              <a:buFont typeface="+mj-lt"/>
-              <a:buAutoNum type="arabicPeriod"/>
-            </a:pPr>
-            <a:r>
-              <a:rPr lang="en-US" sz="2000" dirty="0"/>
-              <a:t>Work with C# lists</a:t>
-            </a:r>
-          </a:p>
-          <a:p>
-            <a:pPr marL="457200" indent="-457200">
-              <a:buFont typeface="+mj-lt"/>
-              <a:buAutoNum type="arabicPeriod"/>
-            </a:pPr>
-            <a:r>
-              <a:rPr lang="en-US" sz="2000" dirty="0"/>
-              <a:t>Deal with a list of related objects polymorphically</a:t>
-            </a:r>
-          </a:p>
-          <a:p>
-            <a:endParaRPr lang="en-US" sz="2000" dirty="0"/>
-          </a:p>
-        </p:txBody>
-      </p:sp>
-    </p:spTree>
-    <p:extLst>
-      <p:ext uri="{BB962C8B-B14F-4D97-AF65-F5344CB8AC3E}">
-        <p14:creationId xmlns:p14="http://schemas.microsoft.com/office/powerpoint/2010/main" val="3110686902"/>
-      </p:ext>
-    </p:extLst>
-  </p:cSld>
-  <p:clrMapOvr>
-    <a:masterClrMapping/>
-  </p:clrMapOvr>
-</p:sld>
-</file>
-
-<file path=ppt/slides/slide2.xml><?xml version="1.0" encoding="utf-8"?>
-<p:sld xmlns:a="http://schemas.openxmlformats.org/drawingml/2006/main" xmlns:r="http://schemas.openxmlformats.org/officeDocument/2006/relationships" xmlns:p="http://schemas.openxmlformats.org/presentationml/2006/main">
-  <p:cSld>
-    <p:spTree>
-      <p:nvGrpSpPr>
-        <p:cNvPr id="1" name=""/>
-        <p:cNvGrpSpPr/>
-        <p:nvPr/>
-      </p:nvGrpSpPr>
-      <p:grpSpPr>
-        <a:xfrm>
-          <a:off x="0" y="0"/>
-          <a:ext cx="0" cy="0"/>
-          <a:chOff x="0" y="0"/>
-          <a:chExt cx="0" cy="0"/>
-        </a:xfrm>
-      </p:grpSpPr>
-      <p:sp>
-        <p:nvSpPr>
-          <p:cNvPr id="2" name="Title 1"/>
-          <p:cNvSpPr>
-            <a:spLocks noGrp="1"/>
-          </p:cNvSpPr>
-          <p:nvPr>
-            <p:ph type="title"/>
-          </p:nvPr>
-        </p:nvSpPr>
-        <p:spPr>
-          <a:xfrm>
-            <a:off x="838200" y="365125"/>
-            <a:ext cx="10411047" cy="1325563"/>
-          </a:xfrm>
-        </p:spPr>
-        <p:txBody>
-          <a:bodyPr>
-            <a:normAutofit/>
-          </a:bodyPr>
-          <a:lstStyle/>
-          <a:p>
-            <a:r>
-              <a:rPr lang="en-US" sz="3600" dirty="0" err="1"/>
-              <a:t>FastPrime</a:t>
-            </a:r>
-            <a:r>
-              <a:rPr lang="en-US" sz="3600" dirty="0"/>
-              <a:t> in C#</a:t>
-            </a:r>
-          </a:p>
-        </p:txBody>
-      </p:sp>
-      <p:sp>
-        <p:nvSpPr>
-          <p:cNvPr id="3" name="Content Placeholder 2"/>
-          <p:cNvSpPr>
-            <a:spLocks noGrp="1"/>
-          </p:cNvSpPr>
-          <p:nvPr>
-            <p:ph idx="1"/>
-          </p:nvPr>
-        </p:nvSpPr>
-        <p:spPr>
-          <a:xfrm>
-            <a:off x="838199" y="1549178"/>
-            <a:ext cx="10453578" cy="4783519"/>
-          </a:xfrm>
-        </p:spPr>
-        <p:txBody>
-          <a:bodyPr>
-            <a:normAutofit/>
-          </a:bodyPr>
-          <a:lstStyle/>
-          <a:p>
-            <a:pPr marL="0" indent="0">
-              <a:buNone/>
-            </a:pPr>
-            <a:r>
-              <a:rPr lang="en-US" sz="2000" dirty="0"/>
-              <a:t>Write a performance optimized command line C# application that will programmatically find prime numbers  and store those numbers sorted in an output file. </a:t>
-            </a:r>
-          </a:p>
-          <a:p>
-            <a:pPr marL="0" indent="0">
-              <a:buNone/>
-            </a:pPr>
-            <a:r>
-              <a:rPr lang="en-US" sz="2000" dirty="0"/>
-              <a:t>In </a:t>
-            </a:r>
-            <a:r>
-              <a:rPr lang="en-US" sz="2000" dirty="0" err="1"/>
-              <a:t>FastPrime</a:t>
-            </a:r>
-            <a:r>
-              <a:rPr lang="en-US" sz="2000" dirty="0"/>
-              <a:t> we will create a command line Java application that will:</a:t>
-            </a:r>
-          </a:p>
-          <a:p>
-            <a:pPr marL="457200" indent="-457200">
-              <a:buFont typeface="+mj-lt"/>
-              <a:buAutoNum type="arabicPeriod"/>
-            </a:pPr>
-            <a:r>
-              <a:rPr lang="en-US" sz="2000" dirty="0"/>
-              <a:t>Use multiple threads to find the prime numbers between two numbers</a:t>
-            </a:r>
-          </a:p>
-          <a:p>
-            <a:pPr marL="457200" indent="-457200">
-              <a:buFont typeface="+mj-lt"/>
-              <a:buAutoNum type="arabicPeriod"/>
-            </a:pPr>
-            <a:r>
-              <a:rPr lang="en-US" sz="2000" dirty="0"/>
-              <a:t>Sort those results and store them to a file</a:t>
-            </a:r>
-          </a:p>
-          <a:p>
-            <a:pPr marL="457200" indent="-457200">
-              <a:buFont typeface="+mj-lt"/>
-              <a:buAutoNum type="arabicPeriod"/>
-            </a:pPr>
-            <a:r>
-              <a:rPr lang="en-US" sz="2000" dirty="0"/>
-              <a:t>Perform some timings</a:t>
-            </a:r>
-          </a:p>
-          <a:p>
-            <a:pPr marL="457200" indent="-457200">
-              <a:buFont typeface="+mj-lt"/>
-              <a:buAutoNum type="arabicPeriod"/>
-            </a:pPr>
-            <a:r>
-              <a:rPr lang="en-US" sz="2000" dirty="0"/>
-              <a:t>… And do this all </a:t>
-            </a:r>
-            <a:r>
-              <a:rPr lang="en-US" sz="2000" u="sng" dirty="0"/>
-              <a:t>very</a:t>
-            </a:r>
-            <a:r>
-              <a:rPr lang="en-US" sz="2000" dirty="0"/>
-              <a:t> fast</a:t>
-            </a:r>
-          </a:p>
-          <a:p>
-            <a:pPr marL="0" indent="0">
-              <a:buNone/>
-            </a:pPr>
-            <a:endParaRPr lang="en-US" sz="2000" dirty="0"/>
-          </a:p>
-          <a:p>
-            <a:pPr marL="0" indent="0">
-              <a:buNone/>
-            </a:pPr>
-            <a:r>
-              <a:rPr lang="en-US" sz="2000" dirty="0"/>
-              <a:t>See the details in this week’s assignment</a:t>
-            </a:r>
-          </a:p>
-        </p:txBody>
-      </p:sp>
-    </p:spTree>
-    <p:extLst>
-      <p:ext uri="{BB962C8B-B14F-4D97-AF65-F5344CB8AC3E}">
-        <p14:creationId xmlns:p14="http://schemas.microsoft.com/office/powerpoint/2010/main" val="3932962852"/>
-      </p:ext>
-    </p:extLst>
-  </p:cSld>
-  <p:clrMapOvr>
-    <a:masterClrMapping/>
-  </p:clrMapOvr>
-</p:sld>
-</file>
-
-<file path=ppt/slides/slide20.xml><?xml version="1.0" encoding="utf-8"?>
-<p:sld xmlns:a="http://schemas.openxmlformats.org/drawingml/2006/main" xmlns:r="http://schemas.openxmlformats.org/officeDocument/2006/relationships" xmlns:p="http://schemas.openxmlformats.org/presentationml/2006/main">
-  <p:cSld>
-    <p:spTree>
-      <p:nvGrpSpPr>
-        <p:cNvPr id="1" name=""/>
-        <p:cNvGrpSpPr/>
-        <p:nvPr/>
-      </p:nvGrpSpPr>
-      <p:grpSpPr>
-        <a:xfrm>
-          <a:off x="0" y="0"/>
-          <a:ext cx="0" cy="0"/>
-          <a:chOff x="0" y="0"/>
-          <a:chExt cx="0" cy="0"/>
-        </a:xfrm>
-      </p:grpSpPr>
-      <p:sp>
-        <p:nvSpPr>
-          <p:cNvPr id="2" name="Title 1"/>
-          <p:cNvSpPr>
-            <a:spLocks noGrp="1"/>
-          </p:cNvSpPr>
-          <p:nvPr>
-            <p:ph type="title"/>
-          </p:nvPr>
-        </p:nvSpPr>
-        <p:spPr/>
-        <p:txBody>
-          <a:bodyPr>
-            <a:normAutofit/>
-          </a:bodyPr>
-          <a:lstStyle/>
-          <a:p>
-            <a:r>
-              <a:rPr lang="en-US" sz="3600" dirty="0"/>
-              <a:t>Review: Serialization and Writing/Reading Text Files (IO)</a:t>
-            </a:r>
-          </a:p>
-        </p:txBody>
-      </p:sp>
-      <p:sp>
-        <p:nvSpPr>
-          <p:cNvPr id="3" name="Content Placeholder 2"/>
-          <p:cNvSpPr>
-            <a:spLocks noGrp="1"/>
-          </p:cNvSpPr>
-          <p:nvPr>
-            <p:ph idx="1"/>
-          </p:nvPr>
-        </p:nvSpPr>
-        <p:spPr>
-          <a:xfrm>
-            <a:off x="838198" y="1525772"/>
-            <a:ext cx="10515601" cy="4651191"/>
-          </a:xfrm>
-        </p:spPr>
-        <p:txBody>
-          <a:bodyPr>
-            <a:normAutofit lnSpcReduction="10000"/>
-          </a:bodyPr>
-          <a:lstStyle/>
-          <a:p>
-            <a:pPr marL="0" indent="0">
-              <a:buNone/>
-            </a:pPr>
-            <a:r>
-              <a:rPr lang="en-US" sz="2000" dirty="0"/>
-              <a:t>When we were working with Java we learned that… Serialization is an object-oriented programming term that means converting an object to a byte steam usually to be written to or read from a text or binary file.</a:t>
-            </a:r>
-          </a:p>
-          <a:p>
-            <a:pPr marL="0" indent="0">
-              <a:buNone/>
-            </a:pPr>
-            <a:r>
-              <a:rPr lang="en-US" sz="2000" dirty="0"/>
-              <a:t>To write to a Java text file:</a:t>
-            </a:r>
-          </a:p>
-          <a:p>
-            <a:r>
-              <a:rPr lang="en-US" sz="2000" dirty="0"/>
-              <a:t>Create a File object, feeding the file’s path to the File class constructor</a:t>
-            </a:r>
-          </a:p>
-          <a:p>
-            <a:r>
-              <a:rPr lang="en-US" sz="2000" dirty="0"/>
-              <a:t>Create a FileWriter to access the File</a:t>
-            </a:r>
-          </a:p>
-          <a:p>
-            <a:r>
-              <a:rPr lang="en-US" sz="2000" dirty="0"/>
-              <a:t>Create a BufferedWriter to write data to the FileWriter efficiently </a:t>
-            </a:r>
-          </a:p>
-          <a:p>
-            <a:r>
-              <a:rPr lang="en-US" sz="2000" dirty="0"/>
-              <a:t>Use BufferedWriter’s write and newLine functions to commit the data to the file.</a:t>
-            </a:r>
-          </a:p>
-          <a:p>
-            <a:pPr marL="0" indent="0">
-              <a:buNone/>
-            </a:pPr>
-            <a:endParaRPr lang="en-US" sz="2000" dirty="0"/>
-          </a:p>
-          <a:p>
-            <a:pPr marL="0" indent="0">
-              <a:buNone/>
-            </a:pPr>
-            <a:r>
-              <a:rPr lang="en-US" sz="2000" dirty="0"/>
-              <a:t>To read from a Java text file: </a:t>
-            </a:r>
-          </a:p>
-          <a:p>
-            <a:r>
-              <a:rPr lang="en-US" sz="2000" dirty="0"/>
-              <a:t>Create a File object, feeding the file’s path to the File class constructor</a:t>
-            </a:r>
-          </a:p>
-          <a:p>
-            <a:r>
-              <a:rPr lang="en-US" sz="2000" dirty="0"/>
-              <a:t>Attach a Scanner object to it</a:t>
-            </a:r>
-          </a:p>
-          <a:p>
-            <a:r>
-              <a:rPr lang="en-US" sz="2000" dirty="0"/>
-              <a:t>Use Scanner’s readLine and hasNextLine functions to read the file</a:t>
-            </a:r>
-          </a:p>
-          <a:p>
-            <a:pPr marL="0" indent="0">
-              <a:buNone/>
-            </a:pPr>
-            <a:endParaRPr lang="en-US" sz="2000" dirty="0"/>
-          </a:p>
-        </p:txBody>
-      </p:sp>
-    </p:spTree>
-    <p:extLst>
-      <p:ext uri="{BB962C8B-B14F-4D97-AF65-F5344CB8AC3E}">
-        <p14:creationId xmlns:p14="http://schemas.microsoft.com/office/powerpoint/2010/main" val="3338944567"/>
-      </p:ext>
-    </p:extLst>
-  </p:cSld>
-  <p:clrMapOvr>
-    <a:masterClrMapping/>
-  </p:clrMapOvr>
-</p:sld>
-</file>
-
-<file path=ppt/slides/slide21.xml><?xml version="1.0" encoding="utf-8"?>
-<p:sld xmlns:a="http://schemas.openxmlformats.org/drawingml/2006/main" xmlns:r="http://schemas.openxmlformats.org/officeDocument/2006/relationships" xmlns:p="http://schemas.openxmlformats.org/presentationml/2006/main">
-  <p:cSld>
-    <p:spTree>
-      <p:nvGrpSpPr>
-        <p:cNvPr id="1" name=""/>
-        <p:cNvGrpSpPr/>
-        <p:nvPr/>
-      </p:nvGrpSpPr>
-      <p:grpSpPr>
-        <a:xfrm>
-          <a:off x="0" y="0"/>
-          <a:ext cx="0" cy="0"/>
-          <a:chOff x="0" y="0"/>
-          <a:chExt cx="0" cy="0"/>
-        </a:xfrm>
-      </p:grpSpPr>
-      <p:sp>
-        <p:nvSpPr>
-          <p:cNvPr id="2" name="Title 1"/>
-          <p:cNvSpPr>
-            <a:spLocks noGrp="1"/>
-          </p:cNvSpPr>
-          <p:nvPr>
-            <p:ph type="title"/>
-          </p:nvPr>
-        </p:nvSpPr>
-        <p:spPr>
-          <a:xfrm>
-            <a:off x="838200" y="365125"/>
-            <a:ext cx="10852298" cy="1325563"/>
-          </a:xfrm>
-        </p:spPr>
-        <p:txBody>
-          <a:bodyPr>
-            <a:normAutofit/>
-          </a:bodyPr>
-          <a:lstStyle/>
-          <a:p>
-            <a:r>
-              <a:rPr lang="en-US" sz="3600" dirty="0"/>
-              <a:t>.NET (C#) Writing &amp; Reading Files</a:t>
-            </a:r>
-          </a:p>
-        </p:txBody>
-      </p:sp>
-      <p:sp>
-        <p:nvSpPr>
-          <p:cNvPr id="5" name="Content Placeholder 2"/>
-          <p:cNvSpPr txBox="1">
-            <a:spLocks/>
-          </p:cNvSpPr>
-          <p:nvPr/>
-        </p:nvSpPr>
-        <p:spPr>
-          <a:xfrm>
-            <a:off x="838200" y="1382233"/>
-            <a:ext cx="10515600" cy="5050465"/>
-          </a:xfrm>
-          <a:prstGeom prst="rect">
-            <a:avLst/>
-          </a:prstGeom>
-        </p:spPr>
-        <p:txBody>
-          <a:bodyPr vert="horz" lIns="91440" tIns="45720" rIns="91440" bIns="45720" rtlCol="0">
-            <a:normAutofit/>
-          </a:bodyPr>
-          <a:lstStyle>
-            <a:lvl1pPr marL="228600" indent="-228600" algn="l" defTabSz="914400" rtl="0" eaLnBrk="1" latinLnBrk="0" hangingPunct="1">
-              <a:lnSpc>
-                <a:spcPct val="90000"/>
-              </a:lnSpc>
-              <a:spcBef>
-                <a:spcPts val="1000"/>
-              </a:spcBef>
-              <a:buFont typeface="Arial" panose="020B0604020202020204" pitchFamily="34" charset="0"/>
-              <a:buChar char="•"/>
-              <a:defRPr sz="2800" kern="1200">
-                <a:solidFill>
-                  <a:schemeClr val="tx1"/>
-                </a:solidFill>
-                <a:latin typeface="+mn-lt"/>
-                <a:ea typeface="+mn-ea"/>
-                <a:cs typeface="+mn-cs"/>
-              </a:defRPr>
-            </a:lvl1pPr>
-            <a:lvl2pPr marL="685800" indent="-228600" algn="l" defTabSz="914400" rtl="0" eaLnBrk="1" latinLnBrk="0" hangingPunct="1">
-              <a:lnSpc>
-                <a:spcPct val="90000"/>
-              </a:lnSpc>
-              <a:spcBef>
-                <a:spcPts val="500"/>
-              </a:spcBef>
-              <a:buFont typeface="Arial" panose="020B0604020202020204" pitchFamily="34" charset="0"/>
-              <a:buChar char="•"/>
-              <a:defRPr sz="2400" kern="1200">
-                <a:solidFill>
-                  <a:schemeClr val="tx1"/>
-                </a:solidFill>
-                <a:latin typeface="+mn-lt"/>
-                <a:ea typeface="+mn-ea"/>
-                <a:cs typeface="+mn-cs"/>
-              </a:defRPr>
-            </a:lvl2pPr>
-            <a:lvl3pPr marL="1143000" indent="-228600" algn="l" defTabSz="914400" rtl="0" eaLnBrk="1" latinLnBrk="0" hangingPunct="1">
-              <a:lnSpc>
-                <a:spcPct val="90000"/>
-              </a:lnSpc>
-              <a:spcBef>
-                <a:spcPts val="500"/>
-              </a:spcBef>
-              <a:buFont typeface="Arial" panose="020B0604020202020204" pitchFamily="34" charset="0"/>
-              <a:buChar char="•"/>
-              <a:defRPr sz="2000" kern="1200">
-                <a:solidFill>
-                  <a:schemeClr val="tx1"/>
-                </a:solidFill>
-                <a:latin typeface="+mn-lt"/>
-                <a:ea typeface="+mn-ea"/>
-                <a:cs typeface="+mn-cs"/>
-              </a:defRPr>
-            </a:lvl3pPr>
-            <a:lvl4pPr marL="1600200" indent="-228600" algn="l" defTabSz="914400" rtl="0" eaLnBrk="1" latinLnBrk="0" hangingPunct="1">
-              <a:lnSpc>
-                <a:spcPct val="90000"/>
-              </a:lnSpc>
-              <a:spcBef>
-                <a:spcPts val="500"/>
-              </a:spcBef>
-              <a:buFont typeface="Arial" panose="020B0604020202020204" pitchFamily="34" charset="0"/>
-              <a:buChar char="•"/>
-              <a:defRPr sz="1800" kern="1200">
-                <a:solidFill>
-                  <a:schemeClr val="tx1"/>
-                </a:solidFill>
-                <a:latin typeface="+mn-lt"/>
-                <a:ea typeface="+mn-ea"/>
-                <a:cs typeface="+mn-cs"/>
-              </a:defRPr>
-            </a:lvl4pPr>
-            <a:lvl5pPr marL="2057400" indent="-228600" algn="l" defTabSz="914400" rtl="0" eaLnBrk="1" latinLnBrk="0" hangingPunct="1">
-              <a:lnSpc>
-                <a:spcPct val="90000"/>
-              </a:lnSpc>
-              <a:spcBef>
-                <a:spcPts val="500"/>
-              </a:spcBef>
-              <a:buFont typeface="Arial" panose="020B0604020202020204" pitchFamily="34" charset="0"/>
-              <a:buChar char="•"/>
-              <a:defRPr sz="1800" kern="1200">
-                <a:solidFill>
-                  <a:schemeClr val="tx1"/>
-                </a:solidFill>
-                <a:latin typeface="+mn-lt"/>
-                <a:ea typeface="+mn-ea"/>
-                <a:cs typeface="+mn-cs"/>
-              </a:defRPr>
-            </a:lvl5pPr>
-            <a:lvl6pPr marL="2514600" indent="-228600" algn="l" defTabSz="914400" rtl="0" eaLnBrk="1" latinLnBrk="0" hangingPunct="1">
-              <a:lnSpc>
-                <a:spcPct val="90000"/>
-              </a:lnSpc>
-              <a:spcBef>
-                <a:spcPts val="500"/>
-              </a:spcBef>
-              <a:buFont typeface="Arial" panose="020B0604020202020204" pitchFamily="34" charset="0"/>
-              <a:buChar char="•"/>
-              <a:defRPr sz="1800" kern="1200">
-                <a:solidFill>
-                  <a:schemeClr val="tx1"/>
-                </a:solidFill>
-                <a:latin typeface="+mn-lt"/>
-                <a:ea typeface="+mn-ea"/>
-                <a:cs typeface="+mn-cs"/>
-              </a:defRPr>
-            </a:lvl6pPr>
-            <a:lvl7pPr marL="2971800" indent="-228600" algn="l" defTabSz="914400" rtl="0" eaLnBrk="1" latinLnBrk="0" hangingPunct="1">
-              <a:lnSpc>
-                <a:spcPct val="90000"/>
-              </a:lnSpc>
-              <a:spcBef>
-                <a:spcPts val="500"/>
-              </a:spcBef>
-              <a:buFont typeface="Arial" panose="020B0604020202020204" pitchFamily="34" charset="0"/>
-              <a:buChar char="•"/>
-              <a:defRPr sz="1800" kern="1200">
-                <a:solidFill>
-                  <a:schemeClr val="tx1"/>
-                </a:solidFill>
-                <a:latin typeface="+mn-lt"/>
-                <a:ea typeface="+mn-ea"/>
-                <a:cs typeface="+mn-cs"/>
-              </a:defRPr>
-            </a:lvl7pPr>
-            <a:lvl8pPr marL="3429000" indent="-228600" algn="l" defTabSz="914400" rtl="0" eaLnBrk="1" latinLnBrk="0" hangingPunct="1">
-              <a:lnSpc>
-                <a:spcPct val="90000"/>
-              </a:lnSpc>
-              <a:spcBef>
-                <a:spcPts val="500"/>
-              </a:spcBef>
-              <a:buFont typeface="Arial" panose="020B0604020202020204" pitchFamily="34" charset="0"/>
-              <a:buChar char="•"/>
-              <a:defRPr sz="1800" kern="1200">
-                <a:solidFill>
-                  <a:schemeClr val="tx1"/>
-                </a:solidFill>
-                <a:latin typeface="+mn-lt"/>
-                <a:ea typeface="+mn-ea"/>
-                <a:cs typeface="+mn-cs"/>
-              </a:defRPr>
-            </a:lvl8pPr>
-            <a:lvl9pPr marL="3886200" indent="-228600" algn="l" defTabSz="914400" rtl="0" eaLnBrk="1" latinLnBrk="0" hangingPunct="1">
-              <a:lnSpc>
-                <a:spcPct val="90000"/>
-              </a:lnSpc>
-              <a:spcBef>
-                <a:spcPts val="500"/>
-              </a:spcBef>
-              <a:buFont typeface="Arial" panose="020B0604020202020204" pitchFamily="34" charset="0"/>
-              <a:buChar char="•"/>
-              <a:defRPr sz="1800" kern="1200">
-                <a:solidFill>
-                  <a:schemeClr val="tx1"/>
-                </a:solidFill>
-                <a:latin typeface="+mn-lt"/>
-                <a:ea typeface="+mn-ea"/>
-                <a:cs typeface="+mn-cs"/>
-              </a:defRPr>
-            </a:lvl9pPr>
-          </a:lstStyle>
-          <a:p>
-            <a:pPr marL="0" indent="0">
-              <a:buFont typeface="Arial" panose="020B0604020202020204" pitchFamily="34" charset="0"/>
-              <a:buNone/>
-            </a:pPr>
-            <a:r>
-              <a:rPr lang="en-US" sz="2000" dirty="0"/>
-              <a:t>There a multiple C# classes and (static) methods that we can use to write and read files. We will be looking at several including:</a:t>
-            </a:r>
-          </a:p>
-          <a:p>
-            <a:r>
-              <a:rPr lang="en-US" sz="2000" dirty="0" err="1"/>
-              <a:t>System.IO.File.WriteAllLines</a:t>
-            </a:r>
-            <a:endParaRPr lang="en-US" sz="2000" dirty="0"/>
-          </a:p>
-          <a:p>
-            <a:r>
-              <a:rPr lang="en-US" sz="2000" dirty="0" err="1"/>
-              <a:t>FileStream</a:t>
-            </a:r>
-            <a:r>
-              <a:rPr lang="en-US" sz="2000" dirty="0"/>
-              <a:t>: Used to read from and write to any location in a file</a:t>
-            </a:r>
-          </a:p>
-          <a:p>
-            <a:r>
-              <a:rPr lang="en-US" sz="2000" dirty="0"/>
-              <a:t>File Class </a:t>
-            </a:r>
-            <a:r>
-              <a:rPr lang="en-US" sz="2000" dirty="0">
-                <a:hlinkClick r:id="rId3"/>
-              </a:rPr>
-              <a:t>[link]</a:t>
-            </a:r>
-            <a:r>
-              <a:rPr lang="en-US" sz="2000" dirty="0"/>
-              <a:t>… get used to looking these things up online</a:t>
-            </a:r>
-          </a:p>
-          <a:p>
-            <a:pPr marL="0" indent="0">
-              <a:buNone/>
-            </a:pPr>
-            <a:endParaRPr lang="en-US" sz="2000" dirty="0"/>
-          </a:p>
-          <a:p>
-            <a:pPr marL="0" indent="0">
-              <a:buNone/>
-            </a:pPr>
-            <a:r>
-              <a:rPr lang="en-US" sz="2000" dirty="0"/>
-              <a:t> </a:t>
-            </a:r>
-          </a:p>
-          <a:p>
-            <a:pPr marL="0" indent="0">
-              <a:buFont typeface="Arial" panose="020B0604020202020204" pitchFamily="34" charset="0"/>
-              <a:buNone/>
-            </a:pPr>
-            <a:r>
-              <a:rPr lang="en-US" sz="2000" dirty="0"/>
-              <a:t> </a:t>
-            </a:r>
-          </a:p>
-        </p:txBody>
-      </p:sp>
-    </p:spTree>
-    <p:extLst>
-      <p:ext uri="{BB962C8B-B14F-4D97-AF65-F5344CB8AC3E}">
-        <p14:creationId xmlns:p14="http://schemas.microsoft.com/office/powerpoint/2010/main" val="3697379809"/>
-      </p:ext>
-    </p:extLst>
-  </p:cSld>
-  <p:clrMapOvr>
-    <a:masterClrMapping/>
-  </p:clrMapOvr>
-</p:sld>
-</file>
-
-<file path=ppt/slides/slide22.xml><?xml version="1.0" encoding="utf-8"?>
-<p:sld xmlns:a="http://schemas.openxmlformats.org/drawingml/2006/main" xmlns:r="http://schemas.openxmlformats.org/officeDocument/2006/relationships" xmlns:p="http://schemas.openxmlformats.org/presentationml/2006/main">
-  <p:cSld>
-    <p:spTree>
-      <p:nvGrpSpPr>
-        <p:cNvPr id="1" name=""/>
-        <p:cNvGrpSpPr/>
-        <p:nvPr/>
-      </p:nvGrpSpPr>
-      <p:grpSpPr>
-        <a:xfrm>
-          <a:off x="0" y="0"/>
-          <a:ext cx="0" cy="0"/>
-          <a:chOff x="0" y="0"/>
-          <a:chExt cx="0" cy="0"/>
-        </a:xfrm>
-      </p:grpSpPr>
-      <p:sp>
-        <p:nvSpPr>
-          <p:cNvPr id="2" name="Title 1"/>
-          <p:cNvSpPr>
-            <a:spLocks noGrp="1"/>
-          </p:cNvSpPr>
-          <p:nvPr>
-            <p:ph type="title"/>
-          </p:nvPr>
-        </p:nvSpPr>
-        <p:spPr>
-          <a:xfrm>
-            <a:off x="838200" y="365125"/>
-            <a:ext cx="10852298" cy="1325563"/>
-          </a:xfrm>
-        </p:spPr>
-        <p:txBody>
-          <a:bodyPr>
-            <a:normAutofit/>
-          </a:bodyPr>
-          <a:lstStyle/>
-          <a:p>
-            <a:r>
-              <a:rPr lang="en-US" sz="3600" dirty="0"/>
-              <a:t>.NET (C#) Lists</a:t>
-            </a:r>
-          </a:p>
-        </p:txBody>
-      </p:sp>
-      <p:sp>
-        <p:nvSpPr>
-          <p:cNvPr id="5" name="Content Placeholder 2"/>
-          <p:cNvSpPr txBox="1">
-            <a:spLocks/>
-          </p:cNvSpPr>
-          <p:nvPr/>
-        </p:nvSpPr>
-        <p:spPr>
-          <a:xfrm>
-            <a:off x="838200" y="1382233"/>
-            <a:ext cx="10515600" cy="5050465"/>
-          </a:xfrm>
-          <a:prstGeom prst="rect">
-            <a:avLst/>
-          </a:prstGeom>
-        </p:spPr>
-        <p:txBody>
-          <a:bodyPr vert="horz" lIns="91440" tIns="45720" rIns="91440" bIns="45720" rtlCol="0">
-            <a:normAutofit/>
-          </a:bodyPr>
-          <a:lstStyle>
-            <a:lvl1pPr marL="228600" indent="-228600" algn="l" defTabSz="914400" rtl="0" eaLnBrk="1" latinLnBrk="0" hangingPunct="1">
-              <a:lnSpc>
-                <a:spcPct val="90000"/>
-              </a:lnSpc>
-              <a:spcBef>
-                <a:spcPts val="1000"/>
-              </a:spcBef>
-              <a:buFont typeface="Arial" panose="020B0604020202020204" pitchFamily="34" charset="0"/>
-              <a:buChar char="•"/>
-              <a:defRPr sz="2800" kern="1200">
-                <a:solidFill>
-                  <a:schemeClr val="tx1"/>
-                </a:solidFill>
-                <a:latin typeface="+mn-lt"/>
-                <a:ea typeface="+mn-ea"/>
-                <a:cs typeface="+mn-cs"/>
-              </a:defRPr>
-            </a:lvl1pPr>
-            <a:lvl2pPr marL="685800" indent="-228600" algn="l" defTabSz="914400" rtl="0" eaLnBrk="1" latinLnBrk="0" hangingPunct="1">
-              <a:lnSpc>
-                <a:spcPct val="90000"/>
-              </a:lnSpc>
-              <a:spcBef>
-                <a:spcPts val="500"/>
-              </a:spcBef>
-              <a:buFont typeface="Arial" panose="020B0604020202020204" pitchFamily="34" charset="0"/>
-              <a:buChar char="•"/>
-              <a:defRPr sz="2400" kern="1200">
-                <a:solidFill>
-                  <a:schemeClr val="tx1"/>
-                </a:solidFill>
-                <a:latin typeface="+mn-lt"/>
-                <a:ea typeface="+mn-ea"/>
-                <a:cs typeface="+mn-cs"/>
-              </a:defRPr>
-            </a:lvl2pPr>
-            <a:lvl3pPr marL="1143000" indent="-228600" algn="l" defTabSz="914400" rtl="0" eaLnBrk="1" latinLnBrk="0" hangingPunct="1">
-              <a:lnSpc>
-                <a:spcPct val="90000"/>
-              </a:lnSpc>
-              <a:spcBef>
-                <a:spcPts val="500"/>
-              </a:spcBef>
-              <a:buFont typeface="Arial" panose="020B0604020202020204" pitchFamily="34" charset="0"/>
-              <a:buChar char="•"/>
-              <a:defRPr sz="2000" kern="1200">
-                <a:solidFill>
-                  <a:schemeClr val="tx1"/>
-                </a:solidFill>
-                <a:latin typeface="+mn-lt"/>
-                <a:ea typeface="+mn-ea"/>
-                <a:cs typeface="+mn-cs"/>
-              </a:defRPr>
-            </a:lvl3pPr>
-            <a:lvl4pPr marL="1600200" indent="-228600" algn="l" defTabSz="914400" rtl="0" eaLnBrk="1" latinLnBrk="0" hangingPunct="1">
-              <a:lnSpc>
-                <a:spcPct val="90000"/>
-              </a:lnSpc>
-              <a:spcBef>
-                <a:spcPts val="500"/>
-              </a:spcBef>
-              <a:buFont typeface="Arial" panose="020B0604020202020204" pitchFamily="34" charset="0"/>
-              <a:buChar char="•"/>
-              <a:defRPr sz="1800" kern="1200">
-                <a:solidFill>
-                  <a:schemeClr val="tx1"/>
-                </a:solidFill>
-                <a:latin typeface="+mn-lt"/>
-                <a:ea typeface="+mn-ea"/>
-                <a:cs typeface="+mn-cs"/>
-              </a:defRPr>
-            </a:lvl4pPr>
-            <a:lvl5pPr marL="2057400" indent="-228600" algn="l" defTabSz="914400" rtl="0" eaLnBrk="1" latinLnBrk="0" hangingPunct="1">
-              <a:lnSpc>
-                <a:spcPct val="90000"/>
-              </a:lnSpc>
-              <a:spcBef>
-                <a:spcPts val="500"/>
-              </a:spcBef>
-              <a:buFont typeface="Arial" panose="020B0604020202020204" pitchFamily="34" charset="0"/>
-              <a:buChar char="•"/>
-              <a:defRPr sz="1800" kern="1200">
-                <a:solidFill>
-                  <a:schemeClr val="tx1"/>
-                </a:solidFill>
-                <a:latin typeface="+mn-lt"/>
-                <a:ea typeface="+mn-ea"/>
-                <a:cs typeface="+mn-cs"/>
-              </a:defRPr>
-            </a:lvl5pPr>
-            <a:lvl6pPr marL="2514600" indent="-228600" algn="l" defTabSz="914400" rtl="0" eaLnBrk="1" latinLnBrk="0" hangingPunct="1">
-              <a:lnSpc>
-                <a:spcPct val="90000"/>
-              </a:lnSpc>
-              <a:spcBef>
-                <a:spcPts val="500"/>
-              </a:spcBef>
-              <a:buFont typeface="Arial" panose="020B0604020202020204" pitchFamily="34" charset="0"/>
-              <a:buChar char="•"/>
-              <a:defRPr sz="1800" kern="1200">
-                <a:solidFill>
-                  <a:schemeClr val="tx1"/>
-                </a:solidFill>
-                <a:latin typeface="+mn-lt"/>
-                <a:ea typeface="+mn-ea"/>
-                <a:cs typeface="+mn-cs"/>
-              </a:defRPr>
-            </a:lvl6pPr>
-            <a:lvl7pPr marL="2971800" indent="-228600" algn="l" defTabSz="914400" rtl="0" eaLnBrk="1" latinLnBrk="0" hangingPunct="1">
-              <a:lnSpc>
-                <a:spcPct val="90000"/>
-              </a:lnSpc>
-              <a:spcBef>
-                <a:spcPts val="500"/>
-              </a:spcBef>
-              <a:buFont typeface="Arial" panose="020B0604020202020204" pitchFamily="34" charset="0"/>
-              <a:buChar char="•"/>
-              <a:defRPr sz="1800" kern="1200">
-                <a:solidFill>
-                  <a:schemeClr val="tx1"/>
-                </a:solidFill>
-                <a:latin typeface="+mn-lt"/>
-                <a:ea typeface="+mn-ea"/>
-                <a:cs typeface="+mn-cs"/>
-              </a:defRPr>
-            </a:lvl7pPr>
-            <a:lvl8pPr marL="3429000" indent="-228600" algn="l" defTabSz="914400" rtl="0" eaLnBrk="1" latinLnBrk="0" hangingPunct="1">
-              <a:lnSpc>
-                <a:spcPct val="90000"/>
-              </a:lnSpc>
-              <a:spcBef>
-                <a:spcPts val="500"/>
-              </a:spcBef>
-              <a:buFont typeface="Arial" panose="020B0604020202020204" pitchFamily="34" charset="0"/>
-              <a:buChar char="•"/>
-              <a:defRPr sz="1800" kern="1200">
-                <a:solidFill>
-                  <a:schemeClr val="tx1"/>
-                </a:solidFill>
-                <a:latin typeface="+mn-lt"/>
-                <a:ea typeface="+mn-ea"/>
-                <a:cs typeface="+mn-cs"/>
-              </a:defRPr>
-            </a:lvl8pPr>
-            <a:lvl9pPr marL="3886200" indent="-228600" algn="l" defTabSz="914400" rtl="0" eaLnBrk="1" latinLnBrk="0" hangingPunct="1">
-              <a:lnSpc>
-                <a:spcPct val="90000"/>
-              </a:lnSpc>
-              <a:spcBef>
-                <a:spcPts val="500"/>
-              </a:spcBef>
-              <a:buFont typeface="Arial" panose="020B0604020202020204" pitchFamily="34" charset="0"/>
-              <a:buChar char="•"/>
-              <a:defRPr sz="1800" kern="1200">
-                <a:solidFill>
-                  <a:schemeClr val="tx1"/>
-                </a:solidFill>
-                <a:latin typeface="+mn-lt"/>
-                <a:ea typeface="+mn-ea"/>
-                <a:cs typeface="+mn-cs"/>
-              </a:defRPr>
-            </a:lvl9pPr>
-          </a:lstStyle>
-          <a:p>
-            <a:pPr marL="0" indent="0">
-              <a:buFont typeface="Arial" panose="020B0604020202020204" pitchFamily="34" charset="0"/>
-              <a:buNone/>
-            </a:pPr>
-            <a:r>
-              <a:rPr lang="en-US" sz="2000" dirty="0"/>
-              <a:t>The .NET framework offers multiple implementations of Collections and </a:t>
-            </a:r>
-            <a:r>
-              <a:rPr lang="en-US" sz="2000" dirty="0" err="1"/>
-              <a:t>Collections.Concurrent</a:t>
-            </a:r>
-            <a:r>
-              <a:rPr lang="en-US" sz="2000" dirty="0"/>
-              <a:t> including:</a:t>
-            </a:r>
-          </a:p>
-          <a:p>
-            <a:r>
-              <a:rPr lang="en-US" sz="2000" dirty="0"/>
-              <a:t>List </a:t>
-            </a:r>
-            <a:r>
-              <a:rPr lang="en-US" sz="2000" dirty="0">
-                <a:hlinkClick r:id="rId3"/>
-              </a:rPr>
-              <a:t>[link]</a:t>
-            </a:r>
-            <a:r>
-              <a:rPr lang="en-US" sz="2000" dirty="0"/>
-              <a:t>: Represents a strongly typed list of objects that can be accessed by index. Provides methods to search, sort, and manipulate lists.</a:t>
-            </a:r>
-          </a:p>
-          <a:p>
-            <a:r>
-              <a:rPr lang="en-US" sz="2000" dirty="0" err="1"/>
-              <a:t>ArrayList</a:t>
-            </a:r>
-            <a:r>
-              <a:rPr lang="en-US" sz="2000" dirty="0"/>
-              <a:t> </a:t>
-            </a:r>
-            <a:r>
-              <a:rPr lang="en-US" sz="2000" dirty="0">
-                <a:hlinkClick r:id="rId4"/>
-              </a:rPr>
-              <a:t>[link]</a:t>
-            </a:r>
-            <a:r>
-              <a:rPr lang="en-US" sz="2000" dirty="0"/>
-              <a:t>: Implements the </a:t>
-            </a:r>
-            <a:r>
-              <a:rPr lang="en-US" sz="2000" dirty="0" err="1"/>
-              <a:t>IList</a:t>
-            </a:r>
-            <a:r>
-              <a:rPr lang="en-US" sz="2000" dirty="0"/>
-              <a:t> interface using an array whose size is dynamically increased as required.</a:t>
-            </a:r>
-          </a:p>
-          <a:p>
-            <a:r>
-              <a:rPr lang="en-US" sz="2000" dirty="0" err="1"/>
-              <a:t>ConcurrentQueue</a:t>
-            </a:r>
-            <a:r>
-              <a:rPr lang="en-US" sz="2000" dirty="0"/>
-              <a:t> </a:t>
-            </a:r>
-            <a:r>
-              <a:rPr lang="en-US" sz="2000" dirty="0">
-                <a:hlinkClick r:id="rId5"/>
-              </a:rPr>
-              <a:t>[link]</a:t>
-            </a:r>
-            <a:r>
-              <a:rPr lang="en-US" sz="2000" dirty="0"/>
-              <a:t>: Represents a thread-safe first in-first out (FIFO) collection.</a:t>
-            </a:r>
-          </a:p>
-          <a:p>
-            <a:pPr marL="0" indent="0">
-              <a:buFont typeface="Arial" panose="020B0604020202020204" pitchFamily="34" charset="0"/>
-              <a:buNone/>
-            </a:pPr>
-            <a:r>
-              <a:rPr lang="en-US" sz="2000" dirty="0"/>
-              <a:t> </a:t>
-            </a:r>
-          </a:p>
-        </p:txBody>
-      </p:sp>
-    </p:spTree>
-    <p:extLst>
-      <p:ext uri="{BB962C8B-B14F-4D97-AF65-F5344CB8AC3E}">
-        <p14:creationId xmlns:p14="http://schemas.microsoft.com/office/powerpoint/2010/main" val="1006854285"/>
-      </p:ext>
-    </p:extLst>
-  </p:cSld>
-  <p:clrMapOvr>
-    <a:masterClrMapping/>
-  </p:clrMapOvr>
-</p:sld>
-</file>
-
-<file path=ppt/slides/slide23.xml><?xml version="1.0" encoding="utf-8"?>
-<p:sld xmlns:a="http://schemas.openxmlformats.org/drawingml/2006/main" xmlns:r="http://schemas.openxmlformats.org/officeDocument/2006/relationships" xmlns:p="http://schemas.openxmlformats.org/presentationml/2006/main">
-  <p:cSld>
-    <p:bg>
-      <p:bgPr>
-        <a:solidFill>
-          <a:schemeClr val="bg1">
-            <a:lumMod val="75000"/>
-          </a:schemeClr>
-        </a:solidFill>
-        <a:effectLst/>
-      </p:bgPr>
-    </p:bg>
-    <p:spTree>
-      <p:nvGrpSpPr>
-        <p:cNvPr id="1" name=""/>
-        <p:cNvGrpSpPr/>
-        <p:nvPr/>
-      </p:nvGrpSpPr>
-      <p:grpSpPr>
-        <a:xfrm>
-          <a:off x="0" y="0"/>
-          <a:ext cx="0" cy="0"/>
-          <a:chOff x="0" y="0"/>
-          <a:chExt cx="0" cy="0"/>
-        </a:xfrm>
-      </p:grpSpPr>
-      <p:sp>
-        <p:nvSpPr>
-          <p:cNvPr id="2" name="Title 1"/>
-          <p:cNvSpPr>
-            <a:spLocks noGrp="1"/>
-          </p:cNvSpPr>
-          <p:nvPr>
-            <p:ph type="ctrTitle"/>
-          </p:nvPr>
-        </p:nvSpPr>
-        <p:spPr>
-          <a:xfrm>
-            <a:off x="1524000" y="1122363"/>
-            <a:ext cx="9144000" cy="2387600"/>
-          </a:xfrm>
-        </p:spPr>
-        <p:txBody>
-          <a:bodyPr>
-            <a:normAutofit/>
-          </a:bodyPr>
-          <a:lstStyle/>
-          <a:p>
-            <a:r>
-              <a:rPr lang="en-US" sz="4800" dirty="0"/>
-              <a:t>End of Session</a:t>
-            </a:r>
-          </a:p>
-        </p:txBody>
-      </p:sp>
-      <p:sp>
-        <p:nvSpPr>
-          <p:cNvPr id="3" name="Subtitle 2"/>
-          <p:cNvSpPr>
-            <a:spLocks noGrp="1"/>
-          </p:cNvSpPr>
-          <p:nvPr>
-            <p:ph type="subTitle" idx="1"/>
-          </p:nvPr>
-        </p:nvSpPr>
-        <p:spPr>
-          <a:xfrm>
-            <a:off x="1524000" y="3602038"/>
-            <a:ext cx="9144000" cy="2198022"/>
-          </a:xfrm>
-        </p:spPr>
-        <p:txBody>
-          <a:bodyPr>
-            <a:normAutofit/>
-          </a:bodyPr>
-          <a:lstStyle/>
-          <a:p>
-            <a:pPr algn="l"/>
-            <a:r>
-              <a:rPr lang="en-US" dirty="0"/>
-              <a:t>Course Number: CPSC-24500</a:t>
-            </a:r>
-          </a:p>
-          <a:p>
-            <a:pPr algn="l"/>
-            <a:r>
-              <a:rPr lang="en-US" dirty="0"/>
-              <a:t>Week: 6</a:t>
-            </a:r>
-          </a:p>
-          <a:p>
-            <a:pPr algn="l"/>
-            <a:r>
-              <a:rPr lang="en-US" dirty="0"/>
-              <a:t>Session: 2</a:t>
-            </a:r>
-          </a:p>
-          <a:p>
-            <a:pPr algn="l"/>
-            <a:r>
-              <a:rPr lang="en-US" dirty="0"/>
-              <a:t>Instructor: Eric Pogue</a:t>
-            </a:r>
-          </a:p>
-        </p:txBody>
-      </p:sp>
-    </p:spTree>
-    <p:extLst>
-      <p:ext uri="{BB962C8B-B14F-4D97-AF65-F5344CB8AC3E}">
-        <p14:creationId xmlns:p14="http://schemas.microsoft.com/office/powerpoint/2010/main" val="2274666725"/>
-      </p:ext>
-    </p:extLst>
-  </p:cSld>
-  <p:clrMapOvr>
-    <a:masterClrMapping/>
-  </p:clrMapOvr>
-</p:sld>
-</file>
-
-<file path=ppt/slides/slide24.xml><?xml version="1.0" encoding="utf-8"?>
-<p:sld xmlns:a="http://schemas.openxmlformats.org/drawingml/2006/main" xmlns:r="http://schemas.openxmlformats.org/officeDocument/2006/relationships" xmlns:p="http://schemas.openxmlformats.org/presentationml/2006/main">
-  <p:cSld>
-    <p:spTree>
-      <p:nvGrpSpPr>
-        <p:cNvPr id="1" name=""/>
-        <p:cNvGrpSpPr/>
-        <p:nvPr/>
-      </p:nvGrpSpPr>
-      <p:grpSpPr>
-        <a:xfrm>
-          <a:off x="0" y="0"/>
-          <a:ext cx="0" cy="0"/>
-          <a:chOff x="0" y="0"/>
-          <a:chExt cx="0" cy="0"/>
-        </a:xfrm>
-      </p:grpSpPr>
-      <p:sp>
-        <p:nvSpPr>
-          <p:cNvPr id="2" name="Title 1"/>
-          <p:cNvSpPr>
-            <a:spLocks noGrp="1"/>
-          </p:cNvSpPr>
-          <p:nvPr>
-            <p:ph type="title"/>
-          </p:nvPr>
-        </p:nvSpPr>
-        <p:spPr>
-          <a:xfrm>
-            <a:off x="838200" y="365126"/>
-            <a:ext cx="6113662" cy="1409174"/>
-          </a:xfrm>
-        </p:spPr>
-        <p:txBody>
-          <a:bodyPr>
-            <a:normAutofit/>
-          </a:bodyPr>
-          <a:lstStyle/>
-          <a:p>
-            <a:r>
-              <a:rPr lang="en-US" sz="3600" dirty="0"/>
-              <a:t>Object-Oriented Programming</a:t>
-            </a:r>
-            <a:br>
-              <a:rPr lang="en-US" sz="3600" dirty="0"/>
-            </a:br>
-            <a:r>
-              <a:rPr lang="en-US" sz="1800" dirty="0"/>
-              <a:t>Session: Week 6 Session 3 (Lunch &amp; Learn)</a:t>
-            </a:r>
-            <a:br>
-              <a:rPr lang="en-US" sz="1800" dirty="0"/>
-            </a:br>
-            <a:r>
-              <a:rPr lang="en-US" sz="1800" dirty="0"/>
-              <a:t>Instructor: Eric Pogue</a:t>
-            </a:r>
-            <a:endParaRPr lang="en-US" sz="1800" b="1" i="1" u="sng" dirty="0"/>
-          </a:p>
-        </p:txBody>
-      </p:sp>
-      <p:pic>
-        <p:nvPicPr>
-          <p:cNvPr id="4" name="Content Placeholder 4"/>
-          <p:cNvPicPr>
-            <a:picLocks noChangeAspect="1"/>
-          </p:cNvPicPr>
-          <p:nvPr/>
-        </p:nvPicPr>
-        <p:blipFill>
-          <a:blip r:embed="rId3"/>
-          <a:stretch>
-            <a:fillRect/>
-          </a:stretch>
-        </p:blipFill>
-        <p:spPr>
-          <a:xfrm>
-            <a:off x="9072894" y="182925"/>
-            <a:ext cx="2656367" cy="1366321"/>
-          </a:xfrm>
-          <a:prstGeom prst="rect">
-            <a:avLst/>
-          </a:prstGeom>
-        </p:spPr>
-      </p:pic>
-      <p:sp>
-        <p:nvSpPr>
-          <p:cNvPr id="8" name="Content Placeholder 2"/>
-          <p:cNvSpPr>
-            <a:spLocks noGrp="1"/>
-          </p:cNvSpPr>
-          <p:nvPr>
-            <p:ph idx="1"/>
-          </p:nvPr>
-        </p:nvSpPr>
-        <p:spPr>
-          <a:xfrm>
-            <a:off x="838200" y="1795301"/>
-            <a:ext cx="10718950" cy="4571242"/>
-          </a:xfrm>
-        </p:spPr>
-        <p:txBody>
-          <a:bodyPr>
-            <a:noAutofit/>
-          </a:bodyPr>
-          <a:lstStyle/>
-          <a:p>
-            <a:pPr marL="0" indent="0">
-              <a:buNone/>
-            </a:pPr>
-            <a:r>
-              <a:rPr lang="en-US" sz="2000" u="sng" dirty="0"/>
-              <a:t>Agenda:</a:t>
-            </a:r>
-          </a:p>
-          <a:p>
-            <a:pPr marL="457200" indent="-457200">
-              <a:buFont typeface="+mj-lt"/>
-              <a:buAutoNum type="arabicPeriod"/>
-            </a:pPr>
-            <a:r>
-              <a:rPr lang="en-US" sz="2000" dirty="0"/>
-              <a:t>Review </a:t>
-            </a:r>
-            <a:r>
-              <a:rPr lang="en-US" sz="2000" dirty="0" err="1"/>
-              <a:t>FastPrime</a:t>
-            </a:r>
-            <a:r>
-              <a:rPr lang="en-US" sz="2000" dirty="0"/>
-              <a:t> C# Assignment</a:t>
-            </a:r>
-          </a:p>
-          <a:p>
-            <a:pPr marL="457200" indent="-457200">
-              <a:buFont typeface="+mj-lt"/>
-              <a:buAutoNum type="arabicPeriod"/>
-            </a:pPr>
-            <a:r>
-              <a:rPr lang="en-US" sz="2000" dirty="0" err="1"/>
-              <a:t>FastPrimeLite</a:t>
-            </a:r>
-            <a:endParaRPr lang="en-US" sz="2000" dirty="0"/>
-          </a:p>
-        </p:txBody>
-      </p:sp>
-    </p:spTree>
-    <p:extLst>
-      <p:ext uri="{BB962C8B-B14F-4D97-AF65-F5344CB8AC3E}">
-        <p14:creationId xmlns:p14="http://schemas.microsoft.com/office/powerpoint/2010/main" val="2244440017"/>
-      </p:ext>
-    </p:extLst>
-  </p:cSld>
-  <p:clrMapOvr>
-    <a:masterClrMapping/>
-  </p:clrMapOvr>
-</p:sld>
-</file>
-
-<file path=ppt/slides/slide25.xml><?xml version="1.0" encoding="utf-8"?>
-<p:sld xmlns:a="http://schemas.openxmlformats.org/drawingml/2006/main" xmlns:r="http://schemas.openxmlformats.org/officeDocument/2006/relationships" xmlns:p="http://schemas.openxmlformats.org/presentationml/2006/main">
-  <p:cSld>
-    <p:spTree>
-      <p:nvGrpSpPr>
-        <p:cNvPr id="1" name=""/>
-        <p:cNvGrpSpPr/>
-        <p:nvPr/>
-      </p:nvGrpSpPr>
-      <p:grpSpPr>
-        <a:xfrm>
-          <a:off x="0" y="0"/>
-          <a:ext cx="0" cy="0"/>
-          <a:chOff x="0" y="0"/>
-          <a:chExt cx="0" cy="0"/>
-        </a:xfrm>
-      </p:grpSpPr>
-      <p:sp>
-        <p:nvSpPr>
-          <p:cNvPr id="2" name="Title 1"/>
-          <p:cNvSpPr>
-            <a:spLocks noGrp="1"/>
-          </p:cNvSpPr>
-          <p:nvPr>
-            <p:ph type="title"/>
-          </p:nvPr>
-        </p:nvSpPr>
-        <p:spPr>
-          <a:xfrm>
-            <a:off x="838200" y="365125"/>
-            <a:ext cx="10411047" cy="1325563"/>
-          </a:xfrm>
-        </p:spPr>
-        <p:txBody>
-          <a:bodyPr>
-            <a:normAutofit/>
-          </a:bodyPr>
-          <a:lstStyle/>
-          <a:p>
-            <a:r>
-              <a:rPr lang="en-US" sz="3600" dirty="0" err="1"/>
-              <a:t>FastPrime</a:t>
-            </a:r>
-            <a:r>
-              <a:rPr lang="en-US" sz="3600" dirty="0"/>
-              <a:t> C#</a:t>
-            </a:r>
-          </a:p>
-        </p:txBody>
-      </p:sp>
-      <p:pic>
-        <p:nvPicPr>
-          <p:cNvPr id="6" name="Picture 5"/>
-          <p:cNvPicPr>
-            <a:picLocks noChangeAspect="1"/>
-          </p:cNvPicPr>
-          <p:nvPr/>
-        </p:nvPicPr>
-        <p:blipFill>
-          <a:blip r:embed="rId3"/>
-          <a:stretch>
-            <a:fillRect/>
-          </a:stretch>
-        </p:blipFill>
-        <p:spPr>
-          <a:xfrm>
-            <a:off x="1073889" y="1604179"/>
-            <a:ext cx="9601200" cy="4900223"/>
-          </a:xfrm>
-          <a:prstGeom prst="rect">
-            <a:avLst/>
-          </a:prstGeom>
-        </p:spPr>
-      </p:pic>
-    </p:spTree>
-    <p:extLst>
-      <p:ext uri="{BB962C8B-B14F-4D97-AF65-F5344CB8AC3E}">
-        <p14:creationId xmlns:p14="http://schemas.microsoft.com/office/powerpoint/2010/main" val="1179229604"/>
-      </p:ext>
-    </p:extLst>
-  </p:cSld>
-  <p:clrMapOvr>
-    <a:masterClrMapping/>
-  </p:clrMapOvr>
-</p:sld>
-</file>
-
-<file path=ppt/slides/slide26.xml><?xml version="1.0" encoding="utf-8"?>
-<p:sld xmlns:a="http://schemas.openxmlformats.org/drawingml/2006/main" xmlns:r="http://schemas.openxmlformats.org/officeDocument/2006/relationships" xmlns:p="http://schemas.openxmlformats.org/presentationml/2006/main">
-  <p:cSld>
-    <p:spTree>
-      <p:nvGrpSpPr>
-        <p:cNvPr id="1" name=""/>
-        <p:cNvGrpSpPr/>
-        <p:nvPr/>
-      </p:nvGrpSpPr>
-      <p:grpSpPr>
-        <a:xfrm>
-          <a:off x="0" y="0"/>
-          <a:ext cx="0" cy="0"/>
-          <a:chOff x="0" y="0"/>
-          <a:chExt cx="0" cy="0"/>
-        </a:xfrm>
-      </p:grpSpPr>
-      <p:sp>
-        <p:nvSpPr>
-          <p:cNvPr id="2" name="Title 1"/>
-          <p:cNvSpPr>
-            <a:spLocks noGrp="1"/>
-          </p:cNvSpPr>
-          <p:nvPr>
-            <p:ph type="title"/>
-          </p:nvPr>
-        </p:nvSpPr>
-        <p:spPr>
-          <a:xfrm>
-            <a:off x="838200" y="365125"/>
-            <a:ext cx="10411047" cy="1325563"/>
-          </a:xfrm>
-        </p:spPr>
-        <p:txBody>
-          <a:bodyPr>
-            <a:normAutofit/>
-          </a:bodyPr>
-          <a:lstStyle/>
-          <a:p>
-            <a:r>
-              <a:rPr lang="en-US" sz="3600" dirty="0" err="1"/>
-              <a:t>FastPrime</a:t>
-            </a:r>
-            <a:r>
-              <a:rPr lang="en-US" sz="3600" dirty="0"/>
-              <a:t> C# (continued)</a:t>
-            </a:r>
-          </a:p>
-        </p:txBody>
-      </p:sp>
-      <p:pic>
-        <p:nvPicPr>
-          <p:cNvPr id="3" name="Picture 2"/>
-          <p:cNvPicPr>
-            <a:picLocks noChangeAspect="1"/>
-          </p:cNvPicPr>
-          <p:nvPr/>
-        </p:nvPicPr>
-        <p:blipFill>
-          <a:blip r:embed="rId3"/>
-          <a:stretch>
-            <a:fillRect/>
-          </a:stretch>
-        </p:blipFill>
-        <p:spPr>
-          <a:xfrm>
-            <a:off x="1073889" y="1690688"/>
-            <a:ext cx="9532743" cy="2721824"/>
-          </a:xfrm>
-          <a:prstGeom prst="rect">
-            <a:avLst/>
-          </a:prstGeom>
-        </p:spPr>
-      </p:pic>
-    </p:spTree>
-    <p:extLst>
-      <p:ext uri="{BB962C8B-B14F-4D97-AF65-F5344CB8AC3E}">
-        <p14:creationId xmlns:p14="http://schemas.microsoft.com/office/powerpoint/2010/main" val="786509951"/>
-      </p:ext>
-    </p:extLst>
-  </p:cSld>
-  <p:clrMapOvr>
-    <a:masterClrMapping/>
-  </p:clrMapOvr>
-</p:sld>
-</file>
-
-<file path=ppt/slides/slide27.xml><?xml version="1.0" encoding="utf-8"?>
-<p:sld xmlns:a="http://schemas.openxmlformats.org/drawingml/2006/main" xmlns:r="http://schemas.openxmlformats.org/officeDocument/2006/relationships" xmlns:p="http://schemas.openxmlformats.org/presentationml/2006/main">
-  <p:cSld>
-    <p:spTree>
-      <p:nvGrpSpPr>
-        <p:cNvPr id="1" name=""/>
-        <p:cNvGrpSpPr/>
-        <p:nvPr/>
-      </p:nvGrpSpPr>
-      <p:grpSpPr>
-        <a:xfrm>
-          <a:off x="0" y="0"/>
-          <a:ext cx="0" cy="0"/>
-          <a:chOff x="0" y="0"/>
-          <a:chExt cx="0" cy="0"/>
-        </a:xfrm>
-      </p:grpSpPr>
-      <p:sp>
-        <p:nvSpPr>
-          <p:cNvPr id="2" name="Title 1"/>
-          <p:cNvSpPr>
-            <a:spLocks noGrp="1"/>
-          </p:cNvSpPr>
-          <p:nvPr>
-            <p:ph type="title"/>
-          </p:nvPr>
-        </p:nvSpPr>
-        <p:spPr>
-          <a:xfrm>
-            <a:off x="838200" y="365125"/>
-            <a:ext cx="10411047" cy="1325563"/>
-          </a:xfrm>
-        </p:spPr>
-        <p:txBody>
-          <a:bodyPr>
-            <a:normAutofit/>
-          </a:bodyPr>
-          <a:lstStyle/>
-          <a:p>
-            <a:r>
-              <a:rPr lang="en-US" sz="3600" dirty="0" err="1"/>
-              <a:t>FastPrimeLite</a:t>
-            </a:r>
-            <a:endParaRPr lang="en-US" sz="3600" dirty="0"/>
-          </a:p>
-        </p:txBody>
-      </p:sp>
-      <p:sp>
-        <p:nvSpPr>
-          <p:cNvPr id="4" name="Content Placeholder 2"/>
-          <p:cNvSpPr>
-            <a:spLocks noGrp="1"/>
-          </p:cNvSpPr>
-          <p:nvPr>
-            <p:ph idx="1"/>
-          </p:nvPr>
-        </p:nvSpPr>
-        <p:spPr>
-          <a:xfrm>
-            <a:off x="838200" y="1481640"/>
-            <a:ext cx="10718950" cy="5062699"/>
-          </a:xfrm>
-        </p:spPr>
-        <p:txBody>
-          <a:bodyPr>
-            <a:noAutofit/>
-          </a:bodyPr>
-          <a:lstStyle/>
-          <a:p>
-            <a:pPr marL="0" indent="0">
-              <a:buNone/>
-            </a:pPr>
-            <a:r>
-              <a:rPr lang="en-US" sz="2000" u="sng" dirty="0"/>
-              <a:t>Features:</a:t>
-            </a:r>
-          </a:p>
-          <a:p>
-            <a:pPr marL="457200" indent="-457200">
-              <a:buFont typeface="+mj-lt"/>
-              <a:buAutoNum type="arabicPeriod"/>
-            </a:pPr>
-            <a:r>
-              <a:rPr lang="en-US" sz="2000" dirty="0"/>
-              <a:t>Develop  application entirely in Visual Studio 2017 and C#</a:t>
-            </a:r>
-          </a:p>
-          <a:p>
-            <a:pPr marL="457200" indent="-457200">
-              <a:buFont typeface="+mj-lt"/>
-              <a:buAutoNum type="arabicPeriod"/>
-            </a:pPr>
-            <a:r>
-              <a:rPr lang="en-US" sz="2000" dirty="0"/>
-              <a:t>Take in two command line arguments that represent the start and end number </a:t>
-            </a:r>
-          </a:p>
-          <a:p>
-            <a:pPr marL="457200" indent="-457200">
-              <a:buFont typeface="+mj-lt"/>
-              <a:buAutoNum type="arabicPeriod"/>
-            </a:pPr>
-            <a:r>
-              <a:rPr lang="en-US" sz="2000" strike="sngStrike" dirty="0"/>
-              <a:t>Fail gracefully with a meaningful error message if inappropriate arguments are passed in </a:t>
-            </a:r>
-          </a:p>
-          <a:p>
-            <a:pPr marL="457200" indent="-457200">
-              <a:buFont typeface="+mj-lt"/>
-              <a:buAutoNum type="arabicPeriod"/>
-            </a:pPr>
-            <a:r>
-              <a:rPr lang="en-US" sz="2000" dirty="0"/>
-              <a:t>Find the prime numbers in the range</a:t>
-            </a:r>
-          </a:p>
-          <a:p>
-            <a:pPr marL="457200" indent="-457200">
-              <a:buFont typeface="+mj-lt"/>
-              <a:buAutoNum type="arabicPeriod"/>
-            </a:pPr>
-            <a:r>
-              <a:rPr lang="en-US" sz="2000" dirty="0"/>
-              <a:t>Add numbers to a list</a:t>
-            </a:r>
-          </a:p>
-          <a:p>
-            <a:pPr marL="457200" indent="-457200">
-              <a:buFont typeface="+mj-lt"/>
-              <a:buAutoNum type="arabicPeriod"/>
-            </a:pPr>
-            <a:r>
-              <a:rPr lang="en-US" sz="2000" dirty="0"/>
-              <a:t>Sort the list</a:t>
-            </a:r>
-          </a:p>
-          <a:p>
-            <a:pPr marL="457200" indent="-457200">
-              <a:buFont typeface="+mj-lt"/>
-              <a:buAutoNum type="arabicPeriod"/>
-            </a:pPr>
-            <a:r>
-              <a:rPr lang="en-US" sz="2000" dirty="0"/>
-              <a:t>Use multiple threads… I will use 3 and you should use at least 4</a:t>
-            </a:r>
-          </a:p>
-          <a:p>
-            <a:pPr marL="457200" indent="-457200">
-              <a:buFont typeface="+mj-lt"/>
-              <a:buAutoNum type="arabicPeriod"/>
-            </a:pPr>
-            <a:r>
-              <a:rPr lang="en-US" sz="2000" dirty="0"/>
-              <a:t>Each prime number should be printed to the console window </a:t>
-            </a:r>
-          </a:p>
-          <a:p>
-            <a:pPr marL="457200" indent="-457200">
-              <a:buFont typeface="+mj-lt"/>
-              <a:buAutoNum type="arabicPeriod"/>
-            </a:pPr>
-            <a:r>
-              <a:rPr lang="en-US" sz="2000" dirty="0"/>
-              <a:t>Write to the  console (1) the number of prime number found (and stored in the file), </a:t>
-            </a:r>
-            <a:r>
-              <a:rPr lang="en-US" sz="2000" strike="sngStrike" dirty="0"/>
-              <a:t>(2) the start time, (3) the finish time,</a:t>
-            </a:r>
-            <a:r>
-              <a:rPr lang="en-US" sz="2000" dirty="0"/>
-              <a:t> and (4) elapsed time</a:t>
-            </a:r>
-          </a:p>
-          <a:p>
-            <a:pPr marL="457200" indent="-457200">
-              <a:buFont typeface="+mj-lt"/>
-              <a:buAutoNum type="arabicPeriod"/>
-            </a:pPr>
-            <a:r>
-              <a:rPr lang="en-US" sz="2000" dirty="0"/>
-              <a:t>Output results to text file called FastPrimeLite.txt </a:t>
-            </a:r>
-          </a:p>
-          <a:p>
-            <a:pPr marL="457200" indent="-457200">
-              <a:buFont typeface="+mj-lt"/>
-              <a:buAutoNum type="arabicPeriod"/>
-            </a:pPr>
-            <a:r>
-              <a:rPr lang="en-US" sz="2000" dirty="0"/>
-              <a:t>Review the location of </a:t>
-            </a:r>
-            <a:r>
-              <a:rPr lang="en-US" sz="2000" dirty="0" err="1"/>
-              <a:t>Program.cs</a:t>
-            </a:r>
-            <a:r>
-              <a:rPr lang="en-US" sz="2000" dirty="0"/>
-              <a:t> and the release executable named “FastPrimeLite.exe</a:t>
-            </a:r>
-          </a:p>
-        </p:txBody>
-      </p:sp>
-    </p:spTree>
-    <p:extLst>
-      <p:ext uri="{BB962C8B-B14F-4D97-AF65-F5344CB8AC3E}">
-        <p14:creationId xmlns:p14="http://schemas.microsoft.com/office/powerpoint/2010/main" val="1699693233"/>
-      </p:ext>
-    </p:extLst>
-  </p:cSld>
-  <p:clrMapOvr>
-    <a:masterClrMapping/>
-  </p:clrMapOvr>
-</p:sld>
-</file>
-
-<file path=ppt/slides/slide28.xml><?xml version="1.0" encoding="utf-8"?>
-<p:sld xmlns:a="http://schemas.openxmlformats.org/drawingml/2006/main" xmlns:r="http://schemas.openxmlformats.org/officeDocument/2006/relationships" xmlns:p="http://schemas.openxmlformats.org/presentationml/2006/main">
-  <p:cSld>
-    <p:bg>
-      <p:bgPr>
-        <a:solidFill>
-          <a:schemeClr val="bg1">
-            <a:lumMod val="75000"/>
-          </a:schemeClr>
-        </a:solidFill>
-        <a:effectLst/>
-      </p:bgPr>
-    </p:bg>
-    <p:spTree>
-      <p:nvGrpSpPr>
-        <p:cNvPr id="1" name=""/>
-        <p:cNvGrpSpPr/>
-        <p:nvPr/>
-      </p:nvGrpSpPr>
-      <p:grpSpPr>
-        <a:xfrm>
-          <a:off x="0" y="0"/>
-          <a:ext cx="0" cy="0"/>
-          <a:chOff x="0" y="0"/>
-          <a:chExt cx="0" cy="0"/>
-        </a:xfrm>
-      </p:grpSpPr>
-      <p:sp>
-        <p:nvSpPr>
-          <p:cNvPr id="2" name="Title 1"/>
-          <p:cNvSpPr>
-            <a:spLocks noGrp="1"/>
-          </p:cNvSpPr>
-          <p:nvPr>
-            <p:ph type="ctrTitle"/>
-          </p:nvPr>
-        </p:nvSpPr>
-        <p:spPr>
-          <a:xfrm>
-            <a:off x="1524000" y="1122363"/>
-            <a:ext cx="9144000" cy="2387600"/>
-          </a:xfrm>
-        </p:spPr>
-        <p:txBody>
-          <a:bodyPr>
-            <a:normAutofit/>
-          </a:bodyPr>
-          <a:lstStyle/>
-          <a:p>
-            <a:r>
-              <a:rPr lang="en-US" sz="4800" dirty="0"/>
-              <a:t>End of Session</a:t>
-            </a:r>
-          </a:p>
-        </p:txBody>
-      </p:sp>
-      <p:sp>
-        <p:nvSpPr>
-          <p:cNvPr id="3" name="Subtitle 2"/>
-          <p:cNvSpPr>
-            <a:spLocks noGrp="1"/>
-          </p:cNvSpPr>
-          <p:nvPr>
-            <p:ph type="subTitle" idx="1"/>
-          </p:nvPr>
-        </p:nvSpPr>
-        <p:spPr>
-          <a:xfrm>
-            <a:off x="1524000" y="3602038"/>
-            <a:ext cx="9144000" cy="2198022"/>
-          </a:xfrm>
-        </p:spPr>
-        <p:txBody>
-          <a:bodyPr>
-            <a:normAutofit/>
-          </a:bodyPr>
-          <a:lstStyle/>
-          <a:p>
-            <a:pPr algn="l"/>
-            <a:r>
-              <a:rPr lang="en-US" dirty="0"/>
-              <a:t>Course Number: CPSC-24500</a:t>
-            </a:r>
-          </a:p>
-          <a:p>
-            <a:pPr algn="l"/>
-            <a:r>
-              <a:rPr lang="en-US" dirty="0"/>
-              <a:t>Week: 5</a:t>
-            </a:r>
-          </a:p>
-          <a:p>
-            <a:pPr algn="l"/>
-            <a:r>
-              <a:rPr lang="en-US" dirty="0"/>
-              <a:t>Session: 3</a:t>
-            </a:r>
-          </a:p>
-          <a:p>
-            <a:pPr algn="l"/>
-            <a:r>
-              <a:rPr lang="en-US" dirty="0"/>
-              <a:t>Instructor: Eric Pogue</a:t>
-            </a:r>
-          </a:p>
-        </p:txBody>
-      </p:sp>
-    </p:spTree>
-    <p:extLst>
-      <p:ext uri="{BB962C8B-B14F-4D97-AF65-F5344CB8AC3E}">
-        <p14:creationId xmlns:p14="http://schemas.microsoft.com/office/powerpoint/2010/main" val="3303290033"/>
-      </p:ext>
-    </p:extLst>
-  </p:cSld>
-  <p:clrMapOvr>
-    <a:masterClrMapping/>
-  </p:clrMapOvr>
-</p:sld>
-</file>
-
-<file path=ppt/slides/slide29.xml><?xml version="1.0" encoding="utf-8"?>
-<p:sld xmlns:a="http://schemas.openxmlformats.org/drawingml/2006/main" xmlns:r="http://schemas.openxmlformats.org/officeDocument/2006/relationships" xmlns:p="http://schemas.openxmlformats.org/presentationml/2006/main">
-  <p:cSld>
-    <p:bg>
-      <p:bgPr>
-        <a:solidFill>
-          <a:schemeClr val="bg1">
-            <a:lumMod val="75000"/>
-          </a:schemeClr>
-        </a:solidFill>
-        <a:effectLst/>
-      </p:bgPr>
-    </p:bg>
-    <p:spTree>
-      <p:nvGrpSpPr>
-        <p:cNvPr id="1" name=""/>
-        <p:cNvGrpSpPr/>
-        <p:nvPr/>
-      </p:nvGrpSpPr>
-      <p:grpSpPr>
-        <a:xfrm>
-          <a:off x="0" y="0"/>
-          <a:ext cx="0" cy="0"/>
-          <a:chOff x="0" y="0"/>
-          <a:chExt cx="0" cy="0"/>
-        </a:xfrm>
-      </p:grpSpPr>
-      <p:sp>
-        <p:nvSpPr>
-          <p:cNvPr id="2" name="Title 1"/>
-          <p:cNvSpPr>
-            <a:spLocks noGrp="1"/>
-          </p:cNvSpPr>
-          <p:nvPr>
-            <p:ph type="ctrTitle"/>
-          </p:nvPr>
-        </p:nvSpPr>
-        <p:spPr>
-          <a:xfrm>
-            <a:off x="1524000" y="1122363"/>
-            <a:ext cx="9144000" cy="2387600"/>
-          </a:xfrm>
-        </p:spPr>
-        <p:txBody>
-          <a:bodyPr>
-            <a:normAutofit/>
-          </a:bodyPr>
-          <a:lstStyle/>
-          <a:p>
-            <a:r>
-              <a:rPr lang="en-US" sz="4800" dirty="0"/>
-              <a:t>End of Session</a:t>
-            </a:r>
-          </a:p>
-        </p:txBody>
-      </p:sp>
-      <p:sp>
-        <p:nvSpPr>
-          <p:cNvPr id="3" name="Subtitle 2"/>
-          <p:cNvSpPr>
-            <a:spLocks noGrp="1"/>
-          </p:cNvSpPr>
-          <p:nvPr>
-            <p:ph type="subTitle" idx="1"/>
-          </p:nvPr>
-        </p:nvSpPr>
-        <p:spPr>
-          <a:xfrm>
-            <a:off x="1524000" y="3602038"/>
-            <a:ext cx="9144000" cy="2198022"/>
-          </a:xfrm>
-        </p:spPr>
-        <p:txBody>
-          <a:bodyPr>
-            <a:normAutofit/>
-          </a:bodyPr>
-          <a:lstStyle/>
-          <a:p>
-            <a:pPr algn="l"/>
-            <a:r>
-              <a:rPr lang="en-US" dirty="0"/>
-              <a:t>Course Number: CPSC-24500</a:t>
-            </a:r>
-          </a:p>
-          <a:p>
-            <a:pPr algn="l"/>
-            <a:r>
-              <a:rPr lang="en-US" dirty="0"/>
-              <a:t>Week: 5</a:t>
-            </a:r>
-          </a:p>
-          <a:p>
-            <a:pPr algn="l"/>
-            <a:r>
-              <a:rPr lang="en-US" dirty="0"/>
-              <a:t>Session: 4</a:t>
-            </a:r>
-          </a:p>
-          <a:p>
-            <a:pPr algn="l"/>
-            <a:r>
-              <a:rPr lang="en-US" dirty="0"/>
-              <a:t>Instructor: Eric Pogue</a:t>
-            </a:r>
-          </a:p>
-        </p:txBody>
-      </p:sp>
-    </p:spTree>
-    <p:extLst>
-      <p:ext uri="{BB962C8B-B14F-4D97-AF65-F5344CB8AC3E}">
-        <p14:creationId xmlns:p14="http://schemas.microsoft.com/office/powerpoint/2010/main" val="735112491"/>
-      </p:ext>
-    </p:extLst>
-  </p:cSld>
-  <p:clrMapOvr>
-    <a:masterClrMapping/>
-  </p:clrMapOvr>
-</p:sld>
-</file>
-
-<file path=ppt/slides/slide3.xml><?xml version="1.0" encoding="utf-8"?>
-<p:sld xmlns:a="http://schemas.openxmlformats.org/drawingml/2006/main" xmlns:r="http://schemas.openxmlformats.org/officeDocument/2006/relationships" xmlns:p="http://schemas.openxmlformats.org/presentationml/2006/main">
-  <p:cSld>
-    <p:spTree>
-      <p:nvGrpSpPr>
-        <p:cNvPr id="1" name=""/>
-        <p:cNvGrpSpPr/>
-        <p:nvPr/>
-      </p:nvGrpSpPr>
-      <p:grpSpPr>
-        <a:xfrm>
-          <a:off x="0" y="0"/>
-          <a:ext cx="0" cy="0"/>
-          <a:chOff x="0" y="0"/>
-          <a:chExt cx="0" cy="0"/>
-        </a:xfrm>
-      </p:grpSpPr>
-      <p:sp>
-        <p:nvSpPr>
-          <p:cNvPr id="2" name="Title 1"/>
-          <p:cNvSpPr>
-            <a:spLocks noGrp="1"/>
-          </p:cNvSpPr>
-          <p:nvPr>
-            <p:ph type="title"/>
-          </p:nvPr>
-        </p:nvSpPr>
-        <p:spPr>
-          <a:xfrm>
-            <a:off x="838200" y="365126"/>
-            <a:ext cx="10515600" cy="757272"/>
-          </a:xfrm>
-        </p:spPr>
-        <p:txBody>
-          <a:bodyPr>
-            <a:normAutofit/>
-          </a:bodyPr>
-          <a:lstStyle/>
-          <a:p>
-            <a:r>
-              <a:rPr lang="en-US" sz="3600" dirty="0"/>
-              <a:t>Learning Objectives – Week 7</a:t>
-            </a:r>
-            <a:endParaRPr lang="en-US" sz="3600" b="1" i="1" u="sng" dirty="0"/>
-          </a:p>
-        </p:txBody>
-      </p:sp>
-      <p:sp>
-        <p:nvSpPr>
-          <p:cNvPr id="3" name="Content Placeholder 2"/>
-          <p:cNvSpPr>
-            <a:spLocks noGrp="1"/>
-          </p:cNvSpPr>
-          <p:nvPr>
-            <p:ph idx="1"/>
-          </p:nvPr>
-        </p:nvSpPr>
-        <p:spPr>
-          <a:xfrm>
-            <a:off x="838200" y="1122398"/>
-            <a:ext cx="10718950" cy="5463343"/>
-          </a:xfrm>
-        </p:spPr>
-        <p:txBody>
-          <a:bodyPr>
-            <a:normAutofit/>
-          </a:bodyPr>
-          <a:lstStyle/>
-          <a:p>
-            <a:pPr marL="0" indent="0">
-              <a:buNone/>
-            </a:pPr>
-            <a:r>
-              <a:rPr lang="en-US" sz="2000" dirty="0"/>
-              <a:t>Using Visual Studio 2017, C#, and .NET we will:</a:t>
-            </a:r>
-          </a:p>
-          <a:p>
-            <a:pPr marL="457200" indent="-457200">
-              <a:buFont typeface="+mj-lt"/>
-              <a:buAutoNum type="arabicPeriod"/>
-            </a:pPr>
-            <a:r>
-              <a:rPr lang="en-US" sz="2000" dirty="0"/>
-              <a:t>Implement information hiding</a:t>
-            </a:r>
-          </a:p>
-          <a:p>
-            <a:pPr marL="457200" indent="-457200">
-              <a:buFont typeface="+mj-lt"/>
-              <a:buAutoNum type="arabicPeriod"/>
-            </a:pPr>
-            <a:r>
-              <a:rPr lang="en-US" sz="2000" dirty="0"/>
-              <a:t>Perform basic drawing operations</a:t>
-            </a:r>
-          </a:p>
-          <a:p>
-            <a:pPr marL="457200" indent="-457200">
-              <a:buFont typeface="+mj-lt"/>
-              <a:buAutoNum type="arabicPeriod"/>
-            </a:pPr>
-            <a:r>
-              <a:rPr lang="en-US" sz="2000" dirty="0"/>
-              <a:t>Separate an application’s functionality among classes</a:t>
-            </a:r>
-          </a:p>
-          <a:p>
-            <a:pPr marL="457200" indent="-457200">
-              <a:buFont typeface="+mj-lt"/>
-              <a:buAutoNum type="arabicPeriod"/>
-            </a:pPr>
-            <a:r>
-              <a:rPr lang="en-US" sz="2000" dirty="0"/>
-              <a:t>Separate code among files and libraries that you can reuse in other applications</a:t>
-            </a:r>
-          </a:p>
-          <a:p>
-            <a:pPr marL="457200" indent="-457200">
-              <a:buFont typeface="+mj-lt"/>
-              <a:buAutoNum type="arabicPeriod"/>
-            </a:pPr>
-            <a:r>
-              <a:rPr lang="en-US" sz="2000" dirty="0"/>
-              <a:t>Download documents from remote servers from your application</a:t>
-            </a:r>
-          </a:p>
-          <a:p>
-            <a:pPr marL="457200" indent="-457200">
-              <a:buFont typeface="+mj-lt"/>
-              <a:buAutoNum type="arabicPeriod"/>
-            </a:pPr>
-            <a:r>
-              <a:rPr lang="en-US" sz="2000" dirty="0"/>
-              <a:t>Parse data expressed in XML format</a:t>
-            </a:r>
-          </a:p>
-          <a:p>
-            <a:pPr marL="457200" indent="-457200">
-              <a:buFont typeface="+mj-lt"/>
-              <a:buAutoNum type="arabicPeriod"/>
-            </a:pPr>
-            <a:r>
-              <a:rPr lang="en-US" sz="2000" dirty="0"/>
-              <a:t>Design and implement a Model-View-Controller application</a:t>
-            </a:r>
-          </a:p>
-          <a:p>
-            <a:pPr marL="457200" indent="-457200">
-              <a:buFont typeface="+mj-lt"/>
-              <a:buAutoNum type="arabicPeriod"/>
-            </a:pPr>
-            <a:r>
-              <a:rPr lang="en-US" sz="2000" dirty="0"/>
-              <a:t>Implement input and output with plain text files using a controller class</a:t>
-            </a:r>
-          </a:p>
-        </p:txBody>
-      </p:sp>
-    </p:spTree>
-    <p:extLst>
-      <p:ext uri="{BB962C8B-B14F-4D97-AF65-F5344CB8AC3E}">
-        <p14:creationId xmlns:p14="http://schemas.microsoft.com/office/powerpoint/2010/main" val="1072399538"/>
-      </p:ext>
-    </p:extLst>
-  </p:cSld>
-  <p:clrMapOvr>
-    <a:masterClrMapping/>
-  </p:clrMapOvr>
-</p:sld>
-</file>
-
-<file path=ppt/slides/slide4.xml><?xml version="1.0" encoding="utf-8"?>
-<p:sld xmlns:a="http://schemas.openxmlformats.org/drawingml/2006/main" xmlns:r="http://schemas.openxmlformats.org/officeDocument/2006/relationships" xmlns:p="http://schemas.openxmlformats.org/presentationml/2006/main">
-  <p:cSld>
-    <p:spTree>
-      <p:nvGrpSpPr>
-        <p:cNvPr id="1" name=""/>
-        <p:cNvGrpSpPr/>
-        <p:nvPr/>
-      </p:nvGrpSpPr>
-      <p:grpSpPr>
-        <a:xfrm>
-          <a:off x="0" y="0"/>
-          <a:ext cx="0" cy="0"/>
-          <a:chOff x="0" y="0"/>
-          <a:chExt cx="0" cy="0"/>
-        </a:xfrm>
-      </p:grpSpPr>
-      <p:sp>
-        <p:nvSpPr>
-          <p:cNvPr id="2" name="Title 1"/>
-          <p:cNvSpPr>
-            <a:spLocks noGrp="1"/>
-          </p:cNvSpPr>
-          <p:nvPr>
-            <p:ph type="title"/>
-          </p:nvPr>
-        </p:nvSpPr>
-        <p:spPr/>
-        <p:txBody>
-          <a:bodyPr>
-            <a:normAutofit/>
-          </a:bodyPr>
-          <a:lstStyle/>
-          <a:p>
-            <a:r>
-              <a:rPr lang="en-US" sz="3600" dirty="0"/>
-              <a:t>Microsoft Visual Studio</a:t>
-            </a:r>
-          </a:p>
-        </p:txBody>
-      </p:sp>
-      <p:sp>
-        <p:nvSpPr>
-          <p:cNvPr id="3" name="Content Placeholder 2"/>
-          <p:cNvSpPr>
-            <a:spLocks noGrp="1"/>
-          </p:cNvSpPr>
-          <p:nvPr>
-            <p:ph idx="1"/>
-          </p:nvPr>
-        </p:nvSpPr>
-        <p:spPr>
-          <a:xfrm>
-            <a:off x="838198" y="1525772"/>
-            <a:ext cx="10515601" cy="4651191"/>
-          </a:xfrm>
-        </p:spPr>
-        <p:txBody>
-          <a:bodyPr>
-            <a:noAutofit/>
-          </a:bodyPr>
-          <a:lstStyle/>
-          <a:p>
-            <a:pPr marL="0" indent="0">
-              <a:buNone/>
-            </a:pPr>
-            <a:r>
-              <a:rPr lang="en-US" sz="2000" dirty="0"/>
-              <a:t>Microsoft Visual Studio is an integrated development environment (IDE) from Microsoft. It is used to develop computer programs for Microsoft Windows, as well as web sites, web apps, web services and mobile apps. It can produce both native code and managed code. </a:t>
-            </a:r>
-            <a:r>
-              <a:rPr lang="en-US" sz="2000" dirty="0">
-                <a:hlinkClick r:id="rId3"/>
-              </a:rPr>
-              <a:t>[link]</a:t>
-            </a:r>
-            <a:endParaRPr lang="en-US" sz="2000" dirty="0"/>
-          </a:p>
-          <a:p>
-            <a:r>
-              <a:rPr lang="en-US" sz="2000" dirty="0"/>
-              <a:t>Download and install Visual Studio and C# </a:t>
-            </a:r>
-            <a:r>
-              <a:rPr lang="en-US" sz="2000" dirty="0">
-                <a:hlinkClick r:id="rId4"/>
-              </a:rPr>
-              <a:t>[link]</a:t>
-            </a:r>
-            <a:endParaRPr lang="en-US" sz="2000" dirty="0"/>
-          </a:p>
-          <a:p>
-            <a:r>
-              <a:rPr lang="en-US" sz="2000" dirty="0"/>
-              <a:t>Download the Visual Studio Community 2017 edition with C# selected as your primary environment</a:t>
-            </a:r>
-          </a:p>
-        </p:txBody>
-      </p:sp>
-    </p:spTree>
-    <p:extLst>
-      <p:ext uri="{BB962C8B-B14F-4D97-AF65-F5344CB8AC3E}">
-        <p14:creationId xmlns:p14="http://schemas.microsoft.com/office/powerpoint/2010/main" val="2501705272"/>
-      </p:ext>
-    </p:extLst>
-  </p:cSld>
-  <p:clrMapOvr>
-    <a:masterClrMapping/>
-  </p:clrMapOvr>
-</p:sld>
-</file>
-
-<file path=ppt/slides/slide5.xml><?xml version="1.0" encoding="utf-8"?>
-<p:sld xmlns:a="http://schemas.openxmlformats.org/drawingml/2006/main" xmlns:r="http://schemas.openxmlformats.org/officeDocument/2006/relationships" xmlns:p="http://schemas.openxmlformats.org/presentationml/2006/main">
-  <p:cSld>
-    <p:spTree>
-      <p:nvGrpSpPr>
-        <p:cNvPr id="1" name=""/>
-        <p:cNvGrpSpPr/>
-        <p:nvPr/>
-      </p:nvGrpSpPr>
-      <p:grpSpPr>
-        <a:xfrm>
-          <a:off x="0" y="0"/>
-          <a:ext cx="0" cy="0"/>
-          <a:chOff x="0" y="0"/>
-          <a:chExt cx="0" cy="0"/>
-        </a:xfrm>
-      </p:grpSpPr>
-      <p:pic>
-        <p:nvPicPr>
-          <p:cNvPr id="7" name="Picture 6"/>
-          <p:cNvPicPr>
-            <a:picLocks noChangeAspect="1"/>
-          </p:cNvPicPr>
-          <p:nvPr/>
-        </p:nvPicPr>
-        <p:blipFill>
-          <a:blip r:embed="rId3"/>
-          <a:stretch>
-            <a:fillRect/>
-          </a:stretch>
-        </p:blipFill>
-        <p:spPr>
-          <a:xfrm>
-            <a:off x="1263900" y="2351315"/>
-            <a:ext cx="9771574" cy="4122056"/>
-          </a:xfrm>
-          <a:prstGeom prst="rect">
-            <a:avLst/>
-          </a:prstGeom>
-        </p:spPr>
-      </p:pic>
-      <p:sp>
-        <p:nvSpPr>
-          <p:cNvPr id="10" name="Arrow: Down 9"/>
-          <p:cNvSpPr/>
-          <p:nvPr/>
-        </p:nvSpPr>
-        <p:spPr>
-          <a:xfrm rot="16200000">
-            <a:off x="4834012" y="4257734"/>
-            <a:ext cx="565426" cy="309217"/>
-          </a:xfrm>
-          <a:prstGeom prst="downArrow">
-            <a:avLst/>
-          </a:prstGeom>
-          <a:solidFill>
-            <a:schemeClr val="accent4">
-              <a:lumMod val="40000"/>
-              <a:lumOff val="60000"/>
-            </a:schemeClr>
-          </a:solidFill>
-        </p:spPr>
-        <p:style>
-          <a:lnRef idx="2">
-            <a:schemeClr val="accent1">
-              <a:shade val="50000"/>
-            </a:schemeClr>
-          </a:lnRef>
-          <a:fillRef idx="1">
-            <a:schemeClr val="accent1"/>
-          </a:fillRef>
-          <a:effectRef idx="0">
-            <a:schemeClr val="accent1"/>
-          </a:effectRef>
-          <a:fontRef idx="minor">
-            <a:schemeClr val="lt1"/>
-          </a:fontRef>
-        </p:style>
-        <p:txBody>
-          <a:bodyPr rtlCol="0" anchor="ctr"/>
-          <a:lstStyle/>
-          <a:p>
-            <a:pPr algn="ctr"/>
-            <a:endParaRPr lang="en-US" dirty="0"/>
-          </a:p>
-        </p:txBody>
-      </p:sp>
-      <p:sp>
-        <p:nvSpPr>
-          <p:cNvPr id="2" name="Title 1"/>
-          <p:cNvSpPr>
-            <a:spLocks noGrp="1"/>
-          </p:cNvSpPr>
-          <p:nvPr>
-            <p:ph type="title"/>
-          </p:nvPr>
-        </p:nvSpPr>
-        <p:spPr>
-          <a:xfrm>
-            <a:off x="838200" y="365126"/>
-            <a:ext cx="10515600" cy="757272"/>
-          </a:xfrm>
-        </p:spPr>
-        <p:txBody>
-          <a:bodyPr>
-            <a:normAutofit/>
-          </a:bodyPr>
-          <a:lstStyle/>
-          <a:p>
-            <a:r>
-              <a:rPr lang="en-US" sz="3600" dirty="0"/>
-              <a:t>Object-Oriented Languages and Tools</a:t>
-            </a:r>
-          </a:p>
-        </p:txBody>
-      </p:sp>
-      <p:sp>
-        <p:nvSpPr>
-          <p:cNvPr id="3" name="Content Placeholder 2"/>
-          <p:cNvSpPr>
-            <a:spLocks noGrp="1"/>
-          </p:cNvSpPr>
-          <p:nvPr>
-            <p:ph idx="1"/>
-          </p:nvPr>
-        </p:nvSpPr>
-        <p:spPr>
-          <a:xfrm>
-            <a:off x="838200" y="1083653"/>
-            <a:ext cx="10622974" cy="1299558"/>
-          </a:xfrm>
-        </p:spPr>
-        <p:txBody>
-          <a:bodyPr>
-            <a:normAutofit lnSpcReduction="10000"/>
-          </a:bodyPr>
-          <a:lstStyle/>
-          <a:p>
-            <a:pPr marL="0" indent="0">
-              <a:buNone/>
-            </a:pPr>
-            <a:r>
-              <a:rPr lang="en-US" sz="2000" dirty="0"/>
-              <a:t>The TIOBE index can be used to check whether your programming skills are still up to date or to make a strategic decision about what programming language should be adopted when starting to build a new software system. The full TIOBE is available online </a:t>
-            </a:r>
-            <a:r>
-              <a:rPr lang="en-US" sz="2000" dirty="0">
-                <a:hlinkClick r:id="rId4"/>
-              </a:rPr>
-              <a:t>[link]</a:t>
-            </a:r>
-            <a:r>
-              <a:rPr lang="en-US" sz="2000" dirty="0"/>
-              <a:t>.</a:t>
-            </a:r>
-          </a:p>
-          <a:p>
-            <a:pPr marL="0" indent="0">
-              <a:buNone/>
-            </a:pPr>
-            <a:r>
-              <a:rPr lang="en-US" sz="2000" dirty="0"/>
-              <a:t>TIOBE Index for March 2017:</a:t>
-            </a:r>
-          </a:p>
-        </p:txBody>
-      </p:sp>
-      <p:sp>
-        <p:nvSpPr>
-          <p:cNvPr id="8" name="Arrow: Down 7"/>
-          <p:cNvSpPr/>
-          <p:nvPr/>
-        </p:nvSpPr>
-        <p:spPr>
-          <a:xfrm rot="16200000">
-            <a:off x="4775770" y="2746103"/>
-            <a:ext cx="565426" cy="309217"/>
-          </a:xfrm>
-          <a:prstGeom prst="downArrow">
-            <a:avLst/>
-          </a:prstGeom>
-          <a:solidFill>
-            <a:schemeClr val="accent4">
-              <a:lumMod val="75000"/>
-            </a:schemeClr>
-          </a:solidFill>
-        </p:spPr>
-        <p:style>
-          <a:lnRef idx="2">
-            <a:schemeClr val="accent1">
-              <a:shade val="50000"/>
-            </a:schemeClr>
-          </a:lnRef>
-          <a:fillRef idx="1">
-            <a:schemeClr val="accent1"/>
-          </a:fillRef>
-          <a:effectRef idx="0">
-            <a:schemeClr val="accent1"/>
-          </a:effectRef>
-          <a:fontRef idx="minor">
-            <a:schemeClr val="lt1"/>
-          </a:fontRef>
-        </p:style>
-        <p:txBody>
-          <a:bodyPr rtlCol="0" anchor="ctr"/>
-          <a:lstStyle/>
-          <a:p>
-            <a:pPr algn="ctr"/>
-            <a:endParaRPr lang="en-US" dirty="0"/>
-          </a:p>
-        </p:txBody>
-      </p:sp>
-      <p:sp>
-        <p:nvSpPr>
-          <p:cNvPr id="9" name="Arrow: Down 8"/>
-          <p:cNvSpPr/>
-          <p:nvPr/>
-        </p:nvSpPr>
-        <p:spPr>
-          <a:xfrm rot="16200000">
-            <a:off x="4775770" y="3896615"/>
-            <a:ext cx="565426" cy="309217"/>
-          </a:xfrm>
-          <a:prstGeom prst="downArrow">
-            <a:avLst/>
-          </a:prstGeom>
-          <a:solidFill>
-            <a:schemeClr val="accent4">
-              <a:lumMod val="75000"/>
-            </a:schemeClr>
-          </a:solidFill>
-        </p:spPr>
-        <p:style>
-          <a:lnRef idx="2">
-            <a:schemeClr val="accent1">
-              <a:shade val="50000"/>
-            </a:schemeClr>
-          </a:lnRef>
-          <a:fillRef idx="1">
-            <a:schemeClr val="accent1"/>
-          </a:fillRef>
-          <a:effectRef idx="0">
-            <a:schemeClr val="accent1"/>
-          </a:effectRef>
-          <a:fontRef idx="minor">
-            <a:schemeClr val="lt1"/>
-          </a:fontRef>
-        </p:style>
-        <p:txBody>
-          <a:bodyPr rtlCol="0" anchor="ctr"/>
-          <a:lstStyle/>
-          <a:p>
-            <a:pPr algn="ctr"/>
-            <a:endParaRPr lang="en-US" dirty="0"/>
-          </a:p>
-        </p:txBody>
-      </p:sp>
-    </p:spTree>
-    <p:extLst>
-      <p:ext uri="{BB962C8B-B14F-4D97-AF65-F5344CB8AC3E}">
-        <p14:creationId xmlns:p14="http://schemas.microsoft.com/office/powerpoint/2010/main" val="1236624581"/>
-      </p:ext>
-    </p:extLst>
-  </p:cSld>
-  <p:clrMapOvr>
-    <a:masterClrMapping/>
-  </p:clrMapOvr>
-  <p:timing>
-    <p:tnLst>
-      <p:par>
-        <p:cTn id="1" dur="indefinite" restart="never" nodeType="tmRoot">
-          <p:childTnLst>
-            <p:seq concurrent="1" nextAc="seek">
-              <p:cTn id="2" dur="indefinite" nodeType="mainSeq">
-                <p:childTnLst>
-                  <p:par>
-                    <p:cTn id="3" fill="hold">
-                      <p:stCondLst>
-                        <p:cond delay="indefinite"/>
-                      </p:stCondLst>
-                      <p:childTnLst>
-                        <p:par>
-                          <p:cTn id="4" fill="hold">
-                            <p:stCondLst>
-                              <p:cond delay="0"/>
-                            </p:stCondLst>
-                            <p:childTnLst>
-                              <p:par>
-                                <p:cTn id="5" presetID="53" presetClass="entr" presetSubtype="16" fill="hold" grpId="0" nodeType="clickEffect">
-                                  <p:stCondLst>
-                                    <p:cond delay="0"/>
-                                  </p:stCondLst>
-                                  <p:childTnLst>
-                                    <p:set>
-                                      <p:cBhvr>
-                                        <p:cTn id="6" dur="1" fill="hold">
-                                          <p:stCondLst>
-                                            <p:cond delay="0"/>
-                                          </p:stCondLst>
-                                        </p:cTn>
-                                        <p:tgtEl>
-                                          <p:spTgt spid="8"/>
-                                        </p:tgtEl>
-                                        <p:attrNameLst>
-                                          <p:attrName>style.visibility</p:attrName>
-                                        </p:attrNameLst>
-                                      </p:cBhvr>
-                                      <p:to>
-                                        <p:strVal val="visible"/>
-                                      </p:to>
-                                    </p:set>
-                                    <p:anim calcmode="lin" valueType="num">
-                                      <p:cBhvr>
-                                        <p:cTn id="7" dur="500" fill="hold"/>
-                                        <p:tgtEl>
-                                          <p:spTgt spid="8"/>
-                                        </p:tgtEl>
-                                        <p:attrNameLst>
-                                          <p:attrName>ppt_w</p:attrName>
-                                        </p:attrNameLst>
-                                      </p:cBhvr>
-                                      <p:tavLst>
-                                        <p:tav tm="0">
-                                          <p:val>
-                                            <p:fltVal val="0"/>
-                                          </p:val>
-                                        </p:tav>
-                                        <p:tav tm="100000">
-                                          <p:val>
-                                            <p:strVal val="#ppt_w"/>
-                                          </p:val>
-                                        </p:tav>
-                                      </p:tavLst>
-                                    </p:anim>
-                                    <p:anim calcmode="lin" valueType="num">
-                                      <p:cBhvr>
-                                        <p:cTn id="8" dur="500" fill="hold"/>
-                                        <p:tgtEl>
-                                          <p:spTgt spid="8"/>
-                                        </p:tgtEl>
-                                        <p:attrNameLst>
-                                          <p:attrName>ppt_h</p:attrName>
-                                        </p:attrNameLst>
-                                      </p:cBhvr>
-                                      <p:tavLst>
-                                        <p:tav tm="0">
-                                          <p:val>
-                                            <p:fltVal val="0"/>
-                                          </p:val>
-                                        </p:tav>
-                                        <p:tav tm="100000">
-                                          <p:val>
-                                            <p:strVal val="#ppt_h"/>
-                                          </p:val>
-                                        </p:tav>
-                                      </p:tavLst>
-                                    </p:anim>
-                                    <p:animEffect transition="in" filter="fade">
-                                      <p:cBhvr>
-                                        <p:cTn id="9" dur="500"/>
-                                        <p:tgtEl>
-                                          <p:spTgt spid="8"/>
-                                        </p:tgtEl>
-                                      </p:cBhvr>
-                                    </p:animEffect>
-                                  </p:childTnLst>
-                                </p:cTn>
-                              </p:par>
-                              <p:par>
-                                <p:cTn id="10" presetID="53" presetClass="entr" presetSubtype="16" fill="hold" grpId="0" nodeType="withEffect">
-                                  <p:stCondLst>
-                                    <p:cond delay="0"/>
-                                  </p:stCondLst>
-                                  <p:childTnLst>
-                                    <p:set>
-                                      <p:cBhvr>
-                                        <p:cTn id="11" dur="1" fill="hold">
-                                          <p:stCondLst>
-                                            <p:cond delay="0"/>
-                                          </p:stCondLst>
-                                        </p:cTn>
-                                        <p:tgtEl>
-                                          <p:spTgt spid="9"/>
-                                        </p:tgtEl>
-                                        <p:attrNameLst>
-                                          <p:attrName>style.visibility</p:attrName>
-                                        </p:attrNameLst>
-                                      </p:cBhvr>
-                                      <p:to>
-                                        <p:strVal val="visible"/>
-                                      </p:to>
-                                    </p:set>
-                                    <p:anim calcmode="lin" valueType="num">
-                                      <p:cBhvr>
-                                        <p:cTn id="12" dur="500" fill="hold"/>
-                                        <p:tgtEl>
-                                          <p:spTgt spid="9"/>
-                                        </p:tgtEl>
-                                        <p:attrNameLst>
-                                          <p:attrName>ppt_w</p:attrName>
-                                        </p:attrNameLst>
-                                      </p:cBhvr>
-                                      <p:tavLst>
-                                        <p:tav tm="0">
-                                          <p:val>
-                                            <p:fltVal val="0"/>
-                                          </p:val>
-                                        </p:tav>
-                                        <p:tav tm="100000">
-                                          <p:val>
-                                            <p:strVal val="#ppt_w"/>
-                                          </p:val>
-                                        </p:tav>
-                                      </p:tavLst>
-                                    </p:anim>
-                                    <p:anim calcmode="lin" valueType="num">
-                                      <p:cBhvr>
-                                        <p:cTn id="13" dur="500" fill="hold"/>
-                                        <p:tgtEl>
-                                          <p:spTgt spid="9"/>
-                                        </p:tgtEl>
-                                        <p:attrNameLst>
-                                          <p:attrName>ppt_h</p:attrName>
-                                        </p:attrNameLst>
-                                      </p:cBhvr>
-                                      <p:tavLst>
-                                        <p:tav tm="0">
-                                          <p:val>
-                                            <p:fltVal val="0"/>
-                                          </p:val>
-                                        </p:tav>
-                                        <p:tav tm="100000">
-                                          <p:val>
-                                            <p:strVal val="#ppt_h"/>
-                                          </p:val>
-                                        </p:tav>
-                                      </p:tavLst>
-                                    </p:anim>
-                                    <p:animEffect transition="in" filter="fade">
-                                      <p:cBhvr>
-                                        <p:cTn id="14" dur="500"/>
-                                        <p:tgtEl>
-                                          <p:spTgt spid="9"/>
-                                        </p:tgtEl>
-                                      </p:cBhvr>
-                                    </p:animEffect>
-                                  </p:childTnLst>
-                                </p:cTn>
-                              </p:par>
-                              <p:par>
-                                <p:cTn id="15" presetID="53" presetClass="entr" presetSubtype="16" fill="hold" grpId="0" nodeType="withEffect">
-                                  <p:stCondLst>
-                                    <p:cond delay="0"/>
-                                  </p:stCondLst>
-                                  <p:childTnLst>
-                                    <p:set>
-                                      <p:cBhvr>
-                                        <p:cTn id="16" dur="1" fill="hold">
-                                          <p:stCondLst>
-                                            <p:cond delay="0"/>
-                                          </p:stCondLst>
-                                        </p:cTn>
-                                        <p:tgtEl>
-                                          <p:spTgt spid="10"/>
-                                        </p:tgtEl>
-                                        <p:attrNameLst>
-                                          <p:attrName>style.visibility</p:attrName>
-                                        </p:attrNameLst>
-                                      </p:cBhvr>
-                                      <p:to>
-                                        <p:strVal val="visible"/>
-                                      </p:to>
-                                    </p:set>
-                                    <p:anim calcmode="lin" valueType="num">
-                                      <p:cBhvr>
-                                        <p:cTn id="17" dur="500" fill="hold"/>
-                                        <p:tgtEl>
-                                          <p:spTgt spid="10"/>
-                                        </p:tgtEl>
-                                        <p:attrNameLst>
-                                          <p:attrName>ppt_w</p:attrName>
-                                        </p:attrNameLst>
-                                      </p:cBhvr>
-                                      <p:tavLst>
-                                        <p:tav tm="0">
-                                          <p:val>
-                                            <p:fltVal val="0"/>
-                                          </p:val>
-                                        </p:tav>
-                                        <p:tav tm="100000">
-                                          <p:val>
-                                            <p:strVal val="#ppt_w"/>
-                                          </p:val>
-                                        </p:tav>
-                                      </p:tavLst>
-                                    </p:anim>
-                                    <p:anim calcmode="lin" valueType="num">
-                                      <p:cBhvr>
-                                        <p:cTn id="18" dur="500" fill="hold"/>
-                                        <p:tgtEl>
-                                          <p:spTgt spid="10"/>
-                                        </p:tgtEl>
-                                        <p:attrNameLst>
-                                          <p:attrName>ppt_h</p:attrName>
-                                        </p:attrNameLst>
-                                      </p:cBhvr>
-                                      <p:tavLst>
-                                        <p:tav tm="0">
-                                          <p:val>
-                                            <p:fltVal val="0"/>
-                                          </p:val>
-                                        </p:tav>
-                                        <p:tav tm="100000">
-                                          <p:val>
-                                            <p:strVal val="#ppt_h"/>
-                                          </p:val>
-                                        </p:tav>
-                                      </p:tavLst>
-                                    </p:anim>
-                                    <p:animEffect transition="in" filter="fade">
-                                      <p:cBhvr>
-                                        <p:cTn id="19" dur="500"/>
-                                        <p:tgtEl>
-                                          <p:spTgt spid="10"/>
-                                        </p:tgtEl>
-                                      </p:cBhvr>
-                                    </p:animEffect>
-                                  </p:childTnLst>
-                                </p:cTn>
-                              </p:par>
-                            </p:childTnLst>
-                          </p:cTn>
-                        </p:par>
-                      </p:childTnLst>
-                    </p:cTn>
-                  </p:par>
-                </p:childTnLst>
-              </p:cTn>
-              <p:prevCondLst>
-                <p:cond evt="onPrev" delay="0">
-                  <p:tgtEl>
-                    <p:sldTgt/>
-                  </p:tgtEl>
-                </p:cond>
-              </p:prevCondLst>
-              <p:nextCondLst>
-                <p:cond evt="onNext" delay="0">
-                  <p:tgtEl>
-                    <p:sldTgt/>
-                  </p:tgtEl>
-                </p:cond>
-              </p:nextCondLst>
-            </p:seq>
-          </p:childTnLst>
-        </p:cTn>
-      </p:par>
-    </p:tnLst>
-    <p:bldLst>
-      <p:bldP spid="10" grpId="0" animBg="1"/>
-      <p:bldP spid="8" grpId="0" animBg="1"/>
-      <p:bldP spid="9" grpId="0" animBg="1"/>
-    </p:bldLst>
-  </p:timing>
-</p:sld>
-</file>
-
-<file path=ppt/slides/slide6.xml><?xml version="1.0" encoding="utf-8"?>
-<p:sld xmlns:a="http://schemas.openxmlformats.org/drawingml/2006/main" xmlns:r="http://schemas.openxmlformats.org/officeDocument/2006/relationships" xmlns:p="http://schemas.openxmlformats.org/presentationml/2006/main">
-  <p:cSld>
-    <p:spTree>
-      <p:nvGrpSpPr>
-        <p:cNvPr id="1" name=""/>
-        <p:cNvGrpSpPr/>
-        <p:nvPr/>
-      </p:nvGrpSpPr>
-      <p:grpSpPr>
-        <a:xfrm>
-          <a:off x="0" y="0"/>
-          <a:ext cx="0" cy="0"/>
-          <a:chOff x="0" y="0"/>
-          <a:chExt cx="0" cy="0"/>
-        </a:xfrm>
-      </p:grpSpPr>
-      <p:sp>
-        <p:nvSpPr>
-          <p:cNvPr id="2" name="Title 1"/>
-          <p:cNvSpPr>
-            <a:spLocks noGrp="1"/>
-          </p:cNvSpPr>
-          <p:nvPr>
-            <p:ph type="title"/>
-          </p:nvPr>
-        </p:nvSpPr>
-        <p:spPr/>
-        <p:txBody>
-          <a:bodyPr>
-            <a:normAutofit/>
-          </a:bodyPr>
-          <a:lstStyle/>
-          <a:p>
-            <a:r>
-              <a:rPr lang="en-US" sz="3600" dirty="0"/>
-              <a:t>Java</a:t>
-            </a:r>
-          </a:p>
-        </p:txBody>
-      </p:sp>
-      <p:sp>
-        <p:nvSpPr>
-          <p:cNvPr id="3" name="Content Placeholder 2"/>
-          <p:cNvSpPr>
-            <a:spLocks noGrp="1"/>
-          </p:cNvSpPr>
-          <p:nvPr>
-            <p:ph idx="1"/>
-          </p:nvPr>
-        </p:nvSpPr>
-        <p:spPr>
-          <a:xfrm>
-            <a:off x="838198" y="1525772"/>
-            <a:ext cx="10515601" cy="4651191"/>
-          </a:xfrm>
-        </p:spPr>
-        <p:txBody>
-          <a:bodyPr>
-            <a:noAutofit/>
-          </a:bodyPr>
-          <a:lstStyle/>
-          <a:p>
-            <a:pPr marL="0" indent="0">
-              <a:buNone/>
-            </a:pPr>
-            <a:r>
-              <a:rPr lang="en-US" sz="2000" dirty="0"/>
-              <a:t>Java is a general-purpose computer programming language that is concurrent, class-based, object-oriented, and specifically designed to have as few implementation dependencies as possible. </a:t>
-            </a:r>
-            <a:r>
-              <a:rPr lang="en-US" sz="2000" dirty="0">
-                <a:hlinkClick r:id="rId3"/>
-              </a:rPr>
-              <a:t>[link]</a:t>
-            </a:r>
-            <a:endParaRPr lang="en-US" sz="2000" dirty="0"/>
-          </a:p>
-          <a:p>
-            <a:r>
-              <a:rPr lang="en-US" sz="2000" dirty="0"/>
-              <a:t>Compiles to Java byte codes that run in the Java Virtual Machine (VM)</a:t>
-            </a:r>
-          </a:p>
-          <a:p>
-            <a:r>
-              <a:rPr lang="en-US" sz="2000" dirty="0"/>
-              <a:t>Achieved portability by running in VMs that exist on many platforms</a:t>
-            </a:r>
-          </a:p>
-          <a:p>
-            <a:r>
-              <a:rPr lang="en-US" sz="2000" dirty="0"/>
-              <a:t>Achieved dominance in the enterprise and for server side development</a:t>
-            </a:r>
-          </a:p>
-          <a:p>
-            <a:r>
-              <a:rPr lang="en-US" sz="2000" dirty="0"/>
-              <a:t>Plays a center role in Android development*</a:t>
-            </a:r>
-          </a:p>
-          <a:p>
-            <a:r>
-              <a:rPr lang="en-US" sz="2000" dirty="0"/>
-              <a:t>Served as a platform for multiple additional languages have been developed to compile to Java bytecode and run in the Java VM including Groovy and Scala</a:t>
-            </a:r>
-          </a:p>
-          <a:p>
-            <a:r>
-              <a:rPr lang="en-US" sz="2000" dirty="0"/>
-              <a:t>Achieved only minimal success in the development of commercial applications or applets</a:t>
-            </a:r>
-          </a:p>
-          <a:p>
-            <a:r>
-              <a:rPr lang="en-US" sz="2000" dirty="0"/>
-              <a:t>Syntax Notes: strongly typed, object-oriented, single inheritance, interface focused</a:t>
-            </a:r>
-          </a:p>
-          <a:p>
-            <a:endParaRPr lang="en-US" sz="2000" dirty="0"/>
-          </a:p>
-          <a:p>
-            <a:endParaRPr lang="en-US" sz="2000" dirty="0"/>
-          </a:p>
-          <a:p>
-            <a:endParaRPr lang="en-US" sz="2000" dirty="0"/>
-          </a:p>
-        </p:txBody>
-      </p:sp>
-    </p:spTree>
-    <p:extLst>
-      <p:ext uri="{BB962C8B-B14F-4D97-AF65-F5344CB8AC3E}">
-        <p14:creationId xmlns:p14="http://schemas.microsoft.com/office/powerpoint/2010/main" val="417106240"/>
+        <p14:creationId xmlns:p14="http://schemas.microsoft.com/office/powerpoint/2010/main" val="1756397195"/>
       </p:ext>
     </p:extLst>
   </p:cSld>
@@ -11538,7 +7823,12 @@
             <p:ph type="title"/>
           </p:nvPr>
         </p:nvSpPr>
-        <p:spPr/>
+        <p:spPr>
+          <a:xfrm>
+            <a:off x="811620" y="365126"/>
+            <a:ext cx="10515600" cy="757272"/>
+          </a:xfrm>
+        </p:spPr>
         <p:txBody>
           <a:bodyPr>
             <a:normAutofit/>
@@ -11547,14 +7837,14 @@
           <a:p>
             <a:r>
               <a:rPr lang="en-US" sz="3600" dirty="0"/>
-              <a:t>Python</a:t>
-            </a:r>
-          </a:p>
-        </p:txBody>
-      </p:sp>
-      <p:sp>
-        <p:nvSpPr>
-          <p:cNvPr id="3" name="Content Placeholder 2"/>
+              <a:t>C# Setters &amp; Getters</a:t>
+            </a:r>
+          </a:p>
+        </p:txBody>
+      </p:sp>
+      <p:sp>
+        <p:nvSpPr>
+          <p:cNvPr id="8" name="Content Placeholder 2"/>
           <p:cNvSpPr>
             <a:spLocks noGrp="1"/>
           </p:cNvSpPr>
@@ -11564,8 +7854,8 @@
         </p:nvSpPr>
         <p:spPr>
           <a:xfrm>
-            <a:off x="838200" y="1525772"/>
-            <a:ext cx="10515601" cy="4651191"/>
+            <a:off x="811620" y="1065009"/>
+            <a:ext cx="10456854" cy="4783519"/>
           </a:xfrm>
         </p:spPr>
         <p:txBody>
@@ -11579,50 +7869,46 @@
             </a:pPr>
             <a:r>
               <a:rPr lang="en-US" sz="2000" dirty="0"/>
-              <a:t>An interpreted language, Python has a design philosophy which emphasizes code readability (notably using whitespace indentation to delimit code blocks rather than curly braces or keywords), and a syntax which allows programmers to express concepts in fewer lines of code than possible in languages such as C++ or Java. </a:t>
-            </a:r>
-            <a:r>
-              <a:rPr lang="en-US" sz="2000" dirty="0">
-                <a:hlinkClick r:id="rId3"/>
-              </a:rPr>
-              <a:t>[link]</a:t>
-            </a:r>
-            <a:endParaRPr lang="en-US" sz="2000" dirty="0"/>
-          </a:p>
-          <a:p>
+              <a:t>Setters and Getters are a practice where public Methods are put in place to control how private Attributes are updated.</a:t>
+            </a:r>
+          </a:p>
+          <a:p>
+            <a:pPr marL="0" indent="0">
+              <a:buNone/>
+            </a:pPr>
             <a:r>
               <a:rPr lang="en-US" sz="2000" dirty="0"/>
-              <a:t>Achieves portability through interpreter running on various platforms</a:t>
+              <a:t>They can be beneficial in: </a:t>
             </a:r>
           </a:p>
           <a:p>
             <a:r>
               <a:rPr lang="en-US" sz="2000" dirty="0"/>
-              <a:t>Achieved great success as a “quick-and-dirt” scripting tool</a:t>
+              <a:t>Validation</a:t>
             </a:r>
           </a:p>
           <a:p>
             <a:r>
               <a:rPr lang="en-US" sz="2000" dirty="0"/>
-              <a:t>… and in the data sciences realm</a:t>
+              <a:t>Optimization</a:t>
             </a:r>
           </a:p>
           <a:p>
             <a:r>
               <a:rPr lang="en-US" sz="2000" dirty="0"/>
-              <a:t>Runs slower because it is interpreted</a:t>
+              <a:t>Converting types (English to metric)</a:t>
             </a:r>
           </a:p>
           <a:p>
             <a:r>
               <a:rPr lang="en-US" sz="2000" dirty="0"/>
-              <a:t>Shares a similar space to other scripting languages like Perl and PowerShell</a:t>
+              <a:t>Debugging breakpoints</a:t>
             </a:r>
           </a:p>
           <a:p>
             <a:r>
               <a:rPr lang="en-US" sz="2000" dirty="0"/>
-              <a:t>Syntax Notes: loosely typed, indent sensitive (no brackets or  semi-colons), object-oriented </a:t>
+              <a:t>Some libraries expect setters and getters</a:t>
             </a:r>
           </a:p>
         </p:txBody>
@@ -11630,7 +7916,7 @@
     </p:spTree>
     <p:extLst>
       <p:ext uri="{BB962C8B-B14F-4D97-AF65-F5344CB8AC3E}">
-        <p14:creationId xmlns:p14="http://schemas.microsoft.com/office/powerpoint/2010/main" val="2281717663"/>
+        <p14:creationId xmlns:p14="http://schemas.microsoft.com/office/powerpoint/2010/main" val="3935892088"/>
       </p:ext>
     </p:extLst>
   </p:cSld>
@@ -11667,7 +7953,12 @@
             <p:ph type="title"/>
           </p:nvPr>
         </p:nvSpPr>
-        <p:spPr/>
+        <p:spPr>
+          <a:xfrm>
+            <a:off x="811620" y="365126"/>
+            <a:ext cx="10515600" cy="757272"/>
+          </a:xfrm>
+        </p:spPr>
         <p:txBody>
           <a:bodyPr>
             <a:normAutofit/>
@@ -11676,14 +7967,14 @@
           <a:p>
             <a:r>
               <a:rPr lang="en-US" sz="3600" dirty="0"/>
-              <a:t>C#... And .NET</a:t>
-            </a:r>
-          </a:p>
-        </p:txBody>
-      </p:sp>
-      <p:sp>
-        <p:nvSpPr>
-          <p:cNvPr id="3" name="Content Placeholder 2"/>
+              <a:t>C# Auto-Implement Properties</a:t>
+            </a:r>
+          </a:p>
+        </p:txBody>
+      </p:sp>
+      <p:sp>
+        <p:nvSpPr>
+          <p:cNvPr id="8" name="Content Placeholder 2"/>
           <p:cNvSpPr>
             <a:spLocks noGrp="1"/>
           </p:cNvSpPr>
@@ -11693,13 +7984,13 @@
         </p:nvSpPr>
         <p:spPr>
           <a:xfrm>
-            <a:off x="838198" y="1525772"/>
-            <a:ext cx="10515601" cy="4651191"/>
+            <a:off x="811621" y="1065009"/>
+            <a:ext cx="4932126" cy="4783519"/>
           </a:xfrm>
         </p:spPr>
         <p:txBody>
           <a:bodyPr>
-            <a:noAutofit/>
+            <a:normAutofit/>
           </a:bodyPr>
           <a:lstStyle/>
           <a:p>
@@ -11708,52 +7999,45 @@
             </a:pPr>
             <a:r>
               <a:rPr lang="en-US" sz="2000" dirty="0"/>
-              <a:t>C# (pronounced “see sharp”) is a general purpose programming language that implements strong typing, object-oriented (class-based), and component-oriented programming disciplines. It was developed by Microsoft within its .NET initiative. </a:t>
-            </a:r>
-            <a:r>
-              <a:rPr lang="en-US" sz="2000" dirty="0">
-                <a:hlinkClick r:id="rId3"/>
-              </a:rPr>
-              <a:t>[link]</a:t>
-            </a:r>
+              <a:t>A property is a member that provides a flexible mechanism to read, write, or compute the value of a private field. Auto-Implement Properties provide a very concise syntax for implanting setters and getters. </a:t>
+            </a:r>
+          </a:p>
+          <a:p>
+            <a:pPr marL="0" indent="0">
+              <a:buNone/>
+            </a:pPr>
             <a:endParaRPr lang="en-US" sz="2000" dirty="0"/>
           </a:p>
-          <a:p>
-            <a:r>
-              <a:rPr lang="en-US" sz="2000" dirty="0"/>
-              <a:t>Compiles to .NET Common Language Runtime (CLR)</a:t>
-            </a:r>
-          </a:p>
-          <a:p>
-            <a:r>
-              <a:rPr lang="en-US" sz="2000" dirty="0"/>
-              <a:t>Portable between CLR implementations… but MS Windows focused</a:t>
-            </a:r>
-          </a:p>
-          <a:p>
-            <a:r>
-              <a:rPr lang="en-US" sz="2000" dirty="0"/>
-              <a:t>Portable between Windows desktop, cloud, XBOX, tablets, embedded, and phone</a:t>
-            </a:r>
-          </a:p>
-          <a:p>
-            <a:r>
-              <a:rPr lang="en-US" sz="2000" dirty="0"/>
-              <a:t>Focused on industrial strength client applications with a solid server-side presence</a:t>
-            </a:r>
-          </a:p>
-          <a:p>
-            <a:r>
-              <a:rPr lang="en-US" sz="2000" dirty="0"/>
-              <a:t>Syntax Notes: strongly typed, object-oriented, single inheritance</a:t>
-            </a:r>
-          </a:p>
-        </p:txBody>
-      </p:sp>
+        </p:txBody>
+      </p:sp>
+      <p:pic>
+        <p:nvPicPr>
+          <p:cNvPr id="4" name="Picture 3"/>
+          <p:cNvPicPr>
+            <a:picLocks noChangeAspect="1"/>
+          </p:cNvPicPr>
+          <p:nvPr/>
+        </p:nvPicPr>
+        <p:blipFill>
+          <a:blip r:embed="rId3"/>
+          <a:stretch>
+            <a:fillRect/>
+          </a:stretch>
+        </p:blipFill>
+        <p:spPr>
+          <a:xfrm>
+            <a:off x="6617314" y="1122398"/>
+            <a:ext cx="4572000" cy="3058778"/>
+          </a:xfrm>
+          <a:prstGeom prst="rect">
+            <a:avLst/>
+          </a:prstGeom>
+        </p:spPr>
+      </p:pic>
     </p:spTree>
     <p:extLst>
       <p:ext uri="{BB962C8B-B14F-4D97-AF65-F5344CB8AC3E}">
-        <p14:creationId xmlns:p14="http://schemas.microsoft.com/office/powerpoint/2010/main" val="1300294726"/>
+        <p14:creationId xmlns:p14="http://schemas.microsoft.com/office/powerpoint/2010/main" val="2339613550"/>
       </p:ext>
     </p:extLst>
   </p:cSld>
@@ -11799,8 +8083,13 @@
           <a:p>
             <a:r>
               <a:rPr lang="en-US" sz="3600" dirty="0"/>
-              <a:t>C#... And .NET (continued)</a:t>
-            </a:r>
+              <a:t>Encapsulation &amp; Information Hiding </a:t>
+            </a:r>
+            <a:r>
+              <a:rPr lang="en-US" sz="3600" dirty="0" err="1"/>
+              <a:t>Recommedation</a:t>
+            </a:r>
+            <a:endParaRPr lang="en-US" sz="3600" dirty="0"/>
           </a:p>
         </p:txBody>
       </p:sp>
@@ -11826,53 +8115,56 @@
           </a:bodyPr>
           <a:lstStyle/>
           <a:p>
+            <a:pPr marL="457200" indent="-457200">
+              <a:buFont typeface="+mj-lt"/>
+              <a:buAutoNum type="arabicPeriod"/>
+            </a:pPr>
+            <a:r>
+              <a:rPr lang="en-US" sz="2000" dirty="0"/>
+              <a:t>Make everything local to a Method</a:t>
+            </a:r>
+          </a:p>
+          <a:p>
+            <a:pPr marL="457200" indent="-457200">
+              <a:buFont typeface="+mj-lt"/>
+              <a:buAutoNum type="arabicPeriod"/>
+            </a:pPr>
+            <a:r>
+              <a:rPr lang="en-US" sz="2000" dirty="0"/>
+              <a:t>Make everything a Method Parameter</a:t>
+            </a:r>
+          </a:p>
+          <a:p>
+            <a:pPr marL="457200" indent="-457200">
+              <a:buFont typeface="+mj-lt"/>
+              <a:buAutoNum type="arabicPeriod"/>
+            </a:pPr>
+            <a:r>
+              <a:rPr lang="en-US" sz="2000" dirty="0"/>
+              <a:t>Make everything Private…</a:t>
+            </a:r>
+          </a:p>
+          <a:p>
+            <a:pPr marL="457200" indent="-457200">
+              <a:buFont typeface="+mj-lt"/>
+              <a:buAutoNum type="arabicPeriod"/>
+            </a:pPr>
+            <a:r>
+              <a:rPr lang="en-US" sz="2000" dirty="0"/>
+              <a:t>If you must make it Protected or Public, provide “real” setters and getters</a:t>
+            </a:r>
+          </a:p>
+          <a:p>
+            <a:pPr marL="457200" indent="-457200">
+              <a:buFont typeface="+mj-lt"/>
+              <a:buAutoNum type="arabicPeriod"/>
+            </a:pPr>
+            <a:endParaRPr lang="en-US" sz="2000" dirty="0"/>
+          </a:p>
+          <a:p>
             <a:pPr marL="0" indent="0">
               <a:buNone/>
             </a:pPr>
-            <a:r>
-              <a:rPr lang="en-US" sz="2000" dirty="0"/>
-              <a:t>.NET Framework (pronounced dot net) is a software framework developed by Microsoft that runs primarily on Microsoft Windows. It includes a large class library and provides language interoperability (each language can use code written in other languages). Programs written for .NET execute in a software “managed code” environment named Common Language Runtime (CLR). </a:t>
-            </a:r>
-            <a:r>
-              <a:rPr lang="en-US" sz="2000" dirty="0">
-                <a:hlinkClick r:id="rId3"/>
-              </a:rPr>
-              <a:t>[link]</a:t>
-            </a:r>
-            <a:endParaRPr lang="en-US" sz="2000" dirty="0"/>
-          </a:p>
-          <a:p>
-            <a:r>
-              <a:rPr lang="en-US" sz="2000" dirty="0"/>
-              <a:t>Implementations for many languages are available for .NET and CLI including Python… but not “real” Java </a:t>
-            </a:r>
-            <a:r>
-              <a:rPr lang="en-US" sz="2000" dirty="0">
-                <a:hlinkClick r:id="rId4"/>
-              </a:rPr>
-              <a:t>[link]</a:t>
-            </a:r>
-            <a:endParaRPr lang="en-US" sz="2000" dirty="0"/>
-          </a:p>
-          <a:p>
-            <a:r>
-              <a:rPr lang="en-US" sz="2000" dirty="0"/>
-              <a:t>Provides and object-oriented platform that is language agnostic</a:t>
-            </a:r>
-          </a:p>
-          <a:p>
-            <a:r>
-              <a:rPr lang="en-US" sz="2000" dirty="0"/>
-              <a:t>ASP.NET is the “standard” .NET Web development environment</a:t>
-            </a:r>
-          </a:p>
-          <a:p>
-            <a:r>
-              <a:rPr lang="en-US" sz="2000" dirty="0"/>
-              <a:t>Achieving dominance on Windows desktop, competitive place in cloud (Azure), and XBOX</a:t>
-            </a:r>
-          </a:p>
-          <a:p>
             <a:endParaRPr lang="en-US" sz="2000" dirty="0"/>
           </a:p>
         </p:txBody>
@@ -11880,7 +8172,7 @@
     </p:spTree>
     <p:extLst>
       <p:ext uri="{BB962C8B-B14F-4D97-AF65-F5344CB8AC3E}">
-        <p14:creationId xmlns:p14="http://schemas.microsoft.com/office/powerpoint/2010/main" val="1002490935"/>
+        <p14:creationId xmlns:p14="http://schemas.microsoft.com/office/powerpoint/2010/main" val="292040236"/>
       </p:ext>
     </p:extLst>
   </p:cSld>
@@ -12570,12 +8862,12 @@
   <ds:schemaRefs>
     <ds:schemaRef ds:uri="http://purl.org/dc/elements/1.1/"/>
     <ds:schemaRef ds:uri="http://schemas.microsoft.com/office/2006/metadata/properties"/>
-    <ds:schemaRef ds:uri="http://purl.org/dc/terms/"/>
+    <ds:schemaRef ds:uri="http://schemas.microsoft.com/office/2006/documentManagement/types"/>
     <ds:schemaRef ds:uri="http://schemas.openxmlformats.org/package/2006/metadata/core-properties"/>
     <ds:schemaRef ds:uri="http://purl.org/dc/dcmitype/"/>
-    <ds:schemaRef ds:uri="http://schemas.microsoft.com/office/2006/documentManagement/types"/>
     <ds:schemaRef ds:uri="http://schemas.microsoft.com/office/infopath/2007/PartnerControls"/>
     <ds:schemaRef ds:uri="http://www.w3.org/XML/1998/namespace"/>
+    <ds:schemaRef ds:uri="http://purl.org/dc/terms/"/>
   </ds:schemaRefs>
 </ds:datastoreItem>
 </file>
--- a/CPSC-24500/Week07/2017SpringW07Slides.pptx
+++ b/CPSC-24500/Week07/2017SpringW07Slides.pptx
@@ -220,7 +220,7 @@
           <a:p>
             <a:fld id="{91ED72D7-FE6F-4B82-8D31-76BC00B06094}" type="datetimeFigureOut">
               <a:rPr lang="en-US" smtClean="0"/>
-              <a:t>4/28/2017</a:t>
+              <a:t>4/29/2017</a:t>
             </a:fld>
             <a:endParaRPr lang="en-US" dirty="0"/>
           </a:p>
@@ -1467,6 +1467,75 @@
           <a:bodyPr/>
           <a:lstStyle/>
           <a:p>
+            <a:pPr marL="0" marR="0" lvl="0" indent="0" algn="l" defTabSz="914400" rtl="0" eaLnBrk="1" fontAlgn="auto" latinLnBrk="0" hangingPunct="1">
+              <a:lnSpc>
+                <a:spcPct val="100000"/>
+              </a:lnSpc>
+              <a:spcBef>
+                <a:spcPts val="0"/>
+              </a:spcBef>
+              <a:spcAft>
+                <a:spcPts val="0"/>
+              </a:spcAft>
+              <a:buClrTx/>
+              <a:buSzTx/>
+              <a:buFontTx/>
+              <a:buNone/>
+              <a:tabLst/>
+              <a:defRPr/>
+            </a:pPr>
+            <a:r>
+              <a:rPr lang="en-US" sz="1000" dirty="0"/>
+              <a:t>Week 7 Questions Assignment:</a:t>
+            </a:r>
+          </a:p>
+          <a:p>
+            <a:pPr marL="0" marR="0" lvl="0" indent="0" algn="l" defTabSz="914400" rtl="0" eaLnBrk="1" fontAlgn="auto" latinLnBrk="0" hangingPunct="1">
+              <a:lnSpc>
+                <a:spcPct val="100000"/>
+              </a:lnSpc>
+              <a:spcBef>
+                <a:spcPts val="0"/>
+              </a:spcBef>
+              <a:spcAft>
+                <a:spcPts val="0"/>
+              </a:spcAft>
+              <a:buClrTx/>
+              <a:buSzTx/>
+              <a:buFontTx/>
+              <a:buNone/>
+              <a:tabLst/>
+              <a:defRPr/>
+            </a:pPr>
+            <a:r>
+              <a:rPr lang="en-US" sz="1000">
+                <a:hlinkClick r:id="rId3"/>
+              </a:rPr>
+              <a:t>http://www.epogue.info/CPSC-24500/Week07/2017SpringW07QuestionsAssignment.docx</a:t>
+            </a:r>
+            <a:endParaRPr lang="en-US" sz="1000"/>
+          </a:p>
+          <a:p>
+            <a:pPr marL="0" marR="0" lvl="0" indent="0" algn="l" defTabSz="914400" rtl="0" eaLnBrk="1" fontAlgn="auto" latinLnBrk="0" hangingPunct="1">
+              <a:lnSpc>
+                <a:spcPct val="100000"/>
+              </a:lnSpc>
+              <a:spcBef>
+                <a:spcPts val="0"/>
+              </a:spcBef>
+              <a:spcAft>
+                <a:spcPts val="0"/>
+              </a:spcAft>
+              <a:buClrTx/>
+              <a:buSzTx/>
+              <a:buFontTx/>
+              <a:buNone/>
+              <a:tabLst/>
+              <a:defRPr/>
+            </a:pPr>
+            <a:endParaRPr lang="en-US" sz="1000" dirty="0"/>
+          </a:p>
+          <a:p>
             <a:pPr marL="0" indent="0">
               <a:buNone/>
             </a:pPr>
@@ -1722,6 +1791,55 @@
           <a:bodyPr/>
           <a:lstStyle/>
           <a:p>
+            <a:pPr marL="0" marR="0" lvl="0" indent="0" algn="l" defTabSz="914400" rtl="0" eaLnBrk="1" fontAlgn="auto" latinLnBrk="0" hangingPunct="1">
+              <a:lnSpc>
+                <a:spcPct val="100000"/>
+              </a:lnSpc>
+              <a:spcBef>
+                <a:spcPts val="0"/>
+              </a:spcBef>
+              <a:spcAft>
+                <a:spcPts val="0"/>
+              </a:spcAft>
+              <a:buClrTx/>
+              <a:buSzTx/>
+              <a:buFontTx/>
+              <a:buNone/>
+              <a:tabLst/>
+              <a:defRPr/>
+            </a:pPr>
+            <a:r>
+              <a:rPr lang="en-US" sz="1000" dirty="0"/>
+              <a:t>Week 7 Programming Assignment:</a:t>
+            </a:r>
+          </a:p>
+          <a:p>
+            <a:pPr marL="0" marR="0" lvl="0" indent="0" algn="l" defTabSz="914400" rtl="0" eaLnBrk="1" fontAlgn="auto" latinLnBrk="0" hangingPunct="1">
+              <a:lnSpc>
+                <a:spcPct val="100000"/>
+              </a:lnSpc>
+              <a:spcBef>
+                <a:spcPts val="0"/>
+              </a:spcBef>
+              <a:spcAft>
+                <a:spcPts val="0"/>
+              </a:spcAft>
+              <a:buClrTx/>
+              <a:buSzTx/>
+              <a:buFontTx/>
+              <a:buNone/>
+              <a:tabLst/>
+              <a:defRPr/>
+            </a:pPr>
+            <a:r>
+              <a:rPr lang="en-US" sz="1000" dirty="0">
+                <a:hlinkClick r:id="rId3"/>
+              </a:rPr>
+              <a:t>http://www.epogue.info/CPSC-24500/Week07/2017SpringW07ProgrammingAssignment.pdf</a:t>
+            </a:r>
+            <a:endParaRPr lang="en-US" sz="1000" dirty="0"/>
+          </a:p>
+          <a:p>
             <a:pPr marL="0" indent="0">
               <a:buNone/>
             </a:pPr>
@@ -2541,7 +2659,7 @@
           <a:p>
             <a:fld id="{969F32F5-AB1C-41B2-AE79-C9DE1D1745A4}" type="datetimeFigureOut">
               <a:rPr lang="en-US" smtClean="0"/>
-              <a:t>4/28/2017</a:t>
+              <a:t>4/29/2017</a:t>
             </a:fld>
             <a:endParaRPr lang="en-US" dirty="0"/>
           </a:p>
@@ -2709,7 +2827,7 @@
           <a:p>
             <a:fld id="{969F32F5-AB1C-41B2-AE79-C9DE1D1745A4}" type="datetimeFigureOut">
               <a:rPr lang="en-US" smtClean="0"/>
-              <a:t>4/28/2017</a:t>
+              <a:t>4/29/2017</a:t>
             </a:fld>
             <a:endParaRPr lang="en-US" dirty="0"/>
           </a:p>
@@ -2887,7 +3005,7 @@
           <a:p>
             <a:fld id="{969F32F5-AB1C-41B2-AE79-C9DE1D1745A4}" type="datetimeFigureOut">
               <a:rPr lang="en-US" smtClean="0"/>
-              <a:t>4/28/2017</a:t>
+              <a:t>4/29/2017</a:t>
             </a:fld>
             <a:endParaRPr lang="en-US" dirty="0"/>
           </a:p>
@@ -3055,7 +3173,7 @@
           <a:p>
             <a:fld id="{969F32F5-AB1C-41B2-AE79-C9DE1D1745A4}" type="datetimeFigureOut">
               <a:rPr lang="en-US" smtClean="0"/>
-              <a:t>4/28/2017</a:t>
+              <a:t>4/29/2017</a:t>
             </a:fld>
             <a:endParaRPr lang="en-US" dirty="0"/>
           </a:p>
@@ -3300,7 +3418,7 @@
           <a:p>
             <a:fld id="{969F32F5-AB1C-41B2-AE79-C9DE1D1745A4}" type="datetimeFigureOut">
               <a:rPr lang="en-US" smtClean="0"/>
-              <a:t>4/28/2017</a:t>
+              <a:t>4/29/2017</a:t>
             </a:fld>
             <a:endParaRPr lang="en-US" dirty="0"/>
           </a:p>
@@ -3529,7 +3647,7 @@
           <a:p>
             <a:fld id="{969F32F5-AB1C-41B2-AE79-C9DE1D1745A4}" type="datetimeFigureOut">
               <a:rPr lang="en-US" smtClean="0"/>
-              <a:t>4/28/2017</a:t>
+              <a:t>4/29/2017</a:t>
             </a:fld>
             <a:endParaRPr lang="en-US" dirty="0"/>
           </a:p>
@@ -3893,7 +4011,7 @@
           <a:p>
             <a:fld id="{969F32F5-AB1C-41B2-AE79-C9DE1D1745A4}" type="datetimeFigureOut">
               <a:rPr lang="en-US" smtClean="0"/>
-              <a:t>4/28/2017</a:t>
+              <a:t>4/29/2017</a:t>
             </a:fld>
             <a:endParaRPr lang="en-US" dirty="0"/>
           </a:p>
@@ -4010,7 +4128,7 @@
           <a:p>
             <a:fld id="{969F32F5-AB1C-41B2-AE79-C9DE1D1745A4}" type="datetimeFigureOut">
               <a:rPr lang="en-US" smtClean="0"/>
-              <a:t>4/28/2017</a:t>
+              <a:t>4/29/2017</a:t>
             </a:fld>
             <a:endParaRPr lang="en-US" dirty="0"/>
           </a:p>
@@ -4105,7 +4223,7 @@
           <a:p>
             <a:fld id="{969F32F5-AB1C-41B2-AE79-C9DE1D1745A4}" type="datetimeFigureOut">
               <a:rPr lang="en-US" smtClean="0"/>
-              <a:t>4/28/2017</a:t>
+              <a:t>4/29/2017</a:t>
             </a:fld>
             <a:endParaRPr lang="en-US" dirty="0"/>
           </a:p>
@@ -4380,7 +4498,7 @@
           <a:p>
             <a:fld id="{969F32F5-AB1C-41B2-AE79-C9DE1D1745A4}" type="datetimeFigureOut">
               <a:rPr lang="en-US" smtClean="0"/>
-              <a:t>4/28/2017</a:t>
+              <a:t>4/29/2017</a:t>
             </a:fld>
             <a:endParaRPr lang="en-US" dirty="0"/>
           </a:p>
@@ -4632,7 +4750,7 @@
           <a:p>
             <a:fld id="{969F32F5-AB1C-41B2-AE79-C9DE1D1745A4}" type="datetimeFigureOut">
               <a:rPr lang="en-US" smtClean="0"/>
-              <a:t>4/28/2017</a:t>
+              <a:t>4/29/2017</a:t>
             </a:fld>
             <a:endParaRPr lang="en-US" dirty="0"/>
           </a:p>
@@ -4843,7 +4961,7 @@
           <a:p>
             <a:fld id="{969F32F5-AB1C-41B2-AE79-C9DE1D1745A4}" type="datetimeFigureOut">
               <a:rPr lang="en-US" smtClean="0"/>
-              <a:t>4/28/2017</a:t>
+              <a:t>4/29/2017</a:t>
             </a:fld>
             <a:endParaRPr lang="en-US" dirty="0"/>
           </a:p>
@@ -6809,6 +6927,16 @@
             <a:pPr marL="0" indent="0">
               <a:buNone/>
             </a:pPr>
+            <a:r>
+              <a:rPr lang="en-US" sz="2000" dirty="0"/>
+              <a:t>Week 7 Questions Assignment </a:t>
+            </a:r>
+            <a:r>
+              <a:rPr lang="en-US" sz="2000" u="sng" dirty="0">
+                <a:hlinkClick r:id="rId3"/>
+              </a:rPr>
+              <a:t>[link]</a:t>
+            </a:r>
             <a:endParaRPr lang="en-US" sz="2000" dirty="0"/>
           </a:p>
         </p:txBody>
@@ -7133,6 +7261,22 @@
             <a:normAutofit/>
           </a:bodyPr>
           <a:lstStyle/>
+          <a:p>
+            <a:pPr marL="0" indent="0">
+              <a:buNone/>
+            </a:pPr>
+            <a:r>
+              <a:rPr lang="en-US" sz="2000" dirty="0"/>
+              <a:t>Week 7 Programming Assignment </a:t>
+            </a:r>
+            <a:r>
+              <a:rPr lang="en-US" sz="2000" u="sng" dirty="0">
+                <a:hlinkClick r:id="rId3"/>
+              </a:rPr>
+              <a:t>[link]</a:t>
+            </a:r>
+            <a:endParaRPr lang="en-US" sz="2000" dirty="0"/>
+          </a:p>
           <a:p>
             <a:pPr marL="0" indent="0">
               <a:buNone/>
@@ -8705,12 +8849,9 @@
 </file>
 
 <file path=customXml/item1.xml><?xml version="1.0" encoding="utf-8"?>
-<?mso-contentType ?>
-<FormTemplates xmlns="http://schemas.microsoft.com/sharepoint/v3/contenttype/forms">
-  <Display>DocumentLibraryForm</Display>
-  <Edit>DocumentLibraryForm</Edit>
-  <New>DocumentLibraryForm</New>
-</FormTemplates>
+<p:properties xmlns:p="http://schemas.microsoft.com/office/2006/metadata/properties" xmlns:xsi="http://www.w3.org/2001/XMLSchema-instance" xmlns:pc="http://schemas.microsoft.com/office/infopath/2007/PartnerControls">
+  <documentManagement/>
+</p:properties>
 </file>
 
 <file path=customXml/item2.xml><?xml version="1.0" encoding="utf-8"?>
@@ -8828,15 +8969,25 @@
 </file>
 
 <file path=customXml/item3.xml><?xml version="1.0" encoding="utf-8"?>
-<p:properties xmlns:p="http://schemas.microsoft.com/office/2006/metadata/properties" xmlns:xsi="http://www.w3.org/2001/XMLSchema-instance" xmlns:pc="http://schemas.microsoft.com/office/infopath/2007/PartnerControls">
-  <documentManagement/>
-</p:properties>
+<?mso-contentType ?>
+<FormTemplates xmlns="http://schemas.microsoft.com/sharepoint/v3/contenttype/forms">
+  <Display>DocumentLibraryForm</Display>
+  <Edit>DocumentLibraryForm</Edit>
+  <New>DocumentLibraryForm</New>
+</FormTemplates>
 </file>
 
 <file path=customXml/itemProps1.xml><?xml version="1.0" encoding="utf-8"?>
-<ds:datastoreItem xmlns:ds="http://schemas.openxmlformats.org/officeDocument/2006/customXml" ds:itemID="{87FD8B20-B89A-4B23-9329-175195DD4D8A}">
+<ds:datastoreItem xmlns:ds="http://schemas.openxmlformats.org/officeDocument/2006/customXml" ds:itemID="{3473EA1A-2744-48E8-B2A3-4F89C0FC849C}">
   <ds:schemaRefs>
-    <ds:schemaRef ds:uri="http://schemas.microsoft.com/sharepoint/v3/contenttype/forms"/>
+    <ds:schemaRef ds:uri="http://schemas.microsoft.com/office/2006/documentManagement/types"/>
+    <ds:schemaRef ds:uri="http://schemas.microsoft.com/office/infopath/2007/PartnerControls"/>
+    <ds:schemaRef ds:uri="http://purl.org/dc/elements/1.1/"/>
+    <ds:schemaRef ds:uri="http://schemas.microsoft.com/office/2006/metadata/properties"/>
+    <ds:schemaRef ds:uri="http://purl.org/dc/terms/"/>
+    <ds:schemaRef ds:uri="http://schemas.openxmlformats.org/package/2006/metadata/core-properties"/>
+    <ds:schemaRef ds:uri="http://www.w3.org/XML/1998/namespace"/>
+    <ds:schemaRef ds:uri="http://purl.org/dc/dcmitype/"/>
   </ds:schemaRefs>
 </ds:datastoreItem>
 </file>
@@ -8858,16 +9009,9 @@
 </file>
 
 <file path=customXml/itemProps3.xml><?xml version="1.0" encoding="utf-8"?>
-<ds:datastoreItem xmlns:ds="http://schemas.openxmlformats.org/officeDocument/2006/customXml" ds:itemID="{3473EA1A-2744-48E8-B2A3-4F89C0FC849C}">
+<ds:datastoreItem xmlns:ds="http://schemas.openxmlformats.org/officeDocument/2006/customXml" ds:itemID="{87FD8B20-B89A-4B23-9329-175195DD4D8A}">
   <ds:schemaRefs>
-    <ds:schemaRef ds:uri="http://purl.org/dc/elements/1.1/"/>
-    <ds:schemaRef ds:uri="http://schemas.microsoft.com/office/2006/metadata/properties"/>
-    <ds:schemaRef ds:uri="http://schemas.microsoft.com/office/2006/documentManagement/types"/>
-    <ds:schemaRef ds:uri="http://schemas.openxmlformats.org/package/2006/metadata/core-properties"/>
-    <ds:schemaRef ds:uri="http://purl.org/dc/dcmitype/"/>
-    <ds:schemaRef ds:uri="http://schemas.microsoft.com/office/infopath/2007/PartnerControls"/>
-    <ds:schemaRef ds:uri="http://www.w3.org/XML/1998/namespace"/>
-    <ds:schemaRef ds:uri="http://purl.org/dc/terms/"/>
+    <ds:schemaRef ds:uri="http://schemas.microsoft.com/sharepoint/v3/contenttype/forms"/>
   </ds:schemaRefs>
 </ds:datastoreItem>
 </file>
--- a/CPSC-24500/Week07/2017SpringW07Slides.pptx
+++ b/CPSC-24500/Week07/2017SpringW07Slides.pptx
@@ -5,7 +5,7 @@
     <p:sldMasterId id="2147483648" r:id="rId4"/>
   </p:sldMasterIdLst>
   <p:notesMasterIdLst>
-    <p:notesMasterId r:id="rId26"/>
+    <p:notesMasterId r:id="rId29"/>
   </p:notesMasterIdLst>
   <p:sldIdLst>
     <p:sldId id="381" r:id="rId5"/>
@@ -26,9 +26,12 @@
     <p:sldId id="533" r:id="rId20"/>
     <p:sldId id="534" r:id="rId21"/>
     <p:sldId id="467" r:id="rId22"/>
-    <p:sldId id="475" r:id="rId23"/>
-    <p:sldId id="497" r:id="rId24"/>
-    <p:sldId id="490" r:id="rId25"/>
+    <p:sldId id="497" r:id="rId23"/>
+    <p:sldId id="535" r:id="rId24"/>
+    <p:sldId id="537" r:id="rId25"/>
+    <p:sldId id="475" r:id="rId26"/>
+    <p:sldId id="538" r:id="rId27"/>
+    <p:sldId id="490" r:id="rId28"/>
   </p:sldIdLst>
   <p:sldSz cx="12192000" cy="6858000"/>
   <p:notesSz cx="7315200" cy="9601200"/>
@@ -1413,7 +1416,7 @@
     </p:spTree>
     <p:extLst>
       <p:ext uri="{BB962C8B-B14F-4D97-AF65-F5344CB8AC3E}">
-        <p14:creationId xmlns:p14="http://schemas.microsoft.com/office/powerpoint/2010/main" val="4053031286"/>
+        <p14:creationId xmlns:p14="http://schemas.microsoft.com/office/powerpoint/2010/main" val="4010604235"/>
       </p:ext>
     </p:extLst>
   </p:cSld>
@@ -1623,7 +1626,7 @@
           <a:bodyPr/>
           <a:lstStyle/>
           <a:p>
-            <a:endParaRPr lang="en-US" dirty="0"/>
+            <a:endParaRPr lang="en-US" sz="1000" dirty="0"/>
           </a:p>
         </p:txBody>
       </p:sp>
@@ -1653,7 +1656,7 @@
     </p:spTree>
     <p:extLst>
       <p:ext uri="{BB962C8B-B14F-4D97-AF65-F5344CB8AC3E}">
-        <p14:creationId xmlns:p14="http://schemas.microsoft.com/office/powerpoint/2010/main" val="4010604235"/>
+        <p14:creationId xmlns:p14="http://schemas.microsoft.com/office/powerpoint/2010/main" val="3734680289"/>
       </p:ext>
     </p:extLst>
   </p:cSld>
@@ -1707,7 +1710,55 @@
           <a:bodyPr/>
           <a:lstStyle/>
           <a:p>
+            <a:r>
+              <a:rPr lang="en-US" sz="1000" dirty="0"/>
+              <a:t>TCP/IP: Transmission Control Protocol / Internet Protocol </a:t>
+            </a:r>
+          </a:p>
+          <a:p>
+            <a:r>
+              <a:rPr lang="en-US" sz="1000" dirty="0"/>
+              <a:t>HTTP: Hypertext Transfer Protocol </a:t>
+            </a:r>
+          </a:p>
+          <a:p>
+            <a:r>
+              <a:rPr lang="en-US" sz="1000" dirty="0"/>
+              <a:t>HTTPs: Hypertext Transfer Protocol Secure</a:t>
+            </a:r>
+          </a:p>
+          <a:p>
+            <a:r>
+              <a:rPr lang="en-US" sz="1000" dirty="0"/>
+              <a:t>SSL: Secure Sockets Layer</a:t>
+            </a:r>
+          </a:p>
+          <a:p>
+            <a:r>
+              <a:rPr lang="en-US" sz="1000" dirty="0"/>
+              <a:t>HTML: Hypertext Markup Language</a:t>
+            </a:r>
+          </a:p>
+          <a:p>
+            <a:r>
+              <a:rPr lang="en-US" sz="1000" dirty="0"/>
+              <a:t>XML: Extensible Markup Language</a:t>
+            </a:r>
+          </a:p>
+          <a:p>
+            <a:r>
+              <a:rPr lang="en-US" sz="1000" dirty="0"/>
+              <a:t>JSON: </a:t>
+            </a:r>
+          </a:p>
+          <a:p>
             <a:endParaRPr lang="en-US" sz="1000" dirty="0"/>
+          </a:p>
+          <a:p>
+            <a:r>
+              <a:rPr lang="en-US" sz="1000" dirty="0"/>
+              <a:t>Web Server: A server that utilizes TCP/IP and responds on Port 80 from a given IP address using HTTP and generally returns HTML.</a:t>
+            </a:r>
           </a:p>
         </p:txBody>
       </p:sp>
@@ -1729,6 +1780,258 @@
             <a:fld id="{5394DE12-7B9B-46AA-AC19-C30A49928B9B}" type="slidenum">
               <a:rPr lang="en-US" smtClean="0"/>
               <a:t>21</a:t>
+            </a:fld>
+            <a:endParaRPr lang="en-US"/>
+          </a:p>
+        </p:txBody>
+      </p:sp>
+    </p:spTree>
+    <p:extLst>
+      <p:ext uri="{BB962C8B-B14F-4D97-AF65-F5344CB8AC3E}">
+        <p14:creationId xmlns:p14="http://schemas.microsoft.com/office/powerpoint/2010/main" val="556053018"/>
+      </p:ext>
+    </p:extLst>
+  </p:cSld>
+  <p:clrMapOvr>
+    <a:masterClrMapping/>
+  </p:clrMapOvr>
+</p:notes>
+</file>
+
+<file path=ppt/notesSlides/notesSlide22.xml><?xml version="1.0" encoding="utf-8"?>
+<p:notes xmlns:a="http://schemas.openxmlformats.org/drawingml/2006/main" xmlns:r="http://schemas.openxmlformats.org/officeDocument/2006/relationships" xmlns:p="http://schemas.openxmlformats.org/presentationml/2006/main">
+  <p:cSld>
+    <p:spTree>
+      <p:nvGrpSpPr>
+        <p:cNvPr id="1" name=""/>
+        <p:cNvGrpSpPr/>
+        <p:nvPr/>
+      </p:nvGrpSpPr>
+      <p:grpSpPr>
+        <a:xfrm>
+          <a:off x="0" y="0"/>
+          <a:ext cx="0" cy="0"/>
+          <a:chOff x="0" y="0"/>
+          <a:chExt cx="0" cy="0"/>
+        </a:xfrm>
+      </p:grpSpPr>
+      <p:sp>
+        <p:nvSpPr>
+          <p:cNvPr id="2" name="Slide Image Placeholder 1"/>
+          <p:cNvSpPr>
+            <a:spLocks noGrp="1" noRot="1" noChangeAspect="1"/>
+          </p:cNvSpPr>
+          <p:nvPr>
+            <p:ph type="sldImg"/>
+          </p:nvPr>
+        </p:nvSpPr>
+        <p:spPr/>
+      </p:sp>
+      <p:sp>
+        <p:nvSpPr>
+          <p:cNvPr id="3" name="Notes Placeholder 2"/>
+          <p:cNvSpPr>
+            <a:spLocks noGrp="1"/>
+          </p:cNvSpPr>
+          <p:nvPr>
+            <p:ph type="body" idx="1"/>
+          </p:nvPr>
+        </p:nvSpPr>
+        <p:spPr/>
+        <p:txBody>
+          <a:bodyPr/>
+          <a:lstStyle/>
+          <a:p>
+            <a:endParaRPr lang="en-US" dirty="0"/>
+          </a:p>
+        </p:txBody>
+      </p:sp>
+      <p:sp>
+        <p:nvSpPr>
+          <p:cNvPr id="4" name="Slide Number Placeholder 3"/>
+          <p:cNvSpPr>
+            <a:spLocks noGrp="1"/>
+          </p:cNvSpPr>
+          <p:nvPr>
+            <p:ph type="sldNum" sz="quarter" idx="10"/>
+          </p:nvPr>
+        </p:nvSpPr>
+        <p:spPr/>
+        <p:txBody>
+          <a:bodyPr/>
+          <a:lstStyle/>
+          <a:p>
+            <a:fld id="{5394DE12-7B9B-46AA-AC19-C30A49928B9B}" type="slidenum">
+              <a:rPr lang="en-US" smtClean="0"/>
+              <a:t>22</a:t>
+            </a:fld>
+            <a:endParaRPr lang="en-US" dirty="0"/>
+          </a:p>
+        </p:txBody>
+      </p:sp>
+    </p:spTree>
+    <p:extLst>
+      <p:ext uri="{BB962C8B-B14F-4D97-AF65-F5344CB8AC3E}">
+        <p14:creationId xmlns:p14="http://schemas.microsoft.com/office/powerpoint/2010/main" val="4053031286"/>
+      </p:ext>
+    </p:extLst>
+  </p:cSld>
+  <p:clrMapOvr>
+    <a:masterClrMapping/>
+  </p:clrMapOvr>
+</p:notes>
+</file>
+
+<file path=ppt/notesSlides/notesSlide23.xml><?xml version="1.0" encoding="utf-8"?>
+<p:notes xmlns:a="http://schemas.openxmlformats.org/drawingml/2006/main" xmlns:r="http://schemas.openxmlformats.org/officeDocument/2006/relationships" xmlns:p="http://schemas.openxmlformats.org/presentationml/2006/main">
+  <p:cSld>
+    <p:spTree>
+      <p:nvGrpSpPr>
+        <p:cNvPr id="1" name=""/>
+        <p:cNvGrpSpPr/>
+        <p:nvPr/>
+      </p:nvGrpSpPr>
+      <p:grpSpPr>
+        <a:xfrm>
+          <a:off x="0" y="0"/>
+          <a:ext cx="0" cy="0"/>
+          <a:chOff x="0" y="0"/>
+          <a:chExt cx="0" cy="0"/>
+        </a:xfrm>
+      </p:grpSpPr>
+      <p:sp>
+        <p:nvSpPr>
+          <p:cNvPr id="2" name="Slide Image Placeholder 1"/>
+          <p:cNvSpPr>
+            <a:spLocks noGrp="1" noRot="1" noChangeAspect="1"/>
+          </p:cNvSpPr>
+          <p:nvPr>
+            <p:ph type="sldImg"/>
+          </p:nvPr>
+        </p:nvSpPr>
+        <p:spPr/>
+      </p:sp>
+      <p:sp>
+        <p:nvSpPr>
+          <p:cNvPr id="3" name="Notes Placeholder 2"/>
+          <p:cNvSpPr>
+            <a:spLocks noGrp="1"/>
+          </p:cNvSpPr>
+          <p:nvPr>
+            <p:ph type="body" idx="1"/>
+          </p:nvPr>
+        </p:nvSpPr>
+        <p:spPr/>
+        <p:txBody>
+          <a:bodyPr/>
+          <a:lstStyle/>
+          <a:p>
+            <a:endParaRPr lang="en-US" sz="1000" dirty="0"/>
+          </a:p>
+        </p:txBody>
+      </p:sp>
+      <p:sp>
+        <p:nvSpPr>
+          <p:cNvPr id="4" name="Slide Number Placeholder 3"/>
+          <p:cNvSpPr>
+            <a:spLocks noGrp="1"/>
+          </p:cNvSpPr>
+          <p:nvPr>
+            <p:ph type="sldNum" sz="quarter" idx="10"/>
+          </p:nvPr>
+        </p:nvSpPr>
+        <p:spPr/>
+        <p:txBody>
+          <a:bodyPr/>
+          <a:lstStyle/>
+          <a:p>
+            <a:fld id="{5394DE12-7B9B-46AA-AC19-C30A49928B9B}" type="slidenum">
+              <a:rPr lang="en-US" smtClean="0"/>
+              <a:t>23</a:t>
+            </a:fld>
+            <a:endParaRPr lang="en-US" dirty="0"/>
+          </a:p>
+        </p:txBody>
+      </p:sp>
+    </p:spTree>
+    <p:extLst>
+      <p:ext uri="{BB962C8B-B14F-4D97-AF65-F5344CB8AC3E}">
+        <p14:creationId xmlns:p14="http://schemas.microsoft.com/office/powerpoint/2010/main" val="3164610844"/>
+      </p:ext>
+    </p:extLst>
+  </p:cSld>
+  <p:clrMapOvr>
+    <a:masterClrMapping/>
+  </p:clrMapOvr>
+</p:notes>
+</file>
+
+<file path=ppt/notesSlides/notesSlide24.xml><?xml version="1.0" encoding="utf-8"?>
+<p:notes xmlns:a="http://schemas.openxmlformats.org/drawingml/2006/main" xmlns:r="http://schemas.openxmlformats.org/officeDocument/2006/relationships" xmlns:p="http://schemas.openxmlformats.org/presentationml/2006/main">
+  <p:cSld>
+    <p:spTree>
+      <p:nvGrpSpPr>
+        <p:cNvPr id="1" name=""/>
+        <p:cNvGrpSpPr/>
+        <p:nvPr/>
+      </p:nvGrpSpPr>
+      <p:grpSpPr>
+        <a:xfrm>
+          <a:off x="0" y="0"/>
+          <a:ext cx="0" cy="0"/>
+          <a:chOff x="0" y="0"/>
+          <a:chExt cx="0" cy="0"/>
+        </a:xfrm>
+      </p:grpSpPr>
+      <p:sp>
+        <p:nvSpPr>
+          <p:cNvPr id="2" name="Slide Image Placeholder 1"/>
+          <p:cNvSpPr>
+            <a:spLocks noGrp="1" noRot="1" noChangeAspect="1"/>
+          </p:cNvSpPr>
+          <p:nvPr>
+            <p:ph type="sldImg"/>
+          </p:nvPr>
+        </p:nvSpPr>
+        <p:spPr/>
+      </p:sp>
+      <p:sp>
+        <p:nvSpPr>
+          <p:cNvPr id="3" name="Notes Placeholder 2"/>
+          <p:cNvSpPr>
+            <a:spLocks noGrp="1"/>
+          </p:cNvSpPr>
+          <p:nvPr>
+            <p:ph type="body" idx="1"/>
+          </p:nvPr>
+        </p:nvSpPr>
+        <p:spPr/>
+        <p:txBody>
+          <a:bodyPr/>
+          <a:lstStyle/>
+          <a:p>
+            <a:endParaRPr lang="en-US" sz="1000" dirty="0"/>
+          </a:p>
+        </p:txBody>
+      </p:sp>
+      <p:sp>
+        <p:nvSpPr>
+          <p:cNvPr id="4" name="Slide Number Placeholder 3"/>
+          <p:cNvSpPr>
+            <a:spLocks noGrp="1"/>
+          </p:cNvSpPr>
+          <p:nvPr>
+            <p:ph type="sldNum" sz="quarter" idx="10"/>
+          </p:nvPr>
+        </p:nvSpPr>
+        <p:spPr/>
+        <p:txBody>
+          <a:bodyPr/>
+          <a:lstStyle/>
+          <a:p>
+            <a:fld id="{5394DE12-7B9B-46AA-AC19-C30A49928B9B}" type="slidenum">
+              <a:rPr lang="en-US" smtClean="0"/>
+              <a:t>24</a:t>
             </a:fld>
             <a:endParaRPr lang="en-US" dirty="0"/>
           </a:p>
@@ -6824,7 +7127,7 @@
             <a:pPr algn="l"/>
             <a:r>
               <a:rPr lang="en-US" dirty="0"/>
-              <a:t>Week: 6</a:t>
+              <a:t>Week: 7</a:t>
             </a:r>
           </a:p>
           <a:p>
@@ -6846,7 +7149,7 @@
     </p:spTree>
     <p:extLst>
       <p:ext uri="{BB962C8B-B14F-4D97-AF65-F5344CB8AC3E}">
-        <p14:creationId xmlns:p14="http://schemas.microsoft.com/office/powerpoint/2010/main" val="2274666725"/>
+        <p14:creationId xmlns:p14="http://schemas.microsoft.com/office/powerpoint/2010/main" val="3303290033"/>
       </p:ext>
     </p:extLst>
   </p:cSld>
@@ -6957,16 +7260,6 @@
 <file path=ppt/slides/slide20.xml><?xml version="1.0" encoding="utf-8"?>
 <p:sld xmlns:a="http://schemas.openxmlformats.org/drawingml/2006/main" xmlns:r="http://schemas.openxmlformats.org/officeDocument/2006/relationships" xmlns:p="http://schemas.openxmlformats.org/presentationml/2006/main">
   <p:cSld>
-    <p:bg>
-      <p:bgPr>
-        <a:solidFill>
-          <a:schemeClr val="bg1">
-            <a:lumMod val="75000"/>
-          </a:schemeClr>
-        </a:solidFill>
-        <a:effectLst/>
-      </p:bgPr>
-    </p:bg>
     <p:spTree>
       <p:nvGrpSpPr>
         <p:cNvPr id="1" name=""/>
@@ -6988,13 +7281,13 @@
             <a:spLocks noGrp="1"/>
           </p:cNvSpPr>
           <p:nvPr>
-            <p:ph type="ctrTitle"/>
+            <p:ph type="title"/>
           </p:nvPr>
         </p:nvSpPr>
         <p:spPr>
           <a:xfrm>
-            <a:off x="1524000" y="1122363"/>
-            <a:ext cx="9144000" cy="2387600"/>
+            <a:off x="838200" y="365126"/>
+            <a:ext cx="6113662" cy="1409174"/>
           </a:xfrm>
         </p:spPr>
         <p:txBody>
@@ -7004,67 +7297,154 @@
           <a:lstStyle/>
           <a:p>
             <a:r>
-              <a:rPr lang="en-US" sz="4800" dirty="0"/>
-              <a:t>End of Session</a:t>
-            </a:r>
-          </a:p>
-        </p:txBody>
-      </p:sp>
-      <p:sp>
-        <p:nvSpPr>
-          <p:cNvPr id="3" name="Subtitle 2"/>
-          <p:cNvSpPr>
-            <a:spLocks noGrp="1"/>
-          </p:cNvSpPr>
-          <p:nvPr>
-            <p:ph type="subTitle" idx="1"/>
-          </p:nvPr>
-        </p:nvSpPr>
+              <a:rPr lang="en-US" sz="3600" dirty="0"/>
+              <a:t>Object-Oriented Programming</a:t>
+            </a:r>
+            <a:br>
+              <a:rPr lang="en-US" sz="3600" dirty="0"/>
+            </a:br>
+            <a:r>
+              <a:rPr lang="en-US" sz="1800" dirty="0"/>
+              <a:t>Session: Week 7 Session 2 </a:t>
+            </a:r>
+            <a:br>
+              <a:rPr lang="en-US" sz="1800" dirty="0"/>
+            </a:br>
+            <a:r>
+              <a:rPr lang="en-US" sz="1800" dirty="0"/>
+              <a:t>Instructor: Eric Pogue</a:t>
+            </a:r>
+            <a:endParaRPr lang="en-US" sz="1800" b="1" i="1" u="sng" dirty="0"/>
+          </a:p>
+        </p:txBody>
+      </p:sp>
+      <p:pic>
+        <p:nvPicPr>
+          <p:cNvPr id="4" name="Content Placeholder 4"/>
+          <p:cNvPicPr>
+            <a:picLocks noChangeAspect="1"/>
+          </p:cNvPicPr>
+          <p:nvPr/>
+        </p:nvPicPr>
+        <p:blipFill>
+          <a:blip r:embed="rId3"/>
+          <a:stretch>
+            <a:fillRect/>
+          </a:stretch>
+        </p:blipFill>
         <p:spPr>
           <a:xfrm>
-            <a:off x="1524000" y="3602038"/>
-            <a:ext cx="9144000" cy="2198022"/>
+            <a:off x="9072894" y="182925"/>
+            <a:ext cx="2656367" cy="1366321"/>
+          </a:xfrm>
+          <a:prstGeom prst="rect">
+            <a:avLst/>
+          </a:prstGeom>
+        </p:spPr>
+      </p:pic>
+      <p:sp>
+        <p:nvSpPr>
+          <p:cNvPr id="10" name="Content Placeholder 2"/>
+          <p:cNvSpPr>
+            <a:spLocks noGrp="1"/>
+          </p:cNvSpPr>
+          <p:nvPr>
+            <p:ph idx="1"/>
+          </p:nvPr>
+        </p:nvSpPr>
+        <p:spPr>
+          <a:xfrm>
+            <a:off x="838200" y="1884313"/>
+            <a:ext cx="10718950" cy="4571242"/>
           </a:xfrm>
         </p:spPr>
         <p:txBody>
           <a:bodyPr>
-            <a:normAutofit/>
+            <a:noAutofit/>
           </a:bodyPr>
           <a:lstStyle/>
           <a:p>
-            <a:pPr algn="l"/>
-            <a:r>
-              <a:rPr lang="en-US" dirty="0"/>
-              <a:t>Course Number: CPSC-24500</a:t>
-            </a:r>
-          </a:p>
-          <a:p>
-            <a:pPr algn="l"/>
-            <a:r>
-              <a:rPr lang="en-US" dirty="0"/>
-              <a:t>Week: 5</a:t>
-            </a:r>
-          </a:p>
-          <a:p>
-            <a:pPr algn="l"/>
-            <a:r>
-              <a:rPr lang="en-US" dirty="0"/>
-              <a:t>Session: 3</a:t>
-            </a:r>
-          </a:p>
-          <a:p>
-            <a:pPr algn="l"/>
-            <a:r>
-              <a:rPr lang="en-US" dirty="0"/>
-              <a:t>Instructor: Eric Pogue</a:t>
-            </a:r>
+            <a:pPr marL="0" indent="0">
+              <a:buNone/>
+            </a:pPr>
+            <a:r>
+              <a:rPr lang="en-US" sz="2000" u="sng" dirty="0" err="1"/>
+              <a:t>HideDataDownloadXML</a:t>
+            </a:r>
+            <a:r>
+              <a:rPr lang="en-US" sz="2000" u="sng" dirty="0"/>
+              <a:t> Example:</a:t>
+            </a:r>
+          </a:p>
+          <a:p>
+            <a:pPr marL="457200" indent="-457200">
+              <a:buFont typeface="+mj-lt"/>
+              <a:buAutoNum type="arabicPeriod"/>
+            </a:pPr>
+            <a:r>
+              <a:rPr lang="en-US" sz="2000" dirty="0"/>
+              <a:t>Develop  application entirely in Visual Studio 2017 and C#</a:t>
+            </a:r>
+          </a:p>
+          <a:p>
+            <a:pPr marL="457200" indent="-457200">
+              <a:buFont typeface="+mj-lt"/>
+              <a:buAutoNum type="arabicPeriod"/>
+            </a:pPr>
+            <a:r>
+              <a:rPr lang="en-US" sz="2000" dirty="0"/>
+              <a:t>Take in one command line argument that is the URL to download</a:t>
+            </a:r>
+          </a:p>
+          <a:p>
+            <a:pPr marL="457200" indent="-457200">
+              <a:buFont typeface="+mj-lt"/>
+              <a:buAutoNum type="arabicPeriod"/>
+            </a:pPr>
+            <a:r>
+              <a:rPr lang="en-US" sz="2000" dirty="0"/>
+              <a:t>Utilize Web (HTTP) protocols to download HTML and XML files </a:t>
+            </a:r>
+          </a:p>
+          <a:p>
+            <a:pPr marL="457200" indent="-457200">
+              <a:buFont typeface="+mj-lt"/>
+              <a:buAutoNum type="arabicPeriod"/>
+            </a:pPr>
+            <a:r>
+              <a:rPr lang="en-US" sz="2000" dirty="0"/>
+              <a:t>Get ready for parsing XML</a:t>
+            </a:r>
+          </a:p>
+          <a:p>
+            <a:pPr marL="457200" indent="-457200">
+              <a:buFont typeface="+mj-lt"/>
+              <a:buAutoNum type="arabicPeriod"/>
+            </a:pPr>
+            <a:r>
+              <a:rPr lang="en-US" sz="2000" dirty="0"/>
+              <a:t>Implement multiple C# classes that appropriately hide data</a:t>
+            </a:r>
+          </a:p>
+          <a:p>
+            <a:pPr marL="457200" indent="-457200">
+              <a:buFont typeface="+mj-lt"/>
+              <a:buAutoNum type="arabicPeriod"/>
+            </a:pPr>
+            <a:endParaRPr lang="en-US" sz="2000" dirty="0"/>
+          </a:p>
+          <a:p>
+            <a:pPr marL="0" indent="0">
+              <a:buNone/>
+            </a:pPr>
+            <a:endParaRPr lang="en-US" sz="2000" dirty="0"/>
           </a:p>
         </p:txBody>
       </p:sp>
     </p:spTree>
     <p:extLst>
       <p:ext uri="{BB962C8B-B14F-4D97-AF65-F5344CB8AC3E}">
-        <p14:creationId xmlns:p14="http://schemas.microsoft.com/office/powerpoint/2010/main" val="3303290033"/>
+        <p14:creationId xmlns:p14="http://schemas.microsoft.com/office/powerpoint/2010/main" val="1455101819"/>
       </p:ext>
     </p:extLst>
   </p:cSld>
@@ -7075,6 +7455,172 @@
 </file>
 
 <file path=ppt/slides/slide21.xml><?xml version="1.0" encoding="utf-8"?>
+<p:sld xmlns:a="http://schemas.openxmlformats.org/drawingml/2006/main" xmlns:r="http://schemas.openxmlformats.org/officeDocument/2006/relationships" xmlns:p="http://schemas.openxmlformats.org/presentationml/2006/main">
+  <p:cSld>
+    <p:spTree>
+      <p:nvGrpSpPr>
+        <p:cNvPr id="1" name=""/>
+        <p:cNvGrpSpPr/>
+        <p:nvPr/>
+      </p:nvGrpSpPr>
+      <p:grpSpPr>
+        <a:xfrm>
+          <a:off x="0" y="0"/>
+          <a:ext cx="0" cy="0"/>
+          <a:chOff x="0" y="0"/>
+          <a:chExt cx="0" cy="0"/>
+        </a:xfrm>
+      </p:grpSpPr>
+      <p:sp>
+        <p:nvSpPr>
+          <p:cNvPr id="2" name="Title 1"/>
+          <p:cNvSpPr>
+            <a:spLocks noGrp="1"/>
+          </p:cNvSpPr>
+          <p:nvPr>
+            <p:ph type="title"/>
+          </p:nvPr>
+        </p:nvSpPr>
+        <p:spPr>
+          <a:xfrm>
+            <a:off x="811620" y="365126"/>
+            <a:ext cx="10515600" cy="757272"/>
+          </a:xfrm>
+        </p:spPr>
+        <p:txBody>
+          <a:bodyPr>
+            <a:normAutofit/>
+          </a:bodyPr>
+          <a:lstStyle/>
+          <a:p>
+            <a:r>
+              <a:rPr lang="en-US" sz="3600" dirty="0"/>
+              <a:t>Web (HTTP) Protocol</a:t>
+            </a:r>
+          </a:p>
+        </p:txBody>
+      </p:sp>
+      <p:sp>
+        <p:nvSpPr>
+          <p:cNvPr id="8" name="Content Placeholder 2"/>
+          <p:cNvSpPr>
+            <a:spLocks noGrp="1"/>
+          </p:cNvSpPr>
+          <p:nvPr>
+            <p:ph idx="1"/>
+          </p:nvPr>
+        </p:nvSpPr>
+        <p:spPr>
+          <a:xfrm>
+            <a:off x="811620" y="1145929"/>
+            <a:ext cx="10456854" cy="4783519"/>
+          </a:xfrm>
+        </p:spPr>
+        <p:txBody>
+          <a:bodyPr>
+            <a:normAutofit/>
+          </a:bodyPr>
+          <a:lstStyle/>
+          <a:p>
+            <a:pPr marL="0" indent="0">
+              <a:buNone/>
+            </a:pPr>
+            <a:r>
+              <a:rPr lang="en-US" sz="2000" dirty="0"/>
+              <a:t>The Hypertext Transfer Protocol (HTTP) is an application protocol for distributed, collaborative, and hypermedia information systems. HTTP is the foundation of data communication for the World Wide Web [</a:t>
+            </a:r>
+            <a:r>
+              <a:rPr lang="en-US" sz="2000" dirty="0">
+                <a:hlinkClick r:id="rId3"/>
+              </a:rPr>
+              <a:t>link</a:t>
+            </a:r>
+            <a:r>
+              <a:rPr lang="en-US" sz="2000" dirty="0"/>
+              <a:t>]:  </a:t>
+            </a:r>
+          </a:p>
+          <a:p>
+            <a:r>
+              <a:rPr lang="en-US" sz="2000" dirty="0"/>
+              <a:t>Network protocols like HTTP and HTTPs </a:t>
+            </a:r>
+            <a:r>
+              <a:rPr lang="en-US" sz="2000" u="sng" dirty="0"/>
+              <a:t>ARE</a:t>
+            </a:r>
+            <a:r>
+              <a:rPr lang="en-US" sz="2000" dirty="0"/>
+              <a:t> used to protect data!</a:t>
+            </a:r>
+          </a:p>
+          <a:p>
+            <a:r>
+              <a:rPr lang="en-US" sz="2000" dirty="0"/>
+              <a:t>HTTP defines methods (sometimes referred to as verbs) to indicate the desired action to be performed on the identified resource including:</a:t>
+            </a:r>
+          </a:p>
+          <a:p>
+            <a:pPr lvl="1"/>
+            <a:r>
+              <a:rPr lang="en-US" sz="1600" dirty="0"/>
+              <a:t>GET: requests a resource</a:t>
+            </a:r>
+          </a:p>
+          <a:p>
+            <a:pPr lvl="1"/>
+            <a:r>
+              <a:rPr lang="en-US" sz="1600" dirty="0"/>
+              <a:t>POST: requests that the server accept the entity enclosed in the request</a:t>
+            </a:r>
+          </a:p>
+          <a:p>
+            <a:pPr lvl="1"/>
+            <a:r>
+              <a:rPr lang="en-US" sz="1600" dirty="0"/>
+              <a:t>Many, many more</a:t>
+            </a:r>
+          </a:p>
+          <a:p>
+            <a:r>
+              <a:rPr lang="en-US" sz="2000" dirty="0"/>
+              <a:t>Most often uses a Web browser as a client </a:t>
+            </a:r>
+          </a:p>
+          <a:p>
+            <a:r>
+              <a:rPr lang="en-US" sz="2000" dirty="0"/>
+              <a:t>A variety of Web servers are available</a:t>
+            </a:r>
+          </a:p>
+          <a:p>
+            <a:r>
+              <a:rPr lang="en-US" sz="2000" dirty="0"/>
+              <a:t>TCP, IP, HTTP, HTTPs, HTML, XML, JSON</a:t>
+            </a:r>
+          </a:p>
+          <a:p>
+            <a:r>
+              <a:rPr lang="en-US" sz="2000" dirty="0"/>
+              <a:t>Web Server: A server that utilizes TCP/IP and responds on Port 80 from a given IP address using HTTP or HTTPs and generally returns HTML (or XML or JSON)</a:t>
+            </a:r>
+          </a:p>
+        </p:txBody>
+      </p:sp>
+    </p:spTree>
+    <p:extLst>
+      <p:ext uri="{BB962C8B-B14F-4D97-AF65-F5344CB8AC3E}">
+        <p14:creationId xmlns:p14="http://schemas.microsoft.com/office/powerpoint/2010/main" val="2826666459"/>
+      </p:ext>
+    </p:extLst>
+  </p:cSld>
+  <p:clrMapOvr>
+    <a:masterClrMapping/>
+  </p:clrMapOvr>
+</p:sld>
+</file>
+
+<file path=ppt/slides/slide22.xml><?xml version="1.0" encoding="utf-8"?>
 <p:sld xmlns:a="http://schemas.openxmlformats.org/drawingml/2006/main" xmlns:r="http://schemas.openxmlformats.org/officeDocument/2006/relationships" xmlns:p="http://schemas.openxmlformats.org/presentationml/2006/main">
   <p:cSld>
     <p:bg>
@@ -7162,14 +7708,349 @@
             <a:pPr algn="l"/>
             <a:r>
               <a:rPr lang="en-US" dirty="0"/>
-              <a:t>Week: 5</a:t>
+              <a:t>Week: 7</a:t>
             </a:r>
           </a:p>
           <a:p>
             <a:pPr algn="l"/>
             <a:r>
               <a:rPr lang="en-US" dirty="0"/>
-              <a:t>Session: 4</a:t>
+              <a:t>Session: 2</a:t>
+            </a:r>
+          </a:p>
+          <a:p>
+            <a:pPr algn="l"/>
+            <a:r>
+              <a:rPr lang="en-US" dirty="0"/>
+              <a:t>Instructor: Eric Pogue</a:t>
+            </a:r>
+          </a:p>
+        </p:txBody>
+      </p:sp>
+    </p:spTree>
+    <p:extLst>
+      <p:ext uri="{BB962C8B-B14F-4D97-AF65-F5344CB8AC3E}">
+        <p14:creationId xmlns:p14="http://schemas.microsoft.com/office/powerpoint/2010/main" val="2274666725"/>
+      </p:ext>
+    </p:extLst>
+  </p:cSld>
+  <p:clrMapOvr>
+    <a:masterClrMapping/>
+  </p:clrMapOvr>
+</p:sld>
+</file>
+
+<file path=ppt/slides/slide23.xml><?xml version="1.0" encoding="utf-8"?>
+<p:sld xmlns:a="http://schemas.openxmlformats.org/drawingml/2006/main" xmlns:r="http://schemas.openxmlformats.org/officeDocument/2006/relationships" xmlns:p="http://schemas.openxmlformats.org/presentationml/2006/main">
+  <p:cSld>
+    <p:spTree>
+      <p:nvGrpSpPr>
+        <p:cNvPr id="1" name=""/>
+        <p:cNvGrpSpPr/>
+        <p:nvPr/>
+      </p:nvGrpSpPr>
+      <p:grpSpPr>
+        <a:xfrm>
+          <a:off x="0" y="0"/>
+          <a:ext cx="0" cy="0"/>
+          <a:chOff x="0" y="0"/>
+          <a:chExt cx="0" cy="0"/>
+        </a:xfrm>
+      </p:grpSpPr>
+      <p:sp>
+        <p:nvSpPr>
+          <p:cNvPr id="2" name="Title 1"/>
+          <p:cNvSpPr>
+            <a:spLocks noGrp="1"/>
+          </p:cNvSpPr>
+          <p:nvPr>
+            <p:ph type="title"/>
+          </p:nvPr>
+        </p:nvSpPr>
+        <p:spPr>
+          <a:xfrm>
+            <a:off x="838200" y="365126"/>
+            <a:ext cx="6113662" cy="1409174"/>
+          </a:xfrm>
+        </p:spPr>
+        <p:txBody>
+          <a:bodyPr>
+            <a:normAutofit/>
+          </a:bodyPr>
+          <a:lstStyle/>
+          <a:p>
+            <a:r>
+              <a:rPr lang="en-US" sz="3600" dirty="0"/>
+              <a:t>Object-Oriented Programming</a:t>
+            </a:r>
+            <a:br>
+              <a:rPr lang="en-US" sz="3600" dirty="0"/>
+            </a:br>
+            <a:r>
+              <a:rPr lang="en-US" sz="1800" dirty="0"/>
+              <a:t>Session: Week 7 Session 3 </a:t>
+            </a:r>
+            <a:br>
+              <a:rPr lang="en-US" sz="1800" dirty="0"/>
+            </a:br>
+            <a:r>
+              <a:rPr lang="en-US" sz="1800" dirty="0"/>
+              <a:t>Instructor: Eric Pogue</a:t>
+            </a:r>
+            <a:endParaRPr lang="en-US" sz="1800" b="1" i="1" u="sng" dirty="0"/>
+          </a:p>
+        </p:txBody>
+      </p:sp>
+      <p:pic>
+        <p:nvPicPr>
+          <p:cNvPr id="4" name="Content Placeholder 4"/>
+          <p:cNvPicPr>
+            <a:picLocks noChangeAspect="1"/>
+          </p:cNvPicPr>
+          <p:nvPr/>
+        </p:nvPicPr>
+        <p:blipFill>
+          <a:blip r:embed="rId3"/>
+          <a:stretch>
+            <a:fillRect/>
+          </a:stretch>
+        </p:blipFill>
+        <p:spPr>
+          <a:xfrm>
+            <a:off x="9072894" y="182925"/>
+            <a:ext cx="2656367" cy="1366321"/>
+          </a:xfrm>
+          <a:prstGeom prst="rect">
+            <a:avLst/>
+          </a:prstGeom>
+        </p:spPr>
+      </p:pic>
+      <p:sp>
+        <p:nvSpPr>
+          <p:cNvPr id="10" name="Content Placeholder 2"/>
+          <p:cNvSpPr>
+            <a:spLocks noGrp="1"/>
+          </p:cNvSpPr>
+          <p:nvPr>
+            <p:ph idx="1"/>
+          </p:nvPr>
+        </p:nvSpPr>
+        <p:spPr>
+          <a:xfrm>
+            <a:off x="838200" y="1884313"/>
+            <a:ext cx="10718950" cy="4571242"/>
+          </a:xfrm>
+        </p:spPr>
+        <p:txBody>
+          <a:bodyPr>
+            <a:noAutofit/>
+          </a:bodyPr>
+          <a:lstStyle/>
+          <a:p>
+            <a:pPr marL="0" indent="0">
+              <a:buNone/>
+            </a:pPr>
+            <a:r>
+              <a:rPr lang="en-US" sz="2000" u="sng" dirty="0" err="1"/>
+              <a:t>HideDataDownloadXML</a:t>
+            </a:r>
+            <a:r>
+              <a:rPr lang="en-US" sz="2000" u="sng" dirty="0"/>
+              <a:t> Example:</a:t>
+            </a:r>
+          </a:p>
+          <a:p>
+            <a:pPr marL="457200" indent="-457200">
+              <a:buFont typeface="+mj-lt"/>
+              <a:buAutoNum type="arabicPeriod"/>
+            </a:pPr>
+            <a:r>
+              <a:rPr lang="en-US" sz="2000" dirty="0">
+                <a:solidFill>
+                  <a:schemeClr val="bg1">
+                    <a:lumMod val="65000"/>
+                  </a:schemeClr>
+                </a:solidFill>
+              </a:rPr>
+              <a:t>Develop  application entirely in Visual Studio 2017 and C#</a:t>
+            </a:r>
+          </a:p>
+          <a:p>
+            <a:pPr marL="457200" indent="-457200">
+              <a:buFont typeface="+mj-lt"/>
+              <a:buAutoNum type="arabicPeriod"/>
+            </a:pPr>
+            <a:r>
+              <a:rPr lang="en-US" sz="2000" dirty="0">
+                <a:solidFill>
+                  <a:schemeClr val="bg1">
+                    <a:lumMod val="65000"/>
+                  </a:schemeClr>
+                </a:solidFill>
+              </a:rPr>
+              <a:t>Take in one command line argument that is the URL to download</a:t>
+            </a:r>
+          </a:p>
+          <a:p>
+            <a:pPr marL="457200" indent="-457200">
+              <a:buFont typeface="+mj-lt"/>
+              <a:buAutoNum type="arabicPeriod"/>
+            </a:pPr>
+            <a:r>
+              <a:rPr lang="en-US" sz="2000" dirty="0">
+                <a:solidFill>
+                  <a:schemeClr val="bg1">
+                    <a:lumMod val="65000"/>
+                  </a:schemeClr>
+                </a:solidFill>
+              </a:rPr>
+              <a:t>Utilize Web (HTTP) protocols to download HTML and XML files </a:t>
+            </a:r>
+          </a:p>
+          <a:p>
+            <a:pPr marL="457200" indent="-457200">
+              <a:buFont typeface="+mj-lt"/>
+              <a:buAutoNum type="arabicPeriod"/>
+            </a:pPr>
+            <a:r>
+              <a:rPr lang="en-US" sz="2000" dirty="0"/>
+              <a:t>Parsing XML</a:t>
+            </a:r>
+          </a:p>
+          <a:p>
+            <a:pPr marL="457200" indent="-457200">
+              <a:buFont typeface="+mj-lt"/>
+              <a:buAutoNum type="arabicPeriod"/>
+            </a:pPr>
+            <a:r>
+              <a:rPr lang="en-US" sz="2000" dirty="0"/>
+              <a:t>Implement multiple C# classes that appropriately hide data</a:t>
+            </a:r>
+          </a:p>
+          <a:p>
+            <a:pPr marL="457200" indent="-457200">
+              <a:buFont typeface="+mj-lt"/>
+              <a:buAutoNum type="arabicPeriod"/>
+            </a:pPr>
+            <a:endParaRPr lang="en-US" sz="2000" dirty="0"/>
+          </a:p>
+          <a:p>
+            <a:pPr marL="0" indent="0">
+              <a:buNone/>
+            </a:pPr>
+            <a:endParaRPr lang="en-US" sz="2000" dirty="0"/>
+          </a:p>
+        </p:txBody>
+      </p:sp>
+    </p:spTree>
+    <p:extLst>
+      <p:ext uri="{BB962C8B-B14F-4D97-AF65-F5344CB8AC3E}">
+        <p14:creationId xmlns:p14="http://schemas.microsoft.com/office/powerpoint/2010/main" val="4263730676"/>
+      </p:ext>
+    </p:extLst>
+  </p:cSld>
+  <p:clrMapOvr>
+    <a:masterClrMapping/>
+  </p:clrMapOvr>
+</p:sld>
+</file>
+
+<file path=ppt/slides/slide24.xml><?xml version="1.0" encoding="utf-8"?>
+<p:sld xmlns:a="http://schemas.openxmlformats.org/drawingml/2006/main" xmlns:r="http://schemas.openxmlformats.org/officeDocument/2006/relationships" xmlns:p="http://schemas.openxmlformats.org/presentationml/2006/main">
+  <p:cSld>
+    <p:bg>
+      <p:bgPr>
+        <a:solidFill>
+          <a:schemeClr val="bg1">
+            <a:lumMod val="75000"/>
+          </a:schemeClr>
+        </a:solidFill>
+        <a:effectLst/>
+      </p:bgPr>
+    </p:bg>
+    <p:spTree>
+      <p:nvGrpSpPr>
+        <p:cNvPr id="1" name=""/>
+        <p:cNvGrpSpPr/>
+        <p:nvPr/>
+      </p:nvGrpSpPr>
+      <p:grpSpPr>
+        <a:xfrm>
+          <a:off x="0" y="0"/>
+          <a:ext cx="0" cy="0"/>
+          <a:chOff x="0" y="0"/>
+          <a:chExt cx="0" cy="0"/>
+        </a:xfrm>
+      </p:grpSpPr>
+      <p:sp>
+        <p:nvSpPr>
+          <p:cNvPr id="2" name="Title 1"/>
+          <p:cNvSpPr>
+            <a:spLocks noGrp="1"/>
+          </p:cNvSpPr>
+          <p:nvPr>
+            <p:ph type="ctrTitle"/>
+          </p:nvPr>
+        </p:nvSpPr>
+        <p:spPr>
+          <a:xfrm>
+            <a:off x="1524000" y="1122363"/>
+            <a:ext cx="9144000" cy="2387600"/>
+          </a:xfrm>
+        </p:spPr>
+        <p:txBody>
+          <a:bodyPr>
+            <a:normAutofit/>
+          </a:bodyPr>
+          <a:lstStyle/>
+          <a:p>
+            <a:r>
+              <a:rPr lang="en-US" sz="4800" dirty="0"/>
+              <a:t>End of Session</a:t>
+            </a:r>
+          </a:p>
+        </p:txBody>
+      </p:sp>
+      <p:sp>
+        <p:nvSpPr>
+          <p:cNvPr id="3" name="Subtitle 2"/>
+          <p:cNvSpPr>
+            <a:spLocks noGrp="1"/>
+          </p:cNvSpPr>
+          <p:nvPr>
+            <p:ph type="subTitle" idx="1"/>
+          </p:nvPr>
+        </p:nvSpPr>
+        <p:spPr>
+          <a:xfrm>
+            <a:off x="1524000" y="3602038"/>
+            <a:ext cx="9144000" cy="2198022"/>
+          </a:xfrm>
+        </p:spPr>
+        <p:txBody>
+          <a:bodyPr>
+            <a:normAutofit/>
+          </a:bodyPr>
+          <a:lstStyle/>
+          <a:p>
+            <a:pPr algn="l"/>
+            <a:r>
+              <a:rPr lang="en-US" dirty="0"/>
+              <a:t>Course Number: CPSC-24500</a:t>
+            </a:r>
+          </a:p>
+          <a:p>
+            <a:pPr algn="l"/>
+            <a:r>
+              <a:rPr lang="en-US" dirty="0"/>
+              <a:t>Week: 7</a:t>
+            </a:r>
+          </a:p>
+          <a:p>
+            <a:pPr algn="l"/>
+            <a:r>
+              <a:rPr lang="en-US" dirty="0"/>
+              <a:t>Session: 3</a:t>
             </a:r>
           </a:p>
           <a:p>
@@ -8849,9 +9730,12 @@
 </file>
 
 <file path=customXml/item1.xml><?xml version="1.0" encoding="utf-8"?>
-<p:properties xmlns:p="http://schemas.microsoft.com/office/2006/metadata/properties" xmlns:xsi="http://www.w3.org/2001/XMLSchema-instance" xmlns:pc="http://schemas.microsoft.com/office/infopath/2007/PartnerControls">
-  <documentManagement/>
-</p:properties>
+<?mso-contentType ?>
+<FormTemplates xmlns="http://schemas.microsoft.com/sharepoint/v3/contenttype/forms">
+  <Display>DocumentLibraryForm</Display>
+  <Edit>DocumentLibraryForm</Edit>
+  <New>DocumentLibraryForm</New>
+</FormTemplates>
 </file>
 
 <file path=customXml/item2.xml><?xml version="1.0" encoding="utf-8"?>
@@ -8969,25 +9853,15 @@
 </file>
 
 <file path=customXml/item3.xml><?xml version="1.0" encoding="utf-8"?>
-<?mso-contentType ?>
-<FormTemplates xmlns="http://schemas.microsoft.com/sharepoint/v3/contenttype/forms">
-  <Display>DocumentLibraryForm</Display>
-  <Edit>DocumentLibraryForm</Edit>
-  <New>DocumentLibraryForm</New>
-</FormTemplates>
+<p:properties xmlns:p="http://schemas.microsoft.com/office/2006/metadata/properties" xmlns:xsi="http://www.w3.org/2001/XMLSchema-instance" xmlns:pc="http://schemas.microsoft.com/office/infopath/2007/PartnerControls">
+  <documentManagement/>
+</p:properties>
 </file>
 
 <file path=customXml/itemProps1.xml><?xml version="1.0" encoding="utf-8"?>
-<ds:datastoreItem xmlns:ds="http://schemas.openxmlformats.org/officeDocument/2006/customXml" ds:itemID="{3473EA1A-2744-48E8-B2A3-4F89C0FC849C}">
+<ds:datastoreItem xmlns:ds="http://schemas.openxmlformats.org/officeDocument/2006/customXml" ds:itemID="{87FD8B20-B89A-4B23-9329-175195DD4D8A}">
   <ds:schemaRefs>
-    <ds:schemaRef ds:uri="http://schemas.microsoft.com/office/2006/documentManagement/types"/>
-    <ds:schemaRef ds:uri="http://schemas.microsoft.com/office/infopath/2007/PartnerControls"/>
-    <ds:schemaRef ds:uri="http://purl.org/dc/elements/1.1/"/>
-    <ds:schemaRef ds:uri="http://schemas.microsoft.com/office/2006/metadata/properties"/>
-    <ds:schemaRef ds:uri="http://purl.org/dc/terms/"/>
-    <ds:schemaRef ds:uri="http://schemas.openxmlformats.org/package/2006/metadata/core-properties"/>
-    <ds:schemaRef ds:uri="http://www.w3.org/XML/1998/namespace"/>
-    <ds:schemaRef ds:uri="http://purl.org/dc/dcmitype/"/>
+    <ds:schemaRef ds:uri="http://schemas.microsoft.com/sharepoint/v3/contenttype/forms"/>
   </ds:schemaRefs>
 </ds:datastoreItem>
 </file>
@@ -9009,9 +9883,16 @@
 </file>
 
 <file path=customXml/itemProps3.xml><?xml version="1.0" encoding="utf-8"?>
-<ds:datastoreItem xmlns:ds="http://schemas.openxmlformats.org/officeDocument/2006/customXml" ds:itemID="{87FD8B20-B89A-4B23-9329-175195DD4D8A}">
+<ds:datastoreItem xmlns:ds="http://schemas.openxmlformats.org/officeDocument/2006/customXml" ds:itemID="{3473EA1A-2744-48E8-B2A3-4F89C0FC849C}">
   <ds:schemaRefs>
-    <ds:schemaRef ds:uri="http://schemas.microsoft.com/sharepoint/v3/contenttype/forms"/>
+    <ds:schemaRef ds:uri="http://purl.org/dc/elements/1.1/"/>
+    <ds:schemaRef ds:uri="http://schemas.microsoft.com/office/2006/metadata/properties"/>
+    <ds:schemaRef ds:uri="http://schemas.microsoft.com/office/2006/documentManagement/types"/>
+    <ds:schemaRef ds:uri="http://purl.org/dc/terms/"/>
+    <ds:schemaRef ds:uri="http://schemas.openxmlformats.org/package/2006/metadata/core-properties"/>
+    <ds:schemaRef ds:uri="http://purl.org/dc/dcmitype/"/>
+    <ds:schemaRef ds:uri="http://schemas.microsoft.com/office/infopath/2007/PartnerControls"/>
+    <ds:schemaRef ds:uri="http://www.w3.org/XML/1998/namespace"/>
   </ds:schemaRefs>
 </ds:datastoreItem>
 </file>
--- a/CPSC-24500/Week07/2017SpringW07Slides.pptx
+++ b/CPSC-24500/Week07/2017SpringW07Slides.pptx
@@ -5,7 +5,7 @@
     <p:sldMasterId id="2147483648" r:id="rId4"/>
   </p:sldMasterIdLst>
   <p:notesMasterIdLst>
-    <p:notesMasterId r:id="rId29"/>
+    <p:notesMasterId r:id="rId28"/>
   </p:notesMasterIdLst>
   <p:sldIdLst>
     <p:sldId id="381" r:id="rId5"/>
@@ -26,12 +26,11 @@
     <p:sldId id="533" r:id="rId20"/>
     <p:sldId id="534" r:id="rId21"/>
     <p:sldId id="467" r:id="rId22"/>
-    <p:sldId id="497" r:id="rId23"/>
-    <p:sldId id="535" r:id="rId24"/>
-    <p:sldId id="537" r:id="rId25"/>
-    <p:sldId id="475" r:id="rId26"/>
-    <p:sldId id="538" r:id="rId27"/>
-    <p:sldId id="490" r:id="rId28"/>
+    <p:sldId id="535" r:id="rId23"/>
+    <p:sldId id="537" r:id="rId24"/>
+    <p:sldId id="475" r:id="rId25"/>
+    <p:sldId id="538" r:id="rId26"/>
+    <p:sldId id="490" r:id="rId27"/>
   </p:sldIdLst>
   <p:sldSz cx="12192000" cy="6858000"/>
   <p:notesSz cx="7315200" cy="9601200"/>
@@ -141,6 +140,10 @@
 </p:presentation>
 </file>
 
+<file path=ppt/revisionInfo.xml><?xml version="1.0" encoding="utf-8"?>
+<p1510:revInfo xmlns:a="http://schemas.openxmlformats.org/drawingml/2006/main" xmlns:r="http://schemas.openxmlformats.org/officeDocument/2006/relationships" xmlns:p1510="http://schemas.microsoft.com/office/powerpoint/2015/10/main"/>
+</file>
+
 <file path=ppt/notesMasters/notesMaster1.xml><?xml version="1.0" encoding="utf-8"?>
 <p:notesMaster xmlns:a="http://schemas.openxmlformats.org/drawingml/2006/main" xmlns:r="http://schemas.openxmlformats.org/officeDocument/2006/relationships" xmlns:p="http://schemas.openxmlformats.org/presentationml/2006/main">
   <p:cSld>
@@ -223,7 +226,7 @@
           <a:p>
             <a:fld id="{91ED72D7-FE6F-4B82-8D31-76BC00B06094}" type="datetimeFigureOut">
               <a:rPr lang="en-US" smtClean="0"/>
-              <a:t>4/29/2017</a:t>
+              <a:t>5/1/2017</a:t>
             </a:fld>
             <a:endParaRPr lang="en-US" dirty="0"/>
           </a:p>
@@ -1386,7 +1389,7 @@
           <a:bodyPr/>
           <a:lstStyle/>
           <a:p>
-            <a:endParaRPr lang="en-US" dirty="0"/>
+            <a:endParaRPr lang="en-US" sz="1000" dirty="0"/>
           </a:p>
         </p:txBody>
       </p:sp>
@@ -1416,7 +1419,7 @@
     </p:spTree>
     <p:extLst>
       <p:ext uri="{BB962C8B-B14F-4D97-AF65-F5344CB8AC3E}">
-        <p14:creationId xmlns:p14="http://schemas.microsoft.com/office/powerpoint/2010/main" val="4010604235"/>
+        <p14:creationId xmlns:p14="http://schemas.microsoft.com/office/powerpoint/2010/main" val="3734680289"/>
       </p:ext>
     </p:extLst>
   </p:cSld>
@@ -1626,7 +1629,55 @@
           <a:bodyPr/>
           <a:lstStyle/>
           <a:p>
+            <a:r>
+              <a:rPr lang="en-US" sz="1000" dirty="0"/>
+              <a:t>TCP/IP: Transmission Control Protocol / Internet Protocol </a:t>
+            </a:r>
+          </a:p>
+          <a:p>
+            <a:r>
+              <a:rPr lang="en-US" sz="1000" dirty="0"/>
+              <a:t>HTTP: Hypertext Transfer Protocol </a:t>
+            </a:r>
+          </a:p>
+          <a:p>
+            <a:r>
+              <a:rPr lang="en-US" sz="1000" dirty="0"/>
+              <a:t>HTTPs: Hypertext Transfer Protocol Secure</a:t>
+            </a:r>
+          </a:p>
+          <a:p>
+            <a:r>
+              <a:rPr lang="en-US" sz="1000" dirty="0"/>
+              <a:t>SSL: Secure Sockets Layer</a:t>
+            </a:r>
+          </a:p>
+          <a:p>
+            <a:r>
+              <a:rPr lang="en-US" sz="1000" dirty="0"/>
+              <a:t>HTML: Hypertext Markup Language</a:t>
+            </a:r>
+          </a:p>
+          <a:p>
+            <a:r>
+              <a:rPr lang="en-US" sz="1000" dirty="0"/>
+              <a:t>XML: Extensible Markup Language</a:t>
+            </a:r>
+          </a:p>
+          <a:p>
+            <a:r>
+              <a:rPr lang="en-US" sz="1000" dirty="0"/>
+              <a:t>JSON: </a:t>
+            </a:r>
+          </a:p>
+          <a:p>
             <a:endParaRPr lang="en-US" sz="1000" dirty="0"/>
+          </a:p>
+          <a:p>
+            <a:r>
+              <a:rPr lang="en-US" sz="1000" dirty="0"/>
+              <a:t>Web Server: A server that utilizes TCP/IP and responds on Port 80 from a given IP address using HTTP and generally returns HTML.</a:t>
+            </a:r>
           </a:p>
         </p:txBody>
       </p:sp>
@@ -1649,14 +1700,14 @@
               <a:rPr lang="en-US" smtClean="0"/>
               <a:t>20</a:t>
             </a:fld>
-            <a:endParaRPr lang="en-US" dirty="0"/>
+            <a:endParaRPr lang="en-US"/>
           </a:p>
         </p:txBody>
       </p:sp>
     </p:spTree>
     <p:extLst>
       <p:ext uri="{BB962C8B-B14F-4D97-AF65-F5344CB8AC3E}">
-        <p14:creationId xmlns:p14="http://schemas.microsoft.com/office/powerpoint/2010/main" val="3734680289"/>
+        <p14:creationId xmlns:p14="http://schemas.microsoft.com/office/powerpoint/2010/main" val="556053018"/>
       </p:ext>
     </p:extLst>
   </p:cSld>
@@ -1710,55 +1761,7 @@
           <a:bodyPr/>
           <a:lstStyle/>
           <a:p>
-            <a:r>
-              <a:rPr lang="en-US" sz="1000" dirty="0"/>
-              <a:t>TCP/IP: Transmission Control Protocol / Internet Protocol </a:t>
-            </a:r>
-          </a:p>
-          <a:p>
-            <a:r>
-              <a:rPr lang="en-US" sz="1000" dirty="0"/>
-              <a:t>HTTP: Hypertext Transfer Protocol </a:t>
-            </a:r>
-          </a:p>
-          <a:p>
-            <a:r>
-              <a:rPr lang="en-US" sz="1000" dirty="0"/>
-              <a:t>HTTPs: Hypertext Transfer Protocol Secure</a:t>
-            </a:r>
-          </a:p>
-          <a:p>
-            <a:r>
-              <a:rPr lang="en-US" sz="1000" dirty="0"/>
-              <a:t>SSL: Secure Sockets Layer</a:t>
-            </a:r>
-          </a:p>
-          <a:p>
-            <a:r>
-              <a:rPr lang="en-US" sz="1000" dirty="0"/>
-              <a:t>HTML: Hypertext Markup Language</a:t>
-            </a:r>
-          </a:p>
-          <a:p>
-            <a:r>
-              <a:rPr lang="en-US" sz="1000" dirty="0"/>
-              <a:t>XML: Extensible Markup Language</a:t>
-            </a:r>
-          </a:p>
-          <a:p>
-            <a:r>
-              <a:rPr lang="en-US" sz="1000" dirty="0"/>
-              <a:t>JSON: </a:t>
-            </a:r>
-          </a:p>
-          <a:p>
-            <a:endParaRPr lang="en-US" sz="1000" dirty="0"/>
-          </a:p>
-          <a:p>
-            <a:r>
-              <a:rPr lang="en-US" sz="1000" dirty="0"/>
-              <a:t>Web Server: A server that utilizes TCP/IP and responds on Port 80 from a given IP address using HTTP and generally returns HTML.</a:t>
-            </a:r>
+            <a:endParaRPr lang="en-US" dirty="0"/>
           </a:p>
         </p:txBody>
       </p:sp>
@@ -1781,14 +1784,14 @@
               <a:rPr lang="en-US" smtClean="0"/>
               <a:t>21</a:t>
             </a:fld>
-            <a:endParaRPr lang="en-US"/>
+            <a:endParaRPr lang="en-US" dirty="0"/>
           </a:p>
         </p:txBody>
       </p:sp>
     </p:spTree>
     <p:extLst>
       <p:ext uri="{BB962C8B-B14F-4D97-AF65-F5344CB8AC3E}">
-        <p14:creationId xmlns:p14="http://schemas.microsoft.com/office/powerpoint/2010/main" val="556053018"/>
+        <p14:creationId xmlns:p14="http://schemas.microsoft.com/office/powerpoint/2010/main" val="4053031286"/>
       </p:ext>
     </p:extLst>
   </p:cSld>
@@ -1842,7 +1845,7 @@
           <a:bodyPr/>
           <a:lstStyle/>
           <a:p>
-            <a:endParaRPr lang="en-US" dirty="0"/>
+            <a:endParaRPr lang="en-US" sz="1000" dirty="0"/>
           </a:p>
         </p:txBody>
       </p:sp>
@@ -1872,7 +1875,7 @@
     </p:spTree>
     <p:extLst>
       <p:ext uri="{BB962C8B-B14F-4D97-AF65-F5344CB8AC3E}">
-        <p14:creationId xmlns:p14="http://schemas.microsoft.com/office/powerpoint/2010/main" val="4053031286"/>
+        <p14:creationId xmlns:p14="http://schemas.microsoft.com/office/powerpoint/2010/main" val="3164610844"/>
       </p:ext>
     </p:extLst>
   </p:cSld>
@@ -1948,90 +1951,6 @@
             <a:fld id="{5394DE12-7B9B-46AA-AC19-C30A49928B9B}" type="slidenum">
               <a:rPr lang="en-US" smtClean="0"/>
               <a:t>23</a:t>
-            </a:fld>
-            <a:endParaRPr lang="en-US" dirty="0"/>
-          </a:p>
-        </p:txBody>
-      </p:sp>
-    </p:spTree>
-    <p:extLst>
-      <p:ext uri="{BB962C8B-B14F-4D97-AF65-F5344CB8AC3E}">
-        <p14:creationId xmlns:p14="http://schemas.microsoft.com/office/powerpoint/2010/main" val="3164610844"/>
-      </p:ext>
-    </p:extLst>
-  </p:cSld>
-  <p:clrMapOvr>
-    <a:masterClrMapping/>
-  </p:clrMapOvr>
-</p:notes>
-</file>
-
-<file path=ppt/notesSlides/notesSlide24.xml><?xml version="1.0" encoding="utf-8"?>
-<p:notes xmlns:a="http://schemas.openxmlformats.org/drawingml/2006/main" xmlns:r="http://schemas.openxmlformats.org/officeDocument/2006/relationships" xmlns:p="http://schemas.openxmlformats.org/presentationml/2006/main">
-  <p:cSld>
-    <p:spTree>
-      <p:nvGrpSpPr>
-        <p:cNvPr id="1" name=""/>
-        <p:cNvGrpSpPr/>
-        <p:nvPr/>
-      </p:nvGrpSpPr>
-      <p:grpSpPr>
-        <a:xfrm>
-          <a:off x="0" y="0"/>
-          <a:ext cx="0" cy="0"/>
-          <a:chOff x="0" y="0"/>
-          <a:chExt cx="0" cy="0"/>
-        </a:xfrm>
-      </p:grpSpPr>
-      <p:sp>
-        <p:nvSpPr>
-          <p:cNvPr id="2" name="Slide Image Placeholder 1"/>
-          <p:cNvSpPr>
-            <a:spLocks noGrp="1" noRot="1" noChangeAspect="1"/>
-          </p:cNvSpPr>
-          <p:nvPr>
-            <p:ph type="sldImg"/>
-          </p:nvPr>
-        </p:nvSpPr>
-        <p:spPr/>
-      </p:sp>
-      <p:sp>
-        <p:nvSpPr>
-          <p:cNvPr id="3" name="Notes Placeholder 2"/>
-          <p:cNvSpPr>
-            <a:spLocks noGrp="1"/>
-          </p:cNvSpPr>
-          <p:nvPr>
-            <p:ph type="body" idx="1"/>
-          </p:nvPr>
-        </p:nvSpPr>
-        <p:spPr/>
-        <p:txBody>
-          <a:bodyPr/>
-          <a:lstStyle/>
-          <a:p>
-            <a:endParaRPr lang="en-US" sz="1000" dirty="0"/>
-          </a:p>
-        </p:txBody>
-      </p:sp>
-      <p:sp>
-        <p:nvSpPr>
-          <p:cNvPr id="4" name="Slide Number Placeholder 3"/>
-          <p:cNvSpPr>
-            <a:spLocks noGrp="1"/>
-          </p:cNvSpPr>
-          <p:nvPr>
-            <p:ph type="sldNum" sz="quarter" idx="10"/>
-          </p:nvPr>
-        </p:nvSpPr>
-        <p:spPr/>
-        <p:txBody>
-          <a:bodyPr/>
-          <a:lstStyle/>
-          <a:p>
-            <a:fld id="{5394DE12-7B9B-46AA-AC19-C30A49928B9B}" type="slidenum">
-              <a:rPr lang="en-US" smtClean="0"/>
-              <a:t>24</a:t>
             </a:fld>
             <a:endParaRPr lang="en-US" dirty="0"/>
           </a:p>
@@ -2962,7 +2881,7 @@
           <a:p>
             <a:fld id="{969F32F5-AB1C-41B2-AE79-C9DE1D1745A4}" type="datetimeFigureOut">
               <a:rPr lang="en-US" smtClean="0"/>
-              <a:t>4/29/2017</a:t>
+              <a:t>5/1/2017</a:t>
             </a:fld>
             <a:endParaRPr lang="en-US" dirty="0"/>
           </a:p>
@@ -3130,7 +3049,7 @@
           <a:p>
             <a:fld id="{969F32F5-AB1C-41B2-AE79-C9DE1D1745A4}" type="datetimeFigureOut">
               <a:rPr lang="en-US" smtClean="0"/>
-              <a:t>4/29/2017</a:t>
+              <a:t>5/1/2017</a:t>
             </a:fld>
             <a:endParaRPr lang="en-US" dirty="0"/>
           </a:p>
@@ -3308,7 +3227,7 @@
           <a:p>
             <a:fld id="{969F32F5-AB1C-41B2-AE79-C9DE1D1745A4}" type="datetimeFigureOut">
               <a:rPr lang="en-US" smtClean="0"/>
-              <a:t>4/29/2017</a:t>
+              <a:t>5/1/2017</a:t>
             </a:fld>
             <a:endParaRPr lang="en-US" dirty="0"/>
           </a:p>
@@ -3476,7 +3395,7 @@
           <a:p>
             <a:fld id="{969F32F5-AB1C-41B2-AE79-C9DE1D1745A4}" type="datetimeFigureOut">
               <a:rPr lang="en-US" smtClean="0"/>
-              <a:t>4/29/2017</a:t>
+              <a:t>5/1/2017</a:t>
             </a:fld>
             <a:endParaRPr lang="en-US" dirty="0"/>
           </a:p>
@@ -3721,7 +3640,7 @@
           <a:p>
             <a:fld id="{969F32F5-AB1C-41B2-AE79-C9DE1D1745A4}" type="datetimeFigureOut">
               <a:rPr lang="en-US" smtClean="0"/>
-              <a:t>4/29/2017</a:t>
+              <a:t>5/1/2017</a:t>
             </a:fld>
             <a:endParaRPr lang="en-US" dirty="0"/>
           </a:p>
@@ -3950,7 +3869,7 @@
           <a:p>
             <a:fld id="{969F32F5-AB1C-41B2-AE79-C9DE1D1745A4}" type="datetimeFigureOut">
               <a:rPr lang="en-US" smtClean="0"/>
-              <a:t>4/29/2017</a:t>
+              <a:t>5/1/2017</a:t>
             </a:fld>
             <a:endParaRPr lang="en-US" dirty="0"/>
           </a:p>
@@ -4314,7 +4233,7 @@
           <a:p>
             <a:fld id="{969F32F5-AB1C-41B2-AE79-C9DE1D1745A4}" type="datetimeFigureOut">
               <a:rPr lang="en-US" smtClean="0"/>
-              <a:t>4/29/2017</a:t>
+              <a:t>5/1/2017</a:t>
             </a:fld>
             <a:endParaRPr lang="en-US" dirty="0"/>
           </a:p>
@@ -4431,7 +4350,7 @@
           <a:p>
             <a:fld id="{969F32F5-AB1C-41B2-AE79-C9DE1D1745A4}" type="datetimeFigureOut">
               <a:rPr lang="en-US" smtClean="0"/>
-              <a:t>4/29/2017</a:t>
+              <a:t>5/1/2017</a:t>
             </a:fld>
             <a:endParaRPr lang="en-US" dirty="0"/>
           </a:p>
@@ -4526,7 +4445,7 @@
           <a:p>
             <a:fld id="{969F32F5-AB1C-41B2-AE79-C9DE1D1745A4}" type="datetimeFigureOut">
               <a:rPr lang="en-US" smtClean="0"/>
-              <a:t>4/29/2017</a:t>
+              <a:t>5/1/2017</a:t>
             </a:fld>
             <a:endParaRPr lang="en-US" dirty="0"/>
           </a:p>
@@ -4801,7 +4720,7 @@
           <a:p>
             <a:fld id="{969F32F5-AB1C-41B2-AE79-C9DE1D1745A4}" type="datetimeFigureOut">
               <a:rPr lang="en-US" smtClean="0"/>
-              <a:t>4/29/2017</a:t>
+              <a:t>5/1/2017</a:t>
             </a:fld>
             <a:endParaRPr lang="en-US" dirty="0"/>
           </a:p>
@@ -5053,7 +4972,7 @@
           <a:p>
             <a:fld id="{969F32F5-AB1C-41B2-AE79-C9DE1D1745A4}" type="datetimeFigureOut">
               <a:rPr lang="en-US" smtClean="0"/>
-              <a:t>4/29/2017</a:t>
+              <a:t>5/1/2017</a:t>
             </a:fld>
             <a:endParaRPr lang="en-US" dirty="0"/>
           </a:p>
@@ -5264,7 +5183,7 @@
           <a:p>
             <a:fld id="{969F32F5-AB1C-41B2-AE79-C9DE1D1745A4}" type="datetimeFigureOut">
               <a:rPr lang="en-US" smtClean="0"/>
-              <a:t>4/29/2017</a:t>
+              <a:t>5/1/2017</a:t>
             </a:fld>
             <a:endParaRPr lang="en-US" dirty="0"/>
           </a:p>
@@ -7042,16 +6961,6 @@
 <file path=ppt/slides/slide19.xml><?xml version="1.0" encoding="utf-8"?>
 <p:sld xmlns:a="http://schemas.openxmlformats.org/drawingml/2006/main" xmlns:r="http://schemas.openxmlformats.org/officeDocument/2006/relationships" xmlns:p="http://schemas.openxmlformats.org/presentationml/2006/main">
   <p:cSld>
-    <p:bg>
-      <p:bgPr>
-        <a:solidFill>
-          <a:schemeClr val="bg1">
-            <a:lumMod val="75000"/>
-          </a:schemeClr>
-        </a:solidFill>
-        <a:effectLst/>
-      </p:bgPr>
-    </p:bg>
     <p:spTree>
       <p:nvGrpSpPr>
         <p:cNvPr id="1" name=""/>
@@ -7073,13 +6982,13 @@
             <a:spLocks noGrp="1"/>
           </p:cNvSpPr>
           <p:nvPr>
-            <p:ph type="ctrTitle"/>
+            <p:ph type="title"/>
           </p:nvPr>
         </p:nvSpPr>
         <p:spPr>
           <a:xfrm>
-            <a:off x="1524000" y="1122363"/>
-            <a:ext cx="9144000" cy="2387600"/>
+            <a:off x="838200" y="365126"/>
+            <a:ext cx="6113662" cy="1409174"/>
           </a:xfrm>
         </p:spPr>
         <p:txBody>
@@ -7089,67 +6998,154 @@
           <a:lstStyle/>
           <a:p>
             <a:r>
-              <a:rPr lang="en-US" sz="4800" dirty="0"/>
-              <a:t>End of Session</a:t>
-            </a:r>
-          </a:p>
-        </p:txBody>
-      </p:sp>
-      <p:sp>
-        <p:nvSpPr>
-          <p:cNvPr id="3" name="Subtitle 2"/>
-          <p:cNvSpPr>
-            <a:spLocks noGrp="1"/>
-          </p:cNvSpPr>
-          <p:nvPr>
-            <p:ph type="subTitle" idx="1"/>
-          </p:nvPr>
-        </p:nvSpPr>
+              <a:rPr lang="en-US" sz="3600" dirty="0"/>
+              <a:t>Object-Oriented Programming</a:t>
+            </a:r>
+            <a:br>
+              <a:rPr lang="en-US" sz="3600" dirty="0"/>
+            </a:br>
+            <a:r>
+              <a:rPr lang="en-US" sz="1800" dirty="0"/>
+              <a:t>Session: Week 7 Session 2 </a:t>
+            </a:r>
+            <a:br>
+              <a:rPr lang="en-US" sz="1800" dirty="0"/>
+            </a:br>
+            <a:r>
+              <a:rPr lang="en-US" sz="1800" dirty="0"/>
+              <a:t>Instructor: Eric Pogue</a:t>
+            </a:r>
+            <a:endParaRPr lang="en-US" sz="1800" b="1" i="1" u="sng" dirty="0"/>
+          </a:p>
+        </p:txBody>
+      </p:sp>
+      <p:pic>
+        <p:nvPicPr>
+          <p:cNvPr id="4" name="Content Placeholder 4"/>
+          <p:cNvPicPr>
+            <a:picLocks noChangeAspect="1"/>
+          </p:cNvPicPr>
+          <p:nvPr/>
+        </p:nvPicPr>
+        <p:blipFill>
+          <a:blip r:embed="rId3"/>
+          <a:stretch>
+            <a:fillRect/>
+          </a:stretch>
+        </p:blipFill>
         <p:spPr>
           <a:xfrm>
-            <a:off x="1524000" y="3602038"/>
-            <a:ext cx="9144000" cy="2198022"/>
+            <a:off x="9072894" y="182925"/>
+            <a:ext cx="2656367" cy="1366321"/>
+          </a:xfrm>
+          <a:prstGeom prst="rect">
+            <a:avLst/>
+          </a:prstGeom>
+        </p:spPr>
+      </p:pic>
+      <p:sp>
+        <p:nvSpPr>
+          <p:cNvPr id="10" name="Content Placeholder 2"/>
+          <p:cNvSpPr>
+            <a:spLocks noGrp="1"/>
+          </p:cNvSpPr>
+          <p:nvPr>
+            <p:ph idx="1"/>
+          </p:nvPr>
+        </p:nvSpPr>
+        <p:spPr>
+          <a:xfrm>
+            <a:off x="838200" y="1884313"/>
+            <a:ext cx="10718950" cy="4571242"/>
           </a:xfrm>
         </p:spPr>
         <p:txBody>
           <a:bodyPr>
-            <a:normAutofit/>
+            <a:noAutofit/>
           </a:bodyPr>
           <a:lstStyle/>
           <a:p>
-            <a:pPr algn="l"/>
-            <a:r>
-              <a:rPr lang="en-US" dirty="0"/>
-              <a:t>Course Number: CPSC-24500</a:t>
-            </a:r>
-          </a:p>
-          <a:p>
-            <a:pPr algn="l"/>
-            <a:r>
-              <a:rPr lang="en-US" dirty="0"/>
-              <a:t>Week: 7</a:t>
-            </a:r>
-          </a:p>
-          <a:p>
-            <a:pPr algn="l"/>
-            <a:r>
-              <a:rPr lang="en-US" dirty="0"/>
-              <a:t>Session: 2</a:t>
-            </a:r>
-          </a:p>
-          <a:p>
-            <a:pPr algn="l"/>
-            <a:r>
-              <a:rPr lang="en-US" dirty="0"/>
-              <a:t>Instructor: Eric Pogue</a:t>
-            </a:r>
+            <a:pPr marL="0" indent="0">
+              <a:buNone/>
+            </a:pPr>
+            <a:r>
+              <a:rPr lang="en-US" sz="2000" u="sng" dirty="0" err="1"/>
+              <a:t>HideDataDownloadXML</a:t>
+            </a:r>
+            <a:r>
+              <a:rPr lang="en-US" sz="2000" u="sng" dirty="0"/>
+              <a:t> Example:</a:t>
+            </a:r>
+          </a:p>
+          <a:p>
+            <a:pPr marL="457200" indent="-457200">
+              <a:buFont typeface="+mj-lt"/>
+              <a:buAutoNum type="arabicPeriod"/>
+            </a:pPr>
+            <a:r>
+              <a:rPr lang="en-US" sz="2000" dirty="0"/>
+              <a:t>Develop  application entirely in Visual Studio 2017 and C#</a:t>
+            </a:r>
+          </a:p>
+          <a:p>
+            <a:pPr marL="457200" indent="-457200">
+              <a:buFont typeface="+mj-lt"/>
+              <a:buAutoNum type="arabicPeriod"/>
+            </a:pPr>
+            <a:r>
+              <a:rPr lang="en-US" sz="2000" dirty="0"/>
+              <a:t>Take in one command line argument that is the URL to download</a:t>
+            </a:r>
+          </a:p>
+          <a:p>
+            <a:pPr marL="457200" indent="-457200">
+              <a:buFont typeface="+mj-lt"/>
+              <a:buAutoNum type="arabicPeriod"/>
+            </a:pPr>
+            <a:r>
+              <a:rPr lang="en-US" sz="2000" dirty="0"/>
+              <a:t>Utilize Web (HTTP) protocols to download HTML and XML files </a:t>
+            </a:r>
+          </a:p>
+          <a:p>
+            <a:pPr marL="457200" indent="-457200">
+              <a:buFont typeface="+mj-lt"/>
+              <a:buAutoNum type="arabicPeriod"/>
+            </a:pPr>
+            <a:r>
+              <a:rPr lang="en-US" sz="2000" dirty="0"/>
+              <a:t>Get ready for parsing XML</a:t>
+            </a:r>
+          </a:p>
+          <a:p>
+            <a:pPr marL="457200" indent="-457200">
+              <a:buFont typeface="+mj-lt"/>
+              <a:buAutoNum type="arabicPeriod"/>
+            </a:pPr>
+            <a:r>
+              <a:rPr lang="en-US" sz="2000" dirty="0"/>
+              <a:t>Implement multiple C# classes that appropriately hide data</a:t>
+            </a:r>
+          </a:p>
+          <a:p>
+            <a:pPr marL="457200" indent="-457200">
+              <a:buFont typeface="+mj-lt"/>
+              <a:buAutoNum type="arabicPeriod"/>
+            </a:pPr>
+            <a:endParaRPr lang="en-US" sz="2000" dirty="0"/>
+          </a:p>
+          <a:p>
+            <a:pPr marL="0" indent="0">
+              <a:buNone/>
+            </a:pPr>
+            <a:endParaRPr lang="en-US" sz="2000" dirty="0"/>
           </a:p>
         </p:txBody>
       </p:sp>
     </p:spTree>
     <p:extLst>
       <p:ext uri="{BB962C8B-B14F-4D97-AF65-F5344CB8AC3E}">
-        <p14:creationId xmlns:p14="http://schemas.microsoft.com/office/powerpoint/2010/main" val="3303290033"/>
+        <p14:creationId xmlns:p14="http://schemas.microsoft.com/office/powerpoint/2010/main" val="1455101819"/>
       </p:ext>
     </p:extLst>
   </p:cSld>
@@ -7286,203 +7282,6 @@
         </p:nvSpPr>
         <p:spPr>
           <a:xfrm>
-            <a:off x="838200" y="365126"/>
-            <a:ext cx="6113662" cy="1409174"/>
-          </a:xfrm>
-        </p:spPr>
-        <p:txBody>
-          <a:bodyPr>
-            <a:normAutofit/>
-          </a:bodyPr>
-          <a:lstStyle/>
-          <a:p>
-            <a:r>
-              <a:rPr lang="en-US" sz="3600" dirty="0"/>
-              <a:t>Object-Oriented Programming</a:t>
-            </a:r>
-            <a:br>
-              <a:rPr lang="en-US" sz="3600" dirty="0"/>
-            </a:br>
-            <a:r>
-              <a:rPr lang="en-US" sz="1800" dirty="0"/>
-              <a:t>Session: Week 7 Session 2 </a:t>
-            </a:r>
-            <a:br>
-              <a:rPr lang="en-US" sz="1800" dirty="0"/>
-            </a:br>
-            <a:r>
-              <a:rPr lang="en-US" sz="1800" dirty="0"/>
-              <a:t>Instructor: Eric Pogue</a:t>
-            </a:r>
-            <a:endParaRPr lang="en-US" sz="1800" b="1" i="1" u="sng" dirty="0"/>
-          </a:p>
-        </p:txBody>
-      </p:sp>
-      <p:pic>
-        <p:nvPicPr>
-          <p:cNvPr id="4" name="Content Placeholder 4"/>
-          <p:cNvPicPr>
-            <a:picLocks noChangeAspect="1"/>
-          </p:cNvPicPr>
-          <p:nvPr/>
-        </p:nvPicPr>
-        <p:blipFill>
-          <a:blip r:embed="rId3"/>
-          <a:stretch>
-            <a:fillRect/>
-          </a:stretch>
-        </p:blipFill>
-        <p:spPr>
-          <a:xfrm>
-            <a:off x="9072894" y="182925"/>
-            <a:ext cx="2656367" cy="1366321"/>
-          </a:xfrm>
-          <a:prstGeom prst="rect">
-            <a:avLst/>
-          </a:prstGeom>
-        </p:spPr>
-      </p:pic>
-      <p:sp>
-        <p:nvSpPr>
-          <p:cNvPr id="10" name="Content Placeholder 2"/>
-          <p:cNvSpPr>
-            <a:spLocks noGrp="1"/>
-          </p:cNvSpPr>
-          <p:nvPr>
-            <p:ph idx="1"/>
-          </p:nvPr>
-        </p:nvSpPr>
-        <p:spPr>
-          <a:xfrm>
-            <a:off x="838200" y="1884313"/>
-            <a:ext cx="10718950" cy="4571242"/>
-          </a:xfrm>
-        </p:spPr>
-        <p:txBody>
-          <a:bodyPr>
-            <a:noAutofit/>
-          </a:bodyPr>
-          <a:lstStyle/>
-          <a:p>
-            <a:pPr marL="0" indent="0">
-              <a:buNone/>
-            </a:pPr>
-            <a:r>
-              <a:rPr lang="en-US" sz="2000" u="sng" dirty="0" err="1"/>
-              <a:t>HideDataDownloadXML</a:t>
-            </a:r>
-            <a:r>
-              <a:rPr lang="en-US" sz="2000" u="sng" dirty="0"/>
-              <a:t> Example:</a:t>
-            </a:r>
-          </a:p>
-          <a:p>
-            <a:pPr marL="457200" indent="-457200">
-              <a:buFont typeface="+mj-lt"/>
-              <a:buAutoNum type="arabicPeriod"/>
-            </a:pPr>
-            <a:r>
-              <a:rPr lang="en-US" sz="2000" dirty="0"/>
-              <a:t>Develop  application entirely in Visual Studio 2017 and C#</a:t>
-            </a:r>
-          </a:p>
-          <a:p>
-            <a:pPr marL="457200" indent="-457200">
-              <a:buFont typeface="+mj-lt"/>
-              <a:buAutoNum type="arabicPeriod"/>
-            </a:pPr>
-            <a:r>
-              <a:rPr lang="en-US" sz="2000" dirty="0"/>
-              <a:t>Take in one command line argument that is the URL to download</a:t>
-            </a:r>
-          </a:p>
-          <a:p>
-            <a:pPr marL="457200" indent="-457200">
-              <a:buFont typeface="+mj-lt"/>
-              <a:buAutoNum type="arabicPeriod"/>
-            </a:pPr>
-            <a:r>
-              <a:rPr lang="en-US" sz="2000" dirty="0"/>
-              <a:t>Utilize Web (HTTP) protocols to download HTML and XML files </a:t>
-            </a:r>
-          </a:p>
-          <a:p>
-            <a:pPr marL="457200" indent="-457200">
-              <a:buFont typeface="+mj-lt"/>
-              <a:buAutoNum type="arabicPeriod"/>
-            </a:pPr>
-            <a:r>
-              <a:rPr lang="en-US" sz="2000" dirty="0"/>
-              <a:t>Get ready for parsing XML</a:t>
-            </a:r>
-          </a:p>
-          <a:p>
-            <a:pPr marL="457200" indent="-457200">
-              <a:buFont typeface="+mj-lt"/>
-              <a:buAutoNum type="arabicPeriod"/>
-            </a:pPr>
-            <a:r>
-              <a:rPr lang="en-US" sz="2000" dirty="0"/>
-              <a:t>Implement multiple C# classes that appropriately hide data</a:t>
-            </a:r>
-          </a:p>
-          <a:p>
-            <a:pPr marL="457200" indent="-457200">
-              <a:buFont typeface="+mj-lt"/>
-              <a:buAutoNum type="arabicPeriod"/>
-            </a:pPr>
-            <a:endParaRPr lang="en-US" sz="2000" dirty="0"/>
-          </a:p>
-          <a:p>
-            <a:pPr marL="0" indent="0">
-              <a:buNone/>
-            </a:pPr>
-            <a:endParaRPr lang="en-US" sz="2000" dirty="0"/>
-          </a:p>
-        </p:txBody>
-      </p:sp>
-    </p:spTree>
-    <p:extLst>
-      <p:ext uri="{BB962C8B-B14F-4D97-AF65-F5344CB8AC3E}">
-        <p14:creationId xmlns:p14="http://schemas.microsoft.com/office/powerpoint/2010/main" val="1455101819"/>
-      </p:ext>
-    </p:extLst>
-  </p:cSld>
-  <p:clrMapOvr>
-    <a:masterClrMapping/>
-  </p:clrMapOvr>
-</p:sld>
-</file>
-
-<file path=ppt/slides/slide21.xml><?xml version="1.0" encoding="utf-8"?>
-<p:sld xmlns:a="http://schemas.openxmlformats.org/drawingml/2006/main" xmlns:r="http://schemas.openxmlformats.org/officeDocument/2006/relationships" xmlns:p="http://schemas.openxmlformats.org/presentationml/2006/main">
-  <p:cSld>
-    <p:spTree>
-      <p:nvGrpSpPr>
-        <p:cNvPr id="1" name=""/>
-        <p:cNvGrpSpPr/>
-        <p:nvPr/>
-      </p:nvGrpSpPr>
-      <p:grpSpPr>
-        <a:xfrm>
-          <a:off x="0" y="0"/>
-          <a:ext cx="0" cy="0"/>
-          <a:chOff x="0" y="0"/>
-          <a:chExt cx="0" cy="0"/>
-        </a:xfrm>
-      </p:grpSpPr>
-      <p:sp>
-        <p:nvSpPr>
-          <p:cNvPr id="2" name="Title 1"/>
-          <p:cNvSpPr>
-            <a:spLocks noGrp="1"/>
-          </p:cNvSpPr>
-          <p:nvPr>
-            <p:ph type="title"/>
-          </p:nvPr>
-        </p:nvSpPr>
-        <p:spPr>
-          <a:xfrm>
             <a:off x="811620" y="365126"/>
             <a:ext cx="10515600" cy="757272"/>
           </a:xfrm>
@@ -7620,7 +7419,7 @@
 </p:sld>
 </file>
 
-<file path=ppt/slides/slide22.xml><?xml version="1.0" encoding="utf-8"?>
+<file path=ppt/slides/slide21.xml><?xml version="1.0" encoding="utf-8"?>
 <p:sld xmlns:a="http://schemas.openxmlformats.org/drawingml/2006/main" xmlns:r="http://schemas.openxmlformats.org/officeDocument/2006/relationships" xmlns:p="http://schemas.openxmlformats.org/presentationml/2006/main">
   <p:cSld>
     <p:bg>
@@ -7740,7 +7539,7 @@
 </p:sld>
 </file>
 
-<file path=ppt/slides/slide23.xml><?xml version="1.0" encoding="utf-8"?>
+<file path=ppt/slides/slide22.xml><?xml version="1.0" encoding="utf-8"?>
 <p:sld xmlns:a="http://schemas.openxmlformats.org/drawingml/2006/main" xmlns:r="http://schemas.openxmlformats.org/officeDocument/2006/relationships" xmlns:p="http://schemas.openxmlformats.org/presentationml/2006/main">
   <p:cSld>
     <p:spTree>
@@ -7955,7 +7754,7 @@
 </p:sld>
 </file>
 
-<file path=ppt/slides/slide24.xml><?xml version="1.0" encoding="utf-8"?>
+<file path=ppt/slides/slide23.xml><?xml version="1.0" encoding="utf-8"?>
 <p:sld xmlns:a="http://schemas.openxmlformats.org/drawingml/2006/main" xmlns:r="http://schemas.openxmlformats.org/officeDocument/2006/relationships" xmlns:p="http://schemas.openxmlformats.org/presentationml/2006/main">
   <p:cSld>
     <p:bg>
@@ -9730,12 +9529,9 @@
 </file>
 
 <file path=customXml/item1.xml><?xml version="1.0" encoding="utf-8"?>
-<?mso-contentType ?>
-<FormTemplates xmlns="http://schemas.microsoft.com/sharepoint/v3/contenttype/forms">
-  <Display>DocumentLibraryForm</Display>
-  <Edit>DocumentLibraryForm</Edit>
-  <New>DocumentLibraryForm</New>
-</FormTemplates>
+<p:properties xmlns:p="http://schemas.microsoft.com/office/2006/metadata/properties" xmlns:xsi="http://www.w3.org/2001/XMLSchema-instance" xmlns:pc="http://schemas.microsoft.com/office/infopath/2007/PartnerControls">
+  <documentManagement/>
+</p:properties>
 </file>
 
 <file path=customXml/item2.xml><?xml version="1.0" encoding="utf-8"?>
@@ -9853,15 +9649,25 @@
 </file>
 
 <file path=customXml/item3.xml><?xml version="1.0" encoding="utf-8"?>
-<p:properties xmlns:p="http://schemas.microsoft.com/office/2006/metadata/properties" xmlns:xsi="http://www.w3.org/2001/XMLSchema-instance" xmlns:pc="http://schemas.microsoft.com/office/infopath/2007/PartnerControls">
-  <documentManagement/>
-</p:properties>
+<?mso-contentType ?>
+<FormTemplates xmlns="http://schemas.microsoft.com/sharepoint/v3/contenttype/forms">
+  <Display>DocumentLibraryForm</Display>
+  <Edit>DocumentLibraryForm</Edit>
+  <New>DocumentLibraryForm</New>
+</FormTemplates>
 </file>
 
 <file path=customXml/itemProps1.xml><?xml version="1.0" encoding="utf-8"?>
-<ds:datastoreItem xmlns:ds="http://schemas.openxmlformats.org/officeDocument/2006/customXml" ds:itemID="{87FD8B20-B89A-4B23-9329-175195DD4D8A}">
+<ds:datastoreItem xmlns:ds="http://schemas.openxmlformats.org/officeDocument/2006/customXml" ds:itemID="{3473EA1A-2744-48E8-B2A3-4F89C0FC849C}">
   <ds:schemaRefs>
-    <ds:schemaRef ds:uri="http://schemas.microsoft.com/sharepoint/v3/contenttype/forms"/>
+    <ds:schemaRef ds:uri="http://purl.org/dc/elements/1.1/"/>
+    <ds:schemaRef ds:uri="http://schemas.microsoft.com/office/2006/metadata/properties"/>
+    <ds:schemaRef ds:uri="http://schemas.microsoft.com/office/2006/documentManagement/types"/>
+    <ds:schemaRef ds:uri="http://purl.org/dc/terms/"/>
+    <ds:schemaRef ds:uri="http://schemas.openxmlformats.org/package/2006/metadata/core-properties"/>
+    <ds:schemaRef ds:uri="http://purl.org/dc/dcmitype/"/>
+    <ds:schemaRef ds:uri="http://schemas.microsoft.com/office/infopath/2007/PartnerControls"/>
+    <ds:schemaRef ds:uri="http://www.w3.org/XML/1998/namespace"/>
   </ds:schemaRefs>
 </ds:datastoreItem>
 </file>
@@ -9883,16 +9689,9 @@
 </file>
 
 <file path=customXml/itemProps3.xml><?xml version="1.0" encoding="utf-8"?>
-<ds:datastoreItem xmlns:ds="http://schemas.openxmlformats.org/officeDocument/2006/customXml" ds:itemID="{3473EA1A-2744-48E8-B2A3-4F89C0FC849C}">
+<ds:datastoreItem xmlns:ds="http://schemas.openxmlformats.org/officeDocument/2006/customXml" ds:itemID="{87FD8B20-B89A-4B23-9329-175195DD4D8A}">
   <ds:schemaRefs>
-    <ds:schemaRef ds:uri="http://purl.org/dc/elements/1.1/"/>
-    <ds:schemaRef ds:uri="http://schemas.microsoft.com/office/2006/metadata/properties"/>
-    <ds:schemaRef ds:uri="http://schemas.microsoft.com/office/2006/documentManagement/types"/>
-    <ds:schemaRef ds:uri="http://purl.org/dc/terms/"/>
-    <ds:schemaRef ds:uri="http://schemas.openxmlformats.org/package/2006/metadata/core-properties"/>
-    <ds:schemaRef ds:uri="http://purl.org/dc/dcmitype/"/>
-    <ds:schemaRef ds:uri="http://schemas.microsoft.com/office/infopath/2007/PartnerControls"/>
-    <ds:schemaRef ds:uri="http://www.w3.org/XML/1998/namespace"/>
+    <ds:schemaRef ds:uri="http://schemas.microsoft.com/sharepoint/v3/contenttype/forms"/>
   </ds:schemaRefs>
 </ds:datastoreItem>
 </file>
--- a/CPSC-24500/Week07/2017SpringW07Slides.pptx
+++ b/CPSC-24500/Week07/2017SpringW07Slides.pptx
@@ -5,7 +5,7 @@
     <p:sldMasterId id="2147483648" r:id="rId4"/>
   </p:sldMasterIdLst>
   <p:notesMasterIdLst>
-    <p:notesMasterId r:id="rId28"/>
+    <p:notesMasterId r:id="rId37"/>
   </p:notesMasterIdLst>
   <p:sldIdLst>
     <p:sldId id="381" r:id="rId5"/>
@@ -31,6 +31,15 @@
     <p:sldId id="475" r:id="rId25"/>
     <p:sldId id="538" r:id="rId26"/>
     <p:sldId id="490" r:id="rId27"/>
+    <p:sldId id="539" r:id="rId28"/>
+    <p:sldId id="540" r:id="rId29"/>
+    <p:sldId id="541" r:id="rId30"/>
+    <p:sldId id="542" r:id="rId31"/>
+    <p:sldId id="543" r:id="rId32"/>
+    <p:sldId id="544" r:id="rId33"/>
+    <p:sldId id="545" r:id="rId34"/>
+    <p:sldId id="546" r:id="rId35"/>
+    <p:sldId id="547" r:id="rId36"/>
   </p:sldIdLst>
   <p:sldSz cx="12192000" cy="6858000"/>
   <p:notesSz cx="7315200" cy="9601200"/>
@@ -226,7 +235,7 @@
           <a:p>
             <a:fld id="{91ED72D7-FE6F-4B82-8D31-76BC00B06094}" type="datetimeFigureOut">
               <a:rPr lang="en-US" smtClean="0"/>
-              <a:t>5/1/2017</a:t>
+              <a:t>5/2/2017</a:t>
             </a:fld>
             <a:endParaRPr lang="en-US" dirty="0"/>
           </a:p>
@@ -1969,6 +1978,575 @@
 </p:notes>
 </file>
 
+<file path=ppt/notesSlides/notesSlide24.xml><?xml version="1.0" encoding="utf-8"?>
+<p:notes xmlns:a="http://schemas.openxmlformats.org/drawingml/2006/main" xmlns:r="http://schemas.openxmlformats.org/officeDocument/2006/relationships" xmlns:p="http://schemas.openxmlformats.org/presentationml/2006/main">
+  <p:cSld>
+    <p:spTree>
+      <p:nvGrpSpPr>
+        <p:cNvPr id="1" name=""/>
+        <p:cNvGrpSpPr/>
+        <p:nvPr/>
+      </p:nvGrpSpPr>
+      <p:grpSpPr>
+        <a:xfrm>
+          <a:off x="0" y="0"/>
+          <a:ext cx="0" cy="0"/>
+          <a:chOff x="0" y="0"/>
+          <a:chExt cx="0" cy="0"/>
+        </a:xfrm>
+      </p:grpSpPr>
+      <p:sp>
+        <p:nvSpPr>
+          <p:cNvPr id="2" name="Slide Image Placeholder 1"/>
+          <p:cNvSpPr>
+            <a:spLocks noGrp="1" noRot="1" noChangeAspect="1"/>
+          </p:cNvSpPr>
+          <p:nvPr>
+            <p:ph type="sldImg"/>
+          </p:nvPr>
+        </p:nvSpPr>
+        <p:spPr/>
+      </p:sp>
+      <p:sp>
+        <p:nvSpPr>
+          <p:cNvPr id="3" name="Notes Placeholder 2"/>
+          <p:cNvSpPr>
+            <a:spLocks noGrp="1"/>
+          </p:cNvSpPr>
+          <p:nvPr>
+            <p:ph type="body" idx="1"/>
+          </p:nvPr>
+        </p:nvSpPr>
+        <p:spPr/>
+        <p:txBody>
+          <a:bodyPr/>
+          <a:lstStyle/>
+          <a:p>
+            <a:endParaRPr lang="en-US" sz="1000" dirty="0"/>
+          </a:p>
+        </p:txBody>
+      </p:sp>
+      <p:sp>
+        <p:nvSpPr>
+          <p:cNvPr id="4" name="Slide Number Placeholder 3"/>
+          <p:cNvSpPr>
+            <a:spLocks noGrp="1"/>
+          </p:cNvSpPr>
+          <p:nvPr>
+            <p:ph type="sldNum" sz="quarter" idx="10"/>
+          </p:nvPr>
+        </p:nvSpPr>
+        <p:spPr/>
+        <p:txBody>
+          <a:bodyPr/>
+          <a:lstStyle/>
+          <a:p>
+            <a:fld id="{5394DE12-7B9B-46AA-AC19-C30A49928B9B}" type="slidenum">
+              <a:rPr lang="en-US" smtClean="0"/>
+              <a:t>24</a:t>
+            </a:fld>
+            <a:endParaRPr lang="en-US" dirty="0"/>
+          </a:p>
+        </p:txBody>
+      </p:sp>
+    </p:spTree>
+    <p:extLst>
+      <p:ext uri="{BB962C8B-B14F-4D97-AF65-F5344CB8AC3E}">
+        <p14:creationId xmlns:p14="http://schemas.microsoft.com/office/powerpoint/2010/main" val="271298775"/>
+      </p:ext>
+    </p:extLst>
+  </p:cSld>
+  <p:clrMapOvr>
+    <a:masterClrMapping/>
+  </p:clrMapOvr>
+</p:notes>
+</file>
+
+<file path=ppt/notesSlides/notesSlide25.xml><?xml version="1.0" encoding="utf-8"?>
+<p:notes xmlns:a="http://schemas.openxmlformats.org/drawingml/2006/main" xmlns:r="http://schemas.openxmlformats.org/officeDocument/2006/relationships" xmlns:p="http://schemas.openxmlformats.org/presentationml/2006/main">
+  <p:cSld>
+    <p:spTree>
+      <p:nvGrpSpPr>
+        <p:cNvPr id="1" name=""/>
+        <p:cNvGrpSpPr/>
+        <p:nvPr/>
+      </p:nvGrpSpPr>
+      <p:grpSpPr>
+        <a:xfrm>
+          <a:off x="0" y="0"/>
+          <a:ext cx="0" cy="0"/>
+          <a:chOff x="0" y="0"/>
+          <a:chExt cx="0" cy="0"/>
+        </a:xfrm>
+      </p:grpSpPr>
+      <p:sp>
+        <p:nvSpPr>
+          <p:cNvPr id="2" name="Slide Image Placeholder 1"/>
+          <p:cNvSpPr>
+            <a:spLocks noGrp="1" noRot="1" noChangeAspect="1"/>
+          </p:cNvSpPr>
+          <p:nvPr>
+            <p:ph type="sldImg"/>
+          </p:nvPr>
+        </p:nvSpPr>
+        <p:spPr/>
+      </p:sp>
+      <p:sp>
+        <p:nvSpPr>
+          <p:cNvPr id="3" name="Notes Placeholder 2"/>
+          <p:cNvSpPr>
+            <a:spLocks noGrp="1"/>
+          </p:cNvSpPr>
+          <p:nvPr>
+            <p:ph type="body" idx="1"/>
+          </p:nvPr>
+        </p:nvSpPr>
+        <p:spPr/>
+        <p:txBody>
+          <a:bodyPr/>
+          <a:lstStyle/>
+          <a:p>
+            <a:endParaRPr lang="en-US" sz="1000" dirty="0"/>
+          </a:p>
+          <a:p>
+            <a:r>
+              <a:rPr lang="en-US" sz="1000" dirty="0"/>
+              <a:t>“</a:t>
+            </a:r>
+            <a:r>
+              <a:rPr lang="en-US" sz="1000" dirty="0" err="1"/>
+              <a:t>git</a:t>
+            </a:r>
+            <a:r>
+              <a:rPr lang="en-US" sz="1000" dirty="0"/>
+              <a:t> clone https://github.com/EricJPogue/CPSC-24500.git</a:t>
+            </a:r>
+          </a:p>
+          <a:p>
+            <a:endParaRPr lang="en-US" sz="1000" dirty="0"/>
+          </a:p>
+        </p:txBody>
+      </p:sp>
+      <p:sp>
+        <p:nvSpPr>
+          <p:cNvPr id="4" name="Slide Number Placeholder 3"/>
+          <p:cNvSpPr>
+            <a:spLocks noGrp="1"/>
+          </p:cNvSpPr>
+          <p:nvPr>
+            <p:ph type="sldNum" sz="quarter" idx="10"/>
+          </p:nvPr>
+        </p:nvSpPr>
+        <p:spPr/>
+        <p:txBody>
+          <a:bodyPr/>
+          <a:lstStyle/>
+          <a:p>
+            <a:fld id="{5394DE12-7B9B-46AA-AC19-C30A49928B9B}" type="slidenum">
+              <a:rPr lang="en-US" smtClean="0"/>
+              <a:t>25</a:t>
+            </a:fld>
+            <a:endParaRPr lang="en-US" dirty="0"/>
+          </a:p>
+        </p:txBody>
+      </p:sp>
+    </p:spTree>
+    <p:extLst>
+      <p:ext uri="{BB962C8B-B14F-4D97-AF65-F5344CB8AC3E}">
+        <p14:creationId xmlns:p14="http://schemas.microsoft.com/office/powerpoint/2010/main" val="1496533336"/>
+      </p:ext>
+    </p:extLst>
+  </p:cSld>
+  <p:clrMapOvr>
+    <a:masterClrMapping/>
+  </p:clrMapOvr>
+</p:notes>
+</file>
+
+<file path=ppt/notesSlides/notesSlide26.xml><?xml version="1.0" encoding="utf-8"?>
+<p:notes xmlns:a="http://schemas.openxmlformats.org/drawingml/2006/main" xmlns:r="http://schemas.openxmlformats.org/officeDocument/2006/relationships" xmlns:p="http://schemas.openxmlformats.org/presentationml/2006/main">
+  <p:cSld>
+    <p:spTree>
+      <p:nvGrpSpPr>
+        <p:cNvPr id="1" name=""/>
+        <p:cNvGrpSpPr/>
+        <p:nvPr/>
+      </p:nvGrpSpPr>
+      <p:grpSpPr>
+        <a:xfrm>
+          <a:off x="0" y="0"/>
+          <a:ext cx="0" cy="0"/>
+          <a:chOff x="0" y="0"/>
+          <a:chExt cx="0" cy="0"/>
+        </a:xfrm>
+      </p:grpSpPr>
+      <p:sp>
+        <p:nvSpPr>
+          <p:cNvPr id="2" name="Slide Image Placeholder 1"/>
+          <p:cNvSpPr>
+            <a:spLocks noGrp="1" noRot="1" noChangeAspect="1"/>
+          </p:cNvSpPr>
+          <p:nvPr>
+            <p:ph type="sldImg"/>
+          </p:nvPr>
+        </p:nvSpPr>
+        <p:spPr/>
+      </p:sp>
+      <p:sp>
+        <p:nvSpPr>
+          <p:cNvPr id="3" name="Notes Placeholder 2"/>
+          <p:cNvSpPr>
+            <a:spLocks noGrp="1"/>
+          </p:cNvSpPr>
+          <p:nvPr>
+            <p:ph type="body" idx="1"/>
+          </p:nvPr>
+        </p:nvSpPr>
+        <p:spPr/>
+        <p:txBody>
+          <a:bodyPr/>
+          <a:lstStyle/>
+          <a:p>
+            <a:endParaRPr lang="en-US" sz="1000" dirty="0"/>
+          </a:p>
+        </p:txBody>
+      </p:sp>
+      <p:sp>
+        <p:nvSpPr>
+          <p:cNvPr id="4" name="Slide Number Placeholder 3"/>
+          <p:cNvSpPr>
+            <a:spLocks noGrp="1"/>
+          </p:cNvSpPr>
+          <p:nvPr>
+            <p:ph type="sldNum" sz="quarter" idx="10"/>
+          </p:nvPr>
+        </p:nvSpPr>
+        <p:spPr/>
+        <p:txBody>
+          <a:bodyPr/>
+          <a:lstStyle/>
+          <a:p>
+            <a:fld id="{5394DE12-7B9B-46AA-AC19-C30A49928B9B}" type="slidenum">
+              <a:rPr lang="en-US" smtClean="0"/>
+              <a:t>26</a:t>
+            </a:fld>
+            <a:endParaRPr lang="en-US"/>
+          </a:p>
+        </p:txBody>
+      </p:sp>
+    </p:spTree>
+    <p:extLst>
+      <p:ext uri="{BB962C8B-B14F-4D97-AF65-F5344CB8AC3E}">
+        <p14:creationId xmlns:p14="http://schemas.microsoft.com/office/powerpoint/2010/main" val="4027865881"/>
+      </p:ext>
+    </p:extLst>
+  </p:cSld>
+  <p:clrMapOvr>
+    <a:masterClrMapping/>
+  </p:clrMapOvr>
+</p:notes>
+</file>
+
+<file path=ppt/notesSlides/notesSlide27.xml><?xml version="1.0" encoding="utf-8"?>
+<p:notes xmlns:a="http://schemas.openxmlformats.org/drawingml/2006/main" xmlns:r="http://schemas.openxmlformats.org/officeDocument/2006/relationships" xmlns:p="http://schemas.openxmlformats.org/presentationml/2006/main">
+  <p:cSld>
+    <p:spTree>
+      <p:nvGrpSpPr>
+        <p:cNvPr id="1" name=""/>
+        <p:cNvGrpSpPr/>
+        <p:nvPr/>
+      </p:nvGrpSpPr>
+      <p:grpSpPr>
+        <a:xfrm>
+          <a:off x="0" y="0"/>
+          <a:ext cx="0" cy="0"/>
+          <a:chOff x="0" y="0"/>
+          <a:chExt cx="0" cy="0"/>
+        </a:xfrm>
+      </p:grpSpPr>
+      <p:sp>
+        <p:nvSpPr>
+          <p:cNvPr id="2" name="Slide Image Placeholder 1"/>
+          <p:cNvSpPr>
+            <a:spLocks noGrp="1" noRot="1" noChangeAspect="1"/>
+          </p:cNvSpPr>
+          <p:nvPr>
+            <p:ph type="sldImg"/>
+          </p:nvPr>
+        </p:nvSpPr>
+        <p:spPr/>
+      </p:sp>
+      <p:sp>
+        <p:nvSpPr>
+          <p:cNvPr id="3" name="Notes Placeholder 2"/>
+          <p:cNvSpPr>
+            <a:spLocks noGrp="1"/>
+          </p:cNvSpPr>
+          <p:nvPr>
+            <p:ph type="body" idx="1"/>
+          </p:nvPr>
+        </p:nvSpPr>
+        <p:spPr/>
+        <p:txBody>
+          <a:bodyPr/>
+          <a:lstStyle/>
+          <a:p>
+            <a:r>
+              <a:rPr lang="en-US" sz="1000" dirty="0"/>
+              <a:t>Microsoft has a long history of providing (mostly incompatible) mechanisms to develop, deploy, and utilize component architectures. Over time component architectures have evolved into Service Oriented Architectures (SOA). </a:t>
+            </a:r>
+          </a:p>
+          <a:p>
+            <a:endParaRPr lang="en-US" sz="1000" dirty="0"/>
+          </a:p>
+          <a:p>
+            <a:r>
+              <a:rPr lang="en-US" sz="1000" dirty="0"/>
+              <a:t>Components: A binary (compiled) package that contains local application functions/methods or APIs (Application Programming Interfaces) that can be utilized during development or run-time. JAR files are an example of a component. The functions/methods run locally on the same computer as the application. Note: the fact that they run on the same computer is why information hiding and components do not provide data security.</a:t>
+            </a:r>
+          </a:p>
+          <a:p>
+            <a:endParaRPr lang="en-US" sz="1000" dirty="0"/>
+          </a:p>
+          <a:p>
+            <a:r>
+              <a:rPr lang="en-US" sz="1000" dirty="0"/>
+              <a:t>Service: A remote API that (generally) runs on a separate machine accessed by a network protocol (HTTP, REST, SOAP). </a:t>
+            </a:r>
+          </a:p>
+        </p:txBody>
+      </p:sp>
+      <p:sp>
+        <p:nvSpPr>
+          <p:cNvPr id="4" name="Slide Number Placeholder 3"/>
+          <p:cNvSpPr>
+            <a:spLocks noGrp="1"/>
+          </p:cNvSpPr>
+          <p:nvPr>
+            <p:ph type="sldNum" sz="quarter" idx="10"/>
+          </p:nvPr>
+        </p:nvSpPr>
+        <p:spPr/>
+        <p:txBody>
+          <a:bodyPr/>
+          <a:lstStyle/>
+          <a:p>
+            <a:fld id="{5394DE12-7B9B-46AA-AC19-C30A49928B9B}" type="slidenum">
+              <a:rPr lang="en-US" smtClean="0"/>
+              <a:t>27</a:t>
+            </a:fld>
+            <a:endParaRPr lang="en-US"/>
+          </a:p>
+        </p:txBody>
+      </p:sp>
+    </p:spTree>
+    <p:extLst>
+      <p:ext uri="{BB962C8B-B14F-4D97-AF65-F5344CB8AC3E}">
+        <p14:creationId xmlns:p14="http://schemas.microsoft.com/office/powerpoint/2010/main" val="1855181852"/>
+      </p:ext>
+    </p:extLst>
+  </p:cSld>
+  <p:clrMapOvr>
+    <a:masterClrMapping/>
+  </p:clrMapOvr>
+</p:notes>
+</file>
+
+<file path=ppt/notesSlides/notesSlide28.xml><?xml version="1.0" encoding="utf-8"?>
+<p:notes xmlns:a="http://schemas.openxmlformats.org/drawingml/2006/main" xmlns:r="http://schemas.openxmlformats.org/officeDocument/2006/relationships" xmlns:p="http://schemas.openxmlformats.org/presentationml/2006/main">
+  <p:cSld>
+    <p:spTree>
+      <p:nvGrpSpPr>
+        <p:cNvPr id="1" name=""/>
+        <p:cNvGrpSpPr/>
+        <p:nvPr/>
+      </p:nvGrpSpPr>
+      <p:grpSpPr>
+        <a:xfrm>
+          <a:off x="0" y="0"/>
+          <a:ext cx="0" cy="0"/>
+          <a:chOff x="0" y="0"/>
+          <a:chExt cx="0" cy="0"/>
+        </a:xfrm>
+      </p:grpSpPr>
+      <p:sp>
+        <p:nvSpPr>
+          <p:cNvPr id="2" name="Slide Image Placeholder 1"/>
+          <p:cNvSpPr>
+            <a:spLocks noGrp="1" noRot="1" noChangeAspect="1"/>
+          </p:cNvSpPr>
+          <p:nvPr>
+            <p:ph type="sldImg"/>
+          </p:nvPr>
+        </p:nvSpPr>
+        <p:spPr/>
+      </p:sp>
+      <p:sp>
+        <p:nvSpPr>
+          <p:cNvPr id="3" name="Notes Placeholder 2"/>
+          <p:cNvSpPr>
+            <a:spLocks noGrp="1"/>
+          </p:cNvSpPr>
+          <p:nvPr>
+            <p:ph type="body" idx="1"/>
+          </p:nvPr>
+        </p:nvSpPr>
+        <p:spPr/>
+        <p:txBody>
+          <a:bodyPr/>
+          <a:lstStyle/>
+          <a:p>
+            <a:r>
+              <a:rPr lang="en-US" sz="1000" dirty="0"/>
+              <a:t>Components: A binary (compiled) package that contains local application functions/methods or APIs (Application Programming Interfaces) that can be utilized during development or run-time. JAR files are an example of a component. The functions/methods run locally on the same computer as the application. Note: the fact that they run on the same computer is why information hiding and components do not provide data security.</a:t>
+            </a:r>
+          </a:p>
+          <a:p>
+            <a:endParaRPr lang="en-US" sz="1000" dirty="0"/>
+          </a:p>
+          <a:p>
+            <a:r>
+              <a:rPr lang="en-US" sz="1000" dirty="0"/>
+              <a:t>Service: A remote API that (generally) runs on a separate machine accessed by a network protocol (HTTP, REST, SOAP). XML or JSON are generally used within SOAP and REST. </a:t>
+            </a:r>
+          </a:p>
+          <a:p>
+            <a:endParaRPr lang="en-US" sz="1000" dirty="0"/>
+          </a:p>
+          <a:p>
+            <a:r>
+              <a:rPr lang="en-US" sz="1000" dirty="0"/>
+              <a:t>Note: The Common Object Request Broker Architecture (CORBA) is a standard defined by the Object Management Group (OMG) designed to facilitate the communication of systems that are deployed on diverse platforms. It was a mostly failed attempt to implement “full” OOP across the network in a SOA implementation. Over time this gave way to simpler implementation (with less OOP functionality) like SOAP and REST.</a:t>
+            </a:r>
+          </a:p>
+          <a:p>
+            <a:endParaRPr lang="en-US" sz="1000" dirty="0"/>
+          </a:p>
+        </p:txBody>
+      </p:sp>
+      <p:sp>
+        <p:nvSpPr>
+          <p:cNvPr id="4" name="Slide Number Placeholder 3"/>
+          <p:cNvSpPr>
+            <a:spLocks noGrp="1"/>
+          </p:cNvSpPr>
+          <p:nvPr>
+            <p:ph type="sldNum" sz="quarter" idx="10"/>
+          </p:nvPr>
+        </p:nvSpPr>
+        <p:spPr/>
+        <p:txBody>
+          <a:bodyPr/>
+          <a:lstStyle/>
+          <a:p>
+            <a:fld id="{5394DE12-7B9B-46AA-AC19-C30A49928B9B}" type="slidenum">
+              <a:rPr lang="en-US" smtClean="0"/>
+              <a:t>28</a:t>
+            </a:fld>
+            <a:endParaRPr lang="en-US"/>
+          </a:p>
+        </p:txBody>
+      </p:sp>
+    </p:spTree>
+    <p:extLst>
+      <p:ext uri="{BB962C8B-B14F-4D97-AF65-F5344CB8AC3E}">
+        <p14:creationId xmlns:p14="http://schemas.microsoft.com/office/powerpoint/2010/main" val="1250229639"/>
+      </p:ext>
+    </p:extLst>
+  </p:cSld>
+  <p:clrMapOvr>
+    <a:masterClrMapping/>
+  </p:clrMapOvr>
+</p:notes>
+</file>
+
+<file path=ppt/notesSlides/notesSlide29.xml><?xml version="1.0" encoding="utf-8"?>
+<p:notes xmlns:a="http://schemas.openxmlformats.org/drawingml/2006/main" xmlns:r="http://schemas.openxmlformats.org/officeDocument/2006/relationships" xmlns:p="http://schemas.openxmlformats.org/presentationml/2006/main">
+  <p:cSld>
+    <p:spTree>
+      <p:nvGrpSpPr>
+        <p:cNvPr id="1" name=""/>
+        <p:cNvGrpSpPr/>
+        <p:nvPr/>
+      </p:nvGrpSpPr>
+      <p:grpSpPr>
+        <a:xfrm>
+          <a:off x="0" y="0"/>
+          <a:ext cx="0" cy="0"/>
+          <a:chOff x="0" y="0"/>
+          <a:chExt cx="0" cy="0"/>
+        </a:xfrm>
+      </p:grpSpPr>
+      <p:sp>
+        <p:nvSpPr>
+          <p:cNvPr id="2" name="Slide Image Placeholder 1"/>
+          <p:cNvSpPr>
+            <a:spLocks noGrp="1" noRot="1" noChangeAspect="1"/>
+          </p:cNvSpPr>
+          <p:nvPr>
+            <p:ph type="sldImg"/>
+          </p:nvPr>
+        </p:nvSpPr>
+        <p:spPr/>
+      </p:sp>
+      <p:sp>
+        <p:nvSpPr>
+          <p:cNvPr id="3" name="Notes Placeholder 2"/>
+          <p:cNvSpPr>
+            <a:spLocks noGrp="1"/>
+          </p:cNvSpPr>
+          <p:nvPr>
+            <p:ph type="body" idx="1"/>
+          </p:nvPr>
+        </p:nvSpPr>
+        <p:spPr/>
+        <p:txBody>
+          <a:bodyPr/>
+          <a:lstStyle/>
+          <a:p>
+            <a:pPr marL="0" indent="0">
+              <a:buNone/>
+            </a:pPr>
+            <a:endParaRPr lang="en-US" sz="1000" dirty="0"/>
+          </a:p>
+        </p:txBody>
+      </p:sp>
+      <p:sp>
+        <p:nvSpPr>
+          <p:cNvPr id="4" name="Slide Number Placeholder 3"/>
+          <p:cNvSpPr>
+            <a:spLocks noGrp="1"/>
+          </p:cNvSpPr>
+          <p:nvPr>
+            <p:ph type="sldNum" sz="quarter" idx="10"/>
+          </p:nvPr>
+        </p:nvSpPr>
+        <p:spPr/>
+        <p:txBody>
+          <a:bodyPr/>
+          <a:lstStyle/>
+          <a:p>
+            <a:fld id="{5394DE12-7B9B-46AA-AC19-C30A49928B9B}" type="slidenum">
+              <a:rPr lang="en-US" smtClean="0"/>
+              <a:t>29</a:t>
+            </a:fld>
+            <a:endParaRPr lang="en-US" dirty="0"/>
+          </a:p>
+        </p:txBody>
+      </p:sp>
+    </p:spTree>
+    <p:extLst>
+      <p:ext uri="{BB962C8B-B14F-4D97-AF65-F5344CB8AC3E}">
+        <p14:creationId xmlns:p14="http://schemas.microsoft.com/office/powerpoint/2010/main" val="994649268"/>
+      </p:ext>
+    </p:extLst>
+  </p:cSld>
+  <p:clrMapOvr>
+    <a:masterClrMapping/>
+  </p:clrMapOvr>
+</p:notes>
+</file>
+
 <file path=ppt/notesSlides/notesSlide3.xml><?xml version="1.0" encoding="utf-8"?>
 <p:notes xmlns:a="http://schemas.openxmlformats.org/drawingml/2006/main" xmlns:r="http://schemas.openxmlformats.org/officeDocument/2006/relationships" xmlns:p="http://schemas.openxmlformats.org/presentationml/2006/main">
   <p:cSld>
@@ -2096,6 +2674,278 @@
     <p:extLst>
       <p:ext uri="{BB962C8B-B14F-4D97-AF65-F5344CB8AC3E}">
         <p14:creationId xmlns:p14="http://schemas.microsoft.com/office/powerpoint/2010/main" val="3495558585"/>
+      </p:ext>
+    </p:extLst>
+  </p:cSld>
+  <p:clrMapOvr>
+    <a:masterClrMapping/>
+  </p:clrMapOvr>
+</p:notes>
+</file>
+
+<file path=ppt/notesSlides/notesSlide30.xml><?xml version="1.0" encoding="utf-8"?>
+<p:notes xmlns:a="http://schemas.openxmlformats.org/drawingml/2006/main" xmlns:r="http://schemas.openxmlformats.org/officeDocument/2006/relationships" xmlns:p="http://schemas.openxmlformats.org/presentationml/2006/main">
+  <p:cSld>
+    <p:spTree>
+      <p:nvGrpSpPr>
+        <p:cNvPr id="1" name=""/>
+        <p:cNvGrpSpPr/>
+        <p:nvPr/>
+      </p:nvGrpSpPr>
+      <p:grpSpPr>
+        <a:xfrm>
+          <a:off x="0" y="0"/>
+          <a:ext cx="0" cy="0"/>
+          <a:chOff x="0" y="0"/>
+          <a:chExt cx="0" cy="0"/>
+        </a:xfrm>
+      </p:grpSpPr>
+      <p:sp>
+        <p:nvSpPr>
+          <p:cNvPr id="2" name="Slide Image Placeholder 1"/>
+          <p:cNvSpPr>
+            <a:spLocks noGrp="1" noRot="1" noChangeAspect="1"/>
+          </p:cNvSpPr>
+          <p:nvPr>
+            <p:ph type="sldImg"/>
+          </p:nvPr>
+        </p:nvSpPr>
+        <p:spPr/>
+      </p:sp>
+      <p:sp>
+        <p:nvSpPr>
+          <p:cNvPr id="3" name="Notes Placeholder 2"/>
+          <p:cNvSpPr>
+            <a:spLocks noGrp="1"/>
+          </p:cNvSpPr>
+          <p:nvPr>
+            <p:ph type="body" idx="1"/>
+          </p:nvPr>
+        </p:nvSpPr>
+        <p:spPr/>
+        <p:txBody>
+          <a:bodyPr/>
+          <a:lstStyle/>
+          <a:p>
+            <a:endParaRPr lang="en-US" sz="1000" dirty="0"/>
+          </a:p>
+          <a:p>
+            <a:r>
+              <a:rPr lang="en-US" sz="1000" dirty="0"/>
+              <a:t>“</a:t>
+            </a:r>
+            <a:r>
+              <a:rPr lang="en-US" sz="1000" dirty="0" err="1"/>
+              <a:t>git</a:t>
+            </a:r>
+            <a:r>
+              <a:rPr lang="en-US" sz="1000" dirty="0"/>
+              <a:t> clone https://github.com/EricJPogue/CPSC-24500.git</a:t>
+            </a:r>
+          </a:p>
+          <a:p>
+            <a:endParaRPr lang="en-US" sz="1000" dirty="0"/>
+          </a:p>
+        </p:txBody>
+      </p:sp>
+      <p:sp>
+        <p:nvSpPr>
+          <p:cNvPr id="4" name="Slide Number Placeholder 3"/>
+          <p:cNvSpPr>
+            <a:spLocks noGrp="1"/>
+          </p:cNvSpPr>
+          <p:nvPr>
+            <p:ph type="sldNum" sz="quarter" idx="10"/>
+          </p:nvPr>
+        </p:nvSpPr>
+        <p:spPr/>
+        <p:txBody>
+          <a:bodyPr/>
+          <a:lstStyle/>
+          <a:p>
+            <a:fld id="{5394DE12-7B9B-46AA-AC19-C30A49928B9B}" type="slidenum">
+              <a:rPr lang="en-US" smtClean="0"/>
+              <a:t>30</a:t>
+            </a:fld>
+            <a:endParaRPr lang="en-US" dirty="0"/>
+          </a:p>
+        </p:txBody>
+      </p:sp>
+    </p:spTree>
+    <p:extLst>
+      <p:ext uri="{BB962C8B-B14F-4D97-AF65-F5344CB8AC3E}">
+        <p14:creationId xmlns:p14="http://schemas.microsoft.com/office/powerpoint/2010/main" val="1003988412"/>
+      </p:ext>
+    </p:extLst>
+  </p:cSld>
+  <p:clrMapOvr>
+    <a:masterClrMapping/>
+  </p:clrMapOvr>
+</p:notes>
+</file>
+
+<file path=ppt/notesSlides/notesSlide31.xml><?xml version="1.0" encoding="utf-8"?>
+<p:notes xmlns:a="http://schemas.openxmlformats.org/drawingml/2006/main" xmlns:r="http://schemas.openxmlformats.org/officeDocument/2006/relationships" xmlns:p="http://schemas.openxmlformats.org/presentationml/2006/main">
+  <p:cSld>
+    <p:spTree>
+      <p:nvGrpSpPr>
+        <p:cNvPr id="1" name=""/>
+        <p:cNvGrpSpPr/>
+        <p:nvPr/>
+      </p:nvGrpSpPr>
+      <p:grpSpPr>
+        <a:xfrm>
+          <a:off x="0" y="0"/>
+          <a:ext cx="0" cy="0"/>
+          <a:chOff x="0" y="0"/>
+          <a:chExt cx="0" cy="0"/>
+        </a:xfrm>
+      </p:grpSpPr>
+      <p:sp>
+        <p:nvSpPr>
+          <p:cNvPr id="2" name="Slide Image Placeholder 1"/>
+          <p:cNvSpPr>
+            <a:spLocks noGrp="1" noRot="1" noChangeAspect="1"/>
+          </p:cNvSpPr>
+          <p:nvPr>
+            <p:ph type="sldImg"/>
+          </p:nvPr>
+        </p:nvSpPr>
+        <p:spPr/>
+      </p:sp>
+      <p:sp>
+        <p:nvSpPr>
+          <p:cNvPr id="3" name="Notes Placeholder 2"/>
+          <p:cNvSpPr>
+            <a:spLocks noGrp="1"/>
+          </p:cNvSpPr>
+          <p:nvPr>
+            <p:ph type="body" idx="1"/>
+          </p:nvPr>
+        </p:nvSpPr>
+        <p:spPr/>
+        <p:txBody>
+          <a:bodyPr/>
+          <a:lstStyle/>
+          <a:p>
+            <a:pPr marL="0" indent="0">
+              <a:buNone/>
+            </a:pPr>
+            <a:endParaRPr lang="en-US" sz="1000" dirty="0"/>
+          </a:p>
+        </p:txBody>
+      </p:sp>
+      <p:sp>
+        <p:nvSpPr>
+          <p:cNvPr id="4" name="Slide Number Placeholder 3"/>
+          <p:cNvSpPr>
+            <a:spLocks noGrp="1"/>
+          </p:cNvSpPr>
+          <p:nvPr>
+            <p:ph type="sldNum" sz="quarter" idx="10"/>
+          </p:nvPr>
+        </p:nvSpPr>
+        <p:spPr/>
+        <p:txBody>
+          <a:bodyPr/>
+          <a:lstStyle/>
+          <a:p>
+            <a:fld id="{5394DE12-7B9B-46AA-AC19-C30A49928B9B}" type="slidenum">
+              <a:rPr lang="en-US" smtClean="0"/>
+              <a:t>31</a:t>
+            </a:fld>
+            <a:endParaRPr lang="en-US" dirty="0"/>
+          </a:p>
+        </p:txBody>
+      </p:sp>
+    </p:spTree>
+    <p:extLst>
+      <p:ext uri="{BB962C8B-B14F-4D97-AF65-F5344CB8AC3E}">
+        <p14:creationId xmlns:p14="http://schemas.microsoft.com/office/powerpoint/2010/main" val="1864840177"/>
+      </p:ext>
+    </p:extLst>
+  </p:cSld>
+  <p:clrMapOvr>
+    <a:masterClrMapping/>
+  </p:clrMapOvr>
+</p:notes>
+</file>
+
+<file path=ppt/notesSlides/notesSlide32.xml><?xml version="1.0" encoding="utf-8"?>
+<p:notes xmlns:a="http://schemas.openxmlformats.org/drawingml/2006/main" xmlns:r="http://schemas.openxmlformats.org/officeDocument/2006/relationships" xmlns:p="http://schemas.openxmlformats.org/presentationml/2006/main">
+  <p:cSld>
+    <p:spTree>
+      <p:nvGrpSpPr>
+        <p:cNvPr id="1" name=""/>
+        <p:cNvGrpSpPr/>
+        <p:nvPr/>
+      </p:nvGrpSpPr>
+      <p:grpSpPr>
+        <a:xfrm>
+          <a:off x="0" y="0"/>
+          <a:ext cx="0" cy="0"/>
+          <a:chOff x="0" y="0"/>
+          <a:chExt cx="0" cy="0"/>
+        </a:xfrm>
+      </p:grpSpPr>
+      <p:sp>
+        <p:nvSpPr>
+          <p:cNvPr id="2" name="Slide Image Placeholder 1"/>
+          <p:cNvSpPr>
+            <a:spLocks noGrp="1" noRot="1" noChangeAspect="1"/>
+          </p:cNvSpPr>
+          <p:nvPr>
+            <p:ph type="sldImg"/>
+          </p:nvPr>
+        </p:nvSpPr>
+        <p:spPr/>
+      </p:sp>
+      <p:sp>
+        <p:nvSpPr>
+          <p:cNvPr id="3" name="Notes Placeholder 2"/>
+          <p:cNvSpPr>
+            <a:spLocks noGrp="1"/>
+          </p:cNvSpPr>
+          <p:nvPr>
+            <p:ph type="body" idx="1"/>
+          </p:nvPr>
+        </p:nvSpPr>
+        <p:spPr/>
+        <p:txBody>
+          <a:bodyPr/>
+          <a:lstStyle/>
+          <a:p>
+            <a:endParaRPr lang="en-US" sz="1000" dirty="0"/>
+          </a:p>
+        </p:txBody>
+      </p:sp>
+      <p:sp>
+        <p:nvSpPr>
+          <p:cNvPr id="4" name="Slide Number Placeholder 3"/>
+          <p:cNvSpPr>
+            <a:spLocks noGrp="1"/>
+          </p:cNvSpPr>
+          <p:nvPr>
+            <p:ph type="sldNum" sz="quarter" idx="10"/>
+          </p:nvPr>
+        </p:nvSpPr>
+        <p:spPr/>
+        <p:txBody>
+          <a:bodyPr/>
+          <a:lstStyle/>
+          <a:p>
+            <a:fld id="{5394DE12-7B9B-46AA-AC19-C30A49928B9B}" type="slidenum">
+              <a:rPr lang="en-US" smtClean="0"/>
+              <a:t>32</a:t>
+            </a:fld>
+            <a:endParaRPr lang="en-US" dirty="0"/>
+          </a:p>
+        </p:txBody>
+      </p:sp>
+    </p:spTree>
+    <p:extLst>
+      <p:ext uri="{BB962C8B-B14F-4D97-AF65-F5344CB8AC3E}">
+        <p14:creationId xmlns:p14="http://schemas.microsoft.com/office/powerpoint/2010/main" val="2081081894"/>
       </p:ext>
     </p:extLst>
   </p:cSld>
@@ -2881,7 +3731,7 @@
           <a:p>
             <a:fld id="{969F32F5-AB1C-41B2-AE79-C9DE1D1745A4}" type="datetimeFigureOut">
               <a:rPr lang="en-US" smtClean="0"/>
-              <a:t>5/1/2017</a:t>
+              <a:t>5/2/2017</a:t>
             </a:fld>
             <a:endParaRPr lang="en-US" dirty="0"/>
           </a:p>
@@ -3049,7 +3899,7 @@
           <a:p>
             <a:fld id="{969F32F5-AB1C-41B2-AE79-C9DE1D1745A4}" type="datetimeFigureOut">
               <a:rPr lang="en-US" smtClean="0"/>
-              <a:t>5/1/2017</a:t>
+              <a:t>5/2/2017</a:t>
             </a:fld>
             <a:endParaRPr lang="en-US" dirty="0"/>
           </a:p>
@@ -3227,7 +4077,7 @@
           <a:p>
             <a:fld id="{969F32F5-AB1C-41B2-AE79-C9DE1D1745A4}" type="datetimeFigureOut">
               <a:rPr lang="en-US" smtClean="0"/>
-              <a:t>5/1/2017</a:t>
+              <a:t>5/2/2017</a:t>
             </a:fld>
             <a:endParaRPr lang="en-US" dirty="0"/>
           </a:p>
@@ -3395,7 +4245,7 @@
           <a:p>
             <a:fld id="{969F32F5-AB1C-41B2-AE79-C9DE1D1745A4}" type="datetimeFigureOut">
               <a:rPr lang="en-US" smtClean="0"/>
-              <a:t>5/1/2017</a:t>
+              <a:t>5/2/2017</a:t>
             </a:fld>
             <a:endParaRPr lang="en-US" dirty="0"/>
           </a:p>
@@ -3640,7 +4490,7 @@
           <a:p>
             <a:fld id="{969F32F5-AB1C-41B2-AE79-C9DE1D1745A4}" type="datetimeFigureOut">
               <a:rPr lang="en-US" smtClean="0"/>
-              <a:t>5/1/2017</a:t>
+              <a:t>5/2/2017</a:t>
             </a:fld>
             <a:endParaRPr lang="en-US" dirty="0"/>
           </a:p>
@@ -3869,7 +4719,7 @@
           <a:p>
             <a:fld id="{969F32F5-AB1C-41B2-AE79-C9DE1D1745A4}" type="datetimeFigureOut">
               <a:rPr lang="en-US" smtClean="0"/>
-              <a:t>5/1/2017</a:t>
+              <a:t>5/2/2017</a:t>
             </a:fld>
             <a:endParaRPr lang="en-US" dirty="0"/>
           </a:p>
@@ -4233,7 +5083,7 @@
           <a:p>
             <a:fld id="{969F32F5-AB1C-41B2-AE79-C9DE1D1745A4}" type="datetimeFigureOut">
               <a:rPr lang="en-US" smtClean="0"/>
-              <a:t>5/1/2017</a:t>
+              <a:t>5/2/2017</a:t>
             </a:fld>
             <a:endParaRPr lang="en-US" dirty="0"/>
           </a:p>
@@ -4350,7 +5200,7 @@
           <a:p>
             <a:fld id="{969F32F5-AB1C-41B2-AE79-C9DE1D1745A4}" type="datetimeFigureOut">
               <a:rPr lang="en-US" smtClean="0"/>
-              <a:t>5/1/2017</a:t>
+              <a:t>5/2/2017</a:t>
             </a:fld>
             <a:endParaRPr lang="en-US" dirty="0"/>
           </a:p>
@@ -4445,7 +5295,7 @@
           <a:p>
             <a:fld id="{969F32F5-AB1C-41B2-AE79-C9DE1D1745A4}" type="datetimeFigureOut">
               <a:rPr lang="en-US" smtClean="0"/>
-              <a:t>5/1/2017</a:t>
+              <a:t>5/2/2017</a:t>
             </a:fld>
             <a:endParaRPr lang="en-US" dirty="0"/>
           </a:p>
@@ -4720,7 +5570,7 @@
           <a:p>
             <a:fld id="{969F32F5-AB1C-41B2-AE79-C9DE1D1745A4}" type="datetimeFigureOut">
               <a:rPr lang="en-US" smtClean="0"/>
-              <a:t>5/1/2017</a:t>
+              <a:t>5/2/2017</a:t>
             </a:fld>
             <a:endParaRPr lang="en-US" dirty="0"/>
           </a:p>
@@ -4972,7 +5822,7 @@
           <a:p>
             <a:fld id="{969F32F5-AB1C-41B2-AE79-C9DE1D1745A4}" type="datetimeFigureOut">
               <a:rPr lang="en-US" smtClean="0"/>
-              <a:t>5/1/2017</a:t>
+              <a:t>5/2/2017</a:t>
             </a:fld>
             <a:endParaRPr lang="en-US" dirty="0"/>
           </a:p>
@@ -5183,7 +6033,7 @@
           <a:p>
             <a:fld id="{969F32F5-AB1C-41B2-AE79-C9DE1D1745A4}" type="datetimeFigureOut">
               <a:rPr lang="en-US" smtClean="0"/>
-              <a:t>5/1/2017</a:t>
+              <a:t>5/2/2017</a:t>
             </a:fld>
             <a:endParaRPr lang="en-US" dirty="0"/>
           </a:p>
@@ -7874,6 +8724,1020 @@
 </p:sld>
 </file>
 
+<file path=ppt/slides/slide24.xml><?xml version="1.0" encoding="utf-8"?>
+<p:sld xmlns:a="http://schemas.openxmlformats.org/drawingml/2006/main" xmlns:r="http://schemas.openxmlformats.org/officeDocument/2006/relationships" xmlns:p="http://schemas.openxmlformats.org/presentationml/2006/main">
+  <p:cSld>
+    <p:spTree>
+      <p:nvGrpSpPr>
+        <p:cNvPr id="1" name=""/>
+        <p:cNvGrpSpPr/>
+        <p:nvPr/>
+      </p:nvGrpSpPr>
+      <p:grpSpPr>
+        <a:xfrm>
+          <a:off x="0" y="0"/>
+          <a:ext cx="0" cy="0"/>
+          <a:chOff x="0" y="0"/>
+          <a:chExt cx="0" cy="0"/>
+        </a:xfrm>
+      </p:grpSpPr>
+      <p:sp>
+        <p:nvSpPr>
+          <p:cNvPr id="2" name="Title 1"/>
+          <p:cNvSpPr>
+            <a:spLocks noGrp="1"/>
+          </p:cNvSpPr>
+          <p:nvPr>
+            <p:ph type="title"/>
+          </p:nvPr>
+        </p:nvSpPr>
+        <p:spPr>
+          <a:xfrm>
+            <a:off x="838200" y="365126"/>
+            <a:ext cx="6113662" cy="1409174"/>
+          </a:xfrm>
+        </p:spPr>
+        <p:txBody>
+          <a:bodyPr>
+            <a:normAutofit/>
+          </a:bodyPr>
+          <a:lstStyle/>
+          <a:p>
+            <a:r>
+              <a:rPr lang="en-US" sz="3600" dirty="0"/>
+              <a:t>Object-Oriented Programming</a:t>
+            </a:r>
+            <a:br>
+              <a:rPr lang="en-US" sz="3600" dirty="0"/>
+            </a:br>
+            <a:r>
+              <a:rPr lang="en-US" sz="1800" dirty="0"/>
+              <a:t>Session: Week 7 Session 1 </a:t>
+            </a:r>
+            <a:br>
+              <a:rPr lang="en-US" sz="1800" dirty="0"/>
+            </a:br>
+            <a:r>
+              <a:rPr lang="en-US" sz="1800" dirty="0"/>
+              <a:t>Instructor: Eric Pogue</a:t>
+            </a:r>
+            <a:endParaRPr lang="en-US" sz="1800" b="1" i="1" u="sng" dirty="0"/>
+          </a:p>
+        </p:txBody>
+      </p:sp>
+      <p:pic>
+        <p:nvPicPr>
+          <p:cNvPr id="4" name="Content Placeholder 4"/>
+          <p:cNvPicPr>
+            <a:picLocks noChangeAspect="1"/>
+          </p:cNvPicPr>
+          <p:nvPr/>
+        </p:nvPicPr>
+        <p:blipFill>
+          <a:blip r:embed="rId3"/>
+          <a:stretch>
+            <a:fillRect/>
+          </a:stretch>
+        </p:blipFill>
+        <p:spPr>
+          <a:xfrm>
+            <a:off x="9072894" y="182925"/>
+            <a:ext cx="2656367" cy="1366321"/>
+          </a:xfrm>
+          <a:prstGeom prst="rect">
+            <a:avLst/>
+          </a:prstGeom>
+        </p:spPr>
+      </p:pic>
+      <p:sp>
+        <p:nvSpPr>
+          <p:cNvPr id="10" name="Content Placeholder 2"/>
+          <p:cNvSpPr>
+            <a:spLocks noGrp="1"/>
+          </p:cNvSpPr>
+          <p:nvPr>
+            <p:ph idx="1"/>
+          </p:nvPr>
+        </p:nvSpPr>
+        <p:spPr>
+          <a:xfrm>
+            <a:off x="838200" y="1795301"/>
+            <a:ext cx="10718950" cy="4571242"/>
+          </a:xfrm>
+        </p:spPr>
+        <p:txBody>
+          <a:bodyPr>
+            <a:noAutofit/>
+          </a:bodyPr>
+          <a:lstStyle/>
+          <a:p>
+            <a:pPr marL="0" indent="0">
+              <a:buNone/>
+            </a:pPr>
+            <a:r>
+              <a:rPr lang="en-US" sz="2000" u="sng" dirty="0"/>
+              <a:t>Agenda:</a:t>
+            </a:r>
+          </a:p>
+          <a:p>
+            <a:pPr marL="457200" indent="-457200">
+              <a:buFont typeface="+mj-lt"/>
+              <a:buAutoNum type="arabicPeriod"/>
+            </a:pPr>
+            <a:r>
+              <a:rPr lang="en-US" sz="2000" dirty="0"/>
+              <a:t>Comment on Requesting Graded Homework Assignments</a:t>
+            </a:r>
+          </a:p>
+          <a:p>
+            <a:pPr marL="457200" indent="-457200">
+              <a:buFont typeface="+mj-lt"/>
+              <a:buAutoNum type="arabicPeriod"/>
+            </a:pPr>
+            <a:r>
+              <a:rPr lang="en-US" sz="2000" dirty="0"/>
+              <a:t>Discuss this week’s Assignments</a:t>
+            </a:r>
+          </a:p>
+          <a:p>
+            <a:pPr lvl="1"/>
+            <a:r>
+              <a:rPr lang="en-US" sz="1600" dirty="0"/>
+              <a:t>Week 7 Questions Assignment </a:t>
+            </a:r>
+            <a:r>
+              <a:rPr lang="en-US" sz="1600" u="sng" dirty="0">
+                <a:hlinkClick r:id="rId4"/>
+              </a:rPr>
+              <a:t>[link]</a:t>
+            </a:r>
+            <a:endParaRPr lang="en-US" sz="1600" u="sng" dirty="0"/>
+          </a:p>
+          <a:p>
+            <a:pPr lvl="1"/>
+            <a:r>
+              <a:rPr lang="en-US" sz="1600" dirty="0"/>
+              <a:t>Week 7 Programming Assignment </a:t>
+            </a:r>
+            <a:r>
+              <a:rPr lang="en-US" sz="1600" u="sng" dirty="0">
+                <a:hlinkClick r:id="rId5"/>
+              </a:rPr>
+              <a:t>[link]</a:t>
+            </a:r>
+            <a:endParaRPr lang="en-US" sz="2000" dirty="0"/>
+          </a:p>
+          <a:p>
+            <a:pPr marL="457200" indent="-457200">
+              <a:buFont typeface="+mj-lt"/>
+              <a:buAutoNum type="arabicPeriod"/>
+            </a:pPr>
+            <a:r>
+              <a:rPr lang="en-US" sz="2000" dirty="0"/>
+              <a:t>Review the week’s Learning Objectives</a:t>
+            </a:r>
+          </a:p>
+          <a:p>
+            <a:pPr marL="457200" indent="-457200">
+              <a:buFont typeface="+mj-lt"/>
+              <a:buAutoNum type="arabicPeriod"/>
+            </a:pPr>
+            <a:r>
+              <a:rPr lang="en-US" sz="2000" dirty="0"/>
+              <a:t>More Learning Objective Topics</a:t>
+            </a:r>
+          </a:p>
+        </p:txBody>
+      </p:sp>
+    </p:spTree>
+    <p:extLst>
+      <p:ext uri="{BB962C8B-B14F-4D97-AF65-F5344CB8AC3E}">
+        <p14:creationId xmlns:p14="http://schemas.microsoft.com/office/powerpoint/2010/main" val="2774854321"/>
+      </p:ext>
+    </p:extLst>
+  </p:cSld>
+  <p:clrMapOvr>
+    <a:masterClrMapping/>
+  </p:clrMapOvr>
+</p:sld>
+</file>
+
+<file path=ppt/slides/slide25.xml><?xml version="1.0" encoding="utf-8"?>
+<p:sld xmlns:a="http://schemas.openxmlformats.org/drawingml/2006/main" xmlns:r="http://schemas.openxmlformats.org/officeDocument/2006/relationships" xmlns:p="http://schemas.openxmlformats.org/presentationml/2006/main">
+  <p:cSld>
+    <p:spTree>
+      <p:nvGrpSpPr>
+        <p:cNvPr id="1" name=""/>
+        <p:cNvGrpSpPr/>
+        <p:nvPr/>
+      </p:nvGrpSpPr>
+      <p:grpSpPr>
+        <a:xfrm>
+          <a:off x="0" y="0"/>
+          <a:ext cx="0" cy="0"/>
+          <a:chOff x="0" y="0"/>
+          <a:chExt cx="0" cy="0"/>
+        </a:xfrm>
+      </p:grpSpPr>
+      <p:sp>
+        <p:nvSpPr>
+          <p:cNvPr id="2" name="Title 1"/>
+          <p:cNvSpPr>
+            <a:spLocks noGrp="1"/>
+          </p:cNvSpPr>
+          <p:nvPr>
+            <p:ph type="title"/>
+          </p:nvPr>
+        </p:nvSpPr>
+        <p:spPr>
+          <a:xfrm>
+            <a:off x="838200" y="474626"/>
+            <a:ext cx="10515600" cy="757272"/>
+          </a:xfrm>
+        </p:spPr>
+        <p:txBody>
+          <a:bodyPr>
+            <a:normAutofit/>
+          </a:bodyPr>
+          <a:lstStyle/>
+          <a:p>
+            <a:r>
+              <a:rPr lang="en-US" sz="3600" dirty="0"/>
+              <a:t>Learning Objectives – Week 7</a:t>
+            </a:r>
+            <a:endParaRPr lang="en-US" sz="3600" b="1" i="1" u="sng" dirty="0"/>
+          </a:p>
+        </p:txBody>
+      </p:sp>
+      <p:sp>
+        <p:nvSpPr>
+          <p:cNvPr id="3" name="Content Placeholder 2"/>
+          <p:cNvSpPr>
+            <a:spLocks noGrp="1"/>
+          </p:cNvSpPr>
+          <p:nvPr>
+            <p:ph idx="1"/>
+          </p:nvPr>
+        </p:nvSpPr>
+        <p:spPr>
+          <a:xfrm>
+            <a:off x="838200" y="1231898"/>
+            <a:ext cx="10718950" cy="5463343"/>
+          </a:xfrm>
+        </p:spPr>
+        <p:txBody>
+          <a:bodyPr>
+            <a:normAutofit/>
+          </a:bodyPr>
+          <a:lstStyle/>
+          <a:p>
+            <a:pPr marL="0" indent="0">
+              <a:buNone/>
+            </a:pPr>
+            <a:r>
+              <a:rPr lang="en-US" sz="2000" dirty="0"/>
+              <a:t>Using Visual Studio 2017, C#, and .NET we will:</a:t>
+            </a:r>
+          </a:p>
+          <a:p>
+            <a:pPr marL="457200" indent="-457200">
+              <a:buFont typeface="+mj-lt"/>
+              <a:buAutoNum type="arabicPeriod"/>
+            </a:pPr>
+            <a:r>
+              <a:rPr lang="en-US" sz="2000" dirty="0">
+                <a:solidFill>
+                  <a:schemeClr val="bg1">
+                    <a:lumMod val="65000"/>
+                  </a:schemeClr>
+                </a:solidFill>
+              </a:rPr>
+              <a:t>Review and implement information hiding</a:t>
+            </a:r>
+          </a:p>
+          <a:p>
+            <a:pPr marL="457200" indent="-457200">
+              <a:buFont typeface="+mj-lt"/>
+              <a:buAutoNum type="arabicPeriod"/>
+            </a:pPr>
+            <a:r>
+              <a:rPr lang="en-US" sz="2000" dirty="0">
+                <a:solidFill>
+                  <a:schemeClr val="bg1">
+                    <a:lumMod val="65000"/>
+                  </a:schemeClr>
+                </a:solidFill>
+              </a:rPr>
+              <a:t>Download documents from remote Web (HTTP) servers</a:t>
+            </a:r>
+          </a:p>
+          <a:p>
+            <a:pPr marL="457200" indent="-457200">
+              <a:buFont typeface="+mj-lt"/>
+              <a:buAutoNum type="arabicPeriod"/>
+            </a:pPr>
+            <a:r>
+              <a:rPr lang="en-US" sz="2000" dirty="0">
+                <a:solidFill>
+                  <a:schemeClr val="bg1">
+                    <a:lumMod val="65000"/>
+                  </a:schemeClr>
+                </a:solidFill>
+              </a:rPr>
+              <a:t>Parse data expressed in XML format</a:t>
+            </a:r>
+          </a:p>
+          <a:p>
+            <a:pPr marL="457200" indent="-457200">
+              <a:buFont typeface="+mj-lt"/>
+              <a:buAutoNum type="arabicPeriod"/>
+            </a:pPr>
+            <a:r>
+              <a:rPr lang="en-US" sz="2000" dirty="0">
+                <a:solidFill>
+                  <a:schemeClr val="bg1">
+                    <a:lumMod val="65000"/>
+                  </a:schemeClr>
+                </a:solidFill>
+              </a:rPr>
+              <a:t>Separate an application’s functionality among classes</a:t>
+            </a:r>
+          </a:p>
+          <a:p>
+            <a:pPr marL="457200" indent="-457200">
+              <a:buFont typeface="+mj-lt"/>
+              <a:buAutoNum type="arabicPeriod"/>
+            </a:pPr>
+            <a:r>
+              <a:rPr lang="en-US" sz="2000" dirty="0"/>
+              <a:t>Separate code among files and libraries so that you can reuse in other applications</a:t>
+            </a:r>
+          </a:p>
+          <a:p>
+            <a:pPr marL="457200" indent="-457200">
+              <a:buFont typeface="+mj-lt"/>
+              <a:buAutoNum type="arabicPeriod"/>
+            </a:pPr>
+            <a:r>
+              <a:rPr lang="en-US" sz="2000" dirty="0"/>
+              <a:t>Review a Model-View-Controller application</a:t>
+            </a:r>
+          </a:p>
+          <a:p>
+            <a:pPr marL="457200" indent="-457200">
+              <a:buFont typeface="+mj-lt"/>
+              <a:buAutoNum type="arabicPeriod"/>
+            </a:pPr>
+            <a:r>
+              <a:rPr lang="en-US" sz="2000" dirty="0"/>
+              <a:t>Perform basic drawing operations… as time allows</a:t>
+            </a:r>
+          </a:p>
+        </p:txBody>
+      </p:sp>
+    </p:spTree>
+    <p:extLst>
+      <p:ext uri="{BB962C8B-B14F-4D97-AF65-F5344CB8AC3E}">
+        <p14:creationId xmlns:p14="http://schemas.microsoft.com/office/powerpoint/2010/main" val="1225074472"/>
+      </p:ext>
+    </p:extLst>
+  </p:cSld>
+  <p:clrMapOvr>
+    <a:masterClrMapping/>
+  </p:clrMapOvr>
+</p:sld>
+</file>
+
+<file path=ppt/slides/slide26.xml><?xml version="1.0" encoding="utf-8"?>
+<p:sld xmlns:a="http://schemas.openxmlformats.org/drawingml/2006/main" xmlns:r="http://schemas.openxmlformats.org/officeDocument/2006/relationships" xmlns:p="http://schemas.openxmlformats.org/presentationml/2006/main">
+  <p:cSld>
+    <p:spTree>
+      <p:nvGrpSpPr>
+        <p:cNvPr id="1" name=""/>
+        <p:cNvGrpSpPr/>
+        <p:nvPr/>
+      </p:nvGrpSpPr>
+      <p:grpSpPr>
+        <a:xfrm>
+          <a:off x="0" y="0"/>
+          <a:ext cx="0" cy="0"/>
+          <a:chOff x="0" y="0"/>
+          <a:chExt cx="0" cy="0"/>
+        </a:xfrm>
+      </p:grpSpPr>
+      <p:sp>
+        <p:nvSpPr>
+          <p:cNvPr id="2" name="Title 1"/>
+          <p:cNvSpPr>
+            <a:spLocks noGrp="1"/>
+          </p:cNvSpPr>
+          <p:nvPr>
+            <p:ph type="title"/>
+          </p:nvPr>
+        </p:nvSpPr>
+        <p:spPr>
+          <a:xfrm>
+            <a:off x="811620" y="365126"/>
+            <a:ext cx="10515600" cy="757272"/>
+          </a:xfrm>
+        </p:spPr>
+        <p:txBody>
+          <a:bodyPr>
+            <a:normAutofit/>
+          </a:bodyPr>
+          <a:lstStyle/>
+          <a:p>
+            <a:r>
+              <a:rPr lang="it-IT" sz="3600" dirty="0"/>
+              <a:t>Separate C# Files</a:t>
+            </a:r>
+          </a:p>
+        </p:txBody>
+      </p:sp>
+      <p:sp>
+        <p:nvSpPr>
+          <p:cNvPr id="8" name="Content Placeholder 2"/>
+          <p:cNvSpPr>
+            <a:spLocks noGrp="1"/>
+          </p:cNvSpPr>
+          <p:nvPr>
+            <p:ph idx="1"/>
+          </p:nvPr>
+        </p:nvSpPr>
+        <p:spPr>
+          <a:xfrm>
+            <a:off x="811620" y="1065009"/>
+            <a:ext cx="10456854" cy="4783519"/>
+          </a:xfrm>
+        </p:spPr>
+        <p:txBody>
+          <a:bodyPr>
+            <a:normAutofit/>
+          </a:bodyPr>
+          <a:lstStyle/>
+          <a:p>
+            <a:pPr marL="0" indent="0">
+              <a:buNone/>
+            </a:pPr>
+            <a:r>
+              <a:rPr lang="en-US" sz="2000" dirty="0"/>
+              <a:t>C# code can be easily separated into files and be shared between application as source code. Pros and cons include:</a:t>
+            </a:r>
+          </a:p>
+          <a:p>
+            <a:r>
+              <a:rPr lang="en-US" sz="2000" dirty="0"/>
+              <a:t>Utilizing source code management (GIT) to manage it within or between applications</a:t>
+            </a:r>
+          </a:p>
+          <a:p>
+            <a:r>
+              <a:rPr lang="en-US" sz="2000" dirty="0"/>
+              <a:t>Sharing actual C# source code required (pro or con)</a:t>
+            </a:r>
+          </a:p>
+          <a:p>
+            <a:r>
+              <a:rPr lang="en-US" sz="2000" dirty="0"/>
+              <a:t>Compiling required in order to utilize (con)</a:t>
+            </a:r>
+          </a:p>
+          <a:p>
+            <a:r>
+              <a:rPr lang="en-US" sz="2000" dirty="0"/>
+              <a:t>Utilizing C# required (con)</a:t>
+            </a:r>
+          </a:p>
+          <a:p>
+            <a:r>
+              <a:rPr lang="en-US" sz="2000" dirty="0"/>
+              <a:t>Very similar to how we did it with Java and other languages</a:t>
+            </a:r>
+          </a:p>
+        </p:txBody>
+      </p:sp>
+    </p:spTree>
+    <p:extLst>
+      <p:ext uri="{BB962C8B-B14F-4D97-AF65-F5344CB8AC3E}">
+        <p14:creationId xmlns:p14="http://schemas.microsoft.com/office/powerpoint/2010/main" val="3569122235"/>
+      </p:ext>
+    </p:extLst>
+  </p:cSld>
+  <p:clrMapOvr>
+    <a:masterClrMapping/>
+  </p:clrMapOvr>
+</p:sld>
+</file>
+
+<file path=ppt/slides/slide27.xml><?xml version="1.0" encoding="utf-8"?>
+<p:sld xmlns:a="http://schemas.openxmlformats.org/drawingml/2006/main" xmlns:r="http://schemas.openxmlformats.org/officeDocument/2006/relationships" xmlns:p="http://schemas.openxmlformats.org/presentationml/2006/main">
+  <p:cSld>
+    <p:spTree>
+      <p:nvGrpSpPr>
+        <p:cNvPr id="1" name=""/>
+        <p:cNvGrpSpPr/>
+        <p:nvPr/>
+      </p:nvGrpSpPr>
+      <p:grpSpPr>
+        <a:xfrm>
+          <a:off x="0" y="0"/>
+          <a:ext cx="0" cy="0"/>
+          <a:chOff x="0" y="0"/>
+          <a:chExt cx="0" cy="0"/>
+        </a:xfrm>
+      </p:grpSpPr>
+      <p:sp>
+        <p:nvSpPr>
+          <p:cNvPr id="2" name="Title 1"/>
+          <p:cNvSpPr>
+            <a:spLocks noGrp="1"/>
+          </p:cNvSpPr>
+          <p:nvPr>
+            <p:ph type="title"/>
+          </p:nvPr>
+        </p:nvSpPr>
+        <p:spPr>
+          <a:xfrm>
+            <a:off x="811620" y="365126"/>
+            <a:ext cx="10515600" cy="757272"/>
+          </a:xfrm>
+        </p:spPr>
+        <p:txBody>
+          <a:bodyPr>
+            <a:normAutofit/>
+          </a:bodyPr>
+          <a:lstStyle/>
+          <a:p>
+            <a:r>
+              <a:rPr lang="it-IT" sz="3600" dirty="0"/>
+              <a:t>Libraries and Components</a:t>
+            </a:r>
+          </a:p>
+        </p:txBody>
+      </p:sp>
+      <p:sp>
+        <p:nvSpPr>
+          <p:cNvPr id="8" name="Content Placeholder 2"/>
+          <p:cNvSpPr>
+            <a:spLocks noGrp="1"/>
+          </p:cNvSpPr>
+          <p:nvPr>
+            <p:ph idx="1"/>
+          </p:nvPr>
+        </p:nvSpPr>
+        <p:spPr>
+          <a:xfrm>
+            <a:off x="811620" y="1065009"/>
+            <a:ext cx="10456854" cy="4783519"/>
+          </a:xfrm>
+        </p:spPr>
+        <p:txBody>
+          <a:bodyPr>
+            <a:normAutofit/>
+          </a:bodyPr>
+          <a:lstStyle/>
+          <a:p>
+            <a:pPr marL="0" indent="0">
+              <a:buNone/>
+            </a:pPr>
+            <a:r>
+              <a:rPr lang="en-US" sz="2000" dirty="0"/>
+              <a:t>The terms Libraries, </a:t>
+            </a:r>
+            <a:r>
+              <a:rPr lang="en-US" sz="2000" u="sng" dirty="0"/>
+              <a:t>Components</a:t>
+            </a:r>
+            <a:r>
+              <a:rPr lang="en-US" sz="2000" dirty="0"/>
+              <a:t>, and Frameworks are often used interchangeably. For our purposes we will utilize the term Component. C# code can be compiled into Components that can then be utilized in other applications. Pros and cons include:</a:t>
+            </a:r>
+          </a:p>
+          <a:p>
+            <a:r>
+              <a:rPr lang="en-US" sz="2000" dirty="0"/>
+              <a:t>Distributing source code is optional and can be done independently from the main application (pro)</a:t>
+            </a:r>
+          </a:p>
+          <a:p>
+            <a:r>
+              <a:rPr lang="en-US" sz="2000" dirty="0"/>
+              <a:t>Hiding of information and implementation enforced (pro)</a:t>
+            </a:r>
+          </a:p>
+          <a:p>
+            <a:r>
+              <a:rPr lang="en-US" sz="2000" dirty="0"/>
+              <a:t>Multiple (mostly incompatible) methods including DLLS, COM, .NET, etc. on Windows (con)</a:t>
+            </a:r>
+          </a:p>
+          <a:p>
+            <a:r>
+              <a:rPr lang="en-US" sz="2000" dirty="0"/>
+              <a:t>Language agnostic (pro)</a:t>
+            </a:r>
+          </a:p>
+        </p:txBody>
+      </p:sp>
+    </p:spTree>
+    <p:extLst>
+      <p:ext uri="{BB962C8B-B14F-4D97-AF65-F5344CB8AC3E}">
+        <p14:creationId xmlns:p14="http://schemas.microsoft.com/office/powerpoint/2010/main" val="2305614226"/>
+      </p:ext>
+    </p:extLst>
+  </p:cSld>
+  <p:clrMapOvr>
+    <a:masterClrMapping/>
+  </p:clrMapOvr>
+</p:sld>
+</file>
+
+<file path=ppt/slides/slide28.xml><?xml version="1.0" encoding="utf-8"?>
+<p:sld xmlns:a="http://schemas.openxmlformats.org/drawingml/2006/main" xmlns:r="http://schemas.openxmlformats.org/officeDocument/2006/relationships" xmlns:p="http://schemas.openxmlformats.org/presentationml/2006/main">
+  <p:cSld>
+    <p:spTree>
+      <p:nvGrpSpPr>
+        <p:cNvPr id="1" name=""/>
+        <p:cNvGrpSpPr/>
+        <p:nvPr/>
+      </p:nvGrpSpPr>
+      <p:grpSpPr>
+        <a:xfrm>
+          <a:off x="0" y="0"/>
+          <a:ext cx="0" cy="0"/>
+          <a:chOff x="0" y="0"/>
+          <a:chExt cx="0" cy="0"/>
+        </a:xfrm>
+      </p:grpSpPr>
+      <p:sp>
+        <p:nvSpPr>
+          <p:cNvPr id="2" name="Title 1"/>
+          <p:cNvSpPr>
+            <a:spLocks noGrp="1"/>
+          </p:cNvSpPr>
+          <p:nvPr>
+            <p:ph type="title"/>
+          </p:nvPr>
+        </p:nvSpPr>
+        <p:spPr>
+          <a:xfrm>
+            <a:off x="811620" y="365126"/>
+            <a:ext cx="10515600" cy="757272"/>
+          </a:xfrm>
+        </p:spPr>
+        <p:txBody>
+          <a:bodyPr>
+            <a:normAutofit/>
+          </a:bodyPr>
+          <a:lstStyle/>
+          <a:p>
+            <a:r>
+              <a:rPr lang="it-IT" sz="3600" dirty="0"/>
+              <a:t>Service Oriented Architecture</a:t>
+            </a:r>
+          </a:p>
+        </p:txBody>
+      </p:sp>
+      <p:sp>
+        <p:nvSpPr>
+          <p:cNvPr id="8" name="Content Placeholder 2"/>
+          <p:cNvSpPr>
+            <a:spLocks noGrp="1"/>
+          </p:cNvSpPr>
+          <p:nvPr>
+            <p:ph idx="1"/>
+          </p:nvPr>
+        </p:nvSpPr>
+        <p:spPr>
+          <a:xfrm>
+            <a:off x="811620" y="1065009"/>
+            <a:ext cx="10456854" cy="4783519"/>
+          </a:xfrm>
+        </p:spPr>
+        <p:txBody>
+          <a:bodyPr>
+            <a:normAutofit/>
+          </a:bodyPr>
+          <a:lstStyle/>
+          <a:p>
+            <a:pPr marL="0" indent="0">
+              <a:buNone/>
+            </a:pPr>
+            <a:r>
+              <a:rPr lang="en-US" sz="2000" dirty="0"/>
+              <a:t>Service Oriented Architectures (SOA) utilize standard network protocols to implement Encapsulation, Interface Inheritance (vs Implementation Inheritance), “limited” polymorphic abilities, operating system independence, and language independence. Pros and cons include:</a:t>
+            </a:r>
+          </a:p>
+          <a:p>
+            <a:r>
+              <a:rPr lang="en-US" sz="2000" dirty="0"/>
+              <a:t>Security can be enforced at the network level (pro)</a:t>
+            </a:r>
+          </a:p>
+          <a:p>
+            <a:r>
+              <a:rPr lang="en-US" sz="2000" dirty="0"/>
+              <a:t>“Components” do not have to run on the same operating system (pro)</a:t>
+            </a:r>
+          </a:p>
+          <a:p>
+            <a:r>
+              <a:rPr lang="en-US" sz="2000" dirty="0"/>
+              <a:t>“Components” can be run remotely at different companies (pro)</a:t>
+            </a:r>
+          </a:p>
+          <a:p>
+            <a:r>
+              <a:rPr lang="en-US" sz="2000" dirty="0"/>
+              <a:t>Cloud centric (pro)</a:t>
+            </a:r>
+          </a:p>
+          <a:p>
+            <a:r>
+              <a:rPr lang="en-US" sz="2000" dirty="0"/>
+              <a:t>Performance can be an issue (con)</a:t>
+            </a:r>
+          </a:p>
+          <a:p>
+            <a:r>
+              <a:rPr lang="en-US" sz="2000" dirty="0"/>
+              <a:t>Control and security is distributed (con… or pro)</a:t>
+            </a:r>
+          </a:p>
+        </p:txBody>
+      </p:sp>
+    </p:spTree>
+    <p:extLst>
+      <p:ext uri="{BB962C8B-B14F-4D97-AF65-F5344CB8AC3E}">
+        <p14:creationId xmlns:p14="http://schemas.microsoft.com/office/powerpoint/2010/main" val="59335033"/>
+      </p:ext>
+    </p:extLst>
+  </p:cSld>
+  <p:clrMapOvr>
+    <a:masterClrMapping/>
+  </p:clrMapOvr>
+</p:sld>
+</file>
+
+<file path=ppt/slides/slide29.xml><?xml version="1.0" encoding="utf-8"?>
+<p:sld xmlns:a="http://schemas.openxmlformats.org/drawingml/2006/main" xmlns:r="http://schemas.openxmlformats.org/officeDocument/2006/relationships" xmlns:p="http://schemas.openxmlformats.org/presentationml/2006/main">
+  <p:cSld>
+    <p:spTree>
+      <p:nvGrpSpPr>
+        <p:cNvPr id="1" name=""/>
+        <p:cNvGrpSpPr/>
+        <p:nvPr/>
+      </p:nvGrpSpPr>
+      <p:grpSpPr>
+        <a:xfrm>
+          <a:off x="0" y="0"/>
+          <a:ext cx="0" cy="0"/>
+          <a:chOff x="0" y="0"/>
+          <a:chExt cx="0" cy="0"/>
+        </a:xfrm>
+      </p:grpSpPr>
+      <p:sp>
+        <p:nvSpPr>
+          <p:cNvPr id="2" name="Title 1"/>
+          <p:cNvSpPr>
+            <a:spLocks noGrp="1"/>
+          </p:cNvSpPr>
+          <p:nvPr>
+            <p:ph type="title"/>
+          </p:nvPr>
+        </p:nvSpPr>
+        <p:spPr>
+          <a:xfrm>
+            <a:off x="838200" y="365125"/>
+            <a:ext cx="10411047" cy="1325563"/>
+          </a:xfrm>
+        </p:spPr>
+        <p:txBody>
+          <a:bodyPr>
+            <a:normAutofit/>
+          </a:bodyPr>
+          <a:lstStyle/>
+          <a:p>
+            <a:r>
+              <a:rPr lang="en-US" sz="3600" dirty="0"/>
+              <a:t>Separate </a:t>
+            </a:r>
+            <a:r>
+              <a:rPr lang="en-US" sz="3600" dirty="0" err="1"/>
+              <a:t>ShapeModel</a:t>
+            </a:r>
+            <a:r>
+              <a:rPr lang="en-US" sz="3600" dirty="0"/>
+              <a:t> in </a:t>
+            </a:r>
+            <a:r>
+              <a:rPr lang="en-US" sz="3600" dirty="0" err="1"/>
+              <a:t>HideDataDownloadXML</a:t>
+            </a:r>
+            <a:endParaRPr lang="en-US" sz="3600" dirty="0"/>
+          </a:p>
+        </p:txBody>
+      </p:sp>
+      <p:sp>
+        <p:nvSpPr>
+          <p:cNvPr id="4" name="Content Placeholder 2"/>
+          <p:cNvSpPr>
+            <a:spLocks noGrp="1"/>
+          </p:cNvSpPr>
+          <p:nvPr>
+            <p:ph idx="1"/>
+          </p:nvPr>
+        </p:nvSpPr>
+        <p:spPr>
+          <a:xfrm>
+            <a:off x="838200" y="1481640"/>
+            <a:ext cx="10718950" cy="5062699"/>
+          </a:xfrm>
+        </p:spPr>
+        <p:txBody>
+          <a:bodyPr>
+            <a:noAutofit/>
+          </a:bodyPr>
+          <a:lstStyle/>
+          <a:p>
+            <a:pPr marL="0" indent="0">
+              <a:buNone/>
+            </a:pPr>
+            <a:r>
+              <a:rPr lang="en-US" sz="2000" u="sng" dirty="0"/>
+              <a:t>Features:</a:t>
+            </a:r>
+          </a:p>
+          <a:p>
+            <a:pPr marL="457200" indent="-457200">
+              <a:buFont typeface="+mj-lt"/>
+              <a:buAutoNum type="arabicPeriod"/>
+            </a:pPr>
+            <a:r>
+              <a:rPr lang="en-US" sz="2000" dirty="0">
+                <a:solidFill>
+                  <a:schemeClr val="bg1">
+                    <a:lumMod val="65000"/>
+                  </a:schemeClr>
+                </a:solidFill>
+              </a:rPr>
+              <a:t>Develop  application entirely in Visual Studio 2017 and C#</a:t>
+            </a:r>
+          </a:p>
+          <a:p>
+            <a:pPr marL="457200" indent="-457200">
+              <a:buFont typeface="+mj-lt"/>
+              <a:buAutoNum type="arabicPeriod"/>
+            </a:pPr>
+            <a:r>
+              <a:rPr lang="en-US" sz="2000" dirty="0">
+                <a:solidFill>
+                  <a:schemeClr val="bg1">
+                    <a:lumMod val="65000"/>
+                  </a:schemeClr>
+                </a:solidFill>
+              </a:rPr>
+              <a:t>Take in one command line argument that is the URL to download</a:t>
+            </a:r>
+          </a:p>
+          <a:p>
+            <a:pPr marL="457200" indent="-457200">
+              <a:buFont typeface="+mj-lt"/>
+              <a:buAutoNum type="arabicPeriod"/>
+            </a:pPr>
+            <a:r>
+              <a:rPr lang="en-US" sz="2000" dirty="0">
+                <a:solidFill>
+                  <a:schemeClr val="bg1">
+                    <a:lumMod val="65000"/>
+                  </a:schemeClr>
+                </a:solidFill>
+              </a:rPr>
+              <a:t>Utilize Web (HTTP) protocols to download HTML and XML files </a:t>
+            </a:r>
+          </a:p>
+          <a:p>
+            <a:pPr marL="457200" indent="-457200">
+              <a:buFont typeface="+mj-lt"/>
+              <a:buAutoNum type="arabicPeriod"/>
+            </a:pPr>
+            <a:r>
+              <a:rPr lang="en-US" sz="2000" dirty="0">
+                <a:solidFill>
+                  <a:schemeClr val="bg1">
+                    <a:lumMod val="65000"/>
+                  </a:schemeClr>
+                </a:solidFill>
+              </a:rPr>
+              <a:t>Parsing XML</a:t>
+            </a:r>
+          </a:p>
+          <a:p>
+            <a:pPr marL="457200" indent="-457200">
+              <a:buFont typeface="+mj-lt"/>
+              <a:buAutoNum type="arabicPeriod"/>
+            </a:pPr>
+            <a:r>
+              <a:rPr lang="en-US" sz="2000" dirty="0">
+                <a:solidFill>
+                  <a:schemeClr val="bg1">
+                    <a:lumMod val="65000"/>
+                  </a:schemeClr>
+                </a:solidFill>
+              </a:rPr>
+              <a:t>Implement multiple C# classes that appropriately hide data</a:t>
+            </a:r>
+          </a:p>
+          <a:p>
+            <a:pPr marL="457200" indent="-457200">
+              <a:buFont typeface="+mj-lt"/>
+              <a:buAutoNum type="arabicPeriod"/>
+            </a:pPr>
+            <a:r>
+              <a:rPr lang="en-US" sz="2000" dirty="0">
+                <a:solidFill>
+                  <a:schemeClr val="bg1">
+                    <a:lumMod val="65000"/>
+                  </a:schemeClr>
+                </a:solidFill>
+              </a:rPr>
+              <a:t>Clone class source code</a:t>
+            </a:r>
+          </a:p>
+          <a:p>
+            <a:pPr marL="457200" indent="-457200">
+              <a:buFont typeface="+mj-lt"/>
+              <a:buAutoNum type="arabicPeriod"/>
+            </a:pPr>
+            <a:r>
+              <a:rPr lang="en-US" sz="2000" dirty="0"/>
+              <a:t>Separate </a:t>
+            </a:r>
+            <a:r>
+              <a:rPr lang="en-US" sz="2000" dirty="0" err="1"/>
+              <a:t>ShapeModel</a:t>
+            </a:r>
+            <a:r>
+              <a:rPr lang="en-US" sz="2000" dirty="0"/>
+              <a:t> into separate file called </a:t>
+            </a:r>
+            <a:r>
+              <a:rPr lang="en-US" sz="2000" dirty="0" err="1"/>
+              <a:t>ShapeModel.cs</a:t>
+            </a:r>
+            <a:endParaRPr lang="en-US" sz="2000" dirty="0"/>
+          </a:p>
+          <a:p>
+            <a:pPr marL="457200" indent="-457200">
+              <a:buFont typeface="+mj-lt"/>
+              <a:buAutoNum type="arabicPeriod"/>
+            </a:pPr>
+            <a:r>
+              <a:rPr lang="en-US" sz="2000" dirty="0"/>
+              <a:t>Update source code in </a:t>
+            </a:r>
+            <a:r>
+              <a:rPr lang="en-US" sz="2000" dirty="0" err="1"/>
+              <a:t>Git</a:t>
+            </a:r>
+            <a:r>
+              <a:rPr lang="en-US" sz="2000" dirty="0"/>
+              <a:t> repository</a:t>
+            </a:r>
+          </a:p>
+          <a:p>
+            <a:pPr marL="457200" indent="-457200">
+              <a:buFont typeface="+mj-lt"/>
+              <a:buAutoNum type="arabicPeriod"/>
+            </a:pPr>
+            <a:r>
+              <a:rPr lang="en-US" sz="2000" dirty="0"/>
+              <a:t>Implement, demonstrate and test </a:t>
+            </a:r>
+            <a:r>
+              <a:rPr lang="en-US" sz="2000" dirty="0" err="1"/>
+              <a:t>ShapeModel</a:t>
+            </a:r>
+            <a:r>
+              <a:rPr lang="en-US" sz="2000" dirty="0"/>
+              <a:t> new application</a:t>
+            </a:r>
+          </a:p>
+        </p:txBody>
+      </p:sp>
+    </p:spTree>
+    <p:extLst>
+      <p:ext uri="{BB962C8B-B14F-4D97-AF65-F5344CB8AC3E}">
+        <p14:creationId xmlns:p14="http://schemas.microsoft.com/office/powerpoint/2010/main" val="3137068655"/>
+      </p:ext>
+    </p:extLst>
+  </p:cSld>
+  <p:clrMapOvr>
+    <a:masterClrMapping/>
+  </p:clrMapOvr>
+</p:sld>
+</file>
+
 <file path=ppt/slides/slide3.xml><?xml version="1.0" encoding="utf-8"?>
 <p:sld xmlns:a="http://schemas.openxmlformats.org/drawingml/2006/main" xmlns:r="http://schemas.openxmlformats.org/officeDocument/2006/relationships" xmlns:p="http://schemas.openxmlformats.org/presentationml/2006/main">
   <p:cSld>
@@ -7969,6 +9833,477 @@
     <p:extLst>
       <p:ext uri="{BB962C8B-B14F-4D97-AF65-F5344CB8AC3E}">
         <p14:creationId xmlns:p14="http://schemas.microsoft.com/office/powerpoint/2010/main" val="686912340"/>
+      </p:ext>
+    </p:extLst>
+  </p:cSld>
+  <p:clrMapOvr>
+    <a:masterClrMapping/>
+  </p:clrMapOvr>
+</p:sld>
+</file>
+
+<file path=ppt/slides/slide30.xml><?xml version="1.0" encoding="utf-8"?>
+<p:sld xmlns:a="http://schemas.openxmlformats.org/drawingml/2006/main" xmlns:r="http://schemas.openxmlformats.org/officeDocument/2006/relationships" xmlns:p="http://schemas.openxmlformats.org/presentationml/2006/main">
+  <p:cSld>
+    <p:spTree>
+      <p:nvGrpSpPr>
+        <p:cNvPr id="1" name=""/>
+        <p:cNvGrpSpPr/>
+        <p:nvPr/>
+      </p:nvGrpSpPr>
+      <p:grpSpPr>
+        <a:xfrm>
+          <a:off x="0" y="0"/>
+          <a:ext cx="0" cy="0"/>
+          <a:chOff x="0" y="0"/>
+          <a:chExt cx="0" cy="0"/>
+        </a:xfrm>
+      </p:grpSpPr>
+      <p:sp>
+        <p:nvSpPr>
+          <p:cNvPr id="2" name="Title 1"/>
+          <p:cNvSpPr>
+            <a:spLocks noGrp="1"/>
+          </p:cNvSpPr>
+          <p:nvPr>
+            <p:ph type="title"/>
+          </p:nvPr>
+        </p:nvSpPr>
+        <p:spPr>
+          <a:xfrm>
+            <a:off x="838200" y="474626"/>
+            <a:ext cx="10515600" cy="757272"/>
+          </a:xfrm>
+        </p:spPr>
+        <p:txBody>
+          <a:bodyPr>
+            <a:normAutofit/>
+          </a:bodyPr>
+          <a:lstStyle/>
+          <a:p>
+            <a:r>
+              <a:rPr lang="en-US" sz="3600" dirty="0"/>
+              <a:t>Learning Objectives – Week 7</a:t>
+            </a:r>
+            <a:endParaRPr lang="en-US" sz="3600" b="1" i="1" u="sng" dirty="0"/>
+          </a:p>
+        </p:txBody>
+      </p:sp>
+      <p:sp>
+        <p:nvSpPr>
+          <p:cNvPr id="3" name="Content Placeholder 2"/>
+          <p:cNvSpPr>
+            <a:spLocks noGrp="1"/>
+          </p:cNvSpPr>
+          <p:nvPr>
+            <p:ph idx="1"/>
+          </p:nvPr>
+        </p:nvSpPr>
+        <p:spPr>
+          <a:xfrm>
+            <a:off x="838200" y="1231898"/>
+            <a:ext cx="10718950" cy="5463343"/>
+          </a:xfrm>
+        </p:spPr>
+        <p:txBody>
+          <a:bodyPr>
+            <a:normAutofit/>
+          </a:bodyPr>
+          <a:lstStyle/>
+          <a:p>
+            <a:pPr marL="0" indent="0">
+              <a:buNone/>
+            </a:pPr>
+            <a:r>
+              <a:rPr lang="en-US" sz="2000" dirty="0"/>
+              <a:t>Using Visual Studio 2017, C#, and .NET we will:</a:t>
+            </a:r>
+          </a:p>
+          <a:p>
+            <a:pPr marL="457200" indent="-457200">
+              <a:buFont typeface="+mj-lt"/>
+              <a:buAutoNum type="arabicPeriod"/>
+            </a:pPr>
+            <a:r>
+              <a:rPr lang="en-US" sz="2000" dirty="0">
+                <a:solidFill>
+                  <a:schemeClr val="bg1">
+                    <a:lumMod val="65000"/>
+                  </a:schemeClr>
+                </a:solidFill>
+              </a:rPr>
+              <a:t>Review and implement information hiding</a:t>
+            </a:r>
+          </a:p>
+          <a:p>
+            <a:pPr marL="457200" indent="-457200">
+              <a:buFont typeface="+mj-lt"/>
+              <a:buAutoNum type="arabicPeriod"/>
+            </a:pPr>
+            <a:r>
+              <a:rPr lang="en-US" sz="2000" dirty="0">
+                <a:solidFill>
+                  <a:schemeClr val="bg1">
+                    <a:lumMod val="65000"/>
+                  </a:schemeClr>
+                </a:solidFill>
+              </a:rPr>
+              <a:t>Download documents from remote Web (HTTP) servers</a:t>
+            </a:r>
+          </a:p>
+          <a:p>
+            <a:pPr marL="457200" indent="-457200">
+              <a:buFont typeface="+mj-lt"/>
+              <a:buAutoNum type="arabicPeriod"/>
+            </a:pPr>
+            <a:r>
+              <a:rPr lang="en-US" sz="2000" dirty="0">
+                <a:solidFill>
+                  <a:schemeClr val="bg1">
+                    <a:lumMod val="65000"/>
+                  </a:schemeClr>
+                </a:solidFill>
+              </a:rPr>
+              <a:t>Parse data expressed in XML format</a:t>
+            </a:r>
+          </a:p>
+          <a:p>
+            <a:pPr marL="457200" indent="-457200">
+              <a:buFont typeface="+mj-lt"/>
+              <a:buAutoNum type="arabicPeriod"/>
+            </a:pPr>
+            <a:r>
+              <a:rPr lang="en-US" sz="2000" dirty="0">
+                <a:solidFill>
+                  <a:schemeClr val="bg1">
+                    <a:lumMod val="65000"/>
+                  </a:schemeClr>
+                </a:solidFill>
+              </a:rPr>
+              <a:t>Separate an application’s functionality among classes</a:t>
+            </a:r>
+          </a:p>
+          <a:p>
+            <a:pPr marL="457200" indent="-457200">
+              <a:buFont typeface="+mj-lt"/>
+              <a:buAutoNum type="arabicPeriod"/>
+            </a:pPr>
+            <a:r>
+              <a:rPr lang="en-US" sz="2000" dirty="0">
+                <a:solidFill>
+                  <a:schemeClr val="bg1">
+                    <a:lumMod val="50000"/>
+                  </a:schemeClr>
+                </a:solidFill>
+              </a:rPr>
+              <a:t>Separate code among files and libraries so that you can reuse in other applications</a:t>
+            </a:r>
+          </a:p>
+          <a:p>
+            <a:pPr marL="457200" indent="-457200">
+              <a:buFont typeface="+mj-lt"/>
+              <a:buAutoNum type="arabicPeriod"/>
+            </a:pPr>
+            <a:r>
+              <a:rPr lang="en-US" sz="2000" dirty="0"/>
+              <a:t>Review a Model-View-Controller application</a:t>
+            </a:r>
+          </a:p>
+          <a:p>
+            <a:pPr marL="457200" indent="-457200">
+              <a:buFont typeface="+mj-lt"/>
+              <a:buAutoNum type="arabicPeriod"/>
+            </a:pPr>
+            <a:r>
+              <a:rPr lang="en-US" sz="2000" dirty="0"/>
+              <a:t>Perform basic drawing operations</a:t>
+            </a:r>
+          </a:p>
+        </p:txBody>
+      </p:sp>
+    </p:spTree>
+    <p:extLst>
+      <p:ext uri="{BB962C8B-B14F-4D97-AF65-F5344CB8AC3E}">
+        <p14:creationId xmlns:p14="http://schemas.microsoft.com/office/powerpoint/2010/main" val="2992220273"/>
+      </p:ext>
+    </p:extLst>
+  </p:cSld>
+  <p:clrMapOvr>
+    <a:masterClrMapping/>
+  </p:clrMapOvr>
+</p:sld>
+</file>
+
+<file path=ppt/slides/slide31.xml><?xml version="1.0" encoding="utf-8"?>
+<p:sld xmlns:a="http://schemas.openxmlformats.org/drawingml/2006/main" xmlns:r="http://schemas.openxmlformats.org/officeDocument/2006/relationships" xmlns:p="http://schemas.openxmlformats.org/presentationml/2006/main">
+  <p:cSld>
+    <p:spTree>
+      <p:nvGrpSpPr>
+        <p:cNvPr id="1" name=""/>
+        <p:cNvGrpSpPr/>
+        <p:nvPr/>
+      </p:nvGrpSpPr>
+      <p:grpSpPr>
+        <a:xfrm>
+          <a:off x="0" y="0"/>
+          <a:ext cx="0" cy="0"/>
+          <a:chOff x="0" y="0"/>
+          <a:chExt cx="0" cy="0"/>
+        </a:xfrm>
+      </p:grpSpPr>
+      <p:sp>
+        <p:nvSpPr>
+          <p:cNvPr id="2" name="Title 1"/>
+          <p:cNvSpPr>
+            <a:spLocks noGrp="1"/>
+          </p:cNvSpPr>
+          <p:nvPr>
+            <p:ph type="title"/>
+          </p:nvPr>
+        </p:nvSpPr>
+        <p:spPr>
+          <a:xfrm>
+            <a:off x="838200" y="365125"/>
+            <a:ext cx="10411047" cy="1325563"/>
+          </a:xfrm>
+        </p:spPr>
+        <p:txBody>
+          <a:bodyPr>
+            <a:normAutofit/>
+          </a:bodyPr>
+          <a:lstStyle/>
+          <a:p>
+            <a:r>
+              <a:rPr lang="en-US" sz="3600" dirty="0"/>
+              <a:t>Separate </a:t>
+            </a:r>
+            <a:r>
+              <a:rPr lang="en-US" sz="3600" dirty="0" err="1"/>
+              <a:t>DownloadXML_MVC</a:t>
+            </a:r>
+            <a:endParaRPr lang="en-US" sz="3600" dirty="0"/>
+          </a:p>
+        </p:txBody>
+      </p:sp>
+      <p:sp>
+        <p:nvSpPr>
+          <p:cNvPr id="4" name="Content Placeholder 2"/>
+          <p:cNvSpPr>
+            <a:spLocks noGrp="1"/>
+          </p:cNvSpPr>
+          <p:nvPr>
+            <p:ph idx="1"/>
+          </p:nvPr>
+        </p:nvSpPr>
+        <p:spPr>
+          <a:xfrm>
+            <a:off x="838200" y="1481640"/>
+            <a:ext cx="10718950" cy="5062699"/>
+          </a:xfrm>
+        </p:spPr>
+        <p:txBody>
+          <a:bodyPr>
+            <a:noAutofit/>
+          </a:bodyPr>
+          <a:lstStyle/>
+          <a:p>
+            <a:pPr marL="0" indent="0">
+              <a:buNone/>
+            </a:pPr>
+            <a:r>
+              <a:rPr lang="en-US" sz="2000" u="sng" dirty="0"/>
+              <a:t>Features:</a:t>
+            </a:r>
+          </a:p>
+          <a:p>
+            <a:pPr marL="457200" indent="-457200">
+              <a:buFont typeface="+mj-lt"/>
+              <a:buAutoNum type="arabicPeriod"/>
+            </a:pPr>
+            <a:r>
+              <a:rPr lang="en-US" sz="2000" dirty="0"/>
+              <a:t>Develop new application entirely in Visual Studio 2017 and C#</a:t>
+            </a:r>
+          </a:p>
+          <a:p>
+            <a:pPr marL="457200" indent="-457200">
+              <a:buFont typeface="+mj-lt"/>
+              <a:buAutoNum type="arabicPeriod"/>
+            </a:pPr>
+            <a:r>
+              <a:rPr lang="en-US" sz="2000" dirty="0"/>
+              <a:t>Implement </a:t>
+            </a:r>
+            <a:r>
+              <a:rPr lang="en-US" sz="2000" dirty="0" err="1"/>
+              <a:t>ShapeModelViewController</a:t>
+            </a:r>
+            <a:endParaRPr lang="en-US" sz="2000" dirty="0"/>
+          </a:p>
+          <a:p>
+            <a:pPr marL="457200" indent="-457200">
+              <a:buFont typeface="+mj-lt"/>
+              <a:buAutoNum type="arabicPeriod"/>
+            </a:pPr>
+            <a:r>
+              <a:rPr lang="en-US" sz="2000" dirty="0"/>
+              <a:t>Import </a:t>
+            </a:r>
+            <a:r>
+              <a:rPr lang="en-US" sz="2000" dirty="0" err="1"/>
+              <a:t>ShapeModel</a:t>
+            </a:r>
+            <a:r>
+              <a:rPr lang="en-US" sz="2000" dirty="0"/>
+              <a:t> into </a:t>
+            </a:r>
+            <a:r>
+              <a:rPr lang="en-US" sz="2000" dirty="0" err="1"/>
+              <a:t>ShapeModelViewController</a:t>
+            </a:r>
+            <a:endParaRPr lang="en-US" sz="2000" dirty="0"/>
+          </a:p>
+          <a:p>
+            <a:pPr marL="457200" indent="-457200">
+              <a:buFont typeface="+mj-lt"/>
+              <a:buAutoNum type="arabicPeriod"/>
+            </a:pPr>
+            <a:r>
+              <a:rPr lang="en-US" sz="2000" dirty="0"/>
+              <a:t>Implement </a:t>
+            </a:r>
+            <a:r>
+              <a:rPr lang="en-US" sz="2000" dirty="0" err="1"/>
+              <a:t>ShapeConsoleView</a:t>
+            </a:r>
+            <a:endParaRPr lang="en-US" sz="2000" dirty="0"/>
+          </a:p>
+        </p:txBody>
+      </p:sp>
+    </p:spTree>
+    <p:extLst>
+      <p:ext uri="{BB962C8B-B14F-4D97-AF65-F5344CB8AC3E}">
+        <p14:creationId xmlns:p14="http://schemas.microsoft.com/office/powerpoint/2010/main" val="475673416"/>
+      </p:ext>
+    </p:extLst>
+  </p:cSld>
+  <p:clrMapOvr>
+    <a:masterClrMapping/>
+  </p:clrMapOvr>
+</p:sld>
+</file>
+
+<file path=ppt/slides/slide32.xml><?xml version="1.0" encoding="utf-8"?>
+<p:sld xmlns:a="http://schemas.openxmlformats.org/drawingml/2006/main" xmlns:r="http://schemas.openxmlformats.org/officeDocument/2006/relationships" xmlns:p="http://schemas.openxmlformats.org/presentationml/2006/main">
+  <p:cSld>
+    <p:bg>
+      <p:bgPr>
+        <a:solidFill>
+          <a:schemeClr val="bg1">
+            <a:lumMod val="75000"/>
+          </a:schemeClr>
+        </a:solidFill>
+        <a:effectLst/>
+      </p:bgPr>
+    </p:bg>
+    <p:spTree>
+      <p:nvGrpSpPr>
+        <p:cNvPr id="1" name=""/>
+        <p:cNvGrpSpPr/>
+        <p:nvPr/>
+      </p:nvGrpSpPr>
+      <p:grpSpPr>
+        <a:xfrm>
+          <a:off x="0" y="0"/>
+          <a:ext cx="0" cy="0"/>
+          <a:chOff x="0" y="0"/>
+          <a:chExt cx="0" cy="0"/>
+        </a:xfrm>
+      </p:grpSpPr>
+      <p:sp>
+        <p:nvSpPr>
+          <p:cNvPr id="2" name="Title 1"/>
+          <p:cNvSpPr>
+            <a:spLocks noGrp="1"/>
+          </p:cNvSpPr>
+          <p:nvPr>
+            <p:ph type="ctrTitle"/>
+          </p:nvPr>
+        </p:nvSpPr>
+        <p:spPr>
+          <a:xfrm>
+            <a:off x="1524000" y="1122363"/>
+            <a:ext cx="9144000" cy="2387600"/>
+          </a:xfrm>
+        </p:spPr>
+        <p:txBody>
+          <a:bodyPr>
+            <a:normAutofit/>
+          </a:bodyPr>
+          <a:lstStyle/>
+          <a:p>
+            <a:r>
+              <a:rPr lang="en-US" sz="4800" dirty="0"/>
+              <a:t>End of Session</a:t>
+            </a:r>
+          </a:p>
+        </p:txBody>
+      </p:sp>
+      <p:sp>
+        <p:nvSpPr>
+          <p:cNvPr id="3" name="Subtitle 2"/>
+          <p:cNvSpPr>
+            <a:spLocks noGrp="1"/>
+          </p:cNvSpPr>
+          <p:nvPr>
+            <p:ph type="subTitle" idx="1"/>
+          </p:nvPr>
+        </p:nvSpPr>
+        <p:spPr>
+          <a:xfrm>
+            <a:off x="1524000" y="3602038"/>
+            <a:ext cx="9144000" cy="2198022"/>
+          </a:xfrm>
+        </p:spPr>
+        <p:txBody>
+          <a:bodyPr>
+            <a:normAutofit/>
+          </a:bodyPr>
+          <a:lstStyle/>
+          <a:p>
+            <a:pPr algn="l"/>
+            <a:r>
+              <a:rPr lang="en-US" dirty="0"/>
+              <a:t>Course Number: CPSC-24500</a:t>
+            </a:r>
+          </a:p>
+          <a:p>
+            <a:pPr algn="l"/>
+            <a:r>
+              <a:rPr lang="en-US" dirty="0"/>
+              <a:t>Week: 7</a:t>
+            </a:r>
+          </a:p>
+          <a:p>
+            <a:pPr algn="l"/>
+            <a:r>
+              <a:rPr lang="en-US" dirty="0"/>
+              <a:t>Session: 4</a:t>
+            </a:r>
+          </a:p>
+          <a:p>
+            <a:pPr algn="l"/>
+            <a:r>
+              <a:rPr lang="en-US" dirty="0"/>
+              <a:t>Instructor: Eric Pogue</a:t>
+            </a:r>
+          </a:p>
+        </p:txBody>
+      </p:sp>
+    </p:spTree>
+    <p:extLst>
+      <p:ext uri="{BB962C8B-B14F-4D97-AF65-F5344CB8AC3E}">
+        <p14:creationId xmlns:p14="http://schemas.microsoft.com/office/powerpoint/2010/main" val="2418247190"/>
       </p:ext>
     </p:extLst>
   </p:cSld>
@@ -9660,13 +11995,13 @@
 <file path=customXml/itemProps1.xml><?xml version="1.0" encoding="utf-8"?>
 <ds:datastoreItem xmlns:ds="http://schemas.openxmlformats.org/officeDocument/2006/customXml" ds:itemID="{3473EA1A-2744-48E8-B2A3-4F89C0FC849C}">
   <ds:schemaRefs>
+    <ds:schemaRef ds:uri="http://purl.org/dc/terms/"/>
+    <ds:schemaRef ds:uri="http://schemas.microsoft.com/office/2006/documentManagement/types"/>
+    <ds:schemaRef ds:uri="http://purl.org/dc/dcmitype/"/>
+    <ds:schemaRef ds:uri="http://schemas.microsoft.com/office/infopath/2007/PartnerControls"/>
     <ds:schemaRef ds:uri="http://purl.org/dc/elements/1.1/"/>
     <ds:schemaRef ds:uri="http://schemas.microsoft.com/office/2006/metadata/properties"/>
-    <ds:schemaRef ds:uri="http://schemas.microsoft.com/office/2006/documentManagement/types"/>
-    <ds:schemaRef ds:uri="http://purl.org/dc/terms/"/>
     <ds:schemaRef ds:uri="http://schemas.openxmlformats.org/package/2006/metadata/core-properties"/>
-    <ds:schemaRef ds:uri="http://purl.org/dc/dcmitype/"/>
-    <ds:schemaRef ds:uri="http://schemas.microsoft.com/office/infopath/2007/PartnerControls"/>
     <ds:schemaRef ds:uri="http://www.w3.org/XML/1998/namespace"/>
   </ds:schemaRefs>
 </ds:datastoreItem>

--- a/CPSC-24500/Week07/2017SpringW07Slides.pptx
+++ b/CPSC-24500/Week07/2017SpringW07Slides.pptx
@@ -5,7 +5,7 @@
     <p:sldMasterId id="2147483648" r:id="rId4"/>
   </p:sldMasterIdLst>
   <p:notesMasterIdLst>
-    <p:notesMasterId r:id="rId37"/>
+    <p:notesMasterId r:id="rId39"/>
   </p:notesMasterIdLst>
   <p:sldIdLst>
     <p:sldId id="381" r:id="rId5"/>
@@ -39,7 +39,9 @@
     <p:sldId id="544" r:id="rId33"/>
     <p:sldId id="545" r:id="rId34"/>
     <p:sldId id="546" r:id="rId35"/>
-    <p:sldId id="547" r:id="rId36"/>
+    <p:sldId id="549" r:id="rId36"/>
+    <p:sldId id="548" r:id="rId37"/>
+    <p:sldId id="547" r:id="rId38"/>
   </p:sldIdLst>
   <p:sldSz cx="12192000" cy="6858000"/>
   <p:notesSz cx="7315200" cy="9601200"/>
@@ -2507,6 +2509,210 @@
             <a:pPr marL="0" indent="0">
               <a:buNone/>
             </a:pPr>
+            <a:r>
+              <a:rPr lang="en-US" sz="1000" dirty="0"/>
+              <a:t>Steps:</a:t>
+            </a:r>
+          </a:p>
+          <a:p>
+            <a:pPr marL="228600" marR="0" lvl="0" indent="-228600" algn="l" defTabSz="914400" rtl="0" eaLnBrk="1" fontAlgn="auto" latinLnBrk="0" hangingPunct="1">
+              <a:lnSpc>
+                <a:spcPct val="100000"/>
+              </a:lnSpc>
+              <a:spcBef>
+                <a:spcPts val="0"/>
+              </a:spcBef>
+              <a:spcAft>
+                <a:spcPts val="0"/>
+              </a:spcAft>
+              <a:buClrTx/>
+              <a:buSzTx/>
+              <a:buFont typeface="+mj-lt"/>
+              <a:buAutoNum type="arabicPeriod"/>
+              <a:tabLst/>
+              <a:defRPr/>
+            </a:pPr>
+            <a:r>
+              <a:rPr lang="en-US" sz="1000" dirty="0" err="1"/>
+              <a:t>git</a:t>
+            </a:r>
+            <a:r>
+              <a:rPr lang="en-US" sz="1000" dirty="0"/>
+              <a:t> clone https://github.com/EricJPogue/CPSC-24500.git</a:t>
+            </a:r>
+          </a:p>
+          <a:p>
+            <a:pPr marL="228600" indent="-228600">
+              <a:buFont typeface="+mj-lt"/>
+              <a:buAutoNum type="arabicPeriod"/>
+            </a:pPr>
+            <a:r>
+              <a:rPr lang="en-US" sz="1000" dirty="0"/>
+              <a:t>Open </a:t>
+            </a:r>
+            <a:r>
+              <a:rPr lang="en-US" sz="1000" dirty="0" err="1"/>
+              <a:t>DownloadAndParseXML</a:t>
+            </a:r>
+            <a:r>
+              <a:rPr lang="en-US" sz="1000" dirty="0"/>
+              <a:t> solution</a:t>
+            </a:r>
+          </a:p>
+          <a:p>
+            <a:pPr marL="228600" indent="-228600">
+              <a:buFont typeface="+mj-lt"/>
+              <a:buAutoNum type="arabicPeriod"/>
+            </a:pPr>
+            <a:r>
+              <a:rPr lang="en-US" sz="1000" dirty="0"/>
+              <a:t>Add new </a:t>
+            </a:r>
+            <a:r>
+              <a:rPr lang="en-US" sz="1000" dirty="0" err="1"/>
+              <a:t>ShapeModel</a:t>
+            </a:r>
+            <a:r>
+              <a:rPr lang="en-US" sz="1000" dirty="0"/>
+              <a:t> class .</a:t>
+            </a:r>
+            <a:r>
+              <a:rPr lang="en-US" sz="1000" dirty="0" err="1"/>
+              <a:t>cs</a:t>
+            </a:r>
+            <a:r>
+              <a:rPr lang="en-US" sz="1000" dirty="0"/>
+              <a:t> file</a:t>
+            </a:r>
+          </a:p>
+          <a:p>
+            <a:pPr marL="228600" indent="-228600">
+              <a:buFont typeface="+mj-lt"/>
+              <a:buAutoNum type="arabicPeriod"/>
+            </a:pPr>
+            <a:r>
+              <a:rPr lang="en-US" sz="1000" dirty="0"/>
+              <a:t>Cut and past </a:t>
+            </a:r>
+            <a:r>
+              <a:rPr lang="en-US" sz="1000" dirty="0" err="1"/>
+              <a:t>ShapeModel</a:t>
+            </a:r>
+            <a:r>
+              <a:rPr lang="en-US" sz="1000" dirty="0"/>
+              <a:t> source into new file</a:t>
+            </a:r>
+          </a:p>
+          <a:p>
+            <a:pPr marL="228600" indent="-228600">
+              <a:buFont typeface="+mj-lt"/>
+              <a:buAutoNum type="arabicPeriod"/>
+            </a:pPr>
+            <a:r>
+              <a:rPr lang="en-US" sz="1000" dirty="0"/>
+              <a:t>Change </a:t>
+            </a:r>
+            <a:r>
+              <a:rPr lang="en-US" sz="1000" dirty="0" err="1"/>
+              <a:t>NameSpace</a:t>
+            </a:r>
+            <a:r>
+              <a:rPr lang="en-US" sz="1000" dirty="0"/>
+              <a:t> to </a:t>
+            </a:r>
+            <a:r>
+              <a:rPr lang="en-US" sz="1000" dirty="0" err="1"/>
+              <a:t>ShapeModelXML</a:t>
+            </a:r>
+            <a:endParaRPr lang="en-US" sz="1000" dirty="0"/>
+          </a:p>
+          <a:p>
+            <a:pPr marL="228600" indent="-228600">
+              <a:buFont typeface="+mj-lt"/>
+              <a:buAutoNum type="arabicPeriod"/>
+            </a:pPr>
+            <a:r>
+              <a:rPr lang="en-US" sz="1000" dirty="0"/>
+              <a:t>Update </a:t>
+            </a:r>
+            <a:r>
+              <a:rPr lang="en-US" sz="1000" dirty="0" err="1"/>
+              <a:t>Program.cs</a:t>
+            </a:r>
+            <a:r>
+              <a:rPr lang="en-US" sz="1000" dirty="0"/>
+              <a:t> to with “Using </a:t>
+            </a:r>
+            <a:r>
+              <a:rPr lang="en-US" sz="1000" dirty="0" err="1"/>
+              <a:t>ShapeModelXML</a:t>
+            </a:r>
+            <a:r>
+              <a:rPr lang="en-US" sz="1000" dirty="0"/>
+              <a:t>;”</a:t>
+            </a:r>
+          </a:p>
+          <a:p>
+            <a:pPr marL="228600" indent="-228600">
+              <a:buFont typeface="+mj-lt"/>
+              <a:buAutoNum type="arabicPeriod"/>
+            </a:pPr>
+            <a:r>
+              <a:rPr lang="en-US" sz="1000" dirty="0"/>
+              <a:t>Compile &amp; debug</a:t>
+            </a:r>
+          </a:p>
+          <a:p>
+            <a:pPr marL="228600" indent="-228600">
+              <a:buFont typeface="+mj-lt"/>
+              <a:buAutoNum type="arabicPeriod"/>
+            </a:pPr>
+            <a:r>
+              <a:rPr lang="en-US" sz="1000" dirty="0" err="1"/>
+              <a:t>git</a:t>
+            </a:r>
+            <a:r>
+              <a:rPr lang="en-US" sz="1000" dirty="0"/>
+              <a:t> add </a:t>
+            </a:r>
+            <a:r>
+              <a:rPr lang="en-US" sz="1000" dirty="0" err="1"/>
+              <a:t>ShapeModel.cs</a:t>
+            </a:r>
+            <a:endParaRPr lang="en-US" sz="1000" dirty="0"/>
+          </a:p>
+          <a:p>
+            <a:pPr marL="228600" indent="-228600">
+              <a:buFont typeface="+mj-lt"/>
+              <a:buAutoNum type="arabicPeriod"/>
+            </a:pPr>
+            <a:r>
+              <a:rPr lang="en-US" sz="1000" dirty="0" err="1"/>
+              <a:t>git</a:t>
+            </a:r>
+            <a:r>
+              <a:rPr lang="en-US" sz="1000" dirty="0"/>
+              <a:t> commit</a:t>
+            </a:r>
+          </a:p>
+          <a:p>
+            <a:pPr marL="228600" indent="-228600">
+              <a:buFont typeface="+mj-lt"/>
+              <a:buAutoNum type="arabicPeriod"/>
+            </a:pPr>
+            <a:r>
+              <a:rPr lang="en-US" sz="1000" dirty="0" err="1"/>
+              <a:t>git</a:t>
+            </a:r>
+            <a:r>
+              <a:rPr lang="en-US" sz="1000" dirty="0"/>
+              <a:t> push</a:t>
+            </a:r>
+          </a:p>
+          <a:p>
+            <a:pPr marL="0" indent="0">
+              <a:buNone/>
+            </a:pPr>
             <a:endParaRPr lang="en-US" sz="1000" dirty="0"/>
           </a:p>
         </p:txBody>
@@ -2831,6 +3037,244 @@
             <a:pPr marL="0" indent="0">
               <a:buNone/>
             </a:pPr>
+            <a:r>
+              <a:rPr lang="en-US" sz="1000" dirty="0"/>
+              <a:t>Recognize that we may have multiple Models, Views, and Controllers in a complex application. We could end up with names like “</a:t>
+            </a:r>
+            <a:r>
+              <a:rPr lang="en-US" sz="1000" dirty="0" err="1"/>
+              <a:t>SimpleShapeModel_ShapeConsoleView_Controler</a:t>
+            </a:r>
+            <a:r>
+              <a:rPr lang="en-US" sz="1000" dirty="0"/>
+              <a:t>”. We will keep it very simple for our example.</a:t>
+            </a:r>
+          </a:p>
+          <a:p>
+            <a:pPr marL="0" indent="0">
+              <a:buNone/>
+            </a:pPr>
+            <a:endParaRPr lang="en-US" sz="1000" dirty="0"/>
+          </a:p>
+          <a:p>
+            <a:pPr marL="0" indent="0">
+              <a:buNone/>
+            </a:pPr>
+            <a:r>
+              <a:rPr lang="en-US" sz="1000" dirty="0"/>
+              <a:t>Steps:</a:t>
+            </a:r>
+          </a:p>
+          <a:p>
+            <a:pPr marL="228600" indent="-228600">
+              <a:buFont typeface="+mj-lt"/>
+              <a:buAutoNum type="arabicPeriod"/>
+            </a:pPr>
+            <a:r>
+              <a:rPr lang="en-US" sz="1000" dirty="0"/>
+              <a:t>Create a new Visual Studio 2017 project named “</a:t>
+            </a:r>
+            <a:r>
+              <a:rPr lang="en-US" sz="1000" dirty="0" err="1"/>
+              <a:t>DownloadAndParseXML_MVC</a:t>
+            </a:r>
+            <a:r>
+              <a:rPr lang="en-US" sz="1000" dirty="0"/>
+              <a:t>”</a:t>
+            </a:r>
+          </a:p>
+          <a:p>
+            <a:pPr marL="228600" indent="-228600">
+              <a:buFont typeface="+mj-lt"/>
+              <a:buAutoNum type="arabicPeriod"/>
+            </a:pPr>
+            <a:r>
+              <a:rPr lang="en-US" sz="1000" dirty="0"/>
+              <a:t>Add a new Class and .</a:t>
+            </a:r>
+            <a:r>
+              <a:rPr lang="en-US" sz="1000" dirty="0" err="1"/>
+              <a:t>cs</a:t>
+            </a:r>
+            <a:r>
+              <a:rPr lang="en-US" sz="1000" dirty="0"/>
+              <a:t> file called </a:t>
+            </a:r>
+            <a:r>
+              <a:rPr lang="en-US" sz="1000" dirty="0" err="1"/>
+              <a:t>ShapeController</a:t>
+            </a:r>
+            <a:endParaRPr lang="en-US" sz="1000" dirty="0"/>
+          </a:p>
+          <a:p>
+            <a:pPr marL="228600" indent="-228600">
+              <a:buFont typeface="+mj-lt"/>
+              <a:buAutoNum type="arabicPeriod"/>
+            </a:pPr>
+            <a:r>
+              <a:rPr lang="en-US" sz="1000" dirty="0"/>
+              <a:t>Create a new “</a:t>
+            </a:r>
+            <a:r>
+              <a:rPr lang="en-US" sz="1000" dirty="0" err="1"/>
+              <a:t>ShapeController</a:t>
+            </a:r>
+            <a:r>
+              <a:rPr lang="en-US" sz="1000" dirty="0"/>
+              <a:t>” in Main</a:t>
+            </a:r>
+          </a:p>
+          <a:p>
+            <a:pPr marL="228600" indent="-228600">
+              <a:buFont typeface="+mj-lt"/>
+              <a:buAutoNum type="arabicPeriod"/>
+            </a:pPr>
+            <a:r>
+              <a:rPr lang="en-US" sz="1000" dirty="0"/>
+              <a:t>“Import” </a:t>
+            </a:r>
+            <a:r>
+              <a:rPr lang="en-US" sz="1000" dirty="0" err="1"/>
+              <a:t>ShapeModel</a:t>
+            </a:r>
+            <a:r>
+              <a:rPr lang="en-US" sz="1000" dirty="0"/>
+              <a:t> from </a:t>
+            </a:r>
+            <a:r>
+              <a:rPr lang="en-US" sz="1000" dirty="0" err="1"/>
+              <a:t>DownloadAndParseXML</a:t>
+            </a:r>
+            <a:r>
+              <a:rPr lang="en-US" sz="1000" dirty="0"/>
+              <a:t>… copy </a:t>
+            </a:r>
+            <a:r>
+              <a:rPr lang="en-US" sz="1000" dirty="0" err="1"/>
+              <a:t>ShapeModel.cs</a:t>
+            </a:r>
+            <a:r>
+              <a:rPr lang="en-US" sz="1000" dirty="0"/>
+              <a:t> file</a:t>
+            </a:r>
+          </a:p>
+          <a:p>
+            <a:pPr marL="228600" marR="0" lvl="0" indent="-228600" algn="l" defTabSz="914400" rtl="0" eaLnBrk="1" fontAlgn="auto" latinLnBrk="0" hangingPunct="1">
+              <a:lnSpc>
+                <a:spcPct val="100000"/>
+              </a:lnSpc>
+              <a:spcBef>
+                <a:spcPts val="0"/>
+              </a:spcBef>
+              <a:spcAft>
+                <a:spcPts val="0"/>
+              </a:spcAft>
+              <a:buClrTx/>
+              <a:buSzTx/>
+              <a:buFont typeface="+mj-lt"/>
+              <a:buAutoNum type="arabicPeriod"/>
+              <a:tabLst/>
+              <a:defRPr/>
+            </a:pPr>
+            <a:r>
+              <a:rPr lang="en-US" sz="1000" dirty="0"/>
+              <a:t>Add “Using </a:t>
+            </a:r>
+            <a:r>
+              <a:rPr lang="en-US" sz="1000" dirty="0" err="1"/>
+              <a:t>ShapeModelXML</a:t>
+            </a:r>
+            <a:r>
+              <a:rPr lang="en-US" sz="1000" dirty="0"/>
+              <a:t>;” to </a:t>
+            </a:r>
+            <a:r>
+              <a:rPr lang="en-US" sz="1000" dirty="0" err="1"/>
+              <a:t>ShapeController</a:t>
+            </a:r>
+            <a:endParaRPr lang="en-US" sz="1000" dirty="0"/>
+          </a:p>
+          <a:p>
+            <a:pPr marL="228600" marR="0" lvl="0" indent="-228600" algn="l" defTabSz="914400" rtl="0" eaLnBrk="1" fontAlgn="auto" latinLnBrk="0" hangingPunct="1">
+              <a:lnSpc>
+                <a:spcPct val="100000"/>
+              </a:lnSpc>
+              <a:spcBef>
+                <a:spcPts val="0"/>
+              </a:spcBef>
+              <a:spcAft>
+                <a:spcPts val="0"/>
+              </a:spcAft>
+              <a:buClrTx/>
+              <a:buSzTx/>
+              <a:buFont typeface="+mj-lt"/>
+              <a:buAutoNum type="arabicPeriod"/>
+              <a:tabLst/>
+              <a:defRPr/>
+            </a:pPr>
+            <a:r>
+              <a:rPr lang="en-US" sz="1000" dirty="0"/>
+              <a:t>Enhance </a:t>
+            </a:r>
+            <a:r>
+              <a:rPr lang="en-US" sz="1000" dirty="0" err="1"/>
+              <a:t>ShapeController</a:t>
+            </a:r>
+            <a:r>
+              <a:rPr lang="en-US" sz="1000" dirty="0"/>
+              <a:t> with </a:t>
+            </a:r>
+            <a:r>
+              <a:rPr lang="en-US" sz="1000" dirty="0" err="1"/>
+              <a:t>ShapeModel</a:t>
+            </a:r>
+            <a:endParaRPr lang="en-US" sz="1000" dirty="0"/>
+          </a:p>
+          <a:p>
+            <a:pPr marL="228600" marR="0" lvl="0" indent="-228600" algn="l" defTabSz="914400" rtl="0" eaLnBrk="1" fontAlgn="auto" latinLnBrk="0" hangingPunct="1">
+              <a:lnSpc>
+                <a:spcPct val="100000"/>
+              </a:lnSpc>
+              <a:spcBef>
+                <a:spcPts val="0"/>
+              </a:spcBef>
+              <a:spcAft>
+                <a:spcPts val="0"/>
+              </a:spcAft>
+              <a:buClrTx/>
+              <a:buSzTx/>
+              <a:buFont typeface="+mj-lt"/>
+              <a:buAutoNum type="arabicPeriod"/>
+              <a:tabLst/>
+              <a:defRPr/>
+            </a:pPr>
+            <a:r>
+              <a:rPr lang="en-US" sz="1000" dirty="0" err="1"/>
+              <a:t>Implemend</a:t>
+            </a:r>
+            <a:r>
+              <a:rPr lang="en-US" sz="1000" dirty="0"/>
+              <a:t> </a:t>
+            </a:r>
+            <a:r>
+              <a:rPr lang="en-US" sz="1000" dirty="0" err="1"/>
+              <a:t>ShapeConsoleView</a:t>
+            </a:r>
+            <a:r>
+              <a:rPr lang="en-US" sz="1000" dirty="0"/>
+              <a:t> </a:t>
+            </a:r>
+          </a:p>
+          <a:p>
+            <a:pPr marL="0" indent="0">
+              <a:buNone/>
+            </a:pPr>
+            <a:endParaRPr lang="en-US" sz="1000" dirty="0"/>
+          </a:p>
+          <a:p>
+            <a:pPr marL="0" indent="0">
+              <a:buNone/>
+            </a:pPr>
             <a:endParaRPr lang="en-US" sz="1000" dirty="0"/>
           </a:p>
         </p:txBody>
@@ -2937,6 +3381,177 @@
             <a:fld id="{5394DE12-7B9B-46AA-AC19-C30A49928B9B}" type="slidenum">
               <a:rPr lang="en-US" smtClean="0"/>
               <a:t>32</a:t>
+            </a:fld>
+            <a:endParaRPr lang="en-US" dirty="0"/>
+          </a:p>
+        </p:txBody>
+      </p:sp>
+    </p:spTree>
+    <p:extLst>
+      <p:ext uri="{BB962C8B-B14F-4D97-AF65-F5344CB8AC3E}">
+        <p14:creationId xmlns:p14="http://schemas.microsoft.com/office/powerpoint/2010/main" val="2601299106"/>
+      </p:ext>
+    </p:extLst>
+  </p:cSld>
+  <p:clrMapOvr>
+    <a:masterClrMapping/>
+  </p:clrMapOvr>
+</p:notes>
+</file>
+
+<file path=ppt/notesSlides/notesSlide33.xml><?xml version="1.0" encoding="utf-8"?>
+<p:notes xmlns:a="http://schemas.openxmlformats.org/drawingml/2006/main" xmlns:r="http://schemas.openxmlformats.org/officeDocument/2006/relationships" xmlns:p="http://schemas.openxmlformats.org/presentationml/2006/main">
+  <p:cSld>
+    <p:spTree>
+      <p:nvGrpSpPr>
+        <p:cNvPr id="1" name=""/>
+        <p:cNvGrpSpPr/>
+        <p:nvPr/>
+      </p:nvGrpSpPr>
+      <p:grpSpPr>
+        <a:xfrm>
+          <a:off x="0" y="0"/>
+          <a:ext cx="0" cy="0"/>
+          <a:chOff x="0" y="0"/>
+          <a:chExt cx="0" cy="0"/>
+        </a:xfrm>
+      </p:grpSpPr>
+      <p:sp>
+        <p:nvSpPr>
+          <p:cNvPr id="2" name="Slide Image Placeholder 1"/>
+          <p:cNvSpPr>
+            <a:spLocks noGrp="1" noRot="1" noChangeAspect="1"/>
+          </p:cNvSpPr>
+          <p:nvPr>
+            <p:ph type="sldImg"/>
+          </p:nvPr>
+        </p:nvSpPr>
+        <p:spPr/>
+      </p:sp>
+      <p:sp>
+        <p:nvSpPr>
+          <p:cNvPr id="3" name="Notes Placeholder 2"/>
+          <p:cNvSpPr>
+            <a:spLocks noGrp="1"/>
+          </p:cNvSpPr>
+          <p:nvPr>
+            <p:ph type="body" idx="1"/>
+          </p:nvPr>
+        </p:nvSpPr>
+        <p:spPr/>
+        <p:txBody>
+          <a:bodyPr/>
+          <a:lstStyle/>
+          <a:p>
+            <a:pPr marL="0" indent="0">
+              <a:buNone/>
+            </a:pPr>
+            <a:endParaRPr lang="en-US" sz="1000" dirty="0"/>
+          </a:p>
+        </p:txBody>
+      </p:sp>
+      <p:sp>
+        <p:nvSpPr>
+          <p:cNvPr id="4" name="Slide Number Placeholder 3"/>
+          <p:cNvSpPr>
+            <a:spLocks noGrp="1"/>
+          </p:cNvSpPr>
+          <p:nvPr>
+            <p:ph type="sldNum" sz="quarter" idx="10"/>
+          </p:nvPr>
+        </p:nvSpPr>
+        <p:spPr/>
+        <p:txBody>
+          <a:bodyPr/>
+          <a:lstStyle/>
+          <a:p>
+            <a:fld id="{5394DE12-7B9B-46AA-AC19-C30A49928B9B}" type="slidenum">
+              <a:rPr lang="en-US" smtClean="0"/>
+              <a:t>33</a:t>
+            </a:fld>
+            <a:endParaRPr lang="en-US" dirty="0"/>
+          </a:p>
+        </p:txBody>
+      </p:sp>
+    </p:spTree>
+    <p:extLst>
+      <p:ext uri="{BB962C8B-B14F-4D97-AF65-F5344CB8AC3E}">
+        <p14:creationId xmlns:p14="http://schemas.microsoft.com/office/powerpoint/2010/main" val="2255821674"/>
+      </p:ext>
+    </p:extLst>
+  </p:cSld>
+  <p:clrMapOvr>
+    <a:masterClrMapping/>
+  </p:clrMapOvr>
+</p:notes>
+</file>
+
+<file path=ppt/notesSlides/notesSlide34.xml><?xml version="1.0" encoding="utf-8"?>
+<p:notes xmlns:a="http://schemas.openxmlformats.org/drawingml/2006/main" xmlns:r="http://schemas.openxmlformats.org/officeDocument/2006/relationships" xmlns:p="http://schemas.openxmlformats.org/presentationml/2006/main">
+  <p:cSld>
+    <p:spTree>
+      <p:nvGrpSpPr>
+        <p:cNvPr id="1" name=""/>
+        <p:cNvGrpSpPr/>
+        <p:nvPr/>
+      </p:nvGrpSpPr>
+      <p:grpSpPr>
+        <a:xfrm>
+          <a:off x="0" y="0"/>
+          <a:ext cx="0" cy="0"/>
+          <a:chOff x="0" y="0"/>
+          <a:chExt cx="0" cy="0"/>
+        </a:xfrm>
+      </p:grpSpPr>
+      <p:sp>
+        <p:nvSpPr>
+          <p:cNvPr id="2" name="Slide Image Placeholder 1"/>
+          <p:cNvSpPr>
+            <a:spLocks noGrp="1" noRot="1" noChangeAspect="1"/>
+          </p:cNvSpPr>
+          <p:nvPr>
+            <p:ph type="sldImg"/>
+          </p:nvPr>
+        </p:nvSpPr>
+        <p:spPr/>
+      </p:sp>
+      <p:sp>
+        <p:nvSpPr>
+          <p:cNvPr id="3" name="Notes Placeholder 2"/>
+          <p:cNvSpPr>
+            <a:spLocks noGrp="1"/>
+          </p:cNvSpPr>
+          <p:nvPr>
+            <p:ph type="body" idx="1"/>
+          </p:nvPr>
+        </p:nvSpPr>
+        <p:spPr/>
+        <p:txBody>
+          <a:bodyPr/>
+          <a:lstStyle/>
+          <a:p>
+            <a:endParaRPr lang="en-US" sz="1000" dirty="0"/>
+          </a:p>
+        </p:txBody>
+      </p:sp>
+      <p:sp>
+        <p:nvSpPr>
+          <p:cNvPr id="4" name="Slide Number Placeholder 3"/>
+          <p:cNvSpPr>
+            <a:spLocks noGrp="1"/>
+          </p:cNvSpPr>
+          <p:nvPr>
+            <p:ph type="sldNum" sz="quarter" idx="10"/>
+          </p:nvPr>
+        </p:nvSpPr>
+        <p:spPr/>
+        <p:txBody>
+          <a:bodyPr/>
+          <a:lstStyle/>
+          <a:p>
+            <a:fld id="{5394DE12-7B9B-46AA-AC19-C30A49928B9B}" type="slidenum">
+              <a:rPr lang="en-US" smtClean="0"/>
+              <a:t>34</a:t>
             </a:fld>
             <a:endParaRPr lang="en-US" dirty="0"/>
           </a:p>
@@ -8846,7 +9461,7 @@
             </a:pPr>
             <a:r>
               <a:rPr lang="en-US" sz="2000" dirty="0"/>
-              <a:t>Comment on Requesting Graded Homework Assignments</a:t>
+              <a:t>Reminder on Requesting Graded Homework Assignments</a:t>
             </a:r>
           </a:p>
           <a:p>
@@ -8856,28 +9471,45 @@
             </a:pPr>
             <a:r>
               <a:rPr lang="en-US" sz="2000" dirty="0"/>
-              <a:t>Discuss this week’s Assignments</a:t>
-            </a:r>
-          </a:p>
-          <a:p>
-            <a:pPr lvl="1"/>
-            <a:r>
-              <a:rPr lang="en-US" sz="1600" dirty="0"/>
-              <a:t>Week 7 Questions Assignment </a:t>
-            </a:r>
-            <a:r>
-              <a:rPr lang="en-US" sz="1600" u="sng" dirty="0">
+              <a:t>Review Week 7 To-do List </a:t>
+            </a:r>
+            <a:r>
+              <a:rPr lang="en-US" sz="2000" dirty="0">
                 <a:hlinkClick r:id="rId4"/>
               </a:rPr>
               <a:t>[link]</a:t>
             </a:r>
-            <a:endParaRPr lang="en-US" sz="1600" u="sng" dirty="0"/>
+            <a:endParaRPr lang="en-US" sz="2000" dirty="0"/>
           </a:p>
           <a:p>
             <a:pPr lvl="1"/>
             <a:r>
               <a:rPr lang="en-US" sz="1600" dirty="0"/>
-              <a:t>Week 7 Programming Assignment </a:t>
+              <a:t>Recognize that it may be valuable to review items “8a” and “8b” before this “Week 7 session 1” video</a:t>
+            </a:r>
+          </a:p>
+          <a:p>
+            <a:pPr lvl="1"/>
+            <a:r>
+              <a:rPr lang="en-US" sz="1600" dirty="0"/>
+              <a:t>Don’t forget your Bb postings</a:t>
+            </a:r>
+          </a:p>
+          <a:p>
+            <a:pPr marL="457200" indent="-457200">
+              <a:buFont typeface="+mj-lt"/>
+              <a:buAutoNum type="arabicPeriod"/>
+            </a:pPr>
+            <a:r>
+              <a:rPr lang="en-US" sz="2000" dirty="0"/>
+              <a:t>Discuss this week’s Assignments</a:t>
+            </a:r>
+          </a:p>
+          <a:p>
+            <a:pPr lvl="1"/>
+            <a:r>
+              <a:rPr lang="en-US" sz="1600" dirty="0"/>
+              <a:t>Week 7 Questions Assignment </a:t>
             </a:r>
             <a:r>
               <a:rPr lang="en-US" sz="1600" u="sng" dirty="0">
@@ -8885,6 +9517,20 @@
               </a:rPr>
               <a:t>[link]</a:t>
             </a:r>
+            <a:endParaRPr lang="en-US" sz="1600" u="sng" dirty="0"/>
+          </a:p>
+          <a:p>
+            <a:pPr lvl="1"/>
+            <a:r>
+              <a:rPr lang="en-US" sz="1600" dirty="0"/>
+              <a:t>Week 7 Programming Assignment </a:t>
+            </a:r>
+            <a:r>
+              <a:rPr lang="en-US" sz="1600" u="sng" dirty="0">
+                <a:hlinkClick r:id="rId6"/>
+              </a:rPr>
+              <a:t>[link]</a:t>
+            </a:r>
             <a:endParaRPr lang="en-US" sz="2000" dirty="0"/>
           </a:p>
           <a:p>
@@ -8904,7 +9550,7 @@
             </a:pPr>
             <a:r>
               <a:rPr lang="en-US" sz="2000" dirty="0"/>
-              <a:t>More Learning Objective Topics</a:t>
+              <a:t>Continue with More Learning Objective Topics</a:t>
             </a:r>
           </a:p>
         </p:txBody>
@@ -9316,7 +9962,7 @@
           <a:p>
             <a:r>
               <a:rPr lang="en-US" sz="2000" dirty="0"/>
-              <a:t>Distributing source code is optional and can be done independently from the main application (pro)</a:t>
+              <a:t>Distributing source code is optional (pro)</a:t>
             </a:r>
           </a:p>
           <a:p>
@@ -9328,7 +9974,7 @@
           <a:p>
             <a:r>
               <a:rPr lang="en-US" sz="2000" dirty="0"/>
-              <a:t>Multiple (mostly incompatible) methods including DLLS, COM, .NET, etc. on Windows (con)</a:t>
+              <a:t>Multiple (often incompatible) methods including DLLS, COM, .NET, etc. on Windows (con)</a:t>
             </a:r>
           </a:p>
           <a:p>
@@ -9464,6 +10110,12 @@
               <a:t>Control and security is distributed (con… or pro)</a:t>
             </a:r>
           </a:p>
+          <a:p>
+            <a:r>
+              <a:rPr lang="en-US" sz="2000" dirty="0"/>
+              <a:t>Legal &amp; Privacy (?)</a:t>
+            </a:r>
+          </a:p>
         </p:txBody>
       </p:sp>
     </p:spTree>
@@ -9532,7 +10184,7 @@
             </a:r>
             <a:r>
               <a:rPr lang="en-US" sz="3600" dirty="0" err="1"/>
-              <a:t>HideDataDownloadXML</a:t>
+              <a:t>DownloadAndParseXML</a:t>
             </a:r>
             <a:endParaRPr lang="en-US" sz="3600" dirty="0"/>
           </a:p>
@@ -9654,13 +10306,7 @@
               <a:buAutoNum type="arabicPeriod"/>
             </a:pPr>
             <a:r>
-              <a:rPr lang="en-US" sz="2000" dirty="0">
-                <a:solidFill>
-                  <a:schemeClr val="bg1">
-                    <a:lumMod val="65000"/>
-                  </a:schemeClr>
-                </a:solidFill>
-              </a:rPr>
+              <a:rPr lang="en-US" sz="2000" dirty="0"/>
               <a:t>Clone class source code</a:t>
             </a:r>
           </a:p>
@@ -9671,21 +10317,16 @@
             </a:pPr>
             <a:r>
               <a:rPr lang="en-US" sz="2000" dirty="0"/>
-              <a:t>Separate </a:t>
+              <a:t>Add </a:t>
             </a:r>
             <a:r>
               <a:rPr lang="en-US" sz="2000" dirty="0" err="1"/>
-              <a:t>ShapeModel</a:t>
-            </a:r>
-            <a:r>
-              <a:rPr lang="en-US" sz="2000" dirty="0"/>
-              <a:t> into separate file called </a:t>
-            </a:r>
-            <a:r>
-              <a:rPr lang="en-US" sz="2000" dirty="0" err="1"/>
-              <a:t>ShapeModel.cs</a:t>
-            </a:r>
-            <a:endParaRPr lang="en-US" sz="2000" dirty="0"/>
+              <a:t>ToString</a:t>
+            </a:r>
+            <a:r>
+              <a:rPr lang="en-US" sz="2000" dirty="0"/>
+              <a:t> method to Shape class</a:t>
+            </a:r>
           </a:p>
           <a:p>
             <a:pPr marL="457200" indent="-457200">
@@ -9694,16 +10335,21 @@
             </a:pPr>
             <a:r>
               <a:rPr lang="en-US" sz="2000" dirty="0"/>
-              <a:t>Update source code in </a:t>
+              <a:t>Separate </a:t>
             </a:r>
             <a:r>
               <a:rPr lang="en-US" sz="2000" dirty="0" err="1"/>
-              <a:t>Git</a:t>
-            </a:r>
-            <a:r>
-              <a:rPr lang="en-US" sz="2000" dirty="0"/>
-              <a:t> repository</a:t>
-            </a:r>
+              <a:t>ShapeModel</a:t>
+            </a:r>
+            <a:r>
+              <a:rPr lang="en-US" sz="2000" dirty="0"/>
+              <a:t> into separate file called </a:t>
+            </a:r>
+            <a:r>
+              <a:rPr lang="en-US" sz="2000" dirty="0" err="1"/>
+              <a:t>ShapeModel.cs</a:t>
+            </a:r>
+            <a:endParaRPr lang="en-US" sz="2000" dirty="0"/>
           </a:p>
           <a:p>
             <a:pPr marL="457200" indent="-457200">
@@ -9712,15 +10358,15 @@
             </a:pPr>
             <a:r>
               <a:rPr lang="en-US" sz="2000" dirty="0"/>
-              <a:t>Implement, demonstrate and test </a:t>
+              <a:t>Update source code in </a:t>
             </a:r>
             <a:r>
               <a:rPr lang="en-US" sz="2000" dirty="0" err="1"/>
-              <a:t>ShapeModel</a:t>
-            </a:r>
-            <a:r>
-              <a:rPr lang="en-US" sz="2000" dirty="0"/>
-              <a:t> new application</a:t>
+              <a:t>Git</a:t>
+            </a:r>
+            <a:r>
+              <a:rPr lang="en-US" sz="2000" dirty="0"/>
+              <a:t> repository</a:t>
             </a:r>
           </a:p>
         </p:txBody>
@@ -10075,11 +10721,11 @@
           <a:p>
             <a:r>
               <a:rPr lang="en-US" sz="3600" dirty="0"/>
-              <a:t>Separate </a:t>
+              <a:t>Implement </a:t>
             </a:r>
             <a:r>
               <a:rPr lang="en-US" sz="3600" dirty="0" err="1"/>
-              <a:t>DownloadXML_MVC</a:t>
+              <a:t>DownloadAndParseXML_MVC</a:t>
             </a:r>
             <a:endParaRPr lang="en-US" sz="3600" dirty="0"/>
           </a:p>
@@ -10136,9 +10782,20 @@
             </a:r>
             <a:r>
               <a:rPr lang="en-US" sz="2000" dirty="0" err="1"/>
-              <a:t>ShapeModelViewController</a:t>
-            </a:r>
-            <a:endParaRPr lang="en-US" sz="2000" dirty="0"/>
+              <a:t>ShapeController</a:t>
+            </a:r>
+            <a:r>
+              <a:rPr lang="en-US" sz="2000" dirty="0"/>
+              <a:t> using “</a:t>
+            </a:r>
+            <a:r>
+              <a:rPr lang="en-US" sz="2000" dirty="0" err="1"/>
+              <a:t>Project|Add</a:t>
+            </a:r>
+            <a:r>
+              <a:rPr lang="en-US" sz="2000" dirty="0"/>
+              <a:t> New Item”</a:t>
+            </a:r>
           </a:p>
           <a:p>
             <a:pPr marL="457200" indent="-457200">
@@ -10147,7 +10804,7 @@
             </a:pPr>
             <a:r>
               <a:rPr lang="en-US" sz="2000" dirty="0"/>
-              <a:t>Import </a:t>
+              <a:t>“Import” </a:t>
             </a:r>
             <a:r>
               <a:rPr lang="en-US" sz="2000" dirty="0" err="1"/>
@@ -10159,9 +10816,20 @@
             </a:r>
             <a:r>
               <a:rPr lang="en-US" sz="2000" dirty="0" err="1"/>
-              <a:t>ShapeModelViewController</a:t>
-            </a:r>
-            <a:endParaRPr lang="en-US" sz="2000" dirty="0"/>
+              <a:t>ShapeController</a:t>
+            </a:r>
+            <a:r>
+              <a:rPr lang="en-US" sz="2000" dirty="0"/>
+              <a:t> using “</a:t>
+            </a:r>
+            <a:r>
+              <a:rPr lang="en-US" sz="2000" dirty="0" err="1"/>
+              <a:t>Project|Add</a:t>
+            </a:r>
+            <a:r>
+              <a:rPr lang="en-US" sz="2000" dirty="0"/>
+              <a:t> Existing Item”</a:t>
+            </a:r>
           </a:p>
           <a:p>
             <a:pPr marL="457200" indent="-457200">
@@ -10194,6 +10862,378 @@
 </file>
 
 <file path=ppt/slides/slide32.xml><?xml version="1.0" encoding="utf-8"?>
+<p:sld xmlns:a="http://schemas.openxmlformats.org/drawingml/2006/main" xmlns:r="http://schemas.openxmlformats.org/officeDocument/2006/relationships" xmlns:p="http://schemas.openxmlformats.org/presentationml/2006/main">
+  <p:cSld>
+    <p:spTree>
+      <p:nvGrpSpPr>
+        <p:cNvPr id="1" name=""/>
+        <p:cNvGrpSpPr/>
+        <p:nvPr/>
+      </p:nvGrpSpPr>
+      <p:grpSpPr>
+        <a:xfrm>
+          <a:off x="0" y="0"/>
+          <a:ext cx="0" cy="0"/>
+          <a:chOff x="0" y="0"/>
+          <a:chExt cx="0" cy="0"/>
+        </a:xfrm>
+      </p:grpSpPr>
+      <p:sp>
+        <p:nvSpPr>
+          <p:cNvPr id="2" name="Title 1"/>
+          <p:cNvSpPr>
+            <a:spLocks noGrp="1"/>
+          </p:cNvSpPr>
+          <p:nvPr>
+            <p:ph type="title"/>
+          </p:nvPr>
+        </p:nvSpPr>
+        <p:spPr>
+          <a:xfrm>
+            <a:off x="838200" y="474626"/>
+            <a:ext cx="10515600" cy="757272"/>
+          </a:xfrm>
+        </p:spPr>
+        <p:txBody>
+          <a:bodyPr>
+            <a:normAutofit/>
+          </a:bodyPr>
+          <a:lstStyle/>
+          <a:p>
+            <a:r>
+              <a:rPr lang="en-US" sz="3600" dirty="0"/>
+              <a:t>Learning Objectives – Week 7</a:t>
+            </a:r>
+            <a:endParaRPr lang="en-US" sz="3600" b="1" i="1" u="sng" dirty="0"/>
+          </a:p>
+        </p:txBody>
+      </p:sp>
+      <p:sp>
+        <p:nvSpPr>
+          <p:cNvPr id="3" name="Content Placeholder 2"/>
+          <p:cNvSpPr>
+            <a:spLocks noGrp="1"/>
+          </p:cNvSpPr>
+          <p:nvPr>
+            <p:ph idx="1"/>
+          </p:nvPr>
+        </p:nvSpPr>
+        <p:spPr>
+          <a:xfrm>
+            <a:off x="838200" y="1231898"/>
+            <a:ext cx="10718950" cy="5463343"/>
+          </a:xfrm>
+        </p:spPr>
+        <p:txBody>
+          <a:bodyPr>
+            <a:normAutofit/>
+          </a:bodyPr>
+          <a:lstStyle/>
+          <a:p>
+            <a:pPr marL="0" indent="0">
+              <a:buNone/>
+            </a:pPr>
+            <a:r>
+              <a:rPr lang="en-US" sz="2000" dirty="0"/>
+              <a:t>Using Visual Studio 2017, C#, and .NET we will:</a:t>
+            </a:r>
+          </a:p>
+          <a:p>
+            <a:pPr marL="457200" indent="-457200">
+              <a:buFont typeface="+mj-lt"/>
+              <a:buAutoNum type="arabicPeriod"/>
+            </a:pPr>
+            <a:r>
+              <a:rPr lang="en-US" sz="2000" dirty="0">
+                <a:solidFill>
+                  <a:schemeClr val="bg1">
+                    <a:lumMod val="65000"/>
+                  </a:schemeClr>
+                </a:solidFill>
+              </a:rPr>
+              <a:t>Review and implement information hiding</a:t>
+            </a:r>
+          </a:p>
+          <a:p>
+            <a:pPr marL="457200" indent="-457200">
+              <a:buFont typeface="+mj-lt"/>
+              <a:buAutoNum type="arabicPeriod"/>
+            </a:pPr>
+            <a:r>
+              <a:rPr lang="en-US" sz="2000" dirty="0">
+                <a:solidFill>
+                  <a:schemeClr val="bg1">
+                    <a:lumMod val="65000"/>
+                  </a:schemeClr>
+                </a:solidFill>
+              </a:rPr>
+              <a:t>Download documents from remote Web (HTTP) servers</a:t>
+            </a:r>
+          </a:p>
+          <a:p>
+            <a:pPr marL="457200" indent="-457200">
+              <a:buFont typeface="+mj-lt"/>
+              <a:buAutoNum type="arabicPeriod"/>
+            </a:pPr>
+            <a:r>
+              <a:rPr lang="en-US" sz="2000" dirty="0">
+                <a:solidFill>
+                  <a:schemeClr val="bg1">
+                    <a:lumMod val="65000"/>
+                  </a:schemeClr>
+                </a:solidFill>
+              </a:rPr>
+              <a:t>Parse data expressed in XML format</a:t>
+            </a:r>
+          </a:p>
+          <a:p>
+            <a:pPr marL="457200" indent="-457200">
+              <a:buFont typeface="+mj-lt"/>
+              <a:buAutoNum type="arabicPeriod"/>
+            </a:pPr>
+            <a:r>
+              <a:rPr lang="en-US" sz="2000" dirty="0">
+                <a:solidFill>
+                  <a:schemeClr val="bg1">
+                    <a:lumMod val="65000"/>
+                  </a:schemeClr>
+                </a:solidFill>
+              </a:rPr>
+              <a:t>Separate an application’s functionality among classes</a:t>
+            </a:r>
+          </a:p>
+          <a:p>
+            <a:pPr marL="457200" indent="-457200">
+              <a:buFont typeface="+mj-lt"/>
+              <a:buAutoNum type="arabicPeriod"/>
+            </a:pPr>
+            <a:r>
+              <a:rPr lang="en-US" sz="2000" dirty="0">
+                <a:solidFill>
+                  <a:schemeClr val="bg1">
+                    <a:lumMod val="50000"/>
+                  </a:schemeClr>
+                </a:solidFill>
+              </a:rPr>
+              <a:t>Separate code among files and libraries so that you can reuse in other applications</a:t>
+            </a:r>
+          </a:p>
+          <a:p>
+            <a:pPr marL="457200" indent="-457200">
+              <a:buFont typeface="+mj-lt"/>
+              <a:buAutoNum type="arabicPeriod"/>
+            </a:pPr>
+            <a:r>
+              <a:rPr lang="en-US" sz="2000" dirty="0">
+                <a:solidFill>
+                  <a:schemeClr val="bg1">
+                    <a:lumMod val="65000"/>
+                  </a:schemeClr>
+                </a:solidFill>
+              </a:rPr>
+              <a:t>Review a Model-View-Controller application</a:t>
+            </a:r>
+          </a:p>
+          <a:p>
+            <a:pPr marL="457200" indent="-457200">
+              <a:buFont typeface="+mj-lt"/>
+              <a:buAutoNum type="arabicPeriod"/>
+            </a:pPr>
+            <a:r>
+              <a:rPr lang="en-US" sz="2000" dirty="0"/>
+              <a:t>Perform basic drawing operations</a:t>
+            </a:r>
+          </a:p>
+        </p:txBody>
+      </p:sp>
+    </p:spTree>
+    <p:extLst>
+      <p:ext uri="{BB962C8B-B14F-4D97-AF65-F5344CB8AC3E}">
+        <p14:creationId xmlns:p14="http://schemas.microsoft.com/office/powerpoint/2010/main" val="726401390"/>
+      </p:ext>
+    </p:extLst>
+  </p:cSld>
+  <p:clrMapOvr>
+    <a:masterClrMapping/>
+  </p:clrMapOvr>
+</p:sld>
+</file>
+
+<file path=ppt/slides/slide33.xml><?xml version="1.0" encoding="utf-8"?>
+<p:sld xmlns:a="http://schemas.openxmlformats.org/drawingml/2006/main" xmlns:r="http://schemas.openxmlformats.org/officeDocument/2006/relationships" xmlns:p="http://schemas.openxmlformats.org/presentationml/2006/main">
+  <p:cSld>
+    <p:spTree>
+      <p:nvGrpSpPr>
+        <p:cNvPr id="1" name=""/>
+        <p:cNvGrpSpPr/>
+        <p:nvPr/>
+      </p:nvGrpSpPr>
+      <p:grpSpPr>
+        <a:xfrm>
+          <a:off x="0" y="0"/>
+          <a:ext cx="0" cy="0"/>
+          <a:chOff x="0" y="0"/>
+          <a:chExt cx="0" cy="0"/>
+        </a:xfrm>
+      </p:grpSpPr>
+      <p:sp>
+        <p:nvSpPr>
+          <p:cNvPr id="2" name="Title 1"/>
+          <p:cNvSpPr>
+            <a:spLocks noGrp="1"/>
+          </p:cNvSpPr>
+          <p:nvPr>
+            <p:ph type="title"/>
+          </p:nvPr>
+        </p:nvSpPr>
+        <p:spPr>
+          <a:xfrm>
+            <a:off x="838200" y="365125"/>
+            <a:ext cx="10411047" cy="1325563"/>
+          </a:xfrm>
+        </p:spPr>
+        <p:txBody>
+          <a:bodyPr>
+            <a:normAutofit/>
+          </a:bodyPr>
+          <a:lstStyle/>
+          <a:p>
+            <a:r>
+              <a:rPr lang="en-US" sz="3600" dirty="0"/>
+              <a:t>Implement </a:t>
+            </a:r>
+            <a:r>
+              <a:rPr lang="en-US" sz="3600" dirty="0" err="1"/>
+              <a:t>DrawShapes</a:t>
+            </a:r>
+            <a:endParaRPr lang="en-US" sz="3600" dirty="0"/>
+          </a:p>
+        </p:txBody>
+      </p:sp>
+      <p:sp>
+        <p:nvSpPr>
+          <p:cNvPr id="4" name="Content Placeholder 2"/>
+          <p:cNvSpPr>
+            <a:spLocks noGrp="1"/>
+          </p:cNvSpPr>
+          <p:nvPr>
+            <p:ph idx="1"/>
+          </p:nvPr>
+        </p:nvSpPr>
+        <p:spPr>
+          <a:xfrm>
+            <a:off x="838200" y="1481640"/>
+            <a:ext cx="10718950" cy="5062699"/>
+          </a:xfrm>
+        </p:spPr>
+        <p:txBody>
+          <a:bodyPr>
+            <a:noAutofit/>
+          </a:bodyPr>
+          <a:lstStyle/>
+          <a:p>
+            <a:pPr marL="0" indent="0">
+              <a:buNone/>
+            </a:pPr>
+            <a:r>
+              <a:rPr lang="en-US" sz="2000" u="sng" dirty="0"/>
+              <a:t>Features:</a:t>
+            </a:r>
+          </a:p>
+          <a:p>
+            <a:pPr marL="457200" indent="-457200">
+              <a:buFont typeface="+mj-lt"/>
+              <a:buAutoNum type="arabicPeriod"/>
+            </a:pPr>
+            <a:r>
+              <a:rPr lang="en-US" sz="2000" dirty="0"/>
+              <a:t>Develop new application entirely in Visual Studio 2017 and C#</a:t>
+            </a:r>
+          </a:p>
+          <a:p>
+            <a:pPr marL="457200" indent="-457200">
+              <a:buFont typeface="+mj-lt"/>
+              <a:buAutoNum type="arabicPeriod"/>
+            </a:pPr>
+            <a:r>
+              <a:rPr lang="en-US" sz="2000" dirty="0"/>
+              <a:t>Create a new Windows Forms (.NET Framework) application called </a:t>
+            </a:r>
+            <a:r>
+              <a:rPr lang="en-US" sz="2000" dirty="0" err="1"/>
+              <a:t>DrawShapes</a:t>
+            </a:r>
+            <a:endParaRPr lang="en-US" sz="2000" dirty="0"/>
+          </a:p>
+          <a:p>
+            <a:pPr marL="457200" indent="-457200">
+              <a:buFont typeface="+mj-lt"/>
+              <a:buAutoNum type="arabicPeriod"/>
+            </a:pPr>
+            <a:r>
+              <a:rPr lang="en-US" sz="2000" dirty="0"/>
+              <a:t>Add a button called </a:t>
+            </a:r>
+            <a:r>
+              <a:rPr lang="en-US" sz="2000" dirty="0" err="1"/>
+              <a:t>DrawNow</a:t>
+            </a:r>
+            <a:r>
+              <a:rPr lang="en-US" sz="2000" dirty="0"/>
+              <a:t> with button text of “Draw”</a:t>
+            </a:r>
+          </a:p>
+          <a:p>
+            <a:pPr marL="457200" indent="-457200">
+              <a:buFont typeface="+mj-lt"/>
+              <a:buAutoNum type="arabicPeriod"/>
+            </a:pPr>
+            <a:r>
+              <a:rPr lang="en-US" sz="2000" dirty="0"/>
+              <a:t>Edit the button pressed code to draw Ovals and Rectangles</a:t>
+            </a:r>
+          </a:p>
+          <a:p>
+            <a:pPr marL="457200" indent="-457200">
+              <a:buFont typeface="+mj-lt"/>
+              <a:buAutoNum type="arabicPeriod"/>
+            </a:pPr>
+            <a:r>
+              <a:rPr lang="en-US" sz="2000" dirty="0"/>
+              <a:t>Create separate methods to draw and an Oval and a Rectangle</a:t>
+            </a:r>
+          </a:p>
+          <a:p>
+            <a:pPr marL="457200" indent="-457200">
+              <a:buFont typeface="+mj-lt"/>
+              <a:buAutoNum type="arabicPeriod"/>
+            </a:pPr>
+            <a:r>
+              <a:rPr lang="en-US" sz="2000" dirty="0"/>
+              <a:t>Draw a few Ovals </a:t>
+            </a:r>
+            <a:r>
+              <a:rPr lang="en-US" sz="2000"/>
+              <a:t>and Rectangles</a:t>
+            </a:r>
+            <a:endParaRPr lang="en-US" sz="2000" dirty="0"/>
+          </a:p>
+        </p:txBody>
+      </p:sp>
+    </p:spTree>
+    <p:extLst>
+      <p:ext uri="{BB962C8B-B14F-4D97-AF65-F5344CB8AC3E}">
+        <p14:creationId xmlns:p14="http://schemas.microsoft.com/office/powerpoint/2010/main" val="1732647642"/>
+      </p:ext>
+    </p:extLst>
+  </p:cSld>
+  <p:clrMapOvr>
+    <a:masterClrMapping/>
+  </p:clrMapOvr>
+</p:sld>
+</file>
+
+<file path=ppt/slides/slide34.xml><?xml version="1.0" encoding="utf-8"?>
 <p:sld xmlns:a="http://schemas.openxmlformats.org/drawingml/2006/main" xmlns:r="http://schemas.openxmlformats.org/officeDocument/2006/relationships" xmlns:p="http://schemas.openxmlformats.org/presentationml/2006/main">
   <p:cSld>
     <p:bg>
@@ -11995,12 +13035,12 @@
 <file path=customXml/itemProps1.xml><?xml version="1.0" encoding="utf-8"?>
 <ds:datastoreItem xmlns:ds="http://schemas.openxmlformats.org/officeDocument/2006/customXml" ds:itemID="{3473EA1A-2744-48E8-B2A3-4F89C0FC849C}">
   <ds:schemaRefs>
-    <ds:schemaRef ds:uri="http://purl.org/dc/terms/"/>
     <ds:schemaRef ds:uri="http://schemas.microsoft.com/office/2006/documentManagement/types"/>
     <ds:schemaRef ds:uri="http://purl.org/dc/dcmitype/"/>
     <ds:schemaRef ds:uri="http://schemas.microsoft.com/office/infopath/2007/PartnerControls"/>
     <ds:schemaRef ds:uri="http://purl.org/dc/elements/1.1/"/>
     <ds:schemaRef ds:uri="http://schemas.microsoft.com/office/2006/metadata/properties"/>
+    <ds:schemaRef ds:uri="http://purl.org/dc/terms/"/>
     <ds:schemaRef ds:uri="http://schemas.openxmlformats.org/package/2006/metadata/core-properties"/>
     <ds:schemaRef ds:uri="http://www.w3.org/XML/1998/namespace"/>
   </ds:schemaRefs>

--- a/CPSC-24500/Week07/2017SpringW07Slides.pptx
+++ b/CPSC-24500/Week07/2017SpringW07Slides.pptx
@@ -9387,7 +9387,7 @@
             </a:br>
             <a:r>
               <a:rPr lang="en-US" sz="1800" dirty="0"/>
-              <a:t>Session: Week 7 Session 1 </a:t>
+              <a:t>Session: Week 7 Discussion &amp; Lecture </a:t>
             </a:r>
             <a:br>
               <a:rPr lang="en-US" sz="1800" dirty="0"/>
@@ -9471,15 +9471,8 @@
             </a:pPr>
             <a:r>
               <a:rPr lang="en-US" sz="2000" dirty="0"/>
-              <a:t>Review Week 7 To-do List </a:t>
-            </a:r>
-            <a:r>
-              <a:rPr lang="en-US" sz="2000" dirty="0">
-                <a:hlinkClick r:id="rId4"/>
-              </a:rPr>
-              <a:t>[link]</a:t>
-            </a:r>
-            <a:endParaRPr lang="en-US" sz="2000" dirty="0"/>
+              <a:t>Review Week 7 To-do List</a:t>
+            </a:r>
           </a:p>
           <a:p>
             <a:pPr lvl="1"/>
@@ -9509,13 +9502,7 @@
             <a:pPr lvl="1"/>
             <a:r>
               <a:rPr lang="en-US" sz="1600" dirty="0"/>
-              <a:t>Week 7 Questions Assignment </a:t>
-            </a:r>
-            <a:r>
-              <a:rPr lang="en-US" sz="1600" u="sng" dirty="0">
-                <a:hlinkClick r:id="rId5"/>
-              </a:rPr>
-              <a:t>[link]</a:t>
+              <a:t>Week 7 Questions Assignment</a:t>
             </a:r>
             <a:endParaRPr lang="en-US" sz="1600" u="sng" dirty="0"/>
           </a:p>
@@ -9523,13 +9510,7 @@
             <a:pPr lvl="1"/>
             <a:r>
               <a:rPr lang="en-US" sz="1600" dirty="0"/>
-              <a:t>Week 7 Programming Assignment </a:t>
-            </a:r>
-            <a:r>
-              <a:rPr lang="en-US" sz="1600" u="sng" dirty="0">
-                <a:hlinkClick r:id="rId6"/>
-              </a:rPr>
-              <a:t>[link]</a:t>
+              <a:t>Week 7 Programming Assignment</a:t>
             </a:r>
             <a:endParaRPr lang="en-US" sz="2000" dirty="0"/>
           </a:p>
@@ -9845,7 +9826,7 @@
           <a:p>
             <a:r>
               <a:rPr lang="en-US" sz="2000" dirty="0"/>
-              <a:t>Compiling required in order to utilize (con)</a:t>
+              <a:t>Compiling required in order to utilize shared code (con)</a:t>
             </a:r>
           </a:p>
           <a:p>
@@ -9857,7 +9838,7 @@
           <a:p>
             <a:r>
               <a:rPr lang="en-US" sz="2000" dirty="0"/>
-              <a:t>Very similar to how we did it with Java and other languages</a:t>
+              <a:t>Very similar to how we did it with Java</a:t>
             </a:r>
           </a:p>
         </p:txBody>
@@ -10113,7 +10094,7 @@
           <a:p>
             <a:r>
               <a:rPr lang="en-US" sz="2000" dirty="0"/>
-              <a:t>Legal &amp; Privacy (?)</a:t>
+              <a:t>Legal &amp; Privacy (pro… or con)</a:t>
             </a:r>
           </a:p>
         </p:txBody>
@@ -10172,7 +10153,7 @@
           <a:p>
             <a:r>
               <a:rPr lang="en-US" sz="3600" dirty="0"/>
-              <a:t>Separate </a:t>
+              <a:t>Implement </a:t>
             </a:r>
             <a:r>
               <a:rPr lang="en-US" sz="3600" dirty="0" err="1"/>
@@ -10317,7 +10298,7 @@
             </a:pPr>
             <a:r>
               <a:rPr lang="en-US" sz="2000" dirty="0"/>
-              <a:t>Add </a:t>
+              <a:t>Review </a:t>
             </a:r>
             <a:r>
               <a:rPr lang="en-US" sz="2000" dirty="0" err="1"/>
@@ -10325,7 +10306,7 @@
             </a:r>
             <a:r>
               <a:rPr lang="en-US" sz="2000" dirty="0"/>
-              <a:t> method to Shape class</a:t>
+              <a:t> method that was added to Shape class</a:t>
             </a:r>
           </a:p>
           <a:p>
@@ -12904,9 +12885,12 @@
 </file>
 
 <file path=customXml/item1.xml><?xml version="1.0" encoding="utf-8"?>
-<p:properties xmlns:p="http://schemas.microsoft.com/office/2006/metadata/properties" xmlns:xsi="http://www.w3.org/2001/XMLSchema-instance" xmlns:pc="http://schemas.microsoft.com/office/infopath/2007/PartnerControls">
-  <documentManagement/>
-</p:properties>
+<?mso-contentType ?>
+<FormTemplates xmlns="http://schemas.microsoft.com/sharepoint/v3/contenttype/forms">
+  <Display>DocumentLibraryForm</Display>
+  <Edit>DocumentLibraryForm</Edit>
+  <New>DocumentLibraryForm</New>
+</FormTemplates>
 </file>
 
 <file path=customXml/item2.xml><?xml version="1.0" encoding="utf-8"?>
@@ -13024,25 +13008,15 @@
 </file>
 
 <file path=customXml/item3.xml><?xml version="1.0" encoding="utf-8"?>
-<?mso-contentType ?>
-<FormTemplates xmlns="http://schemas.microsoft.com/sharepoint/v3/contenttype/forms">
-  <Display>DocumentLibraryForm</Display>
-  <Edit>DocumentLibraryForm</Edit>
-  <New>DocumentLibraryForm</New>
-</FormTemplates>
+<p:properties xmlns:p="http://schemas.microsoft.com/office/2006/metadata/properties" xmlns:xsi="http://www.w3.org/2001/XMLSchema-instance" xmlns:pc="http://schemas.microsoft.com/office/infopath/2007/PartnerControls">
+  <documentManagement/>
+</p:properties>
 </file>
 
 <file path=customXml/itemProps1.xml><?xml version="1.0" encoding="utf-8"?>
-<ds:datastoreItem xmlns:ds="http://schemas.openxmlformats.org/officeDocument/2006/customXml" ds:itemID="{3473EA1A-2744-48E8-B2A3-4F89C0FC849C}">
+<ds:datastoreItem xmlns:ds="http://schemas.openxmlformats.org/officeDocument/2006/customXml" ds:itemID="{87FD8B20-B89A-4B23-9329-175195DD4D8A}">
   <ds:schemaRefs>
-    <ds:schemaRef ds:uri="http://schemas.microsoft.com/office/2006/documentManagement/types"/>
-    <ds:schemaRef ds:uri="http://purl.org/dc/dcmitype/"/>
-    <ds:schemaRef ds:uri="http://schemas.microsoft.com/office/infopath/2007/PartnerControls"/>
-    <ds:schemaRef ds:uri="http://purl.org/dc/elements/1.1/"/>
-    <ds:schemaRef ds:uri="http://schemas.microsoft.com/office/2006/metadata/properties"/>
-    <ds:schemaRef ds:uri="http://purl.org/dc/terms/"/>
-    <ds:schemaRef ds:uri="http://schemas.openxmlformats.org/package/2006/metadata/core-properties"/>
-    <ds:schemaRef ds:uri="http://www.w3.org/XML/1998/namespace"/>
+    <ds:schemaRef ds:uri="http://schemas.microsoft.com/sharepoint/v3/contenttype/forms"/>
   </ds:schemaRefs>
 </ds:datastoreItem>
 </file>
@@ -13064,9 +13038,16 @@
 </file>
 
 <file path=customXml/itemProps3.xml><?xml version="1.0" encoding="utf-8"?>
-<ds:datastoreItem xmlns:ds="http://schemas.openxmlformats.org/officeDocument/2006/customXml" ds:itemID="{87FD8B20-B89A-4B23-9329-175195DD4D8A}">
+<ds:datastoreItem xmlns:ds="http://schemas.openxmlformats.org/officeDocument/2006/customXml" ds:itemID="{3473EA1A-2744-48E8-B2A3-4F89C0FC849C}">
   <ds:schemaRefs>
-    <ds:schemaRef ds:uri="http://schemas.microsoft.com/sharepoint/v3/contenttype/forms"/>
+    <ds:schemaRef ds:uri="http://schemas.openxmlformats.org/package/2006/metadata/core-properties"/>
+    <ds:schemaRef ds:uri="http://purl.org/dc/dcmitype/"/>
+    <ds:schemaRef ds:uri="http://schemas.microsoft.com/office/2006/documentManagement/types"/>
+    <ds:schemaRef ds:uri="http://purl.org/dc/elements/1.1/"/>
+    <ds:schemaRef ds:uri="http://schemas.microsoft.com/office/2006/metadata/properties"/>
+    <ds:schemaRef ds:uri="http://purl.org/dc/terms/"/>
+    <ds:schemaRef ds:uri="http://schemas.microsoft.com/office/infopath/2007/PartnerControls"/>
+    <ds:schemaRef ds:uri="http://www.w3.org/XML/1998/namespace"/>
   </ds:schemaRefs>
 </ds:datastoreItem>
 </file>
--- a/CPSC-24500/Week07/2017SpringW07Slides.pptx
+++ b/CPSC-24500/Week07/2017SpringW07Slides.pptx
@@ -5,7 +5,7 @@
     <p:sldMasterId id="2147483648" r:id="rId4"/>
   </p:sldMasterIdLst>
   <p:notesMasterIdLst>
-    <p:notesMasterId r:id="rId39"/>
+    <p:notesMasterId r:id="rId41"/>
   </p:notesMasterIdLst>
   <p:sldIdLst>
     <p:sldId id="381" r:id="rId5"/>
@@ -42,6 +42,8 @@
     <p:sldId id="549" r:id="rId36"/>
     <p:sldId id="548" r:id="rId37"/>
     <p:sldId id="547" r:id="rId38"/>
+    <p:sldId id="552" r:id="rId39"/>
+    <p:sldId id="551" r:id="rId40"/>
   </p:sldIdLst>
   <p:sldSz cx="12192000" cy="6858000"/>
   <p:notesSz cx="7315200" cy="9601200"/>
@@ -237,7 +239,7 @@
           <a:p>
             <a:fld id="{91ED72D7-FE6F-4B82-8D31-76BC00B06094}" type="datetimeFigureOut">
               <a:rPr lang="en-US" smtClean="0"/>
-              <a:t>5/2/2017</a:t>
+              <a:t>5/3/2017</a:t>
             </a:fld>
             <a:endParaRPr lang="en-US" dirty="0"/>
           </a:p>
@@ -3570,6 +3572,174 @@
 </p:notes>
 </file>
 
+<file path=ppt/notesSlides/notesSlide35.xml><?xml version="1.0" encoding="utf-8"?>
+<p:notes xmlns:a="http://schemas.openxmlformats.org/drawingml/2006/main" xmlns:r="http://schemas.openxmlformats.org/officeDocument/2006/relationships" xmlns:p="http://schemas.openxmlformats.org/presentationml/2006/main">
+  <p:cSld>
+    <p:spTree>
+      <p:nvGrpSpPr>
+        <p:cNvPr id="1" name=""/>
+        <p:cNvGrpSpPr/>
+        <p:nvPr/>
+      </p:nvGrpSpPr>
+      <p:grpSpPr>
+        <a:xfrm>
+          <a:off x="0" y="0"/>
+          <a:ext cx="0" cy="0"/>
+          <a:chOff x="0" y="0"/>
+          <a:chExt cx="0" cy="0"/>
+        </a:xfrm>
+      </p:grpSpPr>
+      <p:sp>
+        <p:nvSpPr>
+          <p:cNvPr id="2" name="Slide Image Placeholder 1"/>
+          <p:cNvSpPr>
+            <a:spLocks noGrp="1" noRot="1" noChangeAspect="1"/>
+          </p:cNvSpPr>
+          <p:nvPr>
+            <p:ph type="sldImg"/>
+          </p:nvPr>
+        </p:nvSpPr>
+        <p:spPr/>
+      </p:sp>
+      <p:sp>
+        <p:nvSpPr>
+          <p:cNvPr id="3" name="Notes Placeholder 2"/>
+          <p:cNvSpPr>
+            <a:spLocks noGrp="1"/>
+          </p:cNvSpPr>
+          <p:nvPr>
+            <p:ph type="body" idx="1"/>
+          </p:nvPr>
+        </p:nvSpPr>
+        <p:spPr/>
+        <p:txBody>
+          <a:bodyPr/>
+          <a:lstStyle/>
+          <a:p>
+            <a:endParaRPr lang="en-US" sz="1000" dirty="0"/>
+          </a:p>
+        </p:txBody>
+      </p:sp>
+      <p:sp>
+        <p:nvSpPr>
+          <p:cNvPr id="4" name="Slide Number Placeholder 3"/>
+          <p:cNvSpPr>
+            <a:spLocks noGrp="1"/>
+          </p:cNvSpPr>
+          <p:nvPr>
+            <p:ph type="sldNum" sz="quarter" idx="10"/>
+          </p:nvPr>
+        </p:nvSpPr>
+        <p:spPr/>
+        <p:txBody>
+          <a:bodyPr/>
+          <a:lstStyle/>
+          <a:p>
+            <a:fld id="{5394DE12-7B9B-46AA-AC19-C30A49928B9B}" type="slidenum">
+              <a:rPr lang="en-US" smtClean="0"/>
+              <a:t>35</a:t>
+            </a:fld>
+            <a:endParaRPr lang="en-US" dirty="0"/>
+          </a:p>
+        </p:txBody>
+      </p:sp>
+    </p:spTree>
+    <p:extLst>
+      <p:ext uri="{BB962C8B-B14F-4D97-AF65-F5344CB8AC3E}">
+        <p14:creationId xmlns:p14="http://schemas.microsoft.com/office/powerpoint/2010/main" val="913745282"/>
+      </p:ext>
+    </p:extLst>
+  </p:cSld>
+  <p:clrMapOvr>
+    <a:masterClrMapping/>
+  </p:clrMapOvr>
+</p:notes>
+</file>
+
+<file path=ppt/notesSlides/notesSlide36.xml><?xml version="1.0" encoding="utf-8"?>
+<p:notes xmlns:a="http://schemas.openxmlformats.org/drawingml/2006/main" xmlns:r="http://schemas.openxmlformats.org/officeDocument/2006/relationships" xmlns:p="http://schemas.openxmlformats.org/presentationml/2006/main">
+  <p:cSld>
+    <p:spTree>
+      <p:nvGrpSpPr>
+        <p:cNvPr id="1" name=""/>
+        <p:cNvGrpSpPr/>
+        <p:nvPr/>
+      </p:nvGrpSpPr>
+      <p:grpSpPr>
+        <a:xfrm>
+          <a:off x="0" y="0"/>
+          <a:ext cx="0" cy="0"/>
+          <a:chOff x="0" y="0"/>
+          <a:chExt cx="0" cy="0"/>
+        </a:xfrm>
+      </p:grpSpPr>
+      <p:sp>
+        <p:nvSpPr>
+          <p:cNvPr id="2" name="Slide Image Placeholder 1"/>
+          <p:cNvSpPr>
+            <a:spLocks noGrp="1" noRot="1" noChangeAspect="1"/>
+          </p:cNvSpPr>
+          <p:nvPr>
+            <p:ph type="sldImg"/>
+          </p:nvPr>
+        </p:nvSpPr>
+        <p:spPr/>
+      </p:sp>
+      <p:sp>
+        <p:nvSpPr>
+          <p:cNvPr id="3" name="Notes Placeholder 2"/>
+          <p:cNvSpPr>
+            <a:spLocks noGrp="1"/>
+          </p:cNvSpPr>
+          <p:nvPr>
+            <p:ph type="body" idx="1"/>
+          </p:nvPr>
+        </p:nvSpPr>
+        <p:spPr/>
+        <p:txBody>
+          <a:bodyPr/>
+          <a:lstStyle/>
+          <a:p>
+            <a:endParaRPr lang="en-US" sz="1000" dirty="0"/>
+          </a:p>
+        </p:txBody>
+      </p:sp>
+      <p:sp>
+        <p:nvSpPr>
+          <p:cNvPr id="4" name="Slide Number Placeholder 3"/>
+          <p:cNvSpPr>
+            <a:spLocks noGrp="1"/>
+          </p:cNvSpPr>
+          <p:nvPr>
+            <p:ph type="sldNum" sz="quarter" idx="10"/>
+          </p:nvPr>
+        </p:nvSpPr>
+        <p:spPr/>
+        <p:txBody>
+          <a:bodyPr/>
+          <a:lstStyle/>
+          <a:p>
+            <a:fld id="{5394DE12-7B9B-46AA-AC19-C30A49928B9B}" type="slidenum">
+              <a:rPr lang="en-US" smtClean="0"/>
+              <a:t>36</a:t>
+            </a:fld>
+            <a:endParaRPr lang="en-US" dirty="0"/>
+          </a:p>
+        </p:txBody>
+      </p:sp>
+    </p:spTree>
+    <p:extLst>
+      <p:ext uri="{BB962C8B-B14F-4D97-AF65-F5344CB8AC3E}">
+        <p14:creationId xmlns:p14="http://schemas.microsoft.com/office/powerpoint/2010/main" val="818036464"/>
+      </p:ext>
+    </p:extLst>
+  </p:cSld>
+  <p:clrMapOvr>
+    <a:masterClrMapping/>
+  </p:clrMapOvr>
+</p:notes>
+</file>
+
 <file path=ppt/notesSlides/notesSlide4.xml><?xml version="1.0" encoding="utf-8"?>
 <p:notes xmlns:a="http://schemas.openxmlformats.org/drawingml/2006/main" xmlns:r="http://schemas.openxmlformats.org/officeDocument/2006/relationships" xmlns:p="http://schemas.openxmlformats.org/presentationml/2006/main">
   <p:cSld>
@@ -4346,7 +4516,7 @@
           <a:p>
             <a:fld id="{969F32F5-AB1C-41B2-AE79-C9DE1D1745A4}" type="datetimeFigureOut">
               <a:rPr lang="en-US" smtClean="0"/>
-              <a:t>5/2/2017</a:t>
+              <a:t>5/3/2017</a:t>
             </a:fld>
             <a:endParaRPr lang="en-US" dirty="0"/>
           </a:p>
@@ -4514,7 +4684,7 @@
           <a:p>
             <a:fld id="{969F32F5-AB1C-41B2-AE79-C9DE1D1745A4}" type="datetimeFigureOut">
               <a:rPr lang="en-US" smtClean="0"/>
-              <a:t>5/2/2017</a:t>
+              <a:t>5/3/2017</a:t>
             </a:fld>
             <a:endParaRPr lang="en-US" dirty="0"/>
           </a:p>
@@ -4692,7 +4862,7 @@
           <a:p>
             <a:fld id="{969F32F5-AB1C-41B2-AE79-C9DE1D1745A4}" type="datetimeFigureOut">
               <a:rPr lang="en-US" smtClean="0"/>
-              <a:t>5/2/2017</a:t>
+              <a:t>5/3/2017</a:t>
             </a:fld>
             <a:endParaRPr lang="en-US" dirty="0"/>
           </a:p>
@@ -4860,7 +5030,7 @@
           <a:p>
             <a:fld id="{969F32F5-AB1C-41B2-AE79-C9DE1D1745A4}" type="datetimeFigureOut">
               <a:rPr lang="en-US" smtClean="0"/>
-              <a:t>5/2/2017</a:t>
+              <a:t>5/3/2017</a:t>
             </a:fld>
             <a:endParaRPr lang="en-US" dirty="0"/>
           </a:p>
@@ -5105,7 +5275,7 @@
           <a:p>
             <a:fld id="{969F32F5-AB1C-41B2-AE79-C9DE1D1745A4}" type="datetimeFigureOut">
               <a:rPr lang="en-US" smtClean="0"/>
-              <a:t>5/2/2017</a:t>
+              <a:t>5/3/2017</a:t>
             </a:fld>
             <a:endParaRPr lang="en-US" dirty="0"/>
           </a:p>
@@ -5334,7 +5504,7 @@
           <a:p>
             <a:fld id="{969F32F5-AB1C-41B2-AE79-C9DE1D1745A4}" type="datetimeFigureOut">
               <a:rPr lang="en-US" smtClean="0"/>
-              <a:t>5/2/2017</a:t>
+              <a:t>5/3/2017</a:t>
             </a:fld>
             <a:endParaRPr lang="en-US" dirty="0"/>
           </a:p>
@@ -5698,7 +5868,7 @@
           <a:p>
             <a:fld id="{969F32F5-AB1C-41B2-AE79-C9DE1D1745A4}" type="datetimeFigureOut">
               <a:rPr lang="en-US" smtClean="0"/>
-              <a:t>5/2/2017</a:t>
+              <a:t>5/3/2017</a:t>
             </a:fld>
             <a:endParaRPr lang="en-US" dirty="0"/>
           </a:p>
@@ -5815,7 +5985,7 @@
           <a:p>
             <a:fld id="{969F32F5-AB1C-41B2-AE79-C9DE1D1745A4}" type="datetimeFigureOut">
               <a:rPr lang="en-US" smtClean="0"/>
-              <a:t>5/2/2017</a:t>
+              <a:t>5/3/2017</a:t>
             </a:fld>
             <a:endParaRPr lang="en-US" dirty="0"/>
           </a:p>
@@ -5910,7 +6080,7 @@
           <a:p>
             <a:fld id="{969F32F5-AB1C-41B2-AE79-C9DE1D1745A4}" type="datetimeFigureOut">
               <a:rPr lang="en-US" smtClean="0"/>
-              <a:t>5/2/2017</a:t>
+              <a:t>5/3/2017</a:t>
             </a:fld>
             <a:endParaRPr lang="en-US" dirty="0"/>
           </a:p>
@@ -6185,7 +6355,7 @@
           <a:p>
             <a:fld id="{969F32F5-AB1C-41B2-AE79-C9DE1D1745A4}" type="datetimeFigureOut">
               <a:rPr lang="en-US" smtClean="0"/>
-              <a:t>5/2/2017</a:t>
+              <a:t>5/3/2017</a:t>
             </a:fld>
             <a:endParaRPr lang="en-US" dirty="0"/>
           </a:p>
@@ -6437,7 +6607,7 @@
           <a:p>
             <a:fld id="{969F32F5-AB1C-41B2-AE79-C9DE1D1745A4}" type="datetimeFigureOut">
               <a:rPr lang="en-US" smtClean="0"/>
-              <a:t>5/2/2017</a:t>
+              <a:t>5/3/2017</a:t>
             </a:fld>
             <a:endParaRPr lang="en-US" dirty="0"/>
           </a:p>
@@ -6648,7 +6818,7 @@
           <a:p>
             <a:fld id="{969F32F5-AB1C-41B2-AE79-C9DE1D1745A4}" type="datetimeFigureOut">
               <a:rPr lang="en-US" smtClean="0"/>
-              <a:t>5/2/2017</a:t>
+              <a:t>5/3/2017</a:t>
             </a:fld>
             <a:endParaRPr lang="en-US" dirty="0"/>
           </a:p>
@@ -11325,6 +11495,382 @@
     <p:extLst>
       <p:ext uri="{BB962C8B-B14F-4D97-AF65-F5344CB8AC3E}">
         <p14:creationId xmlns:p14="http://schemas.microsoft.com/office/powerpoint/2010/main" val="2418247190"/>
+      </p:ext>
+    </p:extLst>
+  </p:cSld>
+  <p:clrMapOvr>
+    <a:masterClrMapping/>
+  </p:clrMapOvr>
+</p:sld>
+</file>
+
+<file path=ppt/slides/slide35.xml><?xml version="1.0" encoding="utf-8"?>
+<p:sld xmlns:a="http://schemas.openxmlformats.org/drawingml/2006/main" xmlns:r="http://schemas.openxmlformats.org/officeDocument/2006/relationships" xmlns:p="http://schemas.openxmlformats.org/presentationml/2006/main">
+  <p:cSld>
+    <p:spTree>
+      <p:nvGrpSpPr>
+        <p:cNvPr id="1" name=""/>
+        <p:cNvGrpSpPr/>
+        <p:nvPr/>
+      </p:nvGrpSpPr>
+      <p:grpSpPr>
+        <a:xfrm>
+          <a:off x="0" y="0"/>
+          <a:ext cx="0" cy="0"/>
+          <a:chOff x="0" y="0"/>
+          <a:chExt cx="0" cy="0"/>
+        </a:xfrm>
+      </p:grpSpPr>
+      <p:sp>
+        <p:nvSpPr>
+          <p:cNvPr id="2" name="Title 1"/>
+          <p:cNvSpPr>
+            <a:spLocks noGrp="1"/>
+          </p:cNvSpPr>
+          <p:nvPr>
+            <p:ph type="title"/>
+          </p:nvPr>
+        </p:nvSpPr>
+        <p:spPr>
+          <a:xfrm>
+            <a:off x="838200" y="365126"/>
+            <a:ext cx="6113662" cy="1409174"/>
+          </a:xfrm>
+        </p:spPr>
+        <p:txBody>
+          <a:bodyPr>
+            <a:normAutofit/>
+          </a:bodyPr>
+          <a:lstStyle/>
+          <a:p>
+            <a:r>
+              <a:rPr lang="en-US" sz="3600" dirty="0"/>
+              <a:t>Object-Oriented Programming</a:t>
+            </a:r>
+            <a:br>
+              <a:rPr lang="en-US" sz="3600" dirty="0"/>
+            </a:br>
+            <a:r>
+              <a:rPr lang="en-US" sz="1800" dirty="0"/>
+              <a:t>Session: Week 7 Session 5</a:t>
+            </a:r>
+            <a:br>
+              <a:rPr lang="en-US" sz="1800" dirty="0"/>
+            </a:br>
+            <a:r>
+              <a:rPr lang="en-US" sz="1800" dirty="0"/>
+              <a:t>Instructor: Eric Pogue</a:t>
+            </a:r>
+            <a:endParaRPr lang="en-US" sz="1800" b="1" i="1" u="sng" dirty="0"/>
+          </a:p>
+        </p:txBody>
+      </p:sp>
+      <p:pic>
+        <p:nvPicPr>
+          <p:cNvPr id="4" name="Content Placeholder 4"/>
+          <p:cNvPicPr>
+            <a:picLocks noChangeAspect="1"/>
+          </p:cNvPicPr>
+          <p:nvPr/>
+        </p:nvPicPr>
+        <p:blipFill>
+          <a:blip r:embed="rId3"/>
+          <a:stretch>
+            <a:fillRect/>
+          </a:stretch>
+        </p:blipFill>
+        <p:spPr>
+          <a:xfrm>
+            <a:off x="9072894" y="182925"/>
+            <a:ext cx="2656367" cy="1366321"/>
+          </a:xfrm>
+          <a:prstGeom prst="rect">
+            <a:avLst/>
+          </a:prstGeom>
+        </p:spPr>
+      </p:pic>
+      <p:sp>
+        <p:nvSpPr>
+          <p:cNvPr id="10" name="Content Placeholder 2"/>
+          <p:cNvSpPr>
+            <a:spLocks noGrp="1"/>
+          </p:cNvSpPr>
+          <p:nvPr>
+            <p:ph idx="1"/>
+          </p:nvPr>
+        </p:nvSpPr>
+        <p:spPr>
+          <a:xfrm>
+            <a:off x="838200" y="1795301"/>
+            <a:ext cx="10718950" cy="4571242"/>
+          </a:xfrm>
+        </p:spPr>
+        <p:txBody>
+          <a:bodyPr>
+            <a:noAutofit/>
+          </a:bodyPr>
+          <a:lstStyle/>
+          <a:p>
+            <a:pPr marL="0" indent="0">
+              <a:buNone/>
+            </a:pPr>
+            <a:r>
+              <a:rPr lang="en-US" sz="2000" u="sng" dirty="0" err="1"/>
+              <a:t>InternetShapeDrawLite</a:t>
+            </a:r>
+            <a:r>
+              <a:rPr lang="en-US" sz="2000" u="sng" dirty="0"/>
+              <a:t>:</a:t>
+            </a:r>
+          </a:p>
+          <a:p>
+            <a:pPr marL="457200" indent="-457200">
+              <a:buFont typeface="+mj-lt"/>
+              <a:buAutoNum type="arabicPeriod"/>
+            </a:pPr>
+            <a:r>
+              <a:rPr lang="en-US" sz="2000" dirty="0"/>
+              <a:t>Develop new application entirely in Visual Studio 2017 and C#</a:t>
+            </a:r>
+          </a:p>
+          <a:p>
+            <a:pPr marL="457200" indent="-457200">
+              <a:buFont typeface="+mj-lt"/>
+              <a:buAutoNum type="arabicPeriod"/>
+            </a:pPr>
+            <a:r>
+              <a:rPr lang="en-US" sz="2000" dirty="0"/>
+              <a:t>Create a new Windows Forms (.NET Framework) application called </a:t>
+            </a:r>
+            <a:r>
+              <a:rPr lang="en-US" sz="2000" u="sng" dirty="0" err="1"/>
+              <a:t>EJP</a:t>
+            </a:r>
+            <a:r>
+              <a:rPr lang="en-US" sz="2000" dirty="0" err="1"/>
+              <a:t>InternetShapeDrawLite</a:t>
+            </a:r>
+            <a:endParaRPr lang="en-US" sz="2000" dirty="0"/>
+          </a:p>
+          <a:p>
+            <a:pPr marL="457200" indent="-457200">
+              <a:buFont typeface="+mj-lt"/>
+              <a:buAutoNum type="arabicPeriod"/>
+            </a:pPr>
+            <a:r>
+              <a:rPr lang="en-US" sz="2000" dirty="0"/>
+              <a:t>Override </a:t>
+            </a:r>
+            <a:r>
+              <a:rPr lang="en-US" sz="2000" dirty="0" err="1"/>
+              <a:t>OnPaint</a:t>
+            </a:r>
+            <a:r>
+              <a:rPr lang="en-US" sz="2000" dirty="0"/>
+              <a:t>() </a:t>
+            </a:r>
+          </a:p>
+          <a:p>
+            <a:pPr marL="457200" indent="-457200">
+              <a:buFont typeface="+mj-lt"/>
+              <a:buAutoNum type="arabicPeriod"/>
+            </a:pPr>
+            <a:r>
+              <a:rPr lang="en-US" sz="2000" dirty="0"/>
+              <a:t>Implement graphical “Hello World!!!”</a:t>
+            </a:r>
+          </a:p>
+          <a:p>
+            <a:pPr marL="457200" indent="-457200">
+              <a:buFont typeface="+mj-lt"/>
+              <a:buAutoNum type="arabicPeriod"/>
+            </a:pPr>
+            <a:r>
+              <a:rPr lang="en-US" sz="2000" dirty="0"/>
+              <a:t>Draw Rectangles</a:t>
+            </a:r>
+          </a:p>
+          <a:p>
+            <a:pPr marL="457200" indent="-457200">
+              <a:buFont typeface="+mj-lt"/>
+              <a:buAutoNum type="arabicPeriod"/>
+            </a:pPr>
+            <a:r>
+              <a:rPr lang="en-US" sz="2000" dirty="0"/>
+              <a:t>Draw Ovals</a:t>
+            </a:r>
+          </a:p>
+          <a:p>
+            <a:pPr marL="457200" indent="-457200">
+              <a:buFont typeface="+mj-lt"/>
+              <a:buAutoNum type="arabicPeriod"/>
+            </a:pPr>
+            <a:r>
+              <a:rPr lang="en-US" sz="2000" dirty="0"/>
+              <a:t>Implement Loading and Parsing of Shapes… by copy/past importing from previous example</a:t>
+            </a:r>
+          </a:p>
+          <a:p>
+            <a:pPr marL="457200" indent="-457200">
+              <a:buFont typeface="+mj-lt"/>
+              <a:buAutoNum type="arabicPeriod"/>
+            </a:pPr>
+            <a:r>
+              <a:rPr lang="en-US" sz="2000" dirty="0"/>
+              <a:t>Draw Shape in </a:t>
+            </a:r>
+            <a:r>
+              <a:rPr lang="en-US" sz="2000" dirty="0" err="1"/>
+              <a:t>ShapeModel</a:t>
+            </a:r>
+            <a:endParaRPr lang="en-US" sz="2000" dirty="0"/>
+          </a:p>
+          <a:p>
+            <a:pPr marL="457200" indent="-457200">
+              <a:buFont typeface="+mj-lt"/>
+              <a:buAutoNum type="arabicPeriod"/>
+            </a:pPr>
+            <a:r>
+              <a:rPr lang="en-US" sz="2000" dirty="0"/>
+              <a:t>Review application requirements… add comments</a:t>
+            </a:r>
+          </a:p>
+          <a:p>
+            <a:pPr marL="457200" indent="-457200">
+              <a:buFont typeface="+mj-lt"/>
+              <a:buAutoNum type="arabicPeriod"/>
+            </a:pPr>
+            <a:r>
+              <a:rPr lang="en-US" sz="2000" dirty="0"/>
+              <a:t>Compile &amp; Test release build</a:t>
+            </a:r>
+          </a:p>
+        </p:txBody>
+      </p:sp>
+    </p:spTree>
+    <p:extLst>
+      <p:ext uri="{BB962C8B-B14F-4D97-AF65-F5344CB8AC3E}">
+        <p14:creationId xmlns:p14="http://schemas.microsoft.com/office/powerpoint/2010/main" val="2141637824"/>
+      </p:ext>
+    </p:extLst>
+  </p:cSld>
+  <p:clrMapOvr>
+    <a:masterClrMapping/>
+  </p:clrMapOvr>
+</p:sld>
+</file>
+
+<file path=ppt/slides/slide36.xml><?xml version="1.0" encoding="utf-8"?>
+<p:sld xmlns:a="http://schemas.openxmlformats.org/drawingml/2006/main" xmlns:r="http://schemas.openxmlformats.org/officeDocument/2006/relationships" xmlns:p="http://schemas.openxmlformats.org/presentationml/2006/main">
+  <p:cSld>
+    <p:bg>
+      <p:bgPr>
+        <a:solidFill>
+          <a:schemeClr val="bg1">
+            <a:lumMod val="75000"/>
+          </a:schemeClr>
+        </a:solidFill>
+        <a:effectLst/>
+      </p:bgPr>
+    </p:bg>
+    <p:spTree>
+      <p:nvGrpSpPr>
+        <p:cNvPr id="1" name=""/>
+        <p:cNvGrpSpPr/>
+        <p:nvPr/>
+      </p:nvGrpSpPr>
+      <p:grpSpPr>
+        <a:xfrm>
+          <a:off x="0" y="0"/>
+          <a:ext cx="0" cy="0"/>
+          <a:chOff x="0" y="0"/>
+          <a:chExt cx="0" cy="0"/>
+        </a:xfrm>
+      </p:grpSpPr>
+      <p:sp>
+        <p:nvSpPr>
+          <p:cNvPr id="2" name="Title 1"/>
+          <p:cNvSpPr>
+            <a:spLocks noGrp="1"/>
+          </p:cNvSpPr>
+          <p:nvPr>
+            <p:ph type="ctrTitle"/>
+          </p:nvPr>
+        </p:nvSpPr>
+        <p:spPr>
+          <a:xfrm>
+            <a:off x="1524000" y="1122363"/>
+            <a:ext cx="9144000" cy="2387600"/>
+          </a:xfrm>
+        </p:spPr>
+        <p:txBody>
+          <a:bodyPr>
+            <a:normAutofit/>
+          </a:bodyPr>
+          <a:lstStyle/>
+          <a:p>
+            <a:r>
+              <a:rPr lang="en-US" sz="4800" dirty="0"/>
+              <a:t>End of Session</a:t>
+            </a:r>
+          </a:p>
+        </p:txBody>
+      </p:sp>
+      <p:sp>
+        <p:nvSpPr>
+          <p:cNvPr id="3" name="Subtitle 2"/>
+          <p:cNvSpPr>
+            <a:spLocks noGrp="1"/>
+          </p:cNvSpPr>
+          <p:nvPr>
+            <p:ph type="subTitle" idx="1"/>
+          </p:nvPr>
+        </p:nvSpPr>
+        <p:spPr>
+          <a:xfrm>
+            <a:off x="1524000" y="3602038"/>
+            <a:ext cx="9144000" cy="2198022"/>
+          </a:xfrm>
+        </p:spPr>
+        <p:txBody>
+          <a:bodyPr>
+            <a:normAutofit/>
+          </a:bodyPr>
+          <a:lstStyle/>
+          <a:p>
+            <a:pPr algn="l"/>
+            <a:r>
+              <a:rPr lang="en-US" dirty="0"/>
+              <a:t>Course Number: CPSC-24500</a:t>
+            </a:r>
+          </a:p>
+          <a:p>
+            <a:pPr algn="l"/>
+            <a:r>
+              <a:rPr lang="en-US" dirty="0"/>
+              <a:t>Week: 7</a:t>
+            </a:r>
+          </a:p>
+          <a:p>
+            <a:pPr algn="l"/>
+            <a:r>
+              <a:rPr lang="en-US" dirty="0"/>
+              <a:t>Session: 5</a:t>
+            </a:r>
+          </a:p>
+          <a:p>
+            <a:pPr algn="l"/>
+            <a:r>
+              <a:rPr lang="en-US" dirty="0"/>
+              <a:t>Instructor: Eric Pogue</a:t>
+            </a:r>
+          </a:p>
+        </p:txBody>
+      </p:sp>
+    </p:spTree>
+    <p:extLst>
+      <p:ext uri="{BB962C8B-B14F-4D97-AF65-F5344CB8AC3E}">
+        <p14:creationId xmlns:p14="http://schemas.microsoft.com/office/powerpoint/2010/main" val="2376596164"/>
       </p:ext>
     </p:extLst>
   </p:cSld>
@@ -12885,12 +13431,9 @@
 </file>
 
 <file path=customXml/item1.xml><?xml version="1.0" encoding="utf-8"?>
-<?mso-contentType ?>
-<FormTemplates xmlns="http://schemas.microsoft.com/sharepoint/v3/contenttype/forms">
-  <Display>DocumentLibraryForm</Display>
-  <Edit>DocumentLibraryForm</Edit>
-  <New>DocumentLibraryForm</New>
-</FormTemplates>
+<p:properties xmlns:p="http://schemas.microsoft.com/office/2006/metadata/properties" xmlns:xsi="http://www.w3.org/2001/XMLSchema-instance" xmlns:pc="http://schemas.microsoft.com/office/infopath/2007/PartnerControls">
+  <documentManagement/>
+</p:properties>
 </file>
 
 <file path=customXml/item2.xml><?xml version="1.0" encoding="utf-8"?>
@@ -13008,15 +13551,25 @@
 </file>
 
 <file path=customXml/item3.xml><?xml version="1.0" encoding="utf-8"?>
-<p:properties xmlns:p="http://schemas.microsoft.com/office/2006/metadata/properties" xmlns:xsi="http://www.w3.org/2001/XMLSchema-instance" xmlns:pc="http://schemas.microsoft.com/office/infopath/2007/PartnerControls">
-  <documentManagement/>
-</p:properties>
+<?mso-contentType ?>
+<FormTemplates xmlns="http://schemas.microsoft.com/sharepoint/v3/contenttype/forms">
+  <Display>DocumentLibraryForm</Display>
+  <Edit>DocumentLibraryForm</Edit>
+  <New>DocumentLibraryForm</New>
+</FormTemplates>
 </file>
 
 <file path=customXml/itemProps1.xml><?xml version="1.0" encoding="utf-8"?>
-<ds:datastoreItem xmlns:ds="http://schemas.openxmlformats.org/officeDocument/2006/customXml" ds:itemID="{87FD8B20-B89A-4B23-9329-175195DD4D8A}">
+<ds:datastoreItem xmlns:ds="http://schemas.openxmlformats.org/officeDocument/2006/customXml" ds:itemID="{3473EA1A-2744-48E8-B2A3-4F89C0FC849C}">
   <ds:schemaRefs>
-    <ds:schemaRef ds:uri="http://schemas.microsoft.com/sharepoint/v3/contenttype/forms"/>
+    <ds:schemaRef ds:uri="http://schemas.microsoft.com/office/infopath/2007/PartnerControls"/>
+    <ds:schemaRef ds:uri="http://purl.org/dc/elements/1.1/"/>
+    <ds:schemaRef ds:uri="http://schemas.microsoft.com/office/2006/metadata/properties"/>
+    <ds:schemaRef ds:uri="http://purl.org/dc/terms/"/>
+    <ds:schemaRef ds:uri="http://schemas.openxmlformats.org/package/2006/metadata/core-properties"/>
+    <ds:schemaRef ds:uri="http://schemas.microsoft.com/office/2006/documentManagement/types"/>
+    <ds:schemaRef ds:uri="http://purl.org/dc/dcmitype/"/>
+    <ds:schemaRef ds:uri="http://www.w3.org/XML/1998/namespace"/>
   </ds:schemaRefs>
 </ds:datastoreItem>
 </file>
@@ -13038,16 +13591,9 @@
 </file>
 
 <file path=customXml/itemProps3.xml><?xml version="1.0" encoding="utf-8"?>
-<ds:datastoreItem xmlns:ds="http://schemas.openxmlformats.org/officeDocument/2006/customXml" ds:itemID="{3473EA1A-2744-48E8-B2A3-4F89C0FC849C}">
+<ds:datastoreItem xmlns:ds="http://schemas.openxmlformats.org/officeDocument/2006/customXml" ds:itemID="{87FD8B20-B89A-4B23-9329-175195DD4D8A}">
   <ds:schemaRefs>
-    <ds:schemaRef ds:uri="http://schemas.openxmlformats.org/package/2006/metadata/core-properties"/>
-    <ds:schemaRef ds:uri="http://purl.org/dc/dcmitype/"/>
-    <ds:schemaRef ds:uri="http://schemas.microsoft.com/office/2006/documentManagement/types"/>
-    <ds:schemaRef ds:uri="http://purl.org/dc/elements/1.1/"/>
-    <ds:schemaRef ds:uri="http://schemas.microsoft.com/office/2006/metadata/properties"/>
-    <ds:schemaRef ds:uri="http://purl.org/dc/terms/"/>
-    <ds:schemaRef ds:uri="http://schemas.microsoft.com/office/infopath/2007/PartnerControls"/>
-    <ds:schemaRef ds:uri="http://www.w3.org/XML/1998/namespace"/>
+    <ds:schemaRef ds:uri="http://schemas.microsoft.com/sharepoint/v3/contenttype/forms"/>
   </ds:schemaRefs>
 </ds:datastoreItem>
 </file>